--- a/발표/internProject(20191010).pptx
+++ b/발표/internProject(20191010).pptx
@@ -128,7 +128,7 @@
   </p:defaultTextStyle>
   <p:extLst>
     <p:ext uri="{EFAFB233-063F-42B5-8137-9DF3F51BA10A}">
-      <p15:sldGuideLst xmlns:p15="http://schemas.microsoft.com/office/powerpoint/2012/main" xmlns="">
+      <p15:sldGuideLst xmlns:p15="http://schemas.microsoft.com/office/powerpoint/2012/main">
         <p15:guide id="1" orient="horz" pos="2183" userDrawn="1">
           <p15:clr>
             <a:srgbClr val="A4A3A4"/>
@@ -227,7 +227,7 @@
           <a:p>
             <a:fld id="{F90CBB8B-7983-4592-A30B-764ABA0FE4E0}" type="datetimeFigureOut">
               <a:rPr lang="ko-KR" altLang="en-US" smtClean="0"/>
-              <a:t>2019-10-13</a:t>
+              <a:t>2019-10-14</a:t>
             </a:fld>
             <a:endParaRPr lang="ko-KR" altLang="en-US"/>
           </a:p>
@@ -628,24 +628,30 @@
           <a:lstStyle/>
           <a:p>
             <a:r>
+              <a:rPr lang="en-US" altLang="ko-KR" dirty="0" err="1" smtClean="0"/>
+              <a:t>Jpa</a:t>
+            </a:r>
+            <a:r>
+              <a:rPr lang="en-US" altLang="ko-KR" baseline="0" dirty="0" smtClean="0"/>
+              <a:t>  </a:t>
+            </a:r>
+            <a:r>
+              <a:rPr lang="ko-KR" altLang="en-US" baseline="0" dirty="0" smtClean="0"/>
+              <a:t>기본적인 사용법과 기술이 나오게 된 이유 기술이 추구한는 바 등을 책을 통해 공부하였습니다</a:t>
+            </a:r>
+            <a:r>
+              <a:rPr lang="en-US" altLang="ko-KR" baseline="0" dirty="0" smtClean="0"/>
+              <a:t>.</a:t>
+            </a:r>
+          </a:p>
+          <a:p>
+            <a:r>
               <a:rPr lang="ko-KR" altLang="en-US" dirty="0" smtClean="0"/>
-              <a:t>일단 테스트 코드는 딱히 한주만 시행했다기보다는 </a:t>
+              <a:t>제가 처음이다보니 </a:t>
             </a:r>
             <a:r>
               <a:rPr lang="en-US" altLang="ko-KR" dirty="0" err="1" smtClean="0"/>
-              <a:t>api</a:t>
-            </a:r>
-            <a:r>
-              <a:rPr lang="en-US" altLang="ko-KR" dirty="0" smtClean="0"/>
-              <a:t> </a:t>
-            </a:r>
-            <a:r>
-              <a:rPr lang="ko-KR" altLang="en-US" dirty="0" smtClean="0"/>
-              <a:t>구현에 저반적으로 </a:t>
-            </a:r>
-            <a:r>
-              <a:rPr lang="en-US" altLang="ko-KR" dirty="0" err="1" smtClean="0"/>
-              <a:t>tdd</a:t>
+              <a:t>Erd</a:t>
             </a:r>
             <a:r>
               <a:rPr lang="en-US" altLang="ko-KR" baseline="0" dirty="0" smtClean="0"/>
@@ -653,17 +659,19 @@
             </a:r>
             <a:r>
               <a:rPr lang="ko-KR" altLang="en-US" baseline="0" dirty="0" smtClean="0"/>
-              <a:t>방식으로 진행하였습니다</a:t>
+              <a:t>많이 따라갓꼬 제가 좀더 익숙하고 제대로 </a:t>
+            </a:r>
+            <a:r>
+              <a:rPr lang="en-US" altLang="ko-KR" baseline="0" dirty="0" err="1" smtClean="0"/>
+              <a:t>jpa</a:t>
             </a:r>
             <a:r>
               <a:rPr lang="en-US" altLang="ko-KR" baseline="0" dirty="0" smtClean="0"/>
-              <a:t>.</a:t>
-            </a:r>
-          </a:p>
-          <a:p>
+              <a:t> </a:t>
+            </a:r>
             <a:r>
               <a:rPr lang="ko-KR" altLang="en-US" baseline="0" dirty="0" smtClean="0"/>
-              <a:t>머</a:t>
+              <a:t>대해 파악햇다면 좀금더 객체지향적으로 비지니스 로직기반으로 작성하면 더 좋은 설꼐가 나올수있찌 않았을까 하는 아쉬움</a:t>
             </a:r>
             <a:endParaRPr lang="en-US" altLang="ko-KR" baseline="0" dirty="0" smtClean="0"/>
           </a:p>
@@ -674,60 +682,17 @@
             </a:pPr>
             <a:r>
               <a:rPr lang="ko-KR" altLang="en-US" baseline="0" dirty="0" smtClean="0"/>
-              <a:t>이안에 </a:t>
-            </a:r>
-            <a:r>
-              <a:rPr lang="en-US" altLang="ko-KR" baseline="0" dirty="0" err="1" smtClean="0"/>
-              <a:t>junit,mockito</a:t>
+              <a:t>널값 허용 이나 데이터 타입과 같은 기본적인 </a:t>
             </a:r>
             <a:r>
               <a:rPr lang="en-US" altLang="ko-KR" baseline="0" dirty="0" smtClean="0"/>
-              <a:t> </a:t>
+              <a:t>column mapping </a:t>
             </a:r>
             <a:r>
               <a:rPr lang="ko-KR" altLang="en-US" baseline="0" dirty="0" smtClean="0"/>
-              <a:t>등 유요앟ㄴ 라이브러리가 포함되어있으민다</a:t>
-            </a:r>
-            <a:r>
-              <a:rPr lang="en-US" altLang="ko-KR" baseline="0" dirty="0" smtClean="0"/>
-              <a:t>. </a:t>
-            </a:r>
-            <a:r>
-              <a:rPr lang="ko-KR" altLang="en-US" baseline="0" dirty="0" smtClean="0"/>
-              <a:t>웹 </a:t>
-            </a:r>
-            <a:r>
-              <a:rPr lang="en-US" altLang="ko-KR" baseline="0" dirty="0" err="1" smtClean="0"/>
-              <a:t>mvx</a:t>
-            </a:r>
-            <a:r>
-              <a:rPr lang="en-US" altLang="ko-KR" baseline="0" dirty="0" smtClean="0"/>
-              <a:t> </a:t>
-            </a:r>
-            <a:r>
-              <a:rPr lang="ko-KR" altLang="en-US" baseline="0" dirty="0" smtClean="0"/>
-              <a:t>테스트다 </a:t>
-            </a:r>
-            <a:r>
-              <a:rPr lang="en-US" altLang="ko-KR" baseline="0" dirty="0" smtClean="0"/>
-              <a:t>repository test </a:t>
-            </a:r>
-            <a:r>
-              <a:rPr lang="ko-KR" altLang="en-US" baseline="0" dirty="0" smtClean="0"/>
-              <a:t>등 각 </a:t>
-            </a:r>
-            <a:r>
-              <a:rPr lang="en-US" altLang="ko-KR" baseline="0" dirty="0" smtClean="0"/>
-              <a:t>layer </a:t>
-            </a:r>
-            <a:r>
-              <a:rPr lang="ko-KR" altLang="en-US" baseline="0" dirty="0" smtClean="0"/>
-              <a:t>마다 테스트를 작성하기 쉽게 도와주는 많은 라이브러리가 내장 되어있습니다</a:t>
-            </a:r>
-            <a:r>
-              <a:rPr lang="en-US" altLang="ko-KR" baseline="0" dirty="0" smtClean="0"/>
-              <a:t>.</a:t>
-            </a:r>
+              <a:t>을 꼼꼼히 진행하엿고 </a:t>
+            </a:r>
+            <a:endParaRPr lang="en-US" altLang="ko-KR" baseline="0" dirty="0" smtClean="0"/>
           </a:p>
           <a:p>
             <a:pPr marL="171450" indent="-171450">
@@ -735,26 +700,72 @@
               <a:buChar char="-"/>
             </a:pPr>
             <a:r>
+              <a:rPr lang="ko-KR" altLang="en-US" dirty="0" smtClean="0"/>
+              <a:t>비효율적인 </a:t>
+            </a:r>
+            <a:r>
+              <a:rPr lang="en-US" altLang="ko-KR" dirty="0" smtClean="0"/>
+              <a:t>query </a:t>
+            </a:r>
+            <a:r>
+              <a:rPr lang="ko-KR" altLang="en-US" dirty="0" smtClean="0"/>
+              <a:t>개선 같은 경우는 엔티 설계 당시에는 기본 </a:t>
+            </a:r>
+            <a:r>
+              <a:rPr lang="en-US" altLang="ko-KR" dirty="0" smtClean="0"/>
+              <a:t>spring</a:t>
+            </a:r>
+            <a:r>
+              <a:rPr lang="en-US" altLang="ko-KR" baseline="0" dirty="0" smtClean="0"/>
+              <a:t> </a:t>
+            </a:r>
+            <a:r>
+              <a:rPr lang="en-US" altLang="ko-KR" sz="1200" b="0" i="0" kern="1200" dirty="0" err="1" smtClean="0">
+                <a:solidFill>
+                  <a:schemeClr val="tx1"/>
+                </a:solidFill>
+                <a:effectLst/>
+                <a:latin typeface="+mn-lt"/>
+                <a:ea typeface="+mn-ea"/>
+                <a:cs typeface="+mn-cs"/>
+              </a:rPr>
+              <a:t>JpaRepository</a:t>
+            </a:r>
+            <a:r>
               <a:rPr lang="ko-KR" altLang="en-US" baseline="0" dirty="0" smtClean="0"/>
-              <a:t>가독성 좋은 테스트 코드 매우 중요하다고 생각하는데는 향후 다른 사람이 테스트 코드르 보고 로직을 이해하고 파악하는데 도움이 될수잇기 때문이라고 생각햇씁니다</a:t>
+              <a:t>인터페이스를 사용하엿꼬</a:t>
+            </a:r>
+            <a:endParaRPr lang="en-US" altLang="ko-KR" baseline="0" dirty="0" smtClean="0"/>
+          </a:p>
+          <a:p>
+            <a:pPr marL="171450" indent="-171450">
+              <a:buFontTx/>
+              <a:buChar char="-"/>
+            </a:pPr>
+            <a:r>
+              <a:rPr lang="ko-KR" altLang="en-US" dirty="0" smtClean="0"/>
+              <a:t> </a:t>
+            </a:r>
+            <a:r>
+              <a:rPr lang="en-US" altLang="ko-KR" dirty="0" err="1" smtClean="0"/>
+              <a:t>api</a:t>
+            </a:r>
+            <a:r>
+              <a:rPr lang="en-US" altLang="ko-KR" dirty="0" smtClean="0"/>
+              <a:t> </a:t>
+            </a:r>
+            <a:r>
+              <a:rPr lang="ko-KR" altLang="en-US" dirty="0" smtClean="0"/>
+              <a:t>구현 하면서 </a:t>
+            </a:r>
+            <a:r>
+              <a:rPr lang="ko-KR" altLang="en-US" baseline="0" dirty="0" smtClean="0"/>
+              <a:t> 테스트 코드등을 통ㅇ해 실제 쿼리를 보면서 수정하였습니다</a:t>
             </a:r>
             <a:r>
               <a:rPr lang="en-US" altLang="ko-KR" baseline="0" dirty="0" smtClean="0"/>
-              <a:t>. </a:t>
-            </a:r>
-            <a:r>
-              <a:rPr lang="ko-KR" altLang="en-US" baseline="0" dirty="0" smtClean="0"/>
-              <a:t>그래서 중복 제거</a:t>
-            </a:r>
-            <a:r>
-              <a:rPr lang="en-US" altLang="ko-KR" baseline="0" dirty="0" smtClean="0"/>
-              <a:t>, </a:t>
-            </a:r>
-            <a:r>
-              <a:rPr lang="ko-KR" altLang="en-US" baseline="0" dirty="0" smtClean="0"/>
-              <a:t>깔끔한코드</a:t>
-            </a:r>
-            <a:endParaRPr lang="en-US" altLang="ko-KR" baseline="0" dirty="0" smtClean="0"/>
+              <a:t>.</a:t>
+            </a:r>
           </a:p>
           <a:p>
             <a:pPr marL="0" indent="0">
@@ -762,12 +773,304 @@
               <a:buNone/>
             </a:pPr>
             <a:r>
+              <a:rPr lang="en-US" altLang="ko-KR" baseline="0" dirty="0" smtClean="0"/>
+              <a:t>   </a:t>
+            </a:r>
+            <a:endParaRPr lang="en-US" altLang="ko-KR" dirty="0" smtClean="0"/>
+          </a:p>
+          <a:p>
+            <a:pPr marL="0" marR="0" indent="0" algn="l" defTabSz="914400" rtl="0" eaLnBrk="1" fontAlgn="auto" latinLnBrk="1" hangingPunct="1">
+              <a:lnSpc>
+                <a:spcPct val="100000"/>
+              </a:lnSpc>
+              <a:spcBef>
+                <a:spcPts val="0"/>
+              </a:spcBef>
+              <a:spcAft>
+                <a:spcPts val="0"/>
+              </a:spcAft>
+              <a:buClrTx/>
+              <a:buSzTx/>
+              <a:buFontTx/>
+              <a:buNone/>
+              <a:tabLst/>
+              <a:defRPr/>
+            </a:pPr>
+            <a:r>
+              <a:rPr lang="en-US" altLang="ko-KR" dirty="0" smtClean="0"/>
+              <a:t> 	Fetch type </a:t>
+            </a:r>
+            <a:r>
+              <a:rPr lang="ko-KR" altLang="en-US" dirty="0" smtClean="0"/>
+              <a:t>기본 </a:t>
+            </a:r>
+            <a:r>
+              <a:rPr lang="en-US" altLang="ko-KR" dirty="0" smtClean="0"/>
+              <a:t>lazy</a:t>
+            </a:r>
+            <a:r>
+              <a:rPr lang="ko-KR" altLang="en-US" dirty="0" smtClean="0"/>
+              <a:t>로 하고 서비스를 구현하면 자주 같이 사용되는 불러지는 </a:t>
+            </a:r>
+            <a:r>
+              <a:rPr lang="en-US" altLang="ko-KR" dirty="0" smtClean="0"/>
+              <a:t>entity</a:t>
+            </a:r>
+            <a:r>
+              <a:rPr lang="ko-KR" altLang="en-US" dirty="0" smtClean="0"/>
+              <a:t>를  </a:t>
+            </a:r>
+            <a:r>
+              <a:rPr lang="en-US" altLang="ko-KR" dirty="0" smtClean="0"/>
+              <a:t>join fetch</a:t>
+            </a:r>
+            <a:r>
+              <a:rPr lang="ko-KR" altLang="en-US" dirty="0" smtClean="0"/>
+              <a:t>를 이용해 자주 검색되는걸 불러오게  </a:t>
+            </a:r>
+            <a:r>
+              <a:rPr lang="en-US" altLang="ko-KR" dirty="0" smtClean="0"/>
+              <a:t>n+1</a:t>
+            </a:r>
+            <a:r>
+              <a:rPr lang="ko-KR" altLang="en-US" dirty="0" smtClean="0"/>
+              <a:t>쿼리 문제를 방지하기 위해</a:t>
+            </a:r>
+            <a:endParaRPr lang="en-US" altLang="ko-KR" dirty="0" smtClean="0"/>
+          </a:p>
+          <a:p>
+            <a:pPr marL="0" marR="0" indent="0" algn="l" defTabSz="914400" rtl="0" eaLnBrk="1" fontAlgn="auto" latinLnBrk="1" hangingPunct="1">
+              <a:lnSpc>
+                <a:spcPct val="100000"/>
+              </a:lnSpc>
+              <a:spcBef>
+                <a:spcPts val="0"/>
+              </a:spcBef>
+              <a:spcAft>
+                <a:spcPts val="0"/>
+              </a:spcAft>
+              <a:buClrTx/>
+              <a:buSzTx/>
+              <a:buFontTx/>
+              <a:buNone/>
+              <a:tabLst/>
+              <a:defRPr/>
+            </a:pPr>
+            <a:r>
+              <a:rPr lang="ko-KR" altLang="en-US" dirty="0" smtClean="0"/>
+              <a:t>테스트 코드 실행후 쿼리문을 점검하다가 생긴 궁금증 을 해소하기위해 </a:t>
+            </a:r>
+            <a:r>
+              <a:rPr lang="en-US" altLang="ko-KR" sz="1200" b="0" i="0" kern="1200" dirty="0" err="1" smtClean="0">
+                <a:solidFill>
+                  <a:schemeClr val="tx1"/>
+                </a:solidFill>
+                <a:effectLst/>
+                <a:latin typeface="+mn-lt"/>
+                <a:ea typeface="+mn-ea"/>
+                <a:cs typeface="+mn-cs"/>
+              </a:rPr>
+              <a:t>simpleRepository</a:t>
+            </a:r>
+            <a:r>
+              <a:rPr lang="ko-KR" altLang="en-US" sz="1200" b="0" i="0" kern="1200" dirty="0" smtClean="0">
+                <a:solidFill>
+                  <a:schemeClr val="tx1"/>
+                </a:solidFill>
+                <a:effectLst/>
+                <a:latin typeface="+mn-lt"/>
+                <a:ea typeface="+mn-ea"/>
+                <a:cs typeface="+mn-cs"/>
+              </a:rPr>
+              <a:t>소스를 디버깅ㅇ르 통해 분석도 해보았고  정확한 </a:t>
+            </a:r>
+            <a:r>
+              <a:rPr lang="en-US" altLang="ko-KR" sz="1200" b="0" i="0" kern="1200" dirty="0" smtClean="0">
+                <a:solidFill>
+                  <a:schemeClr val="tx1"/>
+                </a:solidFill>
+                <a:effectLst/>
+                <a:latin typeface="+mn-lt"/>
+                <a:ea typeface="+mn-ea"/>
+                <a:cs typeface="+mn-cs"/>
+              </a:rPr>
+              <a:t>query</a:t>
+            </a:r>
+            <a:r>
+              <a:rPr lang="en-US" altLang="ko-KR" sz="1200" b="0" i="0" kern="1200" baseline="0" dirty="0" smtClean="0">
+                <a:solidFill>
+                  <a:schemeClr val="tx1"/>
+                </a:solidFill>
+                <a:effectLst/>
+                <a:latin typeface="+mn-lt"/>
+                <a:ea typeface="+mn-ea"/>
+                <a:cs typeface="+mn-cs"/>
+              </a:rPr>
+              <a:t> </a:t>
+            </a:r>
+            <a:r>
+              <a:rPr lang="en-US" altLang="ko-KR" sz="1200" b="0" i="0" kern="1200" baseline="0" dirty="0" err="1" smtClean="0">
+                <a:solidFill>
+                  <a:schemeClr val="tx1"/>
+                </a:solidFill>
+                <a:effectLst/>
+                <a:latin typeface="+mn-lt"/>
+                <a:ea typeface="+mn-ea"/>
+                <a:cs typeface="+mn-cs"/>
+              </a:rPr>
+              <a:t>flsuh</a:t>
+            </a:r>
+            <a:r>
+              <a:rPr lang="en-US" altLang="ko-KR" sz="1200" b="0" i="0" kern="1200" baseline="0" dirty="0" smtClean="0">
+                <a:solidFill>
+                  <a:schemeClr val="tx1"/>
+                </a:solidFill>
+                <a:effectLst/>
+                <a:latin typeface="+mn-lt"/>
+                <a:ea typeface="+mn-ea"/>
+                <a:cs typeface="+mn-cs"/>
+              </a:rPr>
+              <a:t> </a:t>
+            </a:r>
+            <a:r>
+              <a:rPr lang="ko-KR" altLang="en-US" sz="1200" b="0" i="0" kern="1200" baseline="0" dirty="0" smtClean="0">
+                <a:solidFill>
+                  <a:schemeClr val="tx1"/>
+                </a:solidFill>
+                <a:effectLst/>
+                <a:latin typeface="+mn-lt"/>
+                <a:ea typeface="+mn-ea"/>
+                <a:cs typeface="+mn-cs"/>
+              </a:rPr>
+              <a:t>시기 </a:t>
+            </a:r>
+            <a:r>
+              <a:rPr lang="en-US" altLang="ko-KR" sz="1200" b="0" i="0" kern="1200" baseline="0" dirty="0" smtClean="0">
+                <a:solidFill>
+                  <a:schemeClr val="tx1"/>
+                </a:solidFill>
+                <a:effectLst/>
+                <a:latin typeface="+mn-lt"/>
+                <a:ea typeface="+mn-ea"/>
+                <a:cs typeface="+mn-cs"/>
+              </a:rPr>
+              <a:t>query </a:t>
+            </a:r>
+            <a:r>
+              <a:rPr lang="ko-KR" altLang="en-US" sz="1200" b="0" i="0" kern="1200" baseline="0" dirty="0" smtClean="0">
+                <a:solidFill>
+                  <a:schemeClr val="tx1"/>
+                </a:solidFill>
+                <a:effectLst/>
+                <a:latin typeface="+mn-lt"/>
+                <a:ea typeface="+mn-ea"/>
+                <a:cs typeface="+mn-cs"/>
+              </a:rPr>
+              <a:t>생성 </a:t>
+            </a:r>
+            <a:r>
+              <a:rPr lang="ko-KR" altLang="en-US" sz="1200" b="0" i="0" kern="1200" baseline="0" dirty="0" smtClean="0">
+                <a:solidFill>
+                  <a:schemeClr val="tx1"/>
+                </a:solidFill>
+                <a:effectLst/>
+                <a:latin typeface="+mn-lt"/>
+                <a:ea typeface="+mn-ea"/>
+                <a:cs typeface="+mn-cs"/>
+              </a:rPr>
+              <a:t>과정영속성 유지  </a:t>
+            </a:r>
+            <a:r>
+              <a:rPr lang="en-US" altLang="ko-KR" sz="1200" b="0" i="0" kern="1200" baseline="0" dirty="0" err="1" smtClean="0">
+                <a:solidFill>
+                  <a:schemeClr val="tx1"/>
+                </a:solidFill>
+                <a:effectLst/>
+                <a:latin typeface="+mn-lt"/>
+                <a:ea typeface="+mn-ea"/>
+                <a:cs typeface="+mn-cs"/>
+              </a:rPr>
+              <a:t>jpa</a:t>
+            </a:r>
+            <a:r>
+              <a:rPr lang="en-US" altLang="ko-KR" sz="1200" b="0" i="0" kern="1200" baseline="0" dirty="0" smtClean="0">
+                <a:solidFill>
+                  <a:schemeClr val="tx1"/>
+                </a:solidFill>
+                <a:effectLst/>
+                <a:latin typeface="+mn-lt"/>
+                <a:ea typeface="+mn-ea"/>
+                <a:cs typeface="+mn-cs"/>
+              </a:rPr>
+              <a:t> </a:t>
+            </a:r>
+            <a:r>
+              <a:rPr lang="ko-KR" altLang="en-US" sz="1200" b="0" i="0" kern="1200" baseline="0" dirty="0" smtClean="0">
+                <a:solidFill>
+                  <a:schemeClr val="tx1"/>
+                </a:solidFill>
+                <a:effectLst/>
+                <a:latin typeface="+mn-lt"/>
+                <a:ea typeface="+mn-ea"/>
+                <a:cs typeface="+mn-cs"/>
+              </a:rPr>
+              <a:t>동작원리를 파악하기 이해하기 위해 노력</a:t>
+            </a:r>
+            <a:endParaRPr lang="en-US" altLang="ko-KR" dirty="0" smtClean="0"/>
+          </a:p>
+          <a:p>
+            <a:pPr marL="171450" marR="0" indent="-171450" algn="l" defTabSz="914400" rtl="0" eaLnBrk="1" fontAlgn="auto" latinLnBrk="1" hangingPunct="1">
+              <a:lnSpc>
+                <a:spcPct val="100000"/>
+              </a:lnSpc>
+              <a:spcBef>
+                <a:spcPts val="0"/>
+              </a:spcBef>
+              <a:spcAft>
+                <a:spcPts val="0"/>
+              </a:spcAft>
+              <a:buClrTx/>
+              <a:buSzTx/>
+              <a:buFontTx/>
+              <a:buChar char="-"/>
+              <a:tabLst/>
+              <a:defRPr/>
+            </a:pPr>
+            <a:r>
+              <a:rPr lang="ko-KR" altLang="en-US" dirty="0" smtClean="0"/>
+              <a:t>양뱡향 관계 설정</a:t>
+            </a:r>
+            <a:r>
               <a:rPr lang="ko-KR" altLang="en-US" baseline="0" dirty="0" smtClean="0"/>
-              <a:t> 이후 </a:t>
+              <a:t> </a:t>
+            </a:r>
+            <a:endParaRPr lang="en-US" altLang="ko-KR" baseline="0" dirty="0" smtClean="0"/>
+          </a:p>
+          <a:p>
+            <a:pPr marL="171450" marR="0" indent="-171450" algn="l" defTabSz="914400" rtl="0" eaLnBrk="1" fontAlgn="auto" latinLnBrk="1" hangingPunct="1">
+              <a:lnSpc>
+                <a:spcPct val="100000"/>
+              </a:lnSpc>
+              <a:spcBef>
+                <a:spcPts val="0"/>
+              </a:spcBef>
+              <a:spcAft>
+                <a:spcPts val="0"/>
+              </a:spcAft>
+              <a:buClrTx/>
+              <a:buSzTx/>
+              <a:buFontTx/>
+              <a:buChar char="-"/>
+              <a:tabLst/>
+              <a:defRPr/>
+            </a:pPr>
+            <a:r>
+              <a:rPr lang="en-US" altLang="ko-KR" baseline="0" dirty="0" smtClean="0"/>
+              <a:t>– </a:t>
             </a:r>
             <a:r>
               <a:rPr lang="en-US" altLang="ko-KR" baseline="0" dirty="0" err="1" smtClean="0"/>
-              <a:t>spock</a:t>
+              <a:t>jp</a:t>
             </a:r>
             <a:r>
               <a:rPr lang="en-US" altLang="ko-KR" baseline="0" dirty="0" smtClean="0"/>
@@ -775,15 +1078,100 @@
             </a:r>
             <a:r>
               <a:rPr lang="ko-KR" altLang="en-US" baseline="0" dirty="0" smtClean="0"/>
-              <a:t>이라는 라이브러리를 사용하면 조금더 깔끔한 테스트 코드를 작성했을 텐데 </a:t>
+              <a:t>가장 큰 장점이 객체 그래프 탐색을 잘 활용해 객체지향적인 코딩을 할수있게 관계설정ㅇ르 유념해서 </a:t>
+            </a:r>
+            <a:r>
+              <a:rPr lang="en-US" altLang="ko-KR" baseline="0" dirty="0" smtClean="0"/>
+              <a:t>entity </a:t>
+            </a:r>
+            <a:r>
+              <a:rPr lang="ko-KR" altLang="en-US" baseline="0" dirty="0" smtClean="0"/>
+              <a:t>설계를 진행하엿습니다</a:t>
+            </a:r>
+            <a:r>
+              <a:rPr lang="en-US" altLang="ko-KR" baseline="0" dirty="0" smtClean="0"/>
+              <a:t>.</a:t>
+            </a:r>
+          </a:p>
+          <a:p>
+            <a:pPr marL="171450" marR="0" indent="-171450" algn="l" defTabSz="914400" rtl="0" eaLnBrk="1" fontAlgn="auto" latinLnBrk="1" hangingPunct="1">
+              <a:lnSpc>
+                <a:spcPct val="100000"/>
+              </a:lnSpc>
+              <a:spcBef>
+                <a:spcPts val="0"/>
+              </a:spcBef>
+              <a:spcAft>
+                <a:spcPts val="0"/>
+              </a:spcAft>
+              <a:buClrTx/>
+              <a:buSzTx/>
+              <a:buFontTx/>
+              <a:buChar char="-"/>
+              <a:tabLst/>
+              <a:defRPr/>
+            </a:pPr>
+            <a:r>
+              <a:rPr lang="en-US" altLang="ko-KR" baseline="0" dirty="0" smtClean="0"/>
+              <a:t>N+1 </a:t>
+            </a:r>
+            <a:r>
+              <a:rPr lang="ko-KR" altLang="en-US" baseline="0" dirty="0" smtClean="0"/>
+              <a:t>쿼리나 예</a:t>
+            </a:r>
+            <a:r>
+              <a:rPr lang="en-US" altLang="ko-KR" baseline="0" dirty="0" smtClean="0"/>
+              <a:t>) </a:t>
+            </a:r>
+            <a:r>
+              <a:rPr lang="ko-KR" altLang="en-US" baseline="0" dirty="0" smtClean="0"/>
+              <a:t>층삭제시 여기에있느 모든 자리와 장소를 삭제해야하는데 이때 </a:t>
+            </a:r>
+            <a:r>
+              <a:rPr lang="en-US" altLang="ko-KR" baseline="0" dirty="0" smtClean="0"/>
+              <a:t>seat </a:t>
+            </a:r>
+            <a:r>
+              <a:rPr lang="ko-KR" altLang="en-US" baseline="0" dirty="0" smtClean="0"/>
+              <a:t>읗 하나씩 하기보다는 </a:t>
+            </a:r>
+            <a:r>
+              <a:rPr lang="en-US" altLang="ko-KR" baseline="0" dirty="0" err="1" smtClean="0"/>
+              <a:t>floorid</a:t>
+            </a:r>
+            <a:r>
+              <a:rPr lang="ko-KR" altLang="en-US" baseline="0" dirty="0" smtClean="0"/>
+              <a:t>로 모두 삭제하는 쿼리 </a:t>
+            </a:r>
+            <a:endParaRPr lang="en-US" altLang="ko-KR" dirty="0" smtClean="0"/>
+          </a:p>
+          <a:p>
+            <a:endParaRPr lang="en-US" altLang="ko-KR" dirty="0" smtClean="0"/>
+          </a:p>
+          <a:p>
+            <a:r>
+              <a:rPr lang="en-US" altLang="ko-KR" dirty="0" err="1" smtClean="0"/>
+              <a:t>Jpa</a:t>
+            </a:r>
+            <a:r>
+              <a:rPr lang="en-US" altLang="ko-KR" baseline="0" dirty="0" smtClean="0"/>
+              <a:t> </a:t>
+            </a:r>
+            <a:r>
+              <a:rPr lang="ko-KR" altLang="en-US" baseline="0" dirty="0" smtClean="0"/>
+              <a:t>장점</a:t>
             </a:r>
             <a:endParaRPr lang="en-US" altLang="ko-KR" baseline="0" dirty="0" smtClean="0"/>
           </a:p>
           <a:p>
-            <a:pPr marL="0" indent="0">
-              <a:buFontTx/>
-              <a:buNone/>
-            </a:pPr>
+            <a:r>
+              <a:rPr lang="en-US" altLang="ko-KR" baseline="0" dirty="0" smtClean="0"/>
+              <a:t>-</a:t>
+            </a:r>
+            <a:r>
+              <a:rPr lang="ko-KR" altLang="en-US" baseline="0" dirty="0" smtClean="0"/>
+              <a:t>벤더 독립성</a:t>
+            </a:r>
             <a:endParaRPr lang="en-US" altLang="ko-KR" baseline="0" dirty="0" smtClean="0"/>
           </a:p>
           <a:p>
@@ -793,30 +1181,104 @@
             </a:pPr>
             <a:r>
               <a:rPr lang="ko-KR" altLang="en-US" baseline="0" dirty="0" smtClean="0"/>
-              <a:t>독립적인 테스트 환경 구축해야 좀도 제가 테스하고자 하는 로직이한부분 확실하게 외부에 영향을 최소화해서 테스트 할수있다</a:t>
+              <a:t>객체지향 적으로 코딩 가능</a:t>
+            </a:r>
+            <a:r>
+              <a:rPr lang="en-US" altLang="ko-KR" baseline="0" dirty="0" smtClean="0"/>
+              <a:t>(</a:t>
+            </a:r>
+            <a:r>
+              <a:rPr lang="ko-KR" altLang="en-US" baseline="0" dirty="0" smtClean="0"/>
+              <a:t>객체 그래프탐색</a:t>
+            </a:r>
+            <a:r>
+              <a:rPr lang="en-US" altLang="ko-KR" baseline="0" dirty="0" smtClean="0"/>
+              <a:t>)</a:t>
+            </a:r>
+          </a:p>
+          <a:p>
+            <a:pPr marL="171450" indent="-171450">
+              <a:buFontTx/>
+              <a:buChar char="-"/>
+            </a:pPr>
+            <a:r>
+              <a:rPr lang="ko-KR" altLang="en-US" baseline="0" dirty="0" smtClean="0"/>
+              <a:t>유지 </a:t>
+            </a:r>
+            <a:r>
+              <a:rPr lang="ko-KR" altLang="en-US" baseline="0" dirty="0" smtClean="0"/>
+              <a:t>보수</a:t>
             </a:r>
             <a:endParaRPr lang="en-US" altLang="ko-KR" baseline="0" dirty="0" smtClean="0"/>
           </a:p>
           <a:p>
-            <a:pPr marL="0" indent="0">
+            <a:pPr marL="171450" indent="-171450">
               <a:buFontTx/>
-              <a:buNone/>
+              <a:buChar char="-"/>
             </a:pPr>
+            <a:r>
+              <a:rPr lang="ko-KR" altLang="en-US" baseline="0" dirty="0" smtClean="0"/>
+              <a:t>진정한 계층 </a:t>
+            </a:r>
+            <a:r>
+              <a:rPr lang="ko-KR" altLang="en-US" baseline="0" dirty="0" err="1" smtClean="0"/>
+              <a:t>분할이아니다</a:t>
+            </a:r>
+            <a:r>
+              <a:rPr lang="ko-KR" altLang="en-US" baseline="0" dirty="0" smtClean="0"/>
+              <a:t> </a:t>
+            </a:r>
+            <a:r>
+              <a:rPr lang="en-US" altLang="ko-KR" baseline="0" dirty="0" err="1" smtClean="0"/>
+              <a:t>sql</a:t>
+            </a:r>
+            <a:r>
+              <a:rPr lang="ko-KR" altLang="en-US" baseline="0" dirty="0" smtClean="0"/>
+              <a:t>에 너무 의존적이게 된다</a:t>
+            </a:r>
+            <a:r>
+              <a:rPr lang="en-US" altLang="ko-KR" baseline="0" dirty="0" smtClean="0"/>
+              <a:t>. </a:t>
+            </a:r>
+            <a:r>
+              <a:rPr lang="ko-KR" altLang="en-US" baseline="0" dirty="0" err="1" smtClean="0"/>
+              <a:t>필드하나만</a:t>
+            </a:r>
+            <a:r>
+              <a:rPr lang="ko-KR" altLang="en-US" baseline="0" dirty="0" smtClean="0"/>
+              <a:t> 추가하더라도 </a:t>
+            </a:r>
+            <a:r>
+              <a:rPr lang="ko-KR" altLang="en-US" baseline="0" dirty="0" err="1" smtClean="0"/>
+              <a:t>그필드를</a:t>
+            </a:r>
+            <a:r>
+              <a:rPr lang="ko-KR" altLang="en-US" baseline="0" dirty="0" smtClean="0"/>
+              <a:t> </a:t>
+            </a:r>
+            <a:r>
+              <a:rPr lang="ko-KR" altLang="en-US" baseline="0" dirty="0" err="1" smtClean="0"/>
+              <a:t>상요하려면</a:t>
+            </a:r>
+            <a:r>
+              <a:rPr lang="ko-KR" altLang="en-US" baseline="0" dirty="0" smtClean="0"/>
+              <a:t> 기존</a:t>
+            </a:r>
             <a:r>
               <a:rPr lang="en-US" altLang="ko-KR" baseline="0" dirty="0" smtClean="0"/>
               <a:t> </a:t>
             </a:r>
             <a:r>
+              <a:rPr lang="ko-KR" altLang="en-US" baseline="0" dirty="0" err="1" smtClean="0"/>
+              <a:t>그필드를</a:t>
+            </a:r>
+            <a:r>
               <a:rPr lang="ko-KR" altLang="en-US" baseline="0" dirty="0" smtClean="0"/>
-              <a:t>그래서 운영시에 사용되는 데이터베이스가 아닌 </a:t>
-            </a:r>
-            <a:r>
-              <a:rPr lang="en-US" altLang="ko-KR" baseline="0" dirty="0" smtClean="0"/>
-              <a:t>H2 </a:t>
+              <a:t> 모든 </a:t>
             </a:r>
             <a:r>
               <a:rPr lang="en-US" altLang="ko-KR" baseline="0" dirty="0" err="1" smtClean="0"/>
-              <a:t>databse</a:t>
+              <a:t>sql</a:t>
             </a:r>
             <a:r>
               <a:rPr lang="en-US" altLang="ko-KR" baseline="0" dirty="0" smtClean="0"/>
@@ -824,26 +1286,87 @@
             </a:r>
             <a:r>
               <a:rPr lang="ko-KR" altLang="en-US" baseline="0" dirty="0" smtClean="0"/>
-              <a:t>를 사용하엿고</a:t>
-            </a:r>
-            <a:endParaRPr lang="en-US" altLang="ko-KR" baseline="0" dirty="0" smtClean="0"/>
-          </a:p>
-          <a:p>
-            <a:pPr marL="0" indent="0">
-              <a:buFontTx/>
-              <a:buNone/>
-            </a:pPr>
+              <a:t>에 추가 </a:t>
+            </a:r>
+            <a:r>
+              <a:rPr lang="ko-KR" altLang="en-US" baseline="0" dirty="0" err="1" smtClean="0"/>
+              <a:t>해주어야한다</a:t>
+            </a:r>
             <a:r>
               <a:rPr lang="en-US" altLang="ko-KR" baseline="0" dirty="0" smtClean="0"/>
-              <a:t> controller </a:t>
+              <a:t>. </a:t>
+            </a:r>
+            <a:endParaRPr lang="en-US" altLang="ko-KR" dirty="0" smtClean="0"/>
+          </a:p>
+          <a:p>
+            <a:endParaRPr lang="en-US" altLang="ko-KR" dirty="0" smtClean="0"/>
+          </a:p>
+          <a:p>
+            <a:r>
+              <a:rPr lang="en-US" altLang="ko-KR" dirty="0" smtClean="0"/>
+              <a:t>N+1</a:t>
+            </a:r>
+            <a:r>
+              <a:rPr lang="ko-KR" altLang="en-US" dirty="0" smtClean="0"/>
+              <a:t>쿼리 란</a:t>
+            </a:r>
+            <a:r>
+              <a:rPr lang="en-US" altLang="ko-KR" dirty="0" smtClean="0"/>
+              <a:t>?.</a:t>
+            </a:r>
+          </a:p>
+          <a:p>
+            <a:r>
+              <a:rPr lang="en-US" altLang="ko-KR" dirty="0" smtClean="0"/>
+              <a:t>Floor</a:t>
+            </a:r>
+            <a:r>
+              <a:rPr lang="en-US" altLang="ko-KR" baseline="0" dirty="0" smtClean="0"/>
+              <a:t> list seats </a:t>
             </a:r>
             <a:r>
               <a:rPr lang="ko-KR" altLang="en-US" baseline="0" dirty="0" smtClean="0"/>
-              <a:t>단에서는 </a:t>
+              <a:t>처럼 한번 </a:t>
+            </a:r>
+            <a:r>
+              <a:rPr lang="en-US" altLang="ko-KR" baseline="0" dirty="0" smtClean="0"/>
+              <a:t>floor </a:t>
+            </a:r>
+            <a:r>
+              <a:rPr lang="ko-KR" altLang="en-US" baseline="0" dirty="0" smtClean="0"/>
+              <a:t>조회하고 </a:t>
+            </a:r>
+            <a:r>
+              <a:rPr lang="en-US" altLang="ko-KR" baseline="0" dirty="0" smtClean="0"/>
+              <a:t>seats </a:t>
+            </a:r>
+            <a:r>
+              <a:rPr lang="ko-KR" altLang="en-US" baseline="0" dirty="0" smtClean="0"/>
+              <a:t>가져오게 되면 </a:t>
+            </a:r>
+            <a:r>
+              <a:rPr lang="en-US" altLang="ko-KR" baseline="0" dirty="0" smtClean="0"/>
+              <a:t>floor </a:t>
+            </a:r>
+            <a:r>
+              <a:rPr lang="ko-KR" altLang="en-US" baseline="0" dirty="0" smtClean="0"/>
+              <a:t>갯수만큼 다시 쿼리 조회가 일어나는것 </a:t>
+            </a:r>
+            <a:r>
+              <a:rPr lang="en-US" altLang="ko-KR" baseline="0" dirty="0" smtClean="0"/>
+              <a:t>eager </a:t>
+            </a:r>
+            <a:r>
+              <a:rPr lang="ko-KR" altLang="en-US" baseline="0" dirty="0" smtClean="0"/>
+              <a:t>로딩도 도움이 되지는 않는다 </a:t>
+            </a:r>
+            <a:r>
+              <a:rPr lang="en-US" altLang="ko-KR" baseline="0" dirty="0" smtClean="0"/>
+              <a:t>.</a:t>
             </a:r>
             <a:r>
               <a:rPr lang="en-US" altLang="ko-KR" baseline="0" dirty="0" err="1" smtClean="0"/>
-              <a:t>json</a:t>
+              <a:t>jpql</a:t>
             </a:r>
             <a:r>
               <a:rPr lang="en-US" altLang="ko-KR" baseline="0" dirty="0" smtClean="0"/>
@@ -851,107 +1374,57 @@
             </a:r>
             <a:r>
               <a:rPr lang="ko-KR" altLang="en-US" baseline="0" dirty="0" smtClean="0"/>
-              <a:t>즉 </a:t>
+              <a:t>를사용하면 </a:t>
             </a:r>
             <a:r>
               <a:rPr lang="en-US" altLang="ko-KR" baseline="0" dirty="0" err="1" smtClean="0"/>
-              <a:t>reponse</a:t>
-            </a:r>
-            <a:r>
-              <a:rPr lang="en-US" altLang="ko-KR" baseline="0" dirty="0" smtClean="0"/>
+              <a:t>fetchtype</a:t>
+            </a:r>
+            <a:r>
+              <a:rPr lang="ko-KR" altLang="en-US" baseline="0" dirty="0" smtClean="0"/>
+              <a:t>적용안되기 떄문에 </a:t>
+            </a:r>
+            <a:endParaRPr lang="en-US" altLang="ko-KR" dirty="0" smtClean="0"/>
+          </a:p>
+          <a:p>
+            <a:endParaRPr lang="en-US" altLang="ko-KR" dirty="0" smtClean="0"/>
+          </a:p>
+          <a:p>
+            <a:r>
+              <a:rPr lang="ko-KR" altLang="en-US" dirty="0" smtClean="0"/>
+              <a:t>예저에 </a:t>
+            </a:r>
+            <a:r>
+              <a:rPr lang="en-US" altLang="ko-KR" dirty="0" smtClean="0"/>
+              <a:t>my </a:t>
+            </a:r>
+            <a:r>
+              <a:rPr lang="en-US" altLang="ko-KR" dirty="0" err="1" smtClean="0"/>
+              <a:t>batis</a:t>
+            </a:r>
+            <a:r>
+              <a:rPr lang="en-US" altLang="ko-KR" dirty="0" smtClean="0"/>
               <a:t> </a:t>
             </a:r>
             <a:r>
+              <a:rPr lang="ko-KR" altLang="en-US" dirty="0" smtClean="0"/>
+              <a:t>사용할때</a:t>
+            </a:r>
+            <a:r>
               <a:rPr lang="ko-KR" altLang="en-US" baseline="0" dirty="0" smtClean="0"/>
-              <a:t>확인하는 위주로 </a:t>
-            </a:r>
-            <a:r>
-              <a:rPr lang="ko-KR" altLang="en-US" baseline="0" dirty="0" smtClean="0"/>
-              <a:t>작성하엿고 </a:t>
-            </a:r>
-            <a:r>
-              <a:rPr lang="ko-KR" altLang="en-US" b="1" baseline="0" dirty="0" smtClean="0"/>
-              <a:t>검증하엿꼬</a:t>
-            </a:r>
-            <a:r>
-              <a:rPr lang="ko-KR" altLang="en-US" baseline="0" dirty="0" smtClean="0"/>
-              <a:t> </a:t>
-            </a:r>
-            <a:r>
-              <a:rPr lang="en-US" altLang="ko-KR" baseline="0" dirty="0" smtClean="0"/>
-              <a:t>transaction </a:t>
-            </a:r>
-            <a:r>
-              <a:rPr lang="ko-KR" altLang="en-US" baseline="0" dirty="0" smtClean="0"/>
-              <a:t>단위는 비지니스 로직부터 데이터가 제대로 저장되고 불러지는 지 등을 중점적으로 검사하였습니다</a:t>
+              <a:t> 스프링 구조가 단조롭고 모든 쿼리마다 메서드가 정해져있어다 이걸 통해 아예 전체 코드나 주고 설계가 달라질수있겠구나 느꼈다</a:t>
             </a:r>
             <a:r>
               <a:rPr lang="en-US" altLang="ko-KR" baseline="0" dirty="0" smtClean="0"/>
               <a:t>.</a:t>
             </a:r>
-          </a:p>
-          <a:p>
-            <a:pPr marL="0" indent="0">
-              <a:buFontTx/>
-              <a:buNone/>
-            </a:pPr>
-            <a:r>
-              <a:rPr lang="ko-KR" altLang="en-US" baseline="0" dirty="0" smtClean="0"/>
-              <a:t>시간이 된다면 </a:t>
-            </a:r>
-            <a:r>
-              <a:rPr lang="en-US" altLang="ko-KR" baseline="0" dirty="0" smtClean="0"/>
-              <a:t>service </a:t>
-            </a:r>
-            <a:r>
-              <a:rPr lang="ko-KR" altLang="en-US" baseline="0" dirty="0" smtClean="0"/>
-              <a:t>단 과 </a:t>
-            </a:r>
-            <a:r>
-              <a:rPr lang="en-US" altLang="ko-KR" baseline="0" dirty="0" err="1" smtClean="0"/>
-              <a:t>respository</a:t>
-            </a:r>
-            <a:r>
-              <a:rPr lang="en-US" altLang="ko-KR" baseline="0" dirty="0" smtClean="0"/>
-              <a:t> </a:t>
-            </a:r>
-            <a:r>
-              <a:rPr lang="ko-KR" altLang="en-US" baseline="0" dirty="0" smtClean="0"/>
-              <a:t>단도 분리하고 전체 통합테스트도 진행하고 싶었지만 상황상 그러지 못햇던점이 아쉽습니다</a:t>
-            </a:r>
-            <a:r>
-              <a:rPr lang="en-US" altLang="ko-KR" baseline="0" dirty="0" smtClean="0"/>
-              <a:t>.</a:t>
-            </a:r>
-          </a:p>
-          <a:p>
-            <a:pPr marL="0" indent="0">
-              <a:buFontTx/>
-              <a:buNone/>
-            </a:pPr>
-            <a:endParaRPr lang="en-US" altLang="ko-KR" baseline="0" dirty="0" smtClean="0"/>
-          </a:p>
-          <a:p>
-            <a:pPr marL="0" indent="0">
-              <a:buFontTx/>
-              <a:buNone/>
-            </a:pPr>
-            <a:r>
-              <a:rPr lang="ko-KR" altLang="en-US" baseline="0" dirty="0" smtClean="0"/>
-              <a:t>리팩토링을 하고 나서도 테스트 코드를 통해 점검을 받을수있으니 좀더 편한하 리팩토링을 진행할수있엇고 배포하기전에도 </a:t>
-            </a:r>
-            <a:r>
-              <a:rPr lang="en-US" altLang="ko-KR" baseline="0" dirty="0" smtClean="0"/>
-              <a:t>build </a:t>
-            </a:r>
-            <a:r>
-              <a:rPr lang="ko-KR" altLang="en-US" baseline="0" dirty="0" smtClean="0"/>
-              <a:t>때 자동으로 테스트 코드로 검증을하니 좀더 믿고 서버애 배포 할수있었다</a:t>
-            </a:r>
-            <a:r>
-              <a:rPr lang="en-US" altLang="ko-KR" baseline="0" dirty="0" smtClean="0"/>
-              <a:t>.</a:t>
-            </a:r>
+            <a:endParaRPr lang="en-US" altLang="ko-KR" dirty="0" smtClean="0"/>
+          </a:p>
+          <a:p>
+            <a:endParaRPr lang="en-US" altLang="ko-KR" dirty="0" smtClean="0"/>
+          </a:p>
+          <a:p>
+            <a:endParaRPr lang="ko-KR" altLang="en-US" dirty="0"/>
           </a:p>
         </p:txBody>
       </p:sp>
@@ -972,7 +1445,7 @@
           <a:p>
             <a:fld id="{AD4EE2DB-E76A-4EC0-BB3C-86A9DFF316EC}" type="slidenum">
               <a:rPr lang="ko-KR" altLang="en-US" smtClean="0"/>
-              <a:t>13</a:t>
+              <a:t>12</a:t>
             </a:fld>
             <a:endParaRPr lang="ko-KR" altLang="en-US"/>
           </a:p>
@@ -981,7 +1454,7 @@
     </p:spTree>
     <p:extLst>
       <p:ext uri="{BB962C8B-B14F-4D97-AF65-F5344CB8AC3E}">
-        <p14:creationId xmlns:p14="http://schemas.microsoft.com/office/powerpoint/2010/main" val="3409927246"/>
+        <p14:creationId xmlns:p14="http://schemas.microsoft.com/office/powerpoint/2010/main" val="2460002571"/>
       </p:ext>
     </p:extLst>
   </p:cSld>
@@ -1037,27 +1510,11 @@
           <a:p>
             <a:r>
               <a:rPr lang="ko-KR" altLang="en-US" dirty="0" smtClean="0"/>
-              <a:t>예외 처리는 한꺼번에 </a:t>
-            </a:r>
-            <a:r>
-              <a:rPr lang="en-US" altLang="ko-KR" dirty="0" smtClean="0"/>
-              <a:t>global </a:t>
+              <a:t>일단 테스트 코드는 딱히 한주만 시행했다기보다는 </a:t>
             </a:r>
             <a:r>
               <a:rPr lang="en-US" altLang="ko-KR" dirty="0" err="1" smtClean="0"/>
-              <a:t>exeption</a:t>
-            </a:r>
-            <a:r>
-              <a:rPr lang="en-US" altLang="ko-KR" dirty="0" smtClean="0"/>
-              <a:t> handler </a:t>
-            </a:r>
-            <a:r>
-              <a:rPr lang="ko-KR" altLang="en-US" dirty="0" smtClean="0"/>
-              <a:t>를 통해 비지니스 로직중에 일어나는 </a:t>
-            </a:r>
-            <a:r>
-              <a:rPr lang="en-US" altLang="ko-KR" dirty="0" err="1" smtClean="0"/>
-              <a:t>excepito</a:t>
+              <a:t>api</a:t>
             </a:r>
             <a:r>
               <a:rPr lang="en-US" altLang="ko-KR" dirty="0" smtClean="0"/>
@@ -1065,15 +1522,11 @@
             </a:r>
             <a:r>
               <a:rPr lang="ko-KR" altLang="en-US" dirty="0" smtClean="0"/>
-              <a:t>포함 </a:t>
+              <a:t>구현에 저반적으로 </a:t>
             </a:r>
             <a:r>
               <a:rPr lang="en-US" altLang="ko-KR" dirty="0" err="1" smtClean="0"/>
-              <a:t>vlaidation</a:t>
-            </a:r>
-            <a:r>
-              <a:rPr lang="en-US" altLang="ko-KR" dirty="0" smtClean="0"/>
-              <a:t> exception</a:t>
+              <a:t>tdd</a:t>
             </a:r>
             <a:r>
               <a:rPr lang="en-US" altLang="ko-KR" baseline="0" dirty="0" smtClean="0"/>
@@ -1081,48 +1534,32 @@
             </a:r>
             <a:r>
               <a:rPr lang="ko-KR" altLang="en-US" baseline="0" dirty="0" smtClean="0"/>
-              <a:t>등 한곳에서 모아서 처리하게 하엿 유지보수에 조금더 편하게 하엿따</a:t>
+              <a:t>방식으로 진행하였습니다</a:t>
             </a:r>
             <a:r>
               <a:rPr lang="en-US" altLang="ko-KR" baseline="0" dirty="0" smtClean="0"/>
               <a:t>.</a:t>
             </a:r>
-            <a:endParaRPr lang="en-US" altLang="ko-KR" dirty="0" smtClean="0"/>
-          </a:p>
-          <a:p>
-            <a:r>
-              <a:rPr lang="ko-KR" altLang="en-US" dirty="0" smtClean="0"/>
-              <a:t>스프링 자주 사용하는 어노테이셔 설정에도 좀더 신경ㅇ르써서 진행하엿습니ㅏㄷ</a:t>
-            </a:r>
-            <a:r>
-              <a:rPr lang="en-US" altLang="ko-KR" dirty="0" smtClean="0"/>
-              <a:t>.</a:t>
-            </a:r>
-          </a:p>
-          <a:p>
-            <a:r>
-              <a:rPr lang="en-US" altLang="ko-KR" dirty="0" err="1" smtClean="0"/>
-              <a:t>Compoent</a:t>
-            </a:r>
-            <a:r>
-              <a:rPr lang="en-US" altLang="ko-KR" baseline="0" dirty="0" smtClean="0"/>
-              <a:t> bean </a:t>
-            </a:r>
+          </a:p>
+          <a:p>
             <a:r>
               <a:rPr lang="ko-KR" altLang="en-US" baseline="0" dirty="0" smtClean="0"/>
-              <a:t>은 외부 라이브러리 가팅 제어가 불가능한 부분은 </a:t>
-            </a:r>
-            <a:r>
-              <a:rPr lang="en-US" altLang="ko-KR" baseline="0" dirty="0" smtClean="0"/>
-              <a:t>bean </a:t>
-            </a:r>
+              <a:t>머</a:t>
+            </a:r>
+            <a:endParaRPr lang="en-US" altLang="ko-KR" baseline="0" dirty="0" smtClean="0"/>
+          </a:p>
+          <a:p>
+            <a:pPr marL="171450" indent="-171450">
+              <a:buFontTx/>
+              <a:buChar char="-"/>
+            </a:pPr>
             <a:r>
               <a:rPr lang="ko-KR" altLang="en-US" baseline="0" dirty="0" smtClean="0"/>
-              <a:t>아닌 것은 </a:t>
+              <a:t>이안에 </a:t>
             </a:r>
             <a:r>
               <a:rPr lang="en-US" altLang="ko-KR" baseline="0" dirty="0" err="1" smtClean="0"/>
-              <a:t>compoenent</a:t>
+              <a:t>junit,mockito</a:t>
             </a:r>
             <a:r>
               <a:rPr lang="en-US" altLang="ko-KR" baseline="0" dirty="0" smtClean="0"/>
@@ -1130,18 +1567,19 @@
             </a:r>
             <a:r>
               <a:rPr lang="ko-KR" altLang="en-US" baseline="0" dirty="0" smtClean="0"/>
-              <a:t>를사용하옇고</a:t>
-            </a:r>
-            <a:endParaRPr lang="en-US" altLang="ko-KR" baseline="0" dirty="0" smtClean="0"/>
-          </a:p>
-          <a:p>
+              <a:t>등 유요앟ㄴ 라이브러리가 포함되어있으민다</a:t>
+            </a:r>
+            <a:r>
+              <a:rPr lang="en-US" altLang="ko-KR" baseline="0" dirty="0" smtClean="0"/>
+              <a:t>. </a:t>
+            </a:r>
             <a:r>
               <a:rPr lang="ko-KR" altLang="en-US" baseline="0" dirty="0" smtClean="0"/>
-              <a:t>비지니스 로직 단위로 </a:t>
+              <a:t>웹 </a:t>
             </a:r>
             <a:r>
               <a:rPr lang="en-US" altLang="ko-KR" baseline="0" dirty="0" err="1" smtClean="0"/>
-              <a:t>transxational</a:t>
+              <a:t>mvx</a:t>
             </a:r>
             <a:r>
               <a:rPr lang="en-US" altLang="ko-KR" baseline="0" dirty="0" smtClean="0"/>
@@ -1149,22 +1587,68 @@
             </a:r>
             <a:r>
               <a:rPr lang="ko-KR" altLang="en-US" baseline="0" dirty="0" smtClean="0"/>
-              <a:t>을 주려고 했으면</a:t>
+              <a:t>테스트다 </a:t>
+            </a:r>
+            <a:r>
+              <a:rPr lang="en-US" altLang="ko-KR" baseline="0" dirty="0" smtClean="0"/>
+              <a:t>repository test </a:t>
+            </a:r>
+            <a:r>
+              <a:rPr lang="ko-KR" altLang="en-US" baseline="0" dirty="0" smtClean="0"/>
+              <a:t>등 각 </a:t>
+            </a:r>
+            <a:r>
+              <a:rPr lang="en-US" altLang="ko-KR" baseline="0" dirty="0" smtClean="0"/>
+              <a:t>layer </a:t>
+            </a:r>
+            <a:r>
+              <a:rPr lang="ko-KR" altLang="en-US" baseline="0" dirty="0" smtClean="0"/>
+              <a:t>마다 테스트를 작성하기 쉽게 도와주는 많은 라이브러리가 내장 되어있습니다</a:t>
+            </a:r>
+            <a:r>
+              <a:rPr lang="en-US" altLang="ko-KR" baseline="0" dirty="0" smtClean="0"/>
+              <a:t>.</a:t>
+            </a:r>
+          </a:p>
+          <a:p>
+            <a:pPr marL="171450" indent="-171450">
+              <a:buFontTx/>
+              <a:buChar char="-"/>
+            </a:pPr>
+            <a:r>
+              <a:rPr lang="ko-KR" altLang="en-US" baseline="0" dirty="0" smtClean="0"/>
+              <a:t>가독성 좋은 테스트 코드 매우 중요하다고 생각하는데는 향후 다른 사람이 테스트 코드르 보고 로직을 이해하고 파악하는데 도움이 될수잇기 때문이라고 생각햇씁니다</a:t>
+            </a:r>
+            <a:r>
+              <a:rPr lang="en-US" altLang="ko-KR" baseline="0" dirty="0" smtClean="0"/>
+              <a:t>. </a:t>
+            </a:r>
+            <a:r>
+              <a:rPr lang="ko-KR" altLang="en-US" baseline="0" dirty="0" smtClean="0"/>
+              <a:t>그래서 중복 제거</a:t>
+            </a:r>
+            <a:r>
+              <a:rPr lang="en-US" altLang="ko-KR" baseline="0" dirty="0" smtClean="0"/>
+              <a:t>, </a:t>
+            </a:r>
+            <a:r>
+              <a:rPr lang="ko-KR" altLang="en-US" baseline="0" dirty="0" smtClean="0"/>
+              <a:t>깔끔한코드</a:t>
             </a:r>
             <a:endParaRPr lang="en-US" altLang="ko-KR" baseline="0" dirty="0" smtClean="0"/>
           </a:p>
           <a:p>
+            <a:pPr marL="0" indent="0">
+              <a:buFontTx/>
+              <a:buNone/>
+            </a:pPr>
+            <a:r>
+              <a:rPr lang="ko-KR" altLang="en-US" baseline="0" dirty="0" smtClean="0"/>
+              <a:t> 이후 </a:t>
+            </a:r>
             <a:r>
               <a:rPr lang="en-US" altLang="ko-KR" baseline="0" dirty="0" err="1" smtClean="0"/>
-              <a:t>Validtaion</a:t>
-            </a:r>
-            <a:r>
-              <a:rPr lang="ko-KR" altLang="en-US" baseline="0" dirty="0" smtClean="0"/>
-              <a:t>은 </a:t>
-            </a:r>
-            <a:r>
-              <a:rPr lang="en-US" altLang="ko-KR" baseline="0" dirty="0" err="1" smtClean="0"/>
-              <a:t>contorller</a:t>
+              <a:t>spock</a:t>
             </a:r>
             <a:r>
               <a:rPr lang="en-US" altLang="ko-KR" baseline="0" dirty="0" smtClean="0"/>
@@ -1172,15 +1656,111 @@
             </a:r>
             <a:r>
               <a:rPr lang="ko-KR" altLang="en-US" baseline="0" dirty="0" smtClean="0"/>
-              <a:t>단 즉 외부에서 입력은 받는 </a:t>
-            </a:r>
+              <a:t>이라는 라이브러리를 사용하면 조금더 깔끔한 테스트 코드를 작성했을 텐데 </a:t>
+            </a:r>
+            <a:endParaRPr lang="en-US" altLang="ko-KR" baseline="0" dirty="0" smtClean="0"/>
+          </a:p>
+          <a:p>
+            <a:pPr marL="0" indent="0">
+              <a:buFontTx/>
+              <a:buNone/>
+            </a:pPr>
+            <a:endParaRPr lang="en-US" altLang="ko-KR" baseline="0" dirty="0" smtClean="0"/>
+          </a:p>
+          <a:p>
+            <a:pPr marL="171450" indent="-171450">
+              <a:buFontTx/>
+              <a:buChar char="-"/>
+            </a:pPr>
+            <a:r>
+              <a:rPr lang="ko-KR" altLang="en-US" baseline="0" dirty="0" smtClean="0"/>
+              <a:t>독립적인 테스트 환경 구축해야 좀도 제가 테스하고자 하는 로직이한부분 확실하게 외부에 영향을 최소화해서 테스트 할수있다</a:t>
+            </a:r>
+            <a:endParaRPr lang="en-US" altLang="ko-KR" baseline="0" dirty="0" smtClean="0"/>
+          </a:p>
+          <a:p>
+            <a:pPr marL="0" indent="0">
+              <a:buFontTx/>
+              <a:buNone/>
+            </a:pPr>
             <a:r>
               <a:rPr lang="en-US" altLang="ko-KR" baseline="0" dirty="0" smtClean="0"/>
-              <a:t>valid</a:t>
+              <a:t> </a:t>
             </a:r>
             <a:r>
               <a:rPr lang="ko-KR" altLang="en-US" baseline="0" dirty="0" smtClean="0"/>
-              <a:t>로 처리 로직으로 처리하기보다느 스프링 내 어노테이션을 통해 간단히 처리하였습니다</a:t>
+              <a:t>그래서 운영시에 사용되는 데이터베이스가 아닌 </a:t>
+            </a:r>
+            <a:r>
+              <a:rPr lang="en-US" altLang="ko-KR" baseline="0" dirty="0" smtClean="0"/>
+              <a:t>H2 </a:t>
+            </a:r>
+            <a:r>
+              <a:rPr lang="en-US" altLang="ko-KR" baseline="0" dirty="0" err="1" smtClean="0"/>
+              <a:t>databse</a:t>
+            </a:r>
+            <a:r>
+              <a:rPr lang="en-US" altLang="ko-KR" baseline="0" dirty="0" smtClean="0"/>
+              <a:t> </a:t>
+            </a:r>
+            <a:r>
+              <a:rPr lang="ko-KR" altLang="en-US" baseline="0" dirty="0" smtClean="0"/>
+              <a:t>를 사용하엿고</a:t>
+            </a:r>
+            <a:endParaRPr lang="en-US" altLang="ko-KR" baseline="0" dirty="0" smtClean="0"/>
+          </a:p>
+          <a:p>
+            <a:pPr marL="0" indent="0">
+              <a:buFontTx/>
+              <a:buNone/>
+            </a:pPr>
+            <a:r>
+              <a:rPr lang="en-US" altLang="ko-KR" baseline="0" dirty="0" smtClean="0"/>
+              <a:t> controller </a:t>
+            </a:r>
+            <a:r>
+              <a:rPr lang="ko-KR" altLang="en-US" baseline="0" dirty="0" smtClean="0"/>
+              <a:t>단에서는 </a:t>
+            </a:r>
+            <a:r>
+              <a:rPr lang="en-US" altLang="ko-KR" baseline="0" dirty="0" err="1" smtClean="0"/>
+              <a:t>json</a:t>
+            </a:r>
+            <a:r>
+              <a:rPr lang="en-US" altLang="ko-KR" baseline="0" dirty="0" smtClean="0"/>
+              <a:t> </a:t>
+            </a:r>
+            <a:r>
+              <a:rPr lang="ko-KR" altLang="en-US" baseline="0" dirty="0" smtClean="0"/>
+              <a:t>즉 </a:t>
+            </a:r>
+            <a:r>
+              <a:rPr lang="en-US" altLang="ko-KR" baseline="0" dirty="0" err="1" smtClean="0"/>
+              <a:t>reponse</a:t>
+            </a:r>
+            <a:r>
+              <a:rPr lang="en-US" altLang="ko-KR" baseline="0" dirty="0" smtClean="0"/>
+              <a:t> </a:t>
+            </a:r>
+            <a:r>
+              <a:rPr lang="ko-KR" altLang="en-US" baseline="0" dirty="0" smtClean="0"/>
+              <a:t>확인하는 위주로 작성하엿고 </a:t>
+            </a:r>
+            <a:r>
+              <a:rPr lang="ko-KR" altLang="en-US" b="1" baseline="0" dirty="0" smtClean="0"/>
+              <a:t>검증하엿꼬</a:t>
+            </a:r>
+            <a:r>
+              <a:rPr lang="ko-KR" altLang="en-US" baseline="0" dirty="0" smtClean="0"/>
+              <a:t> </a:t>
+            </a:r>
+            <a:r>
+              <a:rPr lang="en-US" altLang="ko-KR" baseline="0" dirty="0" smtClean="0"/>
+              <a:t>transaction </a:t>
+            </a:r>
+            <a:r>
+              <a:rPr lang="ko-KR" altLang="en-US" baseline="0" dirty="0" smtClean="0"/>
+              <a:t>단위는 비지니스 로직부터 데이터가 제대로 저장되고 불러지는 지 등을 중점적으로 검사하였습니다</a:t>
             </a:r>
             <a:r>
               <a:rPr lang="en-US" altLang="ko-KR" baseline="0" dirty="0" smtClean="0"/>
@@ -1188,13 +1768,25 @@
             </a:r>
           </a:p>
           <a:p>
+            <a:pPr marL="0" indent="0">
+              <a:buFontTx/>
+              <a:buNone/>
+            </a:pPr>
             <a:r>
               <a:rPr lang="ko-KR" altLang="en-US" baseline="0" dirty="0" smtClean="0"/>
-              <a:t>또한 </a:t>
+              <a:t>시간이 된다면 </a:t>
+            </a:r>
+            <a:r>
+              <a:rPr lang="en-US" altLang="ko-KR" baseline="0" dirty="0" smtClean="0"/>
+              <a:t>service </a:t>
+            </a:r>
+            <a:r>
+              <a:rPr lang="ko-KR" altLang="en-US" baseline="0" dirty="0" smtClean="0"/>
+              <a:t>단 과 </a:t>
             </a:r>
             <a:r>
               <a:rPr lang="en-US" altLang="ko-KR" baseline="0" dirty="0" err="1" smtClean="0"/>
-              <a:t>autoworied</a:t>
+              <a:t>respository</a:t>
             </a:r>
             <a:r>
               <a:rPr lang="en-US" altLang="ko-KR" baseline="0" dirty="0" smtClean="0"/>
@@ -1202,1625 +1794,41 @@
             </a:r>
             <a:r>
               <a:rPr lang="ko-KR" altLang="en-US" baseline="0" dirty="0" smtClean="0"/>
-              <a:t>같은 기본적이 어노테이션도 다시한번도 생각해서 </a:t>
+              <a:t>단도 분리하고 전체 통합테스트도 진행하고 싶었지만 상황상 그러지 못햇던점이 아쉽습니다</a:t>
             </a:r>
             <a:r>
               <a:rPr lang="en-US" altLang="ko-KR" baseline="0" dirty="0" smtClean="0"/>
-              <a:t>field injection </a:t>
-            </a:r>
+              <a:t>.</a:t>
+            </a:r>
+          </a:p>
+          <a:p>
+            <a:pPr marL="0" indent="0">
+              <a:buFontTx/>
+              <a:buNone/>
+            </a:pPr>
+            <a:endParaRPr lang="en-US" altLang="ko-KR" baseline="0" dirty="0" smtClean="0"/>
+          </a:p>
+          <a:p>
+            <a:pPr marL="0" indent="0">
+              <a:buFontTx/>
+              <a:buNone/>
+            </a:pPr>
             <a:r>
               <a:rPr lang="ko-KR" altLang="en-US" baseline="0" dirty="0" smtClean="0"/>
-              <a:t>보다는 테스트 작성시 의존성주입이 쉽고</a:t>
-            </a:r>
-            <a:endParaRPr lang="en-US" altLang="ko-KR" baseline="0" dirty="0" smtClean="0"/>
-          </a:p>
-          <a:p>
+              <a:t>리팩토링을 하고 나서도 테스트 코드를 통해 점검을 받을수있으니 좀더 편한하 리팩토링을 진행할수있엇고 배포하기전에도 </a:t>
+            </a:r>
+            <a:r>
+              <a:rPr lang="en-US" altLang="ko-KR" baseline="0" dirty="0" smtClean="0"/>
+              <a:t>build </a:t>
+            </a:r>
             <a:r>
               <a:rPr lang="ko-KR" altLang="en-US" baseline="0" dirty="0" smtClean="0"/>
-              <a:t> 불변성을 유지할수 있어 안전하고 </a:t>
-            </a:r>
-            <a:r>
-              <a:rPr lang="ko-KR" altLang="en-US" sz="1200" b="0" i="0" kern="1200" baseline="0" dirty="0" smtClean="0">
-                <a:solidFill>
-                  <a:schemeClr val="tx1"/>
-                </a:solidFill>
-                <a:effectLst/>
-                <a:latin typeface="+mn-lt"/>
-                <a:ea typeface="+mn-ea"/>
-                <a:cs typeface="+mn-cs"/>
-              </a:rPr>
-              <a:t>순환 의존성을 </a:t>
-            </a:r>
-            <a:r>
-              <a:rPr lang="en-US" altLang="ko-KR" sz="1200" b="0" i="0" kern="1200" baseline="0" dirty="0" err="1" smtClean="0">
-                <a:solidFill>
-                  <a:schemeClr val="tx1"/>
-                </a:solidFill>
-                <a:effectLst/>
-                <a:latin typeface="+mn-lt"/>
-                <a:ea typeface="+mn-ea"/>
-                <a:cs typeface="+mn-cs"/>
-              </a:rPr>
-              <a:t>compie</a:t>
-            </a:r>
-            <a:r>
-              <a:rPr lang="en-US" altLang="ko-KR" sz="1200" b="0" i="0" kern="1200" baseline="0" dirty="0" smtClean="0">
-                <a:solidFill>
-                  <a:schemeClr val="tx1"/>
-                </a:solidFill>
-                <a:effectLst/>
-                <a:latin typeface="+mn-lt"/>
-                <a:ea typeface="+mn-ea"/>
-                <a:cs typeface="+mn-cs"/>
-              </a:rPr>
-              <a:t> </a:t>
-            </a:r>
-            <a:r>
-              <a:rPr lang="ko-KR" altLang="en-US" sz="1200" b="0" i="0" kern="1200" baseline="0" dirty="0" smtClean="0">
-                <a:solidFill>
-                  <a:schemeClr val="tx1"/>
-                </a:solidFill>
-                <a:effectLst/>
-                <a:latin typeface="+mn-lt"/>
-                <a:ea typeface="+mn-ea"/>
-                <a:cs typeface="+mn-cs"/>
-              </a:rPr>
-              <a:t>시 예방가능 단일책임 원칙을 위반시 더욱 들어나 개발자로 하여금 리팩토링 징조르 확실히 보여줄수있다</a:t>
-            </a:r>
-            <a:r>
-              <a:rPr lang="en-US" altLang="ko-KR" sz="1200" b="0" i="0" kern="1200" baseline="0" dirty="0" smtClean="0">
-                <a:solidFill>
-                  <a:schemeClr val="tx1"/>
-                </a:solidFill>
-                <a:effectLst/>
-                <a:latin typeface="+mn-lt"/>
-                <a:ea typeface="+mn-ea"/>
-                <a:cs typeface="+mn-cs"/>
-              </a:rPr>
+              <a:t>때 자동으로 테스트 코드로 검증을하니 좀더 믿고 서버애 배포 할수있었다</a:t>
+            </a:r>
+            <a:r>
+              <a:rPr lang="en-US" altLang="ko-KR" baseline="0" dirty="0" smtClean="0"/>
               <a:t>.</a:t>
             </a:r>
-          </a:p>
-          <a:p>
-            <a:r>
-              <a:rPr lang="ko-KR" altLang="en-US" sz="1200" b="0" i="0" kern="1200" dirty="0" smtClean="0">
-                <a:solidFill>
-                  <a:schemeClr val="tx1"/>
-                </a:solidFill>
-                <a:effectLst/>
-                <a:latin typeface="+mn-lt"/>
-                <a:ea typeface="+mn-ea"/>
-                <a:cs typeface="+mn-cs"/>
-              </a:rPr>
-              <a:t>그래서 </a:t>
-            </a:r>
-            <a:r>
-              <a:rPr lang="en-US" altLang="ko-KR" sz="1200" b="0" i="0" kern="1200" dirty="0" smtClean="0">
-                <a:solidFill>
-                  <a:schemeClr val="tx1"/>
-                </a:solidFill>
-                <a:effectLst/>
-                <a:latin typeface="+mn-lt"/>
-                <a:ea typeface="+mn-ea"/>
-                <a:cs typeface="+mn-cs"/>
-              </a:rPr>
-              <a:t>field</a:t>
-            </a:r>
-            <a:r>
-              <a:rPr lang="en-US" altLang="ko-KR" sz="1200" b="0" i="0" kern="1200" baseline="0" dirty="0" smtClean="0">
-                <a:solidFill>
-                  <a:schemeClr val="tx1"/>
-                </a:solidFill>
-                <a:effectLst/>
-                <a:latin typeface="+mn-lt"/>
-                <a:ea typeface="+mn-ea"/>
-                <a:cs typeface="+mn-cs"/>
-              </a:rPr>
-              <a:t> injection </a:t>
-            </a:r>
-            <a:r>
-              <a:rPr lang="ko-KR" altLang="en-US" sz="1200" b="0" i="0" kern="1200" baseline="0" dirty="0" smtClean="0">
-                <a:solidFill>
-                  <a:schemeClr val="tx1"/>
-                </a:solidFill>
-                <a:effectLst/>
-                <a:latin typeface="+mn-lt"/>
-                <a:ea typeface="+mn-ea"/>
-                <a:cs typeface="+mn-cs"/>
-              </a:rPr>
-              <a:t>보다는 </a:t>
-            </a:r>
-            <a:r>
-              <a:rPr lang="en-US" altLang="ko-KR" sz="1200" b="0" i="0" kern="1200" baseline="0" dirty="0" smtClean="0">
-                <a:solidFill>
-                  <a:schemeClr val="tx1"/>
-                </a:solidFill>
-                <a:effectLst/>
-                <a:latin typeface="+mn-lt"/>
-                <a:ea typeface="+mn-ea"/>
-                <a:cs typeface="+mn-cs"/>
-              </a:rPr>
-              <a:t>constructor </a:t>
-            </a:r>
-            <a:r>
-              <a:rPr lang="ko-KR" altLang="en-US" sz="1200" b="0" i="0" kern="1200" baseline="0" dirty="0" smtClean="0">
-                <a:solidFill>
-                  <a:schemeClr val="tx1"/>
-                </a:solidFill>
-                <a:effectLst/>
-                <a:latin typeface="+mn-lt"/>
-                <a:ea typeface="+mn-ea"/>
-                <a:cs typeface="+mn-cs"/>
-              </a:rPr>
-              <a:t>를 위주로 하고 정말 필요한 상황</a:t>
-            </a:r>
-            <a:r>
-              <a:rPr lang="en-US" altLang="ko-KR" sz="1200" b="0" i="0" kern="1200" baseline="0" dirty="0" smtClean="0">
-                <a:solidFill>
-                  <a:schemeClr val="tx1"/>
-                </a:solidFill>
-                <a:effectLst/>
-                <a:latin typeface="+mn-lt"/>
-                <a:ea typeface="+mn-ea"/>
-                <a:cs typeface="+mn-cs"/>
-              </a:rPr>
-              <a:t>setter </a:t>
-            </a:r>
-            <a:r>
-              <a:rPr lang="ko-KR" altLang="en-US" sz="1200" b="0" i="0" kern="1200" baseline="0" dirty="0" smtClean="0">
-                <a:solidFill>
-                  <a:schemeClr val="tx1"/>
-                </a:solidFill>
-                <a:effectLst/>
-                <a:latin typeface="+mn-lt"/>
-                <a:ea typeface="+mn-ea"/>
-                <a:cs typeface="+mn-cs"/>
-              </a:rPr>
-              <a:t>ㄹ르 사용하였다</a:t>
-            </a:r>
-            <a:r>
-              <a:rPr lang="en-US" altLang="ko-KR" sz="1200" b="0" i="0" kern="1200" baseline="0" dirty="0" smtClean="0">
-                <a:solidFill>
-                  <a:schemeClr val="tx1"/>
-                </a:solidFill>
-                <a:effectLst/>
-                <a:latin typeface="+mn-lt"/>
-                <a:ea typeface="+mn-ea"/>
-                <a:cs typeface="+mn-cs"/>
-              </a:rPr>
-              <a:t>. </a:t>
-            </a:r>
-            <a:r>
-              <a:rPr lang="ko-KR" altLang="en-US" sz="1200" b="0" i="0" kern="1200" baseline="0" dirty="0" smtClean="0">
-                <a:solidFill>
-                  <a:schemeClr val="tx1"/>
-                </a:solidFill>
-                <a:effectLst/>
-                <a:latin typeface="+mn-lt"/>
-                <a:ea typeface="+mn-ea"/>
-                <a:cs typeface="+mn-cs"/>
-              </a:rPr>
-              <a:t>순환 참조가 필요한경우</a:t>
-            </a:r>
-            <a:r>
-              <a:rPr lang="en-US" altLang="ko-KR" sz="1200" b="0" i="0" kern="1200" baseline="0" dirty="0" smtClean="0">
-                <a:solidFill>
-                  <a:schemeClr val="tx1"/>
-                </a:solidFill>
-                <a:effectLst/>
-                <a:latin typeface="+mn-lt"/>
-                <a:ea typeface="+mn-ea"/>
-                <a:cs typeface="+mn-cs"/>
-              </a:rPr>
-              <a:t>(service </a:t>
-            </a:r>
-            <a:r>
-              <a:rPr lang="ko-KR" altLang="en-US" sz="1200" b="0" i="0" kern="1200" baseline="0" dirty="0" smtClean="0">
-                <a:solidFill>
-                  <a:schemeClr val="tx1"/>
-                </a:solidFill>
-                <a:effectLst/>
-                <a:latin typeface="+mn-lt"/>
-                <a:ea typeface="+mn-ea"/>
-                <a:cs typeface="+mn-cs"/>
-              </a:rPr>
-              <a:t>에서 </a:t>
-            </a:r>
-            <a:r>
-              <a:rPr lang="en-US" altLang="ko-KR" sz="1200" b="0" i="0" kern="1200" baseline="0" dirty="0" smtClean="0">
-                <a:solidFill>
-                  <a:schemeClr val="tx1"/>
-                </a:solidFill>
-                <a:effectLst/>
-                <a:latin typeface="+mn-lt"/>
-                <a:ea typeface="+mn-ea"/>
-                <a:cs typeface="+mn-cs"/>
-              </a:rPr>
-              <a:t>service call)</a:t>
-            </a:r>
-          </a:p>
-          <a:p>
-            <a:endParaRPr lang="en-US" altLang="ko-KR" sz="1200" b="0" i="0" kern="1200" dirty="0" smtClean="0">
-              <a:solidFill>
-                <a:schemeClr val="tx1"/>
-              </a:solidFill>
-              <a:effectLst/>
-              <a:latin typeface="+mn-lt"/>
-              <a:ea typeface="+mn-ea"/>
-              <a:cs typeface="+mn-cs"/>
-            </a:endParaRPr>
-          </a:p>
-          <a:p>
-            <a:r>
-              <a:rPr lang="ko-KR" altLang="en-US" sz="1200" b="0" i="0" kern="1200" dirty="0" smtClean="0">
-                <a:solidFill>
-                  <a:schemeClr val="tx1"/>
-                </a:solidFill>
-                <a:effectLst/>
-                <a:latin typeface="+mn-lt"/>
-                <a:ea typeface="+mn-ea"/>
-                <a:cs typeface="+mn-cs"/>
-              </a:rPr>
-              <a:t>유연하고 확장가능한 서비스를 만들기 위해 </a:t>
-            </a:r>
-            <a:endParaRPr lang="en-US" altLang="ko-KR" sz="1200" b="0" i="0" kern="1200" dirty="0" smtClean="0">
-              <a:solidFill>
-                <a:schemeClr val="tx1"/>
-              </a:solidFill>
-              <a:effectLst/>
-              <a:latin typeface="+mn-lt"/>
-              <a:ea typeface="+mn-ea"/>
-              <a:cs typeface="+mn-cs"/>
-            </a:endParaRPr>
-          </a:p>
-          <a:p>
-            <a:r>
-              <a:rPr lang="ko-KR" altLang="en-US" sz="1200" b="0" i="0" kern="1200" dirty="0" smtClean="0">
-                <a:solidFill>
-                  <a:schemeClr val="tx1"/>
-                </a:solidFill>
-                <a:effectLst/>
-                <a:latin typeface="+mn-lt"/>
-                <a:ea typeface="+mn-ea"/>
-                <a:cs typeface="+mn-cs"/>
-              </a:rPr>
-              <a:t>철처한 계층분리</a:t>
-            </a:r>
-            <a:endParaRPr lang="en-US" altLang="ko-KR" sz="1200" b="0" i="0" kern="1200" dirty="0" smtClean="0">
-              <a:solidFill>
-                <a:schemeClr val="tx1"/>
-              </a:solidFill>
-              <a:effectLst/>
-              <a:latin typeface="+mn-lt"/>
-              <a:ea typeface="+mn-ea"/>
-              <a:cs typeface="+mn-cs"/>
-            </a:endParaRPr>
-          </a:p>
-          <a:p>
-            <a:r>
-              <a:rPr lang="en-US" altLang="ko-KR" sz="1200" b="0" i="0" kern="1200" dirty="0" err="1" smtClean="0">
-                <a:solidFill>
-                  <a:schemeClr val="tx1"/>
-                </a:solidFill>
-                <a:effectLst/>
-                <a:latin typeface="+mn-lt"/>
-                <a:ea typeface="+mn-ea"/>
-                <a:cs typeface="+mn-cs"/>
-              </a:rPr>
-              <a:t>Contorlelr</a:t>
-            </a:r>
-            <a:r>
-              <a:rPr lang="en-US" altLang="ko-KR" sz="1200" b="0" i="0" kern="1200" baseline="0" dirty="0" smtClean="0">
-                <a:solidFill>
-                  <a:schemeClr val="tx1"/>
-                </a:solidFill>
-                <a:effectLst/>
-                <a:latin typeface="+mn-lt"/>
-                <a:ea typeface="+mn-ea"/>
-                <a:cs typeface="+mn-cs"/>
-              </a:rPr>
-              <a:t> </a:t>
-            </a:r>
-            <a:r>
-              <a:rPr lang="ko-KR" altLang="en-US" sz="1200" b="0" i="0" kern="1200" baseline="0" dirty="0" smtClean="0">
-                <a:solidFill>
-                  <a:schemeClr val="tx1"/>
-                </a:solidFill>
-                <a:effectLst/>
-                <a:latin typeface="+mn-lt"/>
-                <a:ea typeface="+mn-ea"/>
-                <a:cs typeface="+mn-cs"/>
-              </a:rPr>
-              <a:t>프레젠텡션에 속하고 여기에서는 최종 </a:t>
-            </a:r>
-            <a:r>
-              <a:rPr lang="en-US" altLang="ko-KR" sz="1200" b="0" i="0" kern="1200" baseline="0" dirty="0" err="1" smtClean="0">
-                <a:solidFill>
-                  <a:schemeClr val="tx1"/>
-                </a:solidFill>
-                <a:effectLst/>
-                <a:latin typeface="+mn-lt"/>
-                <a:ea typeface="+mn-ea"/>
-                <a:cs typeface="+mn-cs"/>
-              </a:rPr>
-              <a:t>ui</a:t>
-            </a:r>
-            <a:r>
-              <a:rPr lang="en-US" altLang="ko-KR" sz="1200" b="0" i="0" kern="1200" baseline="0" dirty="0" smtClean="0">
-                <a:solidFill>
-                  <a:schemeClr val="tx1"/>
-                </a:solidFill>
-                <a:effectLst/>
-                <a:latin typeface="+mn-lt"/>
-                <a:ea typeface="+mn-ea"/>
-                <a:cs typeface="+mn-cs"/>
-              </a:rPr>
-              <a:t> </a:t>
-            </a:r>
-            <a:r>
-              <a:rPr lang="ko-KR" altLang="en-US" sz="1200" b="0" i="0" kern="1200" baseline="0" dirty="0" smtClean="0">
-                <a:solidFill>
-                  <a:schemeClr val="tx1"/>
-                </a:solidFill>
-                <a:effectLst/>
-                <a:latin typeface="+mn-lt"/>
-                <a:ea typeface="+mn-ea"/>
-                <a:cs typeface="+mn-cs"/>
-              </a:rPr>
-              <a:t>에서 입력되 데이터 유효성 검증</a:t>
-            </a:r>
-            <a:r>
-              <a:rPr lang="en-US" altLang="ko-KR" sz="1200" b="0" i="0" kern="1200" baseline="0" dirty="0" smtClean="0">
-                <a:solidFill>
-                  <a:schemeClr val="tx1"/>
-                </a:solidFill>
-                <a:effectLst/>
-                <a:latin typeface="+mn-lt"/>
-                <a:ea typeface="+mn-ea"/>
-                <a:cs typeface="+mn-cs"/>
-              </a:rPr>
-              <a:t>, </a:t>
-            </a:r>
-            <a:r>
-              <a:rPr lang="ko-KR" altLang="en-US" sz="1200" b="0" i="0" kern="1200" baseline="0" dirty="0" smtClean="0">
-                <a:solidFill>
-                  <a:schemeClr val="tx1"/>
-                </a:solidFill>
-                <a:effectLst/>
-                <a:latin typeface="+mn-lt"/>
-                <a:ea typeface="+mn-ea"/>
-                <a:cs typeface="+mn-cs"/>
-              </a:rPr>
-              <a:t>최종 </a:t>
-            </a:r>
-            <a:r>
-              <a:rPr lang="en-US" altLang="ko-KR" sz="1200" b="0" i="0" kern="1200" baseline="0" dirty="0" err="1" smtClean="0">
-                <a:solidFill>
-                  <a:schemeClr val="tx1"/>
-                </a:solidFill>
-                <a:effectLst/>
-                <a:latin typeface="+mn-lt"/>
-                <a:ea typeface="+mn-ea"/>
-                <a:cs typeface="+mn-cs"/>
-              </a:rPr>
-              <a:t>ui</a:t>
-            </a:r>
-            <a:r>
-              <a:rPr lang="en-US" altLang="ko-KR" sz="1200" b="0" i="0" kern="1200" baseline="0" dirty="0" smtClean="0">
-                <a:solidFill>
-                  <a:schemeClr val="tx1"/>
-                </a:solidFill>
-                <a:effectLst/>
-                <a:latin typeface="+mn-lt"/>
-                <a:ea typeface="+mn-ea"/>
-                <a:cs typeface="+mn-cs"/>
-              </a:rPr>
-              <a:t> </a:t>
-            </a:r>
-            <a:r>
-              <a:rPr lang="ko-KR" altLang="en-US" sz="1200" b="0" i="0" kern="1200" baseline="0" dirty="0" smtClean="0">
-                <a:solidFill>
-                  <a:schemeClr val="tx1"/>
-                </a:solidFill>
-                <a:effectLst/>
-                <a:latin typeface="+mn-lt"/>
-                <a:ea typeface="+mn-ea"/>
-                <a:cs typeface="+mn-cs"/>
-              </a:rPr>
-              <a:t>표현할 모델 사용 등 비지니스 로직과 </a:t>
-            </a:r>
-            <a:r>
-              <a:rPr lang="en-US" altLang="ko-KR" sz="1200" b="0" i="0" kern="1200" baseline="0" dirty="0" err="1" smtClean="0">
-                <a:solidFill>
-                  <a:schemeClr val="tx1"/>
-                </a:solidFill>
-                <a:effectLst/>
-                <a:latin typeface="+mn-lt"/>
-                <a:ea typeface="+mn-ea"/>
-                <a:cs typeface="+mn-cs"/>
-              </a:rPr>
-              <a:t>ui</a:t>
-            </a:r>
-            <a:r>
-              <a:rPr lang="ko-KR" altLang="en-US" sz="1200" b="0" i="0" kern="1200" baseline="0" dirty="0" smtClean="0">
-                <a:solidFill>
-                  <a:schemeClr val="tx1"/>
-                </a:solidFill>
-                <a:effectLst/>
-                <a:latin typeface="+mn-lt"/>
-                <a:ea typeface="+mn-ea"/>
-                <a:cs typeface="+mn-cs"/>
-              </a:rPr>
-              <a:t>를 분리하ㅕ 의존서을 줄이기위한 부분 이빈다</a:t>
-            </a:r>
-            <a:r>
-              <a:rPr lang="en-US" altLang="ko-KR" sz="1200" b="0" i="0" kern="1200" baseline="0" dirty="0" smtClean="0">
-                <a:solidFill>
-                  <a:schemeClr val="tx1"/>
-                </a:solidFill>
-                <a:effectLst/>
-                <a:latin typeface="+mn-lt"/>
-                <a:ea typeface="+mn-ea"/>
-                <a:cs typeface="+mn-cs"/>
-              </a:rPr>
-              <a:t>.</a:t>
-            </a:r>
-          </a:p>
-          <a:p>
-            <a:r>
-              <a:rPr lang="ko-KR" altLang="en-US" sz="1200" b="0" i="0" kern="1200" dirty="0" smtClean="0">
-                <a:solidFill>
-                  <a:schemeClr val="tx1"/>
-                </a:solidFill>
-                <a:effectLst/>
-                <a:latin typeface="+mn-lt"/>
-                <a:ea typeface="+mn-ea"/>
-                <a:cs typeface="+mn-cs"/>
-              </a:rPr>
-              <a:t>스프링 의 </a:t>
-            </a:r>
-            <a:r>
-              <a:rPr lang="en-US" altLang="ko-KR" sz="1200" b="0" i="0" kern="1200" dirty="0" smtClean="0">
-                <a:solidFill>
-                  <a:schemeClr val="tx1"/>
-                </a:solidFill>
-                <a:effectLst/>
-                <a:latin typeface="+mn-lt"/>
-                <a:ea typeface="+mn-ea"/>
-                <a:cs typeface="+mn-cs"/>
-              </a:rPr>
-              <a:t>service </a:t>
-            </a:r>
-            <a:r>
-              <a:rPr lang="ko-KR" altLang="en-US" sz="1200" b="0" i="0" kern="1200" dirty="0" smtClean="0">
-                <a:solidFill>
-                  <a:schemeClr val="tx1"/>
-                </a:solidFill>
-                <a:effectLst/>
-                <a:latin typeface="+mn-lt"/>
-                <a:ea typeface="+mn-ea"/>
-                <a:cs typeface="+mn-cs"/>
-              </a:rPr>
-              <a:t>가 여기에 속하고 프레센테이션 계층과 데이터 엑세스 계층간의연결하고 중간자 역활로 유연성ㅇ르 제공한빈다</a:t>
-            </a:r>
-            <a:r>
-              <a:rPr lang="en-US" altLang="ko-KR" sz="1200" b="0" i="0" kern="1200" dirty="0" smtClean="0">
-                <a:solidFill>
-                  <a:schemeClr val="tx1"/>
-                </a:solidFill>
-                <a:effectLst/>
-                <a:latin typeface="+mn-lt"/>
-                <a:ea typeface="+mn-ea"/>
-                <a:cs typeface="+mn-cs"/>
-              </a:rPr>
-              <a:t>.</a:t>
-            </a:r>
-            <a:r>
-              <a:rPr lang="ko-KR" altLang="en-US" sz="1200" b="0" i="0" kern="1200" dirty="0" smtClean="0">
-                <a:solidFill>
-                  <a:schemeClr val="tx1"/>
-                </a:solidFill>
-                <a:effectLst/>
-                <a:latin typeface="+mn-lt"/>
-                <a:ea typeface="+mn-ea"/>
-                <a:cs typeface="+mn-cs"/>
-              </a:rPr>
-              <a:t>트랙섹적 처리와 비지니스로 로직이 위치합니다</a:t>
-            </a:r>
-            <a:r>
-              <a:rPr lang="en-US" altLang="ko-KR" sz="1200" b="0" i="0" kern="1200" dirty="0" smtClean="0">
-                <a:solidFill>
-                  <a:schemeClr val="tx1"/>
-                </a:solidFill>
-                <a:effectLst/>
-                <a:latin typeface="+mn-lt"/>
-                <a:ea typeface="+mn-ea"/>
-                <a:cs typeface="+mn-cs"/>
-              </a:rPr>
-              <a:t>.</a:t>
-            </a:r>
-          </a:p>
-          <a:p>
-            <a:r>
-              <a:rPr lang="ko-KR" altLang="en-US" sz="1200" b="0" i="0" kern="1200" dirty="0" smtClean="0">
-                <a:solidFill>
-                  <a:schemeClr val="tx1"/>
-                </a:solidFill>
-                <a:effectLst/>
-                <a:latin typeface="+mn-lt"/>
-                <a:ea typeface="+mn-ea"/>
-                <a:cs typeface="+mn-cs"/>
-              </a:rPr>
-              <a:t>데이처 엑싯 계츠응ㄴ 프링에서 </a:t>
-            </a:r>
-            <a:r>
-              <a:rPr lang="en-US" altLang="ko-KR" sz="1200" b="0" i="0" kern="1200" dirty="0" smtClean="0">
-                <a:solidFill>
-                  <a:schemeClr val="tx1"/>
-                </a:solidFill>
-                <a:effectLst/>
-                <a:latin typeface="+mn-lt"/>
-                <a:ea typeface="+mn-ea"/>
-                <a:cs typeface="+mn-cs"/>
-              </a:rPr>
-              <a:t>repository ,</a:t>
-            </a:r>
-            <a:r>
-              <a:rPr lang="ko-KR" altLang="en-US" sz="1200" b="0" i="0" kern="1200" dirty="0" smtClean="0">
-                <a:solidFill>
-                  <a:schemeClr val="tx1"/>
-                </a:solidFill>
-                <a:effectLst/>
-                <a:latin typeface="+mn-lt"/>
-                <a:ea typeface="+mn-ea"/>
-                <a:cs typeface="+mn-cs"/>
-              </a:rPr>
-              <a:t>에 해당하고 직적 </a:t>
-            </a:r>
-            <a:r>
-              <a:rPr lang="en-US" altLang="ko-KR" sz="1200" b="0" i="0" kern="1200" dirty="0" err="1" smtClean="0">
-                <a:solidFill>
-                  <a:schemeClr val="tx1"/>
-                </a:solidFill>
-                <a:effectLst/>
-                <a:latin typeface="+mn-lt"/>
-                <a:ea typeface="+mn-ea"/>
-                <a:cs typeface="+mn-cs"/>
-              </a:rPr>
-              <a:t>db</a:t>
-            </a:r>
-            <a:r>
-              <a:rPr lang="ko-KR" altLang="en-US" sz="1200" b="0" i="0" kern="1200" dirty="0" smtClean="0">
-                <a:solidFill>
-                  <a:schemeClr val="tx1"/>
-                </a:solidFill>
-                <a:effectLst/>
-                <a:latin typeface="+mn-lt"/>
-                <a:ea typeface="+mn-ea"/>
-                <a:cs typeface="+mn-cs"/>
-              </a:rPr>
-              <a:t>의 데이ㅓㅌ르 조작하는 역활을 하비다</a:t>
-            </a:r>
-            <a:r>
-              <a:rPr lang="en-US" altLang="ko-KR" sz="1200" b="0" i="0" kern="1200" dirty="0" smtClean="0">
-                <a:solidFill>
-                  <a:schemeClr val="tx1"/>
-                </a:solidFill>
-                <a:effectLst/>
-                <a:latin typeface="+mn-lt"/>
-                <a:ea typeface="+mn-ea"/>
-                <a:cs typeface="+mn-cs"/>
-              </a:rPr>
-              <a:t>. </a:t>
-            </a:r>
-          </a:p>
-          <a:p>
-            <a:r>
-              <a:rPr lang="ko-KR" altLang="en-US" sz="1200" b="0" i="0" kern="1200" dirty="0" smtClean="0">
-                <a:solidFill>
-                  <a:schemeClr val="tx1"/>
-                </a:solidFill>
-                <a:effectLst/>
-                <a:latin typeface="+mn-lt"/>
-                <a:ea typeface="+mn-ea"/>
-                <a:cs typeface="+mn-cs"/>
-              </a:rPr>
-              <a:t>이 계층관에 통신을 위해 사요하는게 </a:t>
-            </a:r>
-            <a:r>
-              <a:rPr lang="en-US" altLang="ko-KR" sz="1200" b="0" i="0" kern="1200" dirty="0" err="1" smtClean="0">
-                <a:solidFill>
-                  <a:schemeClr val="tx1"/>
-                </a:solidFill>
-                <a:effectLst/>
-                <a:latin typeface="+mn-lt"/>
-                <a:ea typeface="+mn-ea"/>
-                <a:cs typeface="+mn-cs"/>
-              </a:rPr>
-              <a:t>dto</a:t>
-            </a:r>
-            <a:r>
-              <a:rPr lang="en-US" altLang="ko-KR" sz="1200" b="0" i="0" kern="1200" dirty="0" smtClean="0">
-                <a:solidFill>
-                  <a:schemeClr val="tx1"/>
-                </a:solidFill>
-                <a:effectLst/>
-                <a:latin typeface="+mn-lt"/>
-                <a:ea typeface="+mn-ea"/>
-                <a:cs typeface="+mn-cs"/>
-              </a:rPr>
-              <a:t> </a:t>
-            </a:r>
-            <a:r>
-              <a:rPr lang="ko-KR" altLang="en-US" sz="1200" b="0" i="0" kern="1200" dirty="0" smtClean="0">
-                <a:solidFill>
-                  <a:schemeClr val="tx1"/>
-                </a:solidFill>
-                <a:effectLst/>
-                <a:latin typeface="+mn-lt"/>
-                <a:ea typeface="+mn-ea"/>
-                <a:cs typeface="+mn-cs"/>
-              </a:rPr>
-              <a:t>이걸 사용하다보니 정확이 </a:t>
-            </a:r>
-            <a:r>
-              <a:rPr lang="en-US" altLang="ko-KR" sz="1200" b="0" i="0" kern="1200" dirty="0" err="1" smtClean="0">
-                <a:solidFill>
-                  <a:schemeClr val="tx1"/>
-                </a:solidFill>
-                <a:effectLst/>
-                <a:latin typeface="+mn-lt"/>
-                <a:ea typeface="+mn-ea"/>
-                <a:cs typeface="+mn-cs"/>
-              </a:rPr>
-              <a:t>dto</a:t>
-            </a:r>
-            <a:r>
-              <a:rPr lang="en-US" altLang="ko-KR" sz="1200" b="0" i="0" kern="1200" baseline="0" dirty="0" smtClean="0">
-                <a:solidFill>
-                  <a:schemeClr val="tx1"/>
-                </a:solidFill>
-                <a:effectLst/>
-                <a:latin typeface="+mn-lt"/>
-                <a:ea typeface="+mn-ea"/>
-                <a:cs typeface="+mn-cs"/>
-              </a:rPr>
-              <a:t> </a:t>
-            </a:r>
-            <a:r>
-              <a:rPr lang="ko-KR" altLang="en-US" sz="1200" b="0" i="0" kern="1200" baseline="0" dirty="0" smtClean="0">
-                <a:solidFill>
-                  <a:schemeClr val="tx1"/>
-                </a:solidFill>
-                <a:effectLst/>
-                <a:latin typeface="+mn-lt"/>
-                <a:ea typeface="+mn-ea"/>
-                <a:cs typeface="+mn-cs"/>
-              </a:rPr>
-              <a:t>변환을 어디서 해야하고  </a:t>
-            </a:r>
-            <a:r>
-              <a:rPr lang="en-US" altLang="ko-KR" sz="1200" b="0" i="0" kern="1200" baseline="0" dirty="0" err="1" smtClean="0">
-                <a:solidFill>
-                  <a:schemeClr val="tx1"/>
-                </a:solidFill>
-                <a:effectLst/>
-                <a:latin typeface="+mn-lt"/>
-                <a:ea typeface="+mn-ea"/>
-                <a:cs typeface="+mn-cs"/>
-              </a:rPr>
-              <a:t>dto</a:t>
-            </a:r>
-            <a:r>
-              <a:rPr lang="ko-KR" altLang="en-US" sz="1200" b="0" i="0" kern="1200" baseline="0" dirty="0" smtClean="0">
-                <a:solidFill>
-                  <a:schemeClr val="tx1"/>
-                </a:solidFill>
-                <a:effectLst/>
-                <a:latin typeface="+mn-lt"/>
-                <a:ea typeface="+mn-ea"/>
-                <a:cs typeface="+mn-cs"/>
-              </a:rPr>
-              <a:t>를 어떻게 구성해야할지 많이 고민햇습니다</a:t>
-            </a:r>
-            <a:r>
-              <a:rPr lang="en-US" altLang="ko-KR" sz="1200" b="0" i="0" kern="1200" baseline="0" dirty="0" smtClean="0">
-                <a:solidFill>
-                  <a:schemeClr val="tx1"/>
-                </a:solidFill>
-                <a:effectLst/>
-                <a:latin typeface="+mn-lt"/>
-                <a:ea typeface="+mn-ea"/>
-                <a:cs typeface="+mn-cs"/>
-              </a:rPr>
-              <a:t>.</a:t>
-            </a:r>
-          </a:p>
-          <a:p>
-            <a:r>
-              <a:rPr lang="ko-KR" altLang="en-US" sz="1200" b="0" i="0" kern="1200" baseline="0" dirty="0" smtClean="0">
-                <a:solidFill>
-                  <a:schemeClr val="tx1"/>
-                </a:solidFill>
-                <a:effectLst/>
-                <a:latin typeface="+mn-lt"/>
-                <a:ea typeface="+mn-ea"/>
-                <a:cs typeface="+mn-cs"/>
-              </a:rPr>
-              <a:t>변경하는 방버은 외부 라이브러리</a:t>
-            </a:r>
-            <a:r>
-              <a:rPr lang="en-US" altLang="ko-KR" sz="1200" b="0" i="0" kern="1200" baseline="0" dirty="0" smtClean="0">
-                <a:solidFill>
-                  <a:schemeClr val="tx1"/>
-                </a:solidFill>
-                <a:effectLst/>
-                <a:latin typeface="+mn-lt"/>
-                <a:ea typeface="+mn-ea"/>
-                <a:cs typeface="+mn-cs"/>
-              </a:rPr>
-              <a:t>(map </a:t>
-            </a:r>
-            <a:r>
-              <a:rPr lang="en-US" altLang="ko-KR" sz="1200" b="0" i="0" kern="1200" baseline="0" dirty="0" err="1" smtClean="0">
-                <a:solidFill>
-                  <a:schemeClr val="tx1"/>
-                </a:solidFill>
-                <a:effectLst/>
-                <a:latin typeface="+mn-lt"/>
-                <a:ea typeface="+mn-ea"/>
-                <a:cs typeface="+mn-cs"/>
-              </a:rPr>
-              <a:t>struct</a:t>
-            </a:r>
-            <a:r>
-              <a:rPr lang="ko-KR" altLang="en-US" sz="1200" b="0" i="0" kern="1200" baseline="0" dirty="0" smtClean="0">
-                <a:solidFill>
-                  <a:schemeClr val="tx1"/>
-                </a:solidFill>
-                <a:effectLst/>
-                <a:latin typeface="+mn-lt"/>
-                <a:ea typeface="+mn-ea"/>
-                <a:cs typeface="+mn-cs"/>
-              </a:rPr>
-              <a:t>를 사용하였고</a:t>
-            </a:r>
-            <a:r>
-              <a:rPr lang="en-US" altLang="ko-KR" sz="1200" b="0" i="0" kern="1200" baseline="0" dirty="0" smtClean="0">
-                <a:solidFill>
-                  <a:schemeClr val="tx1"/>
-                </a:solidFill>
-                <a:effectLst/>
-                <a:latin typeface="+mn-lt"/>
-                <a:ea typeface="+mn-ea"/>
-                <a:cs typeface="+mn-cs"/>
-              </a:rPr>
-              <a:t>)</a:t>
-            </a:r>
-            <a:r>
-              <a:rPr lang="ko-KR" altLang="en-US" sz="1200" b="0" i="0" kern="1200" baseline="0" dirty="0" smtClean="0">
-                <a:solidFill>
-                  <a:schemeClr val="tx1"/>
-                </a:solidFill>
-                <a:effectLst/>
-                <a:latin typeface="+mn-lt"/>
-                <a:ea typeface="+mn-ea"/>
-                <a:cs typeface="+mn-cs"/>
-              </a:rPr>
-              <a:t>이를 사용하ㅡㄴ 로직이 어디에 위치해야할가 고민한결과</a:t>
-            </a:r>
-            <a:endParaRPr lang="en-US" altLang="ko-KR" sz="1200" b="0" i="0" kern="1200" baseline="0" dirty="0" smtClean="0">
-              <a:solidFill>
-                <a:schemeClr val="tx1"/>
-              </a:solidFill>
-              <a:effectLst/>
-              <a:latin typeface="+mn-lt"/>
-              <a:ea typeface="+mn-ea"/>
-              <a:cs typeface="+mn-cs"/>
-            </a:endParaRPr>
-          </a:p>
-          <a:p>
-            <a:r>
-              <a:rPr lang="en-US" altLang="ko-KR" sz="1200" b="0" i="0" kern="1200" dirty="0" smtClean="0">
-                <a:solidFill>
-                  <a:schemeClr val="tx1"/>
-                </a:solidFill>
-                <a:effectLst/>
-                <a:latin typeface="+mn-lt"/>
-                <a:ea typeface="+mn-ea"/>
-                <a:cs typeface="+mn-cs"/>
-              </a:rPr>
-              <a:t>Entity </a:t>
-            </a:r>
-            <a:r>
-              <a:rPr lang="ko-KR" altLang="en-US" sz="1200" b="0" i="0" kern="1200" dirty="0" smtClean="0">
-                <a:solidFill>
-                  <a:schemeClr val="tx1"/>
-                </a:solidFill>
-                <a:effectLst/>
-                <a:latin typeface="+mn-lt"/>
-                <a:ea typeface="+mn-ea"/>
-                <a:cs typeface="+mn-cs"/>
-              </a:rPr>
-              <a:t>내부에</a:t>
-            </a:r>
-            <a:r>
-              <a:rPr lang="en-US" altLang="ko-KR" sz="1200" b="0" i="0" kern="1200" dirty="0" smtClean="0">
-                <a:solidFill>
-                  <a:schemeClr val="tx1"/>
-                </a:solidFill>
-                <a:effectLst/>
-                <a:latin typeface="+mn-lt"/>
-                <a:ea typeface="+mn-ea"/>
-                <a:cs typeface="+mn-cs"/>
-              </a:rPr>
-              <a:t>t</a:t>
-            </a:r>
-            <a:r>
-              <a:rPr lang="ko-KR" altLang="en-US" sz="1200" b="0" i="0" kern="1200" dirty="0" smtClean="0">
-                <a:solidFill>
-                  <a:schemeClr val="tx1"/>
-                </a:solidFill>
-                <a:effectLst/>
-                <a:latin typeface="+mn-lt"/>
-                <a:ea typeface="+mn-ea"/>
-                <a:cs typeface="+mn-cs"/>
-              </a:rPr>
-              <a:t>서하변 </a:t>
-            </a:r>
-            <a:r>
-              <a:rPr lang="en-US" altLang="ko-KR" sz="1200" b="0" i="0" kern="1200" dirty="0" err="1" smtClean="0">
-                <a:solidFill>
-                  <a:schemeClr val="tx1"/>
-                </a:solidFill>
-                <a:effectLst/>
-                <a:latin typeface="+mn-lt"/>
-                <a:ea typeface="+mn-ea"/>
-                <a:cs typeface="+mn-cs"/>
-              </a:rPr>
-              <a:t>ui</a:t>
-            </a:r>
-            <a:r>
-              <a:rPr lang="en-US" altLang="ko-KR" sz="1200" b="0" i="0" kern="1200" baseline="0" dirty="0" smtClean="0">
-                <a:solidFill>
-                  <a:schemeClr val="tx1"/>
-                </a:solidFill>
-                <a:effectLst/>
-                <a:latin typeface="+mn-lt"/>
-                <a:ea typeface="+mn-ea"/>
-                <a:cs typeface="+mn-cs"/>
-              </a:rPr>
-              <a:t> </a:t>
-            </a:r>
-            <a:r>
-              <a:rPr lang="ko-KR" altLang="en-US" sz="1200" b="0" i="0" kern="1200" baseline="0" dirty="0" smtClean="0">
-                <a:solidFill>
-                  <a:schemeClr val="tx1"/>
-                </a:solidFill>
-                <a:effectLst/>
-                <a:latin typeface="+mn-lt"/>
-                <a:ea typeface="+mn-ea"/>
-                <a:cs typeface="+mn-cs"/>
-              </a:rPr>
-              <a:t>즉 엔티니가 </a:t>
-            </a:r>
-            <a:r>
-              <a:rPr lang="en-US" altLang="ko-KR" sz="1200" b="0" i="0" kern="1200" baseline="0" dirty="0" err="1" smtClean="0">
-                <a:solidFill>
-                  <a:schemeClr val="tx1"/>
-                </a:solidFill>
-                <a:effectLst/>
-                <a:latin typeface="+mn-lt"/>
-                <a:ea typeface="+mn-ea"/>
-                <a:cs typeface="+mn-cs"/>
-              </a:rPr>
-              <a:t>ui</a:t>
-            </a:r>
-            <a:r>
-              <a:rPr lang="en-US" altLang="ko-KR" sz="1200" b="0" i="0" kern="1200" baseline="0" dirty="0" smtClean="0">
-                <a:solidFill>
-                  <a:schemeClr val="tx1"/>
-                </a:solidFill>
-                <a:effectLst/>
-                <a:latin typeface="+mn-lt"/>
-                <a:ea typeface="+mn-ea"/>
-                <a:cs typeface="+mn-cs"/>
-              </a:rPr>
-              <a:t> </a:t>
-            </a:r>
-            <a:r>
-              <a:rPr lang="ko-KR" altLang="en-US" sz="1200" b="0" i="0" kern="1200" baseline="0" dirty="0" smtClean="0">
-                <a:solidFill>
-                  <a:schemeClr val="tx1"/>
-                </a:solidFill>
-                <a:effectLst/>
-                <a:latin typeface="+mn-lt"/>
-                <a:ea typeface="+mn-ea"/>
-                <a:cs typeface="+mn-cs"/>
-              </a:rPr>
-              <a:t>나 </a:t>
-            </a:r>
-            <a:r>
-              <a:rPr lang="en-US" altLang="ko-KR" sz="1200" b="0" i="0" kern="1200" baseline="0" dirty="0" err="1" smtClean="0">
-                <a:solidFill>
-                  <a:schemeClr val="tx1"/>
-                </a:solidFill>
-                <a:effectLst/>
-                <a:latin typeface="+mn-lt"/>
-                <a:ea typeface="+mn-ea"/>
-                <a:cs typeface="+mn-cs"/>
-              </a:rPr>
-              <a:t>dto</a:t>
-            </a:r>
-            <a:r>
-              <a:rPr lang="en-US" altLang="ko-KR" sz="1200" b="0" i="0" kern="1200" baseline="0" dirty="0" smtClean="0">
-                <a:solidFill>
-                  <a:schemeClr val="tx1"/>
-                </a:solidFill>
-                <a:effectLst/>
-                <a:latin typeface="+mn-lt"/>
-                <a:ea typeface="+mn-ea"/>
-                <a:cs typeface="+mn-cs"/>
-              </a:rPr>
-              <a:t> </a:t>
-            </a:r>
-            <a:r>
-              <a:rPr lang="ko-KR" altLang="en-US" sz="1200" b="0" i="0" kern="1200" baseline="0" dirty="0" smtClean="0">
-                <a:solidFill>
-                  <a:schemeClr val="tx1"/>
-                </a:solidFill>
-                <a:effectLst/>
-                <a:latin typeface="+mn-lt"/>
-                <a:ea typeface="+mn-ea"/>
-                <a:cs typeface="+mn-cs"/>
-              </a:rPr>
-              <a:t>의존하게 되는 상황이 발생하빈다</a:t>
-            </a:r>
-            <a:r>
-              <a:rPr lang="en-US" altLang="ko-KR" sz="1200" b="0" i="0" kern="1200" baseline="0" dirty="0" smtClean="0">
-                <a:solidFill>
-                  <a:schemeClr val="tx1"/>
-                </a:solidFill>
-                <a:effectLst/>
-                <a:latin typeface="+mn-lt"/>
-                <a:ea typeface="+mn-ea"/>
-                <a:cs typeface="+mn-cs"/>
-              </a:rPr>
-              <a:t>. </a:t>
-            </a:r>
-            <a:r>
-              <a:rPr lang="ko-KR" altLang="en-US" sz="1200" b="0" i="0" kern="1200" baseline="0" dirty="0" smtClean="0">
-                <a:solidFill>
-                  <a:schemeClr val="tx1"/>
-                </a:solidFill>
-                <a:effectLst/>
-                <a:latin typeface="+mn-lt"/>
-                <a:ea typeface="+mn-ea"/>
-                <a:cs typeface="+mn-cs"/>
-              </a:rPr>
-              <a:t>이럴경우 </a:t>
-            </a:r>
-            <a:r>
-              <a:rPr lang="en-US" altLang="ko-KR" sz="1200" b="0" i="0" kern="1200" baseline="0" dirty="0" err="1" smtClean="0">
-                <a:solidFill>
-                  <a:schemeClr val="tx1"/>
-                </a:solidFill>
-                <a:effectLst/>
-                <a:latin typeface="+mn-lt"/>
-                <a:ea typeface="+mn-ea"/>
-                <a:cs typeface="+mn-cs"/>
-              </a:rPr>
-              <a:t>dto</a:t>
-            </a:r>
-            <a:r>
-              <a:rPr lang="en-US" altLang="ko-KR" sz="1200" b="0" i="0" kern="1200" baseline="0" dirty="0" smtClean="0">
-                <a:solidFill>
-                  <a:schemeClr val="tx1"/>
-                </a:solidFill>
-                <a:effectLst/>
-                <a:latin typeface="+mn-lt"/>
-                <a:ea typeface="+mn-ea"/>
-                <a:cs typeface="+mn-cs"/>
-              </a:rPr>
-              <a:t> </a:t>
-            </a:r>
-            <a:r>
-              <a:rPr lang="ko-KR" altLang="en-US" sz="1200" b="0" i="0" kern="1200" baseline="0" dirty="0" smtClean="0">
-                <a:solidFill>
-                  <a:schemeClr val="tx1"/>
-                </a:solidFill>
-                <a:effectLst/>
-                <a:latin typeface="+mn-lt"/>
-                <a:ea typeface="+mn-ea"/>
-                <a:cs typeface="+mn-cs"/>
-              </a:rPr>
-              <a:t>변경이 </a:t>
-            </a:r>
-            <a:r>
-              <a:rPr lang="en-US" altLang="ko-KR" sz="1200" b="0" i="0" kern="1200" baseline="0" dirty="0" smtClean="0">
-                <a:solidFill>
-                  <a:schemeClr val="tx1"/>
-                </a:solidFill>
-                <a:effectLst/>
-                <a:latin typeface="+mn-lt"/>
-                <a:ea typeface="+mn-ea"/>
-                <a:cs typeface="+mn-cs"/>
-              </a:rPr>
-              <a:t>entity </a:t>
-            </a:r>
-            <a:r>
-              <a:rPr lang="ko-KR" altLang="en-US" sz="1200" b="0" i="0" kern="1200" baseline="0" dirty="0" smtClean="0">
-                <a:solidFill>
-                  <a:schemeClr val="tx1"/>
-                </a:solidFill>
-                <a:effectLst/>
-                <a:latin typeface="+mn-lt"/>
-                <a:ea typeface="+mn-ea"/>
-                <a:cs typeface="+mn-cs"/>
-              </a:rPr>
-              <a:t>가영향르 받을수잇꼬 </a:t>
-            </a:r>
-            <a:r>
-              <a:rPr lang="en-US" altLang="ko-KR" sz="1200" b="0" i="0" kern="1200" baseline="0" dirty="0" err="1" smtClean="0">
-                <a:solidFill>
-                  <a:schemeClr val="tx1"/>
-                </a:solidFill>
-                <a:effectLst/>
-                <a:latin typeface="+mn-lt"/>
-                <a:ea typeface="+mn-ea"/>
-                <a:cs typeface="+mn-cs"/>
-              </a:rPr>
-              <a:t>enitty</a:t>
-            </a:r>
-            <a:r>
-              <a:rPr lang="ko-KR" altLang="en-US" sz="1200" b="0" i="0" kern="1200" baseline="0" dirty="0" smtClean="0">
-                <a:solidFill>
-                  <a:schemeClr val="tx1"/>
-                </a:solidFill>
-                <a:effectLst/>
-                <a:latin typeface="+mn-lt"/>
-                <a:ea typeface="+mn-ea"/>
-                <a:cs typeface="+mn-cs"/>
-              </a:rPr>
-              <a:t>는 하나에 여러가지 </a:t>
-            </a:r>
-            <a:r>
-              <a:rPr lang="en-US" altLang="ko-KR" sz="1200" b="0" i="0" kern="1200" baseline="0" dirty="0" err="1" smtClean="0">
-                <a:solidFill>
-                  <a:schemeClr val="tx1"/>
-                </a:solidFill>
-                <a:effectLst/>
-                <a:latin typeface="+mn-lt"/>
-                <a:ea typeface="+mn-ea"/>
-                <a:cs typeface="+mn-cs"/>
-              </a:rPr>
-              <a:t>dto</a:t>
-            </a:r>
-            <a:r>
-              <a:rPr lang="ko-KR" altLang="en-US" sz="1200" b="0" i="0" kern="1200" baseline="0" dirty="0" smtClean="0">
-                <a:solidFill>
-                  <a:schemeClr val="tx1"/>
-                </a:solidFill>
-                <a:effectLst/>
-                <a:latin typeface="+mn-lt"/>
-                <a:ea typeface="+mn-ea"/>
-                <a:cs typeface="+mn-cs"/>
-              </a:rPr>
-              <a:t>를 기반으로 만들어 질수있음으로 적절하지 않앗습니다</a:t>
-            </a:r>
-            <a:r>
-              <a:rPr lang="en-US" altLang="ko-KR" sz="1200" b="0" i="0" kern="1200" baseline="0" dirty="0" smtClean="0">
-                <a:solidFill>
-                  <a:schemeClr val="tx1"/>
-                </a:solidFill>
-                <a:effectLst/>
-                <a:latin typeface="+mn-lt"/>
-                <a:ea typeface="+mn-ea"/>
-                <a:cs typeface="+mn-cs"/>
-              </a:rPr>
-              <a:t>. </a:t>
-            </a:r>
-            <a:r>
-              <a:rPr lang="ko-KR" altLang="en-US" sz="1200" b="0" i="0" kern="1200" baseline="0" dirty="0" smtClean="0">
-                <a:solidFill>
-                  <a:schemeClr val="tx1"/>
-                </a:solidFill>
-                <a:effectLst/>
-                <a:latin typeface="+mn-lt"/>
-                <a:ea typeface="+mn-ea"/>
-                <a:cs typeface="+mn-cs"/>
-              </a:rPr>
-              <a:t>그리고 </a:t>
-            </a:r>
-            <a:r>
-              <a:rPr lang="en-US" altLang="ko-KR" sz="1200" b="0" i="0" kern="1200" baseline="0" dirty="0" err="1" smtClean="0">
-                <a:solidFill>
-                  <a:schemeClr val="tx1"/>
-                </a:solidFill>
-                <a:effectLst/>
-                <a:latin typeface="+mn-lt"/>
-                <a:ea typeface="+mn-ea"/>
-                <a:cs typeface="+mn-cs"/>
-              </a:rPr>
-              <a:t>enitty</a:t>
-            </a:r>
-            <a:r>
-              <a:rPr lang="en-US" altLang="ko-KR" sz="1200" b="0" i="0" kern="1200" baseline="0" dirty="0" smtClean="0">
-                <a:solidFill>
-                  <a:schemeClr val="tx1"/>
-                </a:solidFill>
-                <a:effectLst/>
-                <a:latin typeface="+mn-lt"/>
-                <a:ea typeface="+mn-ea"/>
-                <a:cs typeface="+mn-cs"/>
-              </a:rPr>
-              <a:t> </a:t>
-            </a:r>
-            <a:r>
-              <a:rPr lang="ko-KR" altLang="en-US" sz="1200" b="0" i="0" kern="1200" baseline="0" dirty="0" smtClean="0">
-                <a:solidFill>
-                  <a:schemeClr val="tx1"/>
-                </a:solidFill>
-                <a:effectLst/>
-                <a:latin typeface="+mn-lt"/>
-                <a:ea typeface="+mn-ea"/>
-                <a:cs typeface="+mn-cs"/>
-              </a:rPr>
-              <a:t>내부에서 스프링의 의존성 주입으로 라이브러리를 사용할수없어 매번 라이브러리르 이용할떄마다 새로 생성하야핬고 이는 라이브러리 변경에 취약했읍니다</a:t>
-            </a:r>
-            <a:r>
-              <a:rPr lang="en-US" altLang="ko-KR" sz="1200" b="0" i="0" kern="1200" baseline="0" dirty="0" smtClean="0">
-                <a:solidFill>
-                  <a:schemeClr val="tx1"/>
-                </a:solidFill>
-                <a:effectLst/>
-                <a:latin typeface="+mn-lt"/>
-                <a:ea typeface="+mn-ea"/>
-                <a:cs typeface="+mn-cs"/>
-              </a:rPr>
-              <a:t>.</a:t>
-            </a:r>
-          </a:p>
-          <a:p>
-            <a:r>
-              <a:rPr lang="ko-KR" altLang="en-US" sz="1200" b="0" i="0" kern="1200" baseline="0" dirty="0" smtClean="0">
-                <a:solidFill>
-                  <a:schemeClr val="tx1"/>
-                </a:solidFill>
-                <a:effectLst/>
-                <a:latin typeface="+mn-lt"/>
-                <a:ea typeface="+mn-ea"/>
-                <a:cs typeface="+mn-cs"/>
-              </a:rPr>
-              <a:t>그래서 서비스 계층에서 엔티티와 </a:t>
-            </a:r>
-            <a:r>
-              <a:rPr lang="en-US" altLang="ko-KR" sz="1200" b="0" i="0" kern="1200" baseline="0" dirty="0" err="1" smtClean="0">
-                <a:solidFill>
-                  <a:schemeClr val="tx1"/>
-                </a:solidFill>
-                <a:effectLst/>
-                <a:latin typeface="+mn-lt"/>
-                <a:ea typeface="+mn-ea"/>
-                <a:cs typeface="+mn-cs"/>
-              </a:rPr>
-              <a:t>dto</a:t>
-            </a:r>
-            <a:r>
-              <a:rPr lang="en-US" altLang="ko-KR" sz="1200" b="0" i="0" kern="1200" baseline="0" dirty="0" smtClean="0">
-                <a:solidFill>
-                  <a:schemeClr val="tx1"/>
-                </a:solidFill>
-                <a:effectLst/>
-                <a:latin typeface="+mn-lt"/>
-                <a:ea typeface="+mn-ea"/>
-                <a:cs typeface="+mn-cs"/>
-              </a:rPr>
-              <a:t> </a:t>
-            </a:r>
-            <a:r>
-              <a:rPr lang="ko-KR" altLang="en-US" sz="1200" b="0" i="0" kern="1200" baseline="0" dirty="0" smtClean="0">
-                <a:solidFill>
-                  <a:schemeClr val="tx1"/>
-                </a:solidFill>
-                <a:effectLst/>
-                <a:latin typeface="+mn-lt"/>
-                <a:ea typeface="+mn-ea"/>
-                <a:cs typeface="+mn-cs"/>
-              </a:rPr>
-              <a:t>변황르 담당해 </a:t>
-            </a:r>
-            <a:r>
-              <a:rPr lang="en-US" altLang="ko-KR" sz="1200" b="0" i="0" kern="1200" baseline="0" dirty="0" err="1" smtClean="0">
-                <a:solidFill>
-                  <a:schemeClr val="tx1"/>
-                </a:solidFill>
-                <a:effectLst/>
-                <a:latin typeface="+mn-lt"/>
-                <a:ea typeface="+mn-ea"/>
-                <a:cs typeface="+mn-cs"/>
-              </a:rPr>
-              <a:t>controlelr</a:t>
-            </a:r>
-            <a:r>
-              <a:rPr lang="en-US" altLang="ko-KR" sz="1200" b="0" i="0" kern="1200" baseline="0" dirty="0" smtClean="0">
-                <a:solidFill>
-                  <a:schemeClr val="tx1"/>
-                </a:solidFill>
-                <a:effectLst/>
-                <a:latin typeface="+mn-lt"/>
-                <a:ea typeface="+mn-ea"/>
-                <a:cs typeface="+mn-cs"/>
-              </a:rPr>
-              <a:t> </a:t>
-            </a:r>
-            <a:r>
-              <a:rPr lang="ko-KR" altLang="en-US" sz="1200" b="0" i="0" kern="1200" baseline="0" dirty="0" smtClean="0">
-                <a:solidFill>
-                  <a:schemeClr val="tx1"/>
-                </a:solidFill>
-                <a:effectLst/>
-                <a:latin typeface="+mn-lt"/>
-                <a:ea typeface="+mn-ea"/>
-                <a:cs typeface="+mn-cs"/>
-              </a:rPr>
-              <a:t>또는 </a:t>
-            </a:r>
-            <a:r>
-              <a:rPr lang="en-US" altLang="ko-KR" sz="1200" b="0" i="0" kern="1200" baseline="0" dirty="0" err="1" smtClean="0">
-                <a:solidFill>
-                  <a:schemeClr val="tx1"/>
-                </a:solidFill>
-                <a:effectLst/>
-                <a:latin typeface="+mn-lt"/>
-                <a:ea typeface="+mn-ea"/>
-                <a:cs typeface="+mn-cs"/>
-              </a:rPr>
-              <a:t>rrespotory</a:t>
-            </a:r>
-            <a:r>
-              <a:rPr lang="en-US" altLang="ko-KR" sz="1200" b="0" i="0" kern="1200" baseline="0" dirty="0" smtClean="0">
-                <a:solidFill>
-                  <a:schemeClr val="tx1"/>
-                </a:solidFill>
-                <a:effectLst/>
-                <a:latin typeface="+mn-lt"/>
-                <a:ea typeface="+mn-ea"/>
-                <a:cs typeface="+mn-cs"/>
-              </a:rPr>
-              <a:t> </a:t>
-            </a:r>
-            <a:r>
-              <a:rPr lang="ko-KR" altLang="en-US" sz="1200" b="0" i="0" kern="1200" baseline="0" dirty="0" smtClean="0">
-                <a:solidFill>
-                  <a:schemeClr val="tx1"/>
-                </a:solidFill>
-                <a:effectLst/>
-                <a:latin typeface="+mn-lt"/>
-                <a:ea typeface="+mn-ea"/>
-                <a:cs typeface="+mn-cs"/>
-              </a:rPr>
-              <a:t>로 넘겨 주는 방향으로 진행하였습니다</a:t>
-            </a:r>
-            <a:r>
-              <a:rPr lang="en-US" altLang="ko-KR" sz="1200" b="0" i="0" kern="1200" baseline="0" dirty="0" smtClean="0">
-                <a:solidFill>
-                  <a:schemeClr val="tx1"/>
-                </a:solidFill>
-                <a:effectLst/>
-                <a:latin typeface="+mn-lt"/>
-                <a:ea typeface="+mn-ea"/>
-                <a:cs typeface="+mn-cs"/>
-              </a:rPr>
-              <a:t>. </a:t>
-            </a:r>
-          </a:p>
-          <a:p>
-            <a:r>
-              <a:rPr lang="en-US" altLang="ko-KR" sz="1200" b="0" i="0" kern="1200" baseline="0" dirty="0" err="1" smtClean="0">
-                <a:solidFill>
-                  <a:schemeClr val="tx1"/>
-                </a:solidFill>
-                <a:effectLst/>
-                <a:latin typeface="+mn-lt"/>
-                <a:ea typeface="+mn-ea"/>
-                <a:cs typeface="+mn-cs"/>
-              </a:rPr>
-              <a:t>Dto</a:t>
-            </a:r>
-            <a:r>
-              <a:rPr lang="en-US" altLang="ko-KR" sz="1200" b="0" i="0" kern="1200" baseline="0" dirty="0" smtClean="0">
-                <a:solidFill>
-                  <a:schemeClr val="tx1"/>
-                </a:solidFill>
-                <a:effectLst/>
-                <a:latin typeface="+mn-lt"/>
-                <a:ea typeface="+mn-ea"/>
-                <a:cs typeface="+mn-cs"/>
-              </a:rPr>
-              <a:t> </a:t>
-            </a:r>
-            <a:r>
-              <a:rPr lang="ko-KR" altLang="en-US" sz="1200" b="0" i="0" kern="1200" baseline="0" dirty="0" smtClean="0">
-                <a:solidFill>
-                  <a:schemeClr val="tx1"/>
-                </a:solidFill>
-                <a:effectLst/>
-                <a:latin typeface="+mn-lt"/>
-                <a:ea typeface="+mn-ea"/>
-                <a:cs typeface="+mn-cs"/>
-              </a:rPr>
-              <a:t>중복 또한 많이 고민햇던 부분인데</a:t>
-            </a:r>
-            <a:r>
-              <a:rPr lang="en-US" altLang="ko-KR" sz="1200" b="0" i="0" kern="1200" baseline="0" dirty="0" smtClean="0">
-                <a:solidFill>
-                  <a:schemeClr val="tx1"/>
-                </a:solidFill>
-                <a:effectLst/>
-                <a:latin typeface="+mn-lt"/>
-                <a:ea typeface="+mn-ea"/>
-                <a:cs typeface="+mn-cs"/>
-              </a:rPr>
-              <a:t>. Update create </a:t>
-            </a:r>
-            <a:r>
-              <a:rPr lang="ko-KR" altLang="en-US" sz="1200" b="0" i="0" kern="1200" baseline="0" dirty="0" smtClean="0">
-                <a:solidFill>
-                  <a:schemeClr val="tx1"/>
-                </a:solidFill>
-                <a:effectLst/>
-                <a:latin typeface="+mn-lt"/>
-                <a:ea typeface="+mn-ea"/>
-                <a:cs typeface="+mn-cs"/>
-              </a:rPr>
-              <a:t>시요청 </a:t>
-            </a:r>
-            <a:r>
-              <a:rPr lang="en-US" altLang="ko-KR" sz="1200" b="0" i="0" kern="1200" baseline="0" dirty="0" err="1" smtClean="0">
-                <a:solidFill>
-                  <a:schemeClr val="tx1"/>
-                </a:solidFill>
-                <a:effectLst/>
-                <a:latin typeface="+mn-lt"/>
-                <a:ea typeface="+mn-ea"/>
-                <a:cs typeface="+mn-cs"/>
-              </a:rPr>
-              <a:t>dto</a:t>
-            </a:r>
-            <a:r>
-              <a:rPr lang="en-US" altLang="ko-KR" sz="1200" b="0" i="0" kern="1200" baseline="0" dirty="0" smtClean="0">
-                <a:solidFill>
-                  <a:schemeClr val="tx1"/>
-                </a:solidFill>
-                <a:effectLst/>
-                <a:latin typeface="+mn-lt"/>
-                <a:ea typeface="+mn-ea"/>
-                <a:cs typeface="+mn-cs"/>
-              </a:rPr>
-              <a:t> </a:t>
-            </a:r>
-            <a:r>
-              <a:rPr lang="ko-KR" altLang="en-US" sz="1200" b="0" i="0" kern="1200" baseline="0" dirty="0" smtClean="0">
-                <a:solidFill>
-                  <a:schemeClr val="tx1"/>
-                </a:solidFill>
-                <a:effectLst/>
-                <a:latin typeface="+mn-lt"/>
-                <a:ea typeface="+mn-ea"/>
-                <a:cs typeface="+mn-cs"/>
-              </a:rPr>
-              <a:t>즉 필욯나 값들이 중복되는 경우가 많앗습니다</a:t>
-            </a:r>
-            <a:r>
-              <a:rPr lang="en-US" altLang="ko-KR" sz="1200" b="0" i="0" kern="1200" baseline="0" dirty="0" smtClean="0">
-                <a:solidFill>
-                  <a:schemeClr val="tx1"/>
-                </a:solidFill>
-                <a:effectLst/>
-                <a:latin typeface="+mn-lt"/>
-                <a:ea typeface="+mn-ea"/>
-                <a:cs typeface="+mn-cs"/>
-              </a:rPr>
-              <a:t>. </a:t>
-            </a:r>
-            <a:r>
-              <a:rPr lang="ko-KR" altLang="en-US" sz="1200" b="0" i="0" kern="1200" baseline="0" dirty="0" smtClean="0">
-                <a:solidFill>
-                  <a:schemeClr val="tx1"/>
-                </a:solidFill>
-                <a:effectLst/>
-                <a:latin typeface="+mn-lt"/>
-                <a:ea typeface="+mn-ea"/>
-                <a:cs typeface="+mn-cs"/>
-              </a:rPr>
-              <a:t>하지만 대부분이 초반 코드는 비슷하지만 각 다른 이유와 속도로 변경될 여지가 있어 거짓된 중복이라 판단하여 </a:t>
-            </a:r>
-            <a:r>
-              <a:rPr lang="en-US" altLang="ko-KR" sz="1200" b="0" i="0" kern="1200" baseline="0" dirty="0" err="1" smtClean="0">
-                <a:solidFill>
-                  <a:schemeClr val="tx1"/>
-                </a:solidFill>
-                <a:effectLst/>
-                <a:latin typeface="+mn-lt"/>
-                <a:ea typeface="+mn-ea"/>
-                <a:cs typeface="+mn-cs"/>
-              </a:rPr>
-              <a:t>dto</a:t>
-            </a:r>
-            <a:r>
-              <a:rPr lang="ko-KR" altLang="en-US" sz="1200" b="0" i="0" kern="1200" baseline="0" dirty="0" smtClean="0">
-                <a:solidFill>
-                  <a:schemeClr val="tx1"/>
-                </a:solidFill>
-                <a:effectLst/>
-                <a:latin typeface="+mn-lt"/>
-                <a:ea typeface="+mn-ea"/>
-                <a:cs typeface="+mn-cs"/>
-              </a:rPr>
-              <a:t>를 상황 마다 분리하여 진행하였습니다</a:t>
-            </a:r>
-            <a:r>
-              <a:rPr lang="en-US" altLang="ko-KR" sz="1200" b="0" i="0" kern="1200" baseline="0" dirty="0" smtClean="0">
-                <a:solidFill>
-                  <a:schemeClr val="tx1"/>
-                </a:solidFill>
-                <a:effectLst/>
-                <a:latin typeface="+mn-lt"/>
-                <a:ea typeface="+mn-ea"/>
-                <a:cs typeface="+mn-cs"/>
-              </a:rPr>
-              <a:t>.</a:t>
-            </a:r>
-          </a:p>
-          <a:p>
-            <a:endParaRPr lang="en-US" altLang="ko-KR" sz="1200" b="0" i="0" kern="1200" dirty="0" smtClean="0">
-              <a:solidFill>
-                <a:schemeClr val="tx1"/>
-              </a:solidFill>
-              <a:effectLst/>
-              <a:latin typeface="+mn-lt"/>
-              <a:ea typeface="+mn-ea"/>
-              <a:cs typeface="+mn-cs"/>
-            </a:endParaRPr>
-          </a:p>
-          <a:p>
-            <a:endParaRPr lang="en-US" altLang="ko-KR" sz="1200" b="0" i="0" kern="1200" dirty="0" smtClean="0">
-              <a:solidFill>
-                <a:schemeClr val="tx1"/>
-              </a:solidFill>
-              <a:effectLst/>
-              <a:latin typeface="+mn-lt"/>
-              <a:ea typeface="+mn-ea"/>
-              <a:cs typeface="+mn-cs"/>
-            </a:endParaRPr>
-          </a:p>
-          <a:p>
-            <a:r>
-              <a:rPr lang="ko-KR" altLang="en-US" sz="1200" b="0" i="0" kern="1200" baseline="0" dirty="0" smtClean="0">
-                <a:solidFill>
-                  <a:schemeClr val="tx1"/>
-                </a:solidFill>
-                <a:effectLst/>
-                <a:latin typeface="+mn-lt"/>
-                <a:ea typeface="+mn-ea"/>
-                <a:cs typeface="+mn-cs"/>
-              </a:rPr>
-              <a:t>객체 지향 유지보수 하기편하게 하기위해 </a:t>
-            </a:r>
-            <a:endParaRPr lang="en-US" altLang="ko-KR" sz="1200" b="0" i="0" kern="1200" baseline="0" dirty="0" smtClean="0">
-              <a:solidFill>
-                <a:schemeClr val="tx1"/>
-              </a:solidFill>
-              <a:effectLst/>
-              <a:latin typeface="+mn-lt"/>
-              <a:ea typeface="+mn-ea"/>
-              <a:cs typeface="+mn-cs"/>
-            </a:endParaRPr>
-          </a:p>
-          <a:p>
-            <a:r>
-              <a:rPr lang="ko-KR" altLang="en-US" sz="1200" b="0" i="0" kern="1200" baseline="0" dirty="0" smtClean="0">
-                <a:solidFill>
-                  <a:schemeClr val="tx1"/>
-                </a:solidFill>
-                <a:effectLst/>
-                <a:latin typeface="+mn-lt"/>
-                <a:ea typeface="+mn-ea"/>
-                <a:cs typeface="+mn-cs"/>
-              </a:rPr>
-              <a:t>의존성을 줄여 변경에 영향을 안받로고 진행하였습니다</a:t>
-            </a:r>
-            <a:r>
-              <a:rPr lang="en-US" altLang="ko-KR" sz="1200" b="0" i="0" kern="1200" baseline="0" dirty="0" smtClean="0">
-                <a:solidFill>
-                  <a:schemeClr val="tx1"/>
-                </a:solidFill>
-                <a:effectLst/>
-                <a:latin typeface="+mn-lt"/>
-                <a:ea typeface="+mn-ea"/>
-                <a:cs typeface="+mn-cs"/>
-              </a:rPr>
-              <a:t>. </a:t>
-            </a:r>
-            <a:r>
-              <a:rPr lang="ko-KR" altLang="en-US" sz="1200" b="0" i="0" kern="1200" baseline="0" dirty="0" smtClean="0">
-                <a:solidFill>
-                  <a:schemeClr val="tx1"/>
-                </a:solidFill>
-                <a:effectLst/>
-                <a:latin typeface="+mn-lt"/>
-                <a:ea typeface="+mn-ea"/>
-                <a:cs typeface="+mn-cs"/>
-              </a:rPr>
-              <a:t>다른 라이브러리를 사용하는 상황이나 기존 라이브러리 소스 변경에댛나 영향을 최소하 였습니다</a:t>
-            </a:r>
-            <a:r>
-              <a:rPr lang="en-US" altLang="ko-KR" sz="1200" b="0" i="0" kern="1200" baseline="0" dirty="0" smtClean="0">
-                <a:solidFill>
-                  <a:schemeClr val="tx1"/>
-                </a:solidFill>
-                <a:effectLst/>
-                <a:latin typeface="+mn-lt"/>
-                <a:ea typeface="+mn-ea"/>
-                <a:cs typeface="+mn-cs"/>
-              </a:rPr>
-              <a:t>.</a:t>
-            </a:r>
-          </a:p>
-          <a:p>
-            <a:r>
-              <a:rPr lang="ko-KR" altLang="en-US" sz="1200" b="0" i="0" kern="1200" baseline="0" dirty="0" smtClean="0">
-                <a:solidFill>
-                  <a:schemeClr val="tx1"/>
-                </a:solidFill>
-                <a:effectLst/>
-                <a:latin typeface="+mn-lt"/>
-                <a:ea typeface="+mn-ea"/>
-                <a:cs typeface="+mn-cs"/>
-              </a:rPr>
-              <a:t>사용햇떤 라이브러리 가틍ㄴ 경웅에느 </a:t>
-            </a:r>
-            <a:endParaRPr lang="en-US" altLang="ko-KR" sz="1200" b="0" i="0" kern="1200" baseline="0" dirty="0" smtClean="0">
-              <a:solidFill>
-                <a:schemeClr val="tx1"/>
-              </a:solidFill>
-              <a:effectLst/>
-              <a:latin typeface="+mn-lt"/>
-              <a:ea typeface="+mn-ea"/>
-              <a:cs typeface="+mn-cs"/>
-            </a:endParaRPr>
-          </a:p>
-          <a:p>
-            <a:endParaRPr lang="en-US" altLang="ko-KR" sz="1200" b="0" i="0" kern="1200" baseline="0" dirty="0" smtClean="0">
-              <a:solidFill>
-                <a:schemeClr val="tx1"/>
-              </a:solidFill>
-              <a:effectLst/>
-              <a:latin typeface="+mn-lt"/>
-              <a:ea typeface="+mn-ea"/>
-              <a:cs typeface="+mn-cs"/>
-            </a:endParaRPr>
-          </a:p>
-          <a:p>
-            <a:r>
-              <a:rPr lang="en-US" altLang="ko-KR" baseline="0" dirty="0" err="1" smtClean="0"/>
-              <a:t>Dto</a:t>
-            </a:r>
-            <a:r>
-              <a:rPr lang="en-US" altLang="ko-KR" baseline="0" dirty="0" smtClean="0"/>
-              <a:t> </a:t>
-            </a:r>
-            <a:r>
-              <a:rPr lang="ko-KR" altLang="en-US" baseline="0" dirty="0" smtClean="0"/>
-              <a:t>같은경우는 </a:t>
-            </a:r>
-            <a:endParaRPr lang="en-US" altLang="ko-KR" baseline="0" dirty="0" smtClean="0"/>
-          </a:p>
-          <a:p>
-            <a:endParaRPr lang="en-US" altLang="ko-KR" baseline="0" dirty="0" smtClean="0"/>
-          </a:p>
-          <a:p>
-            <a:endParaRPr lang="en-US" altLang="ko-KR" baseline="0" dirty="0" smtClean="0"/>
           </a:p>
         </p:txBody>
       </p:sp>
@@ -2841,7 +1849,7 @@
           <a:p>
             <a:fld id="{AD4EE2DB-E76A-4EC0-BB3C-86A9DFF316EC}" type="slidenum">
               <a:rPr lang="ko-KR" altLang="en-US" smtClean="0"/>
-              <a:t>14</a:t>
+              <a:t>13</a:t>
             </a:fld>
             <a:endParaRPr lang="ko-KR" altLang="en-US"/>
           </a:p>
@@ -2850,7 +1858,7 @@
     </p:spTree>
     <p:extLst>
       <p:ext uri="{BB962C8B-B14F-4D97-AF65-F5344CB8AC3E}">
-        <p14:creationId xmlns:p14="http://schemas.microsoft.com/office/powerpoint/2010/main" val="3940529063"/>
+        <p14:creationId xmlns:p14="http://schemas.microsoft.com/office/powerpoint/2010/main" val="3409927246"/>
       </p:ext>
     </p:extLst>
   </p:cSld>
@@ -2905,30 +1913,1791 @@
           <a:lstStyle/>
           <a:p>
             <a:r>
+              <a:rPr lang="ko-KR" altLang="en-US" dirty="0" smtClean="0"/>
+              <a:t>예외 처리는 한꺼번에 </a:t>
+            </a:r>
+            <a:r>
               <a:rPr lang="en-US" altLang="ko-KR" dirty="0" smtClean="0"/>
-              <a:t>To</a:t>
+              <a:t>global </a:t>
+            </a:r>
+            <a:r>
+              <a:rPr lang="en-US" altLang="ko-KR" dirty="0" err="1" smtClean="0"/>
+              <a:t>exeption</a:t>
+            </a:r>
+            <a:r>
+              <a:rPr lang="en-US" altLang="ko-KR" dirty="0" smtClean="0"/>
+              <a:t> handler </a:t>
+            </a:r>
+            <a:r>
+              <a:rPr lang="ko-KR" altLang="en-US" dirty="0" smtClean="0"/>
+              <a:t>를 통해 비지니스 로직중에 일어나는 </a:t>
+            </a:r>
+            <a:r>
+              <a:rPr lang="en-US" altLang="ko-KR" dirty="0" err="1" smtClean="0"/>
+              <a:t>excepito</a:t>
+            </a:r>
+            <a:r>
+              <a:rPr lang="en-US" altLang="ko-KR" dirty="0" smtClean="0"/>
+              <a:t> </a:t>
+            </a:r>
+            <a:r>
+              <a:rPr lang="ko-KR" altLang="en-US" dirty="0" smtClean="0"/>
+              <a:t>포함 </a:t>
+            </a:r>
+            <a:r>
+              <a:rPr lang="en-US" altLang="ko-KR" dirty="0" err="1" smtClean="0"/>
+              <a:t>vlaidation</a:t>
+            </a:r>
+            <a:r>
+              <a:rPr lang="en-US" altLang="ko-KR" dirty="0" smtClean="0"/>
+              <a:t> exception</a:t>
             </a:r>
             <a:r>
               <a:rPr lang="en-US" altLang="ko-KR" baseline="0" dirty="0" smtClean="0"/>
-              <a:t> string equals </a:t>
+              <a:t> </a:t>
             </a:r>
             <a:r>
               <a:rPr lang="ko-KR" altLang="en-US" baseline="0" dirty="0" smtClean="0"/>
-              <a:t>자바 </a:t>
+              <a:t>등 한곳에서 모아서 처리하게 하엿 유지보수에 조금더 편하게 하엿따</a:t>
             </a:r>
             <a:r>
               <a:rPr lang="en-US" altLang="ko-KR" baseline="0" dirty="0" smtClean="0"/>
-              <a:t>reflection</a:t>
+              <a:t>.</a:t>
+            </a:r>
+            <a:endParaRPr lang="en-US" altLang="ko-KR" dirty="0" smtClean="0"/>
+          </a:p>
+          <a:p>
+            <a:r>
+              <a:rPr lang="ko-KR" altLang="en-US" dirty="0" smtClean="0"/>
+              <a:t>스프링 자주 사용하는 어노테이셔 설정에도 좀더 신경ㅇ르써서 진행하엿습니ㅏㄷ</a:t>
+            </a:r>
+            <a:r>
+              <a:rPr lang="en-US" altLang="ko-KR" dirty="0" smtClean="0"/>
+              <a:t>.</a:t>
+            </a:r>
+          </a:p>
+          <a:p>
+            <a:r>
+              <a:rPr lang="en-US" altLang="ko-KR" dirty="0" err="1" smtClean="0"/>
+              <a:t>Compoent</a:t>
+            </a:r>
+            <a:r>
+              <a:rPr lang="en-US" altLang="ko-KR" baseline="0" dirty="0" smtClean="0"/>
+              <a:t> bean </a:t>
             </a:r>
             <a:r>
               <a:rPr lang="ko-KR" altLang="en-US" baseline="0" dirty="0" smtClean="0"/>
-              <a:t>으로 작동해 성능 및 </a:t>
+              <a:t>은 외부 라이브러리 가팅 제어가 불가능한 부분은 </a:t>
             </a:r>
             <a:r>
               <a:rPr lang="en-US" altLang="ko-KR" baseline="0" dirty="0" smtClean="0"/>
-              <a:t>over flow</a:t>
-            </a:r>
-            <a:endParaRPr lang="ko-KR" altLang="en-US" dirty="0"/>
+              <a:t>bean </a:t>
+            </a:r>
+            <a:r>
+              <a:rPr lang="ko-KR" altLang="en-US" baseline="0" dirty="0" smtClean="0"/>
+              <a:t>아닌 것은 </a:t>
+            </a:r>
+            <a:r>
+              <a:rPr lang="en-US" altLang="ko-KR" baseline="0" dirty="0" err="1" smtClean="0"/>
+              <a:t>compoenent</a:t>
+            </a:r>
+            <a:r>
+              <a:rPr lang="en-US" altLang="ko-KR" baseline="0" dirty="0" smtClean="0"/>
+              <a:t> </a:t>
+            </a:r>
+            <a:r>
+              <a:rPr lang="ko-KR" altLang="en-US" baseline="0" dirty="0" smtClean="0"/>
+              <a:t>를사용하옇고</a:t>
+            </a:r>
+            <a:endParaRPr lang="en-US" altLang="ko-KR" baseline="0" dirty="0" smtClean="0"/>
+          </a:p>
+          <a:p>
+            <a:r>
+              <a:rPr lang="ko-KR" altLang="en-US" baseline="0" dirty="0" smtClean="0"/>
+              <a:t>비지니스 로직 단위로 </a:t>
+            </a:r>
+            <a:r>
+              <a:rPr lang="en-US" altLang="ko-KR" baseline="0" dirty="0" err="1" smtClean="0"/>
+              <a:t>transxational</a:t>
+            </a:r>
+            <a:r>
+              <a:rPr lang="en-US" altLang="ko-KR" baseline="0" dirty="0" smtClean="0"/>
+              <a:t> </a:t>
+            </a:r>
+            <a:r>
+              <a:rPr lang="ko-KR" altLang="en-US" baseline="0" dirty="0" smtClean="0"/>
+              <a:t>을 주려고 했으면</a:t>
+            </a:r>
+            <a:endParaRPr lang="en-US" altLang="ko-KR" baseline="0" dirty="0" smtClean="0"/>
+          </a:p>
+          <a:p>
+            <a:r>
+              <a:rPr lang="en-US" altLang="ko-KR" baseline="0" dirty="0" err="1" smtClean="0"/>
+              <a:t>Validtaion</a:t>
+            </a:r>
+            <a:r>
+              <a:rPr lang="ko-KR" altLang="en-US" baseline="0" dirty="0" smtClean="0"/>
+              <a:t>은 </a:t>
+            </a:r>
+            <a:r>
+              <a:rPr lang="en-US" altLang="ko-KR" baseline="0" dirty="0" err="1" smtClean="0"/>
+              <a:t>contorller</a:t>
+            </a:r>
+            <a:r>
+              <a:rPr lang="en-US" altLang="ko-KR" baseline="0" dirty="0" smtClean="0"/>
+              <a:t> </a:t>
+            </a:r>
+            <a:r>
+              <a:rPr lang="ko-KR" altLang="en-US" baseline="0" dirty="0" smtClean="0"/>
+              <a:t>단 즉 외부에서 입력은 받는 </a:t>
+            </a:r>
+            <a:r>
+              <a:rPr lang="en-US" altLang="ko-KR" baseline="0" dirty="0" smtClean="0"/>
+              <a:t>valid</a:t>
+            </a:r>
+            <a:r>
+              <a:rPr lang="ko-KR" altLang="en-US" baseline="0" dirty="0" smtClean="0"/>
+              <a:t>로 처리 로직으로 처리하기보다느 스프링 내 어노테이션을 통해 간단히 처리하였습니다</a:t>
+            </a:r>
+            <a:r>
+              <a:rPr lang="en-US" altLang="ko-KR" baseline="0" dirty="0" smtClean="0"/>
+              <a:t>.</a:t>
+            </a:r>
+          </a:p>
+          <a:p>
+            <a:r>
+              <a:rPr lang="ko-KR" altLang="en-US" baseline="0" dirty="0" smtClean="0"/>
+              <a:t>또한 </a:t>
+            </a:r>
+            <a:r>
+              <a:rPr lang="en-US" altLang="ko-KR" baseline="0" dirty="0" err="1" smtClean="0"/>
+              <a:t>autoworied</a:t>
+            </a:r>
+            <a:r>
+              <a:rPr lang="en-US" altLang="ko-KR" baseline="0" dirty="0" smtClean="0"/>
+              <a:t> </a:t>
+            </a:r>
+            <a:r>
+              <a:rPr lang="ko-KR" altLang="en-US" baseline="0" dirty="0" smtClean="0"/>
+              <a:t>같은 기본적이 어노테이션도 다시한번도 생각해서 </a:t>
+            </a:r>
+            <a:r>
+              <a:rPr lang="en-US" altLang="ko-KR" baseline="0" dirty="0" smtClean="0"/>
+              <a:t>field injection </a:t>
+            </a:r>
+            <a:r>
+              <a:rPr lang="ko-KR" altLang="en-US" baseline="0" dirty="0" smtClean="0"/>
+              <a:t>보다는 테스트 작성시 의존성주입이 쉽고</a:t>
+            </a:r>
+            <a:endParaRPr lang="en-US" altLang="ko-KR" baseline="0" dirty="0" smtClean="0"/>
+          </a:p>
+          <a:p>
+            <a:r>
+              <a:rPr lang="ko-KR" altLang="en-US" baseline="0" dirty="0" smtClean="0"/>
+              <a:t> 불변성을 유지할수 있어 안전하고 </a:t>
+            </a:r>
+            <a:r>
+              <a:rPr lang="ko-KR" altLang="en-US" sz="1200" b="0" i="0" kern="1200" baseline="0" dirty="0" smtClean="0">
+                <a:solidFill>
+                  <a:schemeClr val="tx1"/>
+                </a:solidFill>
+                <a:effectLst/>
+                <a:latin typeface="+mn-lt"/>
+                <a:ea typeface="+mn-ea"/>
+                <a:cs typeface="+mn-cs"/>
+              </a:rPr>
+              <a:t>순환 의존성을 </a:t>
+            </a:r>
+            <a:r>
+              <a:rPr lang="en-US" altLang="ko-KR" sz="1200" b="0" i="0" kern="1200" baseline="0" dirty="0" err="1" smtClean="0">
+                <a:solidFill>
+                  <a:schemeClr val="tx1"/>
+                </a:solidFill>
+                <a:effectLst/>
+                <a:latin typeface="+mn-lt"/>
+                <a:ea typeface="+mn-ea"/>
+                <a:cs typeface="+mn-cs"/>
+              </a:rPr>
+              <a:t>compie</a:t>
+            </a:r>
+            <a:r>
+              <a:rPr lang="en-US" altLang="ko-KR" sz="1200" b="0" i="0" kern="1200" baseline="0" dirty="0" smtClean="0">
+                <a:solidFill>
+                  <a:schemeClr val="tx1"/>
+                </a:solidFill>
+                <a:effectLst/>
+                <a:latin typeface="+mn-lt"/>
+                <a:ea typeface="+mn-ea"/>
+                <a:cs typeface="+mn-cs"/>
+              </a:rPr>
+              <a:t> </a:t>
+            </a:r>
+            <a:r>
+              <a:rPr lang="ko-KR" altLang="en-US" sz="1200" b="0" i="0" kern="1200" baseline="0" dirty="0" smtClean="0">
+                <a:solidFill>
+                  <a:schemeClr val="tx1"/>
+                </a:solidFill>
+                <a:effectLst/>
+                <a:latin typeface="+mn-lt"/>
+                <a:ea typeface="+mn-ea"/>
+                <a:cs typeface="+mn-cs"/>
+              </a:rPr>
+              <a:t>시 예방가능 단일책임 원칙을 위반시 더욱 들어나 개발자로 하여금 리팩토링 징조르 확실히 보여줄수있다</a:t>
+            </a:r>
+            <a:r>
+              <a:rPr lang="en-US" altLang="ko-KR" sz="1200" b="0" i="0" kern="1200" baseline="0" dirty="0" smtClean="0">
+                <a:solidFill>
+                  <a:schemeClr val="tx1"/>
+                </a:solidFill>
+                <a:effectLst/>
+                <a:latin typeface="+mn-lt"/>
+                <a:ea typeface="+mn-ea"/>
+                <a:cs typeface="+mn-cs"/>
+              </a:rPr>
+              <a:t>.</a:t>
+            </a:r>
+          </a:p>
+          <a:p>
+            <a:r>
+              <a:rPr lang="ko-KR" altLang="en-US" sz="1200" b="0" i="0" kern="1200" dirty="0" smtClean="0">
+                <a:solidFill>
+                  <a:schemeClr val="tx1"/>
+                </a:solidFill>
+                <a:effectLst/>
+                <a:latin typeface="+mn-lt"/>
+                <a:ea typeface="+mn-ea"/>
+                <a:cs typeface="+mn-cs"/>
+              </a:rPr>
+              <a:t>그래서 </a:t>
+            </a:r>
+            <a:r>
+              <a:rPr lang="en-US" altLang="ko-KR" sz="1200" b="0" i="0" kern="1200" dirty="0" smtClean="0">
+                <a:solidFill>
+                  <a:schemeClr val="tx1"/>
+                </a:solidFill>
+                <a:effectLst/>
+                <a:latin typeface="+mn-lt"/>
+                <a:ea typeface="+mn-ea"/>
+                <a:cs typeface="+mn-cs"/>
+              </a:rPr>
+              <a:t>field</a:t>
+            </a:r>
+            <a:r>
+              <a:rPr lang="en-US" altLang="ko-KR" sz="1200" b="0" i="0" kern="1200" baseline="0" dirty="0" smtClean="0">
+                <a:solidFill>
+                  <a:schemeClr val="tx1"/>
+                </a:solidFill>
+                <a:effectLst/>
+                <a:latin typeface="+mn-lt"/>
+                <a:ea typeface="+mn-ea"/>
+                <a:cs typeface="+mn-cs"/>
+              </a:rPr>
+              <a:t> injection </a:t>
+            </a:r>
+            <a:r>
+              <a:rPr lang="ko-KR" altLang="en-US" sz="1200" b="0" i="0" kern="1200" baseline="0" dirty="0" smtClean="0">
+                <a:solidFill>
+                  <a:schemeClr val="tx1"/>
+                </a:solidFill>
+                <a:effectLst/>
+                <a:latin typeface="+mn-lt"/>
+                <a:ea typeface="+mn-ea"/>
+                <a:cs typeface="+mn-cs"/>
+              </a:rPr>
+              <a:t>보다는 </a:t>
+            </a:r>
+            <a:r>
+              <a:rPr lang="en-US" altLang="ko-KR" sz="1200" b="0" i="0" kern="1200" baseline="0" dirty="0" smtClean="0">
+                <a:solidFill>
+                  <a:schemeClr val="tx1"/>
+                </a:solidFill>
+                <a:effectLst/>
+                <a:latin typeface="+mn-lt"/>
+                <a:ea typeface="+mn-ea"/>
+                <a:cs typeface="+mn-cs"/>
+              </a:rPr>
+              <a:t>constructor </a:t>
+            </a:r>
+            <a:r>
+              <a:rPr lang="ko-KR" altLang="en-US" sz="1200" b="0" i="0" kern="1200" baseline="0" dirty="0" smtClean="0">
+                <a:solidFill>
+                  <a:schemeClr val="tx1"/>
+                </a:solidFill>
+                <a:effectLst/>
+                <a:latin typeface="+mn-lt"/>
+                <a:ea typeface="+mn-ea"/>
+                <a:cs typeface="+mn-cs"/>
+              </a:rPr>
+              <a:t>를 위주로 하고 정말 필요한 상황</a:t>
+            </a:r>
+            <a:r>
+              <a:rPr lang="en-US" altLang="ko-KR" sz="1200" b="0" i="0" kern="1200" baseline="0" dirty="0" smtClean="0">
+                <a:solidFill>
+                  <a:schemeClr val="tx1"/>
+                </a:solidFill>
+                <a:effectLst/>
+                <a:latin typeface="+mn-lt"/>
+                <a:ea typeface="+mn-ea"/>
+                <a:cs typeface="+mn-cs"/>
+              </a:rPr>
+              <a:t>setter </a:t>
+            </a:r>
+            <a:r>
+              <a:rPr lang="ko-KR" altLang="en-US" sz="1200" b="0" i="0" kern="1200" baseline="0" dirty="0" smtClean="0">
+                <a:solidFill>
+                  <a:schemeClr val="tx1"/>
+                </a:solidFill>
+                <a:effectLst/>
+                <a:latin typeface="+mn-lt"/>
+                <a:ea typeface="+mn-ea"/>
+                <a:cs typeface="+mn-cs"/>
+              </a:rPr>
+              <a:t>ㄹ르 사용하였다</a:t>
+            </a:r>
+            <a:r>
+              <a:rPr lang="en-US" altLang="ko-KR" sz="1200" b="0" i="0" kern="1200" baseline="0" dirty="0" smtClean="0">
+                <a:solidFill>
+                  <a:schemeClr val="tx1"/>
+                </a:solidFill>
+                <a:effectLst/>
+                <a:latin typeface="+mn-lt"/>
+                <a:ea typeface="+mn-ea"/>
+                <a:cs typeface="+mn-cs"/>
+              </a:rPr>
+              <a:t>. </a:t>
+            </a:r>
+            <a:r>
+              <a:rPr lang="ko-KR" altLang="en-US" sz="1200" b="0" i="0" kern="1200" baseline="0" dirty="0" smtClean="0">
+                <a:solidFill>
+                  <a:schemeClr val="tx1"/>
+                </a:solidFill>
+                <a:effectLst/>
+                <a:latin typeface="+mn-lt"/>
+                <a:ea typeface="+mn-ea"/>
+                <a:cs typeface="+mn-cs"/>
+              </a:rPr>
+              <a:t>순환 참조가 필요한경우</a:t>
+            </a:r>
+            <a:r>
+              <a:rPr lang="en-US" altLang="ko-KR" sz="1200" b="0" i="0" kern="1200" baseline="0" dirty="0" smtClean="0">
+                <a:solidFill>
+                  <a:schemeClr val="tx1"/>
+                </a:solidFill>
+                <a:effectLst/>
+                <a:latin typeface="+mn-lt"/>
+                <a:ea typeface="+mn-ea"/>
+                <a:cs typeface="+mn-cs"/>
+              </a:rPr>
+              <a:t>(service </a:t>
+            </a:r>
+            <a:r>
+              <a:rPr lang="ko-KR" altLang="en-US" sz="1200" b="0" i="0" kern="1200" baseline="0" dirty="0" smtClean="0">
+                <a:solidFill>
+                  <a:schemeClr val="tx1"/>
+                </a:solidFill>
+                <a:effectLst/>
+                <a:latin typeface="+mn-lt"/>
+                <a:ea typeface="+mn-ea"/>
+                <a:cs typeface="+mn-cs"/>
+              </a:rPr>
+              <a:t>에서 </a:t>
+            </a:r>
+            <a:r>
+              <a:rPr lang="en-US" altLang="ko-KR" sz="1200" b="0" i="0" kern="1200" baseline="0" dirty="0" smtClean="0">
+                <a:solidFill>
+                  <a:schemeClr val="tx1"/>
+                </a:solidFill>
+                <a:effectLst/>
+                <a:latin typeface="+mn-lt"/>
+                <a:ea typeface="+mn-ea"/>
+                <a:cs typeface="+mn-cs"/>
+              </a:rPr>
+              <a:t>service call)</a:t>
+            </a:r>
+          </a:p>
+          <a:p>
+            <a:endParaRPr lang="en-US" altLang="ko-KR" sz="1200" b="0" i="0" kern="1200" dirty="0" smtClean="0">
+              <a:solidFill>
+                <a:schemeClr val="tx1"/>
+              </a:solidFill>
+              <a:effectLst/>
+              <a:latin typeface="+mn-lt"/>
+              <a:ea typeface="+mn-ea"/>
+              <a:cs typeface="+mn-cs"/>
+            </a:endParaRPr>
+          </a:p>
+          <a:p>
+            <a:r>
+              <a:rPr lang="ko-KR" altLang="en-US" sz="1200" b="0" i="0" kern="1200" dirty="0" smtClean="0">
+                <a:solidFill>
+                  <a:schemeClr val="tx1"/>
+                </a:solidFill>
+                <a:effectLst/>
+                <a:latin typeface="+mn-lt"/>
+                <a:ea typeface="+mn-ea"/>
+                <a:cs typeface="+mn-cs"/>
+              </a:rPr>
+              <a:t>유연하고 확장가능한 서비스를 만들기 위해 </a:t>
+            </a:r>
+            <a:endParaRPr lang="en-US" altLang="ko-KR" sz="1200" b="0" i="0" kern="1200" dirty="0" smtClean="0">
+              <a:solidFill>
+                <a:schemeClr val="tx1"/>
+              </a:solidFill>
+              <a:effectLst/>
+              <a:latin typeface="+mn-lt"/>
+              <a:ea typeface="+mn-ea"/>
+              <a:cs typeface="+mn-cs"/>
+            </a:endParaRPr>
+          </a:p>
+          <a:p>
+            <a:r>
+              <a:rPr lang="ko-KR" altLang="en-US" sz="1200" b="0" i="0" kern="1200" dirty="0" smtClean="0">
+                <a:solidFill>
+                  <a:schemeClr val="tx1"/>
+                </a:solidFill>
+                <a:effectLst/>
+                <a:latin typeface="+mn-lt"/>
+                <a:ea typeface="+mn-ea"/>
+                <a:cs typeface="+mn-cs"/>
+              </a:rPr>
+              <a:t>철처한 계층분리</a:t>
+            </a:r>
+            <a:endParaRPr lang="en-US" altLang="ko-KR" sz="1200" b="0" i="0" kern="1200" dirty="0" smtClean="0">
+              <a:solidFill>
+                <a:schemeClr val="tx1"/>
+              </a:solidFill>
+              <a:effectLst/>
+              <a:latin typeface="+mn-lt"/>
+              <a:ea typeface="+mn-ea"/>
+              <a:cs typeface="+mn-cs"/>
+            </a:endParaRPr>
+          </a:p>
+          <a:p>
+            <a:r>
+              <a:rPr lang="en-US" altLang="ko-KR" sz="1200" b="0" i="0" kern="1200" dirty="0" err="1" smtClean="0">
+                <a:solidFill>
+                  <a:schemeClr val="tx1"/>
+                </a:solidFill>
+                <a:effectLst/>
+                <a:latin typeface="+mn-lt"/>
+                <a:ea typeface="+mn-ea"/>
+                <a:cs typeface="+mn-cs"/>
+              </a:rPr>
+              <a:t>Contorlelr</a:t>
+            </a:r>
+            <a:r>
+              <a:rPr lang="en-US" altLang="ko-KR" sz="1200" b="0" i="0" kern="1200" baseline="0" dirty="0" smtClean="0">
+                <a:solidFill>
+                  <a:schemeClr val="tx1"/>
+                </a:solidFill>
+                <a:effectLst/>
+                <a:latin typeface="+mn-lt"/>
+                <a:ea typeface="+mn-ea"/>
+                <a:cs typeface="+mn-cs"/>
+              </a:rPr>
+              <a:t> </a:t>
+            </a:r>
+            <a:r>
+              <a:rPr lang="ko-KR" altLang="en-US" sz="1200" b="0" i="0" kern="1200" baseline="0" dirty="0" smtClean="0">
+                <a:solidFill>
+                  <a:schemeClr val="tx1"/>
+                </a:solidFill>
+                <a:effectLst/>
+                <a:latin typeface="+mn-lt"/>
+                <a:ea typeface="+mn-ea"/>
+                <a:cs typeface="+mn-cs"/>
+              </a:rPr>
+              <a:t>프레젠텡션에 속하고 여기에서는 최종 </a:t>
+            </a:r>
+            <a:r>
+              <a:rPr lang="en-US" altLang="ko-KR" sz="1200" b="0" i="0" kern="1200" baseline="0" dirty="0" err="1" smtClean="0">
+                <a:solidFill>
+                  <a:schemeClr val="tx1"/>
+                </a:solidFill>
+                <a:effectLst/>
+                <a:latin typeface="+mn-lt"/>
+                <a:ea typeface="+mn-ea"/>
+                <a:cs typeface="+mn-cs"/>
+              </a:rPr>
+              <a:t>ui</a:t>
+            </a:r>
+            <a:r>
+              <a:rPr lang="en-US" altLang="ko-KR" sz="1200" b="0" i="0" kern="1200" baseline="0" dirty="0" smtClean="0">
+                <a:solidFill>
+                  <a:schemeClr val="tx1"/>
+                </a:solidFill>
+                <a:effectLst/>
+                <a:latin typeface="+mn-lt"/>
+                <a:ea typeface="+mn-ea"/>
+                <a:cs typeface="+mn-cs"/>
+              </a:rPr>
+              <a:t> </a:t>
+            </a:r>
+            <a:r>
+              <a:rPr lang="ko-KR" altLang="en-US" sz="1200" b="0" i="0" kern="1200" baseline="0" dirty="0" smtClean="0">
+                <a:solidFill>
+                  <a:schemeClr val="tx1"/>
+                </a:solidFill>
+                <a:effectLst/>
+                <a:latin typeface="+mn-lt"/>
+                <a:ea typeface="+mn-ea"/>
+                <a:cs typeface="+mn-cs"/>
+              </a:rPr>
+              <a:t>에서 입력되 데이터 유효성 검증</a:t>
+            </a:r>
+            <a:r>
+              <a:rPr lang="en-US" altLang="ko-KR" sz="1200" b="0" i="0" kern="1200" baseline="0" dirty="0" smtClean="0">
+                <a:solidFill>
+                  <a:schemeClr val="tx1"/>
+                </a:solidFill>
+                <a:effectLst/>
+                <a:latin typeface="+mn-lt"/>
+                <a:ea typeface="+mn-ea"/>
+                <a:cs typeface="+mn-cs"/>
+              </a:rPr>
+              <a:t>, </a:t>
+            </a:r>
+            <a:r>
+              <a:rPr lang="ko-KR" altLang="en-US" sz="1200" b="0" i="0" kern="1200" baseline="0" dirty="0" smtClean="0">
+                <a:solidFill>
+                  <a:schemeClr val="tx1"/>
+                </a:solidFill>
+                <a:effectLst/>
+                <a:latin typeface="+mn-lt"/>
+                <a:ea typeface="+mn-ea"/>
+                <a:cs typeface="+mn-cs"/>
+              </a:rPr>
+              <a:t>최종 </a:t>
+            </a:r>
+            <a:r>
+              <a:rPr lang="en-US" altLang="ko-KR" sz="1200" b="0" i="0" kern="1200" baseline="0" dirty="0" err="1" smtClean="0">
+                <a:solidFill>
+                  <a:schemeClr val="tx1"/>
+                </a:solidFill>
+                <a:effectLst/>
+                <a:latin typeface="+mn-lt"/>
+                <a:ea typeface="+mn-ea"/>
+                <a:cs typeface="+mn-cs"/>
+              </a:rPr>
+              <a:t>ui</a:t>
+            </a:r>
+            <a:r>
+              <a:rPr lang="en-US" altLang="ko-KR" sz="1200" b="0" i="0" kern="1200" baseline="0" dirty="0" smtClean="0">
+                <a:solidFill>
+                  <a:schemeClr val="tx1"/>
+                </a:solidFill>
+                <a:effectLst/>
+                <a:latin typeface="+mn-lt"/>
+                <a:ea typeface="+mn-ea"/>
+                <a:cs typeface="+mn-cs"/>
+              </a:rPr>
+              <a:t> </a:t>
+            </a:r>
+            <a:r>
+              <a:rPr lang="ko-KR" altLang="en-US" sz="1200" b="0" i="0" kern="1200" baseline="0" dirty="0" smtClean="0">
+                <a:solidFill>
+                  <a:schemeClr val="tx1"/>
+                </a:solidFill>
+                <a:effectLst/>
+                <a:latin typeface="+mn-lt"/>
+                <a:ea typeface="+mn-ea"/>
+                <a:cs typeface="+mn-cs"/>
+              </a:rPr>
+              <a:t>표현할 모델 사용 등 비지니스 로직과 </a:t>
+            </a:r>
+            <a:r>
+              <a:rPr lang="en-US" altLang="ko-KR" sz="1200" b="0" i="0" kern="1200" baseline="0" dirty="0" err="1" smtClean="0">
+                <a:solidFill>
+                  <a:schemeClr val="tx1"/>
+                </a:solidFill>
+                <a:effectLst/>
+                <a:latin typeface="+mn-lt"/>
+                <a:ea typeface="+mn-ea"/>
+                <a:cs typeface="+mn-cs"/>
+              </a:rPr>
+              <a:t>ui</a:t>
+            </a:r>
+            <a:r>
+              <a:rPr lang="ko-KR" altLang="en-US" sz="1200" b="0" i="0" kern="1200" baseline="0" dirty="0" smtClean="0">
+                <a:solidFill>
+                  <a:schemeClr val="tx1"/>
+                </a:solidFill>
+                <a:effectLst/>
+                <a:latin typeface="+mn-lt"/>
+                <a:ea typeface="+mn-ea"/>
+                <a:cs typeface="+mn-cs"/>
+              </a:rPr>
+              <a:t>를 분리하ㅕ 의존서을 줄이기위한 부분 이빈다</a:t>
+            </a:r>
+            <a:r>
+              <a:rPr lang="en-US" altLang="ko-KR" sz="1200" b="0" i="0" kern="1200" baseline="0" dirty="0" smtClean="0">
+                <a:solidFill>
+                  <a:schemeClr val="tx1"/>
+                </a:solidFill>
+                <a:effectLst/>
+                <a:latin typeface="+mn-lt"/>
+                <a:ea typeface="+mn-ea"/>
+                <a:cs typeface="+mn-cs"/>
+              </a:rPr>
+              <a:t>.</a:t>
+            </a:r>
+          </a:p>
+          <a:p>
+            <a:r>
+              <a:rPr lang="ko-KR" altLang="en-US" sz="1200" b="0" i="0" kern="1200" dirty="0" smtClean="0">
+                <a:solidFill>
+                  <a:schemeClr val="tx1"/>
+                </a:solidFill>
+                <a:effectLst/>
+                <a:latin typeface="+mn-lt"/>
+                <a:ea typeface="+mn-ea"/>
+                <a:cs typeface="+mn-cs"/>
+              </a:rPr>
+              <a:t>스프링 의 </a:t>
+            </a:r>
+            <a:r>
+              <a:rPr lang="en-US" altLang="ko-KR" sz="1200" b="0" i="0" kern="1200" dirty="0" smtClean="0">
+                <a:solidFill>
+                  <a:schemeClr val="tx1"/>
+                </a:solidFill>
+                <a:effectLst/>
+                <a:latin typeface="+mn-lt"/>
+                <a:ea typeface="+mn-ea"/>
+                <a:cs typeface="+mn-cs"/>
+              </a:rPr>
+              <a:t>service </a:t>
+            </a:r>
+            <a:r>
+              <a:rPr lang="ko-KR" altLang="en-US" sz="1200" b="0" i="0" kern="1200" dirty="0" smtClean="0">
+                <a:solidFill>
+                  <a:schemeClr val="tx1"/>
+                </a:solidFill>
+                <a:effectLst/>
+                <a:latin typeface="+mn-lt"/>
+                <a:ea typeface="+mn-ea"/>
+                <a:cs typeface="+mn-cs"/>
+              </a:rPr>
+              <a:t>가 여기에 속하고 프레센테이션 계층과 데이터 엑세스 계층간의연결하고 중간자 역활로 유연성ㅇ르 제공한빈다</a:t>
+            </a:r>
+            <a:r>
+              <a:rPr lang="en-US" altLang="ko-KR" sz="1200" b="0" i="0" kern="1200" dirty="0" smtClean="0">
+                <a:solidFill>
+                  <a:schemeClr val="tx1"/>
+                </a:solidFill>
+                <a:effectLst/>
+                <a:latin typeface="+mn-lt"/>
+                <a:ea typeface="+mn-ea"/>
+                <a:cs typeface="+mn-cs"/>
+              </a:rPr>
+              <a:t>.</a:t>
+            </a:r>
+            <a:r>
+              <a:rPr lang="ko-KR" altLang="en-US" sz="1200" b="0" i="0" kern="1200" dirty="0" smtClean="0">
+                <a:solidFill>
+                  <a:schemeClr val="tx1"/>
+                </a:solidFill>
+                <a:effectLst/>
+                <a:latin typeface="+mn-lt"/>
+                <a:ea typeface="+mn-ea"/>
+                <a:cs typeface="+mn-cs"/>
+              </a:rPr>
+              <a:t>트랙섹적 처리와 비지니스로 로직이 위치합니다</a:t>
+            </a:r>
+            <a:r>
+              <a:rPr lang="en-US" altLang="ko-KR" sz="1200" b="0" i="0" kern="1200" dirty="0" smtClean="0">
+                <a:solidFill>
+                  <a:schemeClr val="tx1"/>
+                </a:solidFill>
+                <a:effectLst/>
+                <a:latin typeface="+mn-lt"/>
+                <a:ea typeface="+mn-ea"/>
+                <a:cs typeface="+mn-cs"/>
+              </a:rPr>
+              <a:t>.</a:t>
+            </a:r>
+          </a:p>
+          <a:p>
+            <a:r>
+              <a:rPr lang="ko-KR" altLang="en-US" sz="1200" b="0" i="0" kern="1200" dirty="0" smtClean="0">
+                <a:solidFill>
+                  <a:schemeClr val="tx1"/>
+                </a:solidFill>
+                <a:effectLst/>
+                <a:latin typeface="+mn-lt"/>
+                <a:ea typeface="+mn-ea"/>
+                <a:cs typeface="+mn-cs"/>
+              </a:rPr>
+              <a:t>데이처 엑싯 계츠응ㄴ 프링에서 </a:t>
+            </a:r>
+            <a:r>
+              <a:rPr lang="en-US" altLang="ko-KR" sz="1200" b="0" i="0" kern="1200" dirty="0" smtClean="0">
+                <a:solidFill>
+                  <a:schemeClr val="tx1"/>
+                </a:solidFill>
+                <a:effectLst/>
+                <a:latin typeface="+mn-lt"/>
+                <a:ea typeface="+mn-ea"/>
+                <a:cs typeface="+mn-cs"/>
+              </a:rPr>
+              <a:t>repository ,</a:t>
+            </a:r>
+            <a:r>
+              <a:rPr lang="ko-KR" altLang="en-US" sz="1200" b="0" i="0" kern="1200" dirty="0" smtClean="0">
+                <a:solidFill>
+                  <a:schemeClr val="tx1"/>
+                </a:solidFill>
+                <a:effectLst/>
+                <a:latin typeface="+mn-lt"/>
+                <a:ea typeface="+mn-ea"/>
+                <a:cs typeface="+mn-cs"/>
+              </a:rPr>
+              <a:t>에 해당하고 직적 </a:t>
+            </a:r>
+            <a:r>
+              <a:rPr lang="en-US" altLang="ko-KR" sz="1200" b="0" i="0" kern="1200" dirty="0" err="1" smtClean="0">
+                <a:solidFill>
+                  <a:schemeClr val="tx1"/>
+                </a:solidFill>
+                <a:effectLst/>
+                <a:latin typeface="+mn-lt"/>
+                <a:ea typeface="+mn-ea"/>
+                <a:cs typeface="+mn-cs"/>
+              </a:rPr>
+              <a:t>db</a:t>
+            </a:r>
+            <a:r>
+              <a:rPr lang="ko-KR" altLang="en-US" sz="1200" b="0" i="0" kern="1200" dirty="0" smtClean="0">
+                <a:solidFill>
+                  <a:schemeClr val="tx1"/>
+                </a:solidFill>
+                <a:effectLst/>
+                <a:latin typeface="+mn-lt"/>
+                <a:ea typeface="+mn-ea"/>
+                <a:cs typeface="+mn-cs"/>
+              </a:rPr>
+              <a:t>의 데이ㅓㅌ르 조작하는 역활을 하비다</a:t>
+            </a:r>
+            <a:r>
+              <a:rPr lang="en-US" altLang="ko-KR" sz="1200" b="0" i="0" kern="1200" dirty="0" smtClean="0">
+                <a:solidFill>
+                  <a:schemeClr val="tx1"/>
+                </a:solidFill>
+                <a:effectLst/>
+                <a:latin typeface="+mn-lt"/>
+                <a:ea typeface="+mn-ea"/>
+                <a:cs typeface="+mn-cs"/>
+              </a:rPr>
+              <a:t>. </a:t>
+            </a:r>
+          </a:p>
+          <a:p>
+            <a:r>
+              <a:rPr lang="ko-KR" altLang="en-US" sz="1200" b="0" i="0" kern="1200" dirty="0" smtClean="0">
+                <a:solidFill>
+                  <a:schemeClr val="tx1"/>
+                </a:solidFill>
+                <a:effectLst/>
+                <a:latin typeface="+mn-lt"/>
+                <a:ea typeface="+mn-ea"/>
+                <a:cs typeface="+mn-cs"/>
+              </a:rPr>
+              <a:t>이 계층관에 통신을 위해 사요하는게 </a:t>
+            </a:r>
+            <a:r>
+              <a:rPr lang="en-US" altLang="ko-KR" sz="1200" b="0" i="0" kern="1200" dirty="0" err="1" smtClean="0">
+                <a:solidFill>
+                  <a:schemeClr val="tx1"/>
+                </a:solidFill>
+                <a:effectLst/>
+                <a:latin typeface="+mn-lt"/>
+                <a:ea typeface="+mn-ea"/>
+                <a:cs typeface="+mn-cs"/>
+              </a:rPr>
+              <a:t>dto</a:t>
+            </a:r>
+            <a:r>
+              <a:rPr lang="en-US" altLang="ko-KR" sz="1200" b="0" i="0" kern="1200" dirty="0" smtClean="0">
+                <a:solidFill>
+                  <a:schemeClr val="tx1"/>
+                </a:solidFill>
+                <a:effectLst/>
+                <a:latin typeface="+mn-lt"/>
+                <a:ea typeface="+mn-ea"/>
+                <a:cs typeface="+mn-cs"/>
+              </a:rPr>
+              <a:t> </a:t>
+            </a:r>
+            <a:r>
+              <a:rPr lang="ko-KR" altLang="en-US" sz="1200" b="0" i="0" kern="1200" dirty="0" smtClean="0">
+                <a:solidFill>
+                  <a:schemeClr val="tx1"/>
+                </a:solidFill>
+                <a:effectLst/>
+                <a:latin typeface="+mn-lt"/>
+                <a:ea typeface="+mn-ea"/>
+                <a:cs typeface="+mn-cs"/>
+              </a:rPr>
+              <a:t>이걸 사용하다보니 정확이 </a:t>
+            </a:r>
+            <a:r>
+              <a:rPr lang="en-US" altLang="ko-KR" sz="1200" b="0" i="0" kern="1200" dirty="0" err="1" smtClean="0">
+                <a:solidFill>
+                  <a:schemeClr val="tx1"/>
+                </a:solidFill>
+                <a:effectLst/>
+                <a:latin typeface="+mn-lt"/>
+                <a:ea typeface="+mn-ea"/>
+                <a:cs typeface="+mn-cs"/>
+              </a:rPr>
+              <a:t>dto</a:t>
+            </a:r>
+            <a:r>
+              <a:rPr lang="en-US" altLang="ko-KR" sz="1200" b="0" i="0" kern="1200" baseline="0" dirty="0" smtClean="0">
+                <a:solidFill>
+                  <a:schemeClr val="tx1"/>
+                </a:solidFill>
+                <a:effectLst/>
+                <a:latin typeface="+mn-lt"/>
+                <a:ea typeface="+mn-ea"/>
+                <a:cs typeface="+mn-cs"/>
+              </a:rPr>
+              <a:t> </a:t>
+            </a:r>
+            <a:r>
+              <a:rPr lang="ko-KR" altLang="en-US" sz="1200" b="0" i="0" kern="1200" baseline="0" dirty="0" smtClean="0">
+                <a:solidFill>
+                  <a:schemeClr val="tx1"/>
+                </a:solidFill>
+                <a:effectLst/>
+                <a:latin typeface="+mn-lt"/>
+                <a:ea typeface="+mn-ea"/>
+                <a:cs typeface="+mn-cs"/>
+              </a:rPr>
+              <a:t>변환을 어디서 해야하고  </a:t>
+            </a:r>
+            <a:r>
+              <a:rPr lang="en-US" altLang="ko-KR" sz="1200" b="0" i="0" kern="1200" baseline="0" dirty="0" err="1" smtClean="0">
+                <a:solidFill>
+                  <a:schemeClr val="tx1"/>
+                </a:solidFill>
+                <a:effectLst/>
+                <a:latin typeface="+mn-lt"/>
+                <a:ea typeface="+mn-ea"/>
+                <a:cs typeface="+mn-cs"/>
+              </a:rPr>
+              <a:t>dto</a:t>
+            </a:r>
+            <a:r>
+              <a:rPr lang="ko-KR" altLang="en-US" sz="1200" b="0" i="0" kern="1200" baseline="0" dirty="0" smtClean="0">
+                <a:solidFill>
+                  <a:schemeClr val="tx1"/>
+                </a:solidFill>
+                <a:effectLst/>
+                <a:latin typeface="+mn-lt"/>
+                <a:ea typeface="+mn-ea"/>
+                <a:cs typeface="+mn-cs"/>
+              </a:rPr>
+              <a:t>를 어떻게 구성해야할지 많이 고민햇습니다</a:t>
+            </a:r>
+            <a:r>
+              <a:rPr lang="en-US" altLang="ko-KR" sz="1200" b="0" i="0" kern="1200" baseline="0" dirty="0" smtClean="0">
+                <a:solidFill>
+                  <a:schemeClr val="tx1"/>
+                </a:solidFill>
+                <a:effectLst/>
+                <a:latin typeface="+mn-lt"/>
+                <a:ea typeface="+mn-ea"/>
+                <a:cs typeface="+mn-cs"/>
+              </a:rPr>
+              <a:t>.</a:t>
+            </a:r>
+          </a:p>
+          <a:p>
+            <a:r>
+              <a:rPr lang="ko-KR" altLang="en-US" sz="1200" b="0" i="0" kern="1200" baseline="0" dirty="0" smtClean="0">
+                <a:solidFill>
+                  <a:schemeClr val="tx1"/>
+                </a:solidFill>
+                <a:effectLst/>
+                <a:latin typeface="+mn-lt"/>
+                <a:ea typeface="+mn-ea"/>
+                <a:cs typeface="+mn-cs"/>
+              </a:rPr>
+              <a:t>변경하는 방버은 외부 라이브러리</a:t>
+            </a:r>
+            <a:r>
+              <a:rPr lang="en-US" altLang="ko-KR" sz="1200" b="0" i="0" kern="1200" baseline="0" dirty="0" smtClean="0">
+                <a:solidFill>
+                  <a:schemeClr val="tx1"/>
+                </a:solidFill>
+                <a:effectLst/>
+                <a:latin typeface="+mn-lt"/>
+                <a:ea typeface="+mn-ea"/>
+                <a:cs typeface="+mn-cs"/>
+              </a:rPr>
+              <a:t>(map </a:t>
+            </a:r>
+            <a:r>
+              <a:rPr lang="en-US" altLang="ko-KR" sz="1200" b="0" i="0" kern="1200" baseline="0" dirty="0" err="1" smtClean="0">
+                <a:solidFill>
+                  <a:schemeClr val="tx1"/>
+                </a:solidFill>
+                <a:effectLst/>
+                <a:latin typeface="+mn-lt"/>
+                <a:ea typeface="+mn-ea"/>
+                <a:cs typeface="+mn-cs"/>
+              </a:rPr>
+              <a:t>struct</a:t>
+            </a:r>
+            <a:r>
+              <a:rPr lang="ko-KR" altLang="en-US" sz="1200" b="0" i="0" kern="1200" baseline="0" dirty="0" smtClean="0">
+                <a:solidFill>
+                  <a:schemeClr val="tx1"/>
+                </a:solidFill>
+                <a:effectLst/>
+                <a:latin typeface="+mn-lt"/>
+                <a:ea typeface="+mn-ea"/>
+                <a:cs typeface="+mn-cs"/>
+              </a:rPr>
+              <a:t>를 사용하였고</a:t>
+            </a:r>
+            <a:r>
+              <a:rPr lang="en-US" altLang="ko-KR" sz="1200" b="0" i="0" kern="1200" baseline="0" dirty="0" smtClean="0">
+                <a:solidFill>
+                  <a:schemeClr val="tx1"/>
+                </a:solidFill>
+                <a:effectLst/>
+                <a:latin typeface="+mn-lt"/>
+                <a:ea typeface="+mn-ea"/>
+                <a:cs typeface="+mn-cs"/>
+              </a:rPr>
+              <a:t>)</a:t>
+            </a:r>
+            <a:r>
+              <a:rPr lang="ko-KR" altLang="en-US" sz="1200" b="0" i="0" kern="1200" baseline="0" dirty="0" smtClean="0">
+                <a:solidFill>
+                  <a:schemeClr val="tx1"/>
+                </a:solidFill>
+                <a:effectLst/>
+                <a:latin typeface="+mn-lt"/>
+                <a:ea typeface="+mn-ea"/>
+                <a:cs typeface="+mn-cs"/>
+              </a:rPr>
+              <a:t>이를 사용하ㅡㄴ 로직이 어디에 위치해야할가 고민한결과</a:t>
+            </a:r>
+            <a:endParaRPr lang="en-US" altLang="ko-KR" sz="1200" b="0" i="0" kern="1200" baseline="0" dirty="0" smtClean="0">
+              <a:solidFill>
+                <a:schemeClr val="tx1"/>
+              </a:solidFill>
+              <a:effectLst/>
+              <a:latin typeface="+mn-lt"/>
+              <a:ea typeface="+mn-ea"/>
+              <a:cs typeface="+mn-cs"/>
+            </a:endParaRPr>
+          </a:p>
+          <a:p>
+            <a:r>
+              <a:rPr lang="en-US" altLang="ko-KR" sz="1200" b="0" i="0" kern="1200" dirty="0" smtClean="0">
+                <a:solidFill>
+                  <a:schemeClr val="tx1"/>
+                </a:solidFill>
+                <a:effectLst/>
+                <a:latin typeface="+mn-lt"/>
+                <a:ea typeface="+mn-ea"/>
+                <a:cs typeface="+mn-cs"/>
+              </a:rPr>
+              <a:t>Entity </a:t>
+            </a:r>
+            <a:r>
+              <a:rPr lang="ko-KR" altLang="en-US" sz="1200" b="0" i="0" kern="1200" dirty="0" smtClean="0">
+                <a:solidFill>
+                  <a:schemeClr val="tx1"/>
+                </a:solidFill>
+                <a:effectLst/>
+                <a:latin typeface="+mn-lt"/>
+                <a:ea typeface="+mn-ea"/>
+                <a:cs typeface="+mn-cs"/>
+              </a:rPr>
+              <a:t>내부에</a:t>
+            </a:r>
+            <a:r>
+              <a:rPr lang="en-US" altLang="ko-KR" sz="1200" b="0" i="0" kern="1200" dirty="0" smtClean="0">
+                <a:solidFill>
+                  <a:schemeClr val="tx1"/>
+                </a:solidFill>
+                <a:effectLst/>
+                <a:latin typeface="+mn-lt"/>
+                <a:ea typeface="+mn-ea"/>
+                <a:cs typeface="+mn-cs"/>
+              </a:rPr>
+              <a:t>t</a:t>
+            </a:r>
+            <a:r>
+              <a:rPr lang="ko-KR" altLang="en-US" sz="1200" b="0" i="0" kern="1200" dirty="0" smtClean="0">
+                <a:solidFill>
+                  <a:schemeClr val="tx1"/>
+                </a:solidFill>
+                <a:effectLst/>
+                <a:latin typeface="+mn-lt"/>
+                <a:ea typeface="+mn-ea"/>
+                <a:cs typeface="+mn-cs"/>
+              </a:rPr>
+              <a:t>서하변 </a:t>
+            </a:r>
+            <a:r>
+              <a:rPr lang="en-US" altLang="ko-KR" sz="1200" b="0" i="0" kern="1200" dirty="0" err="1" smtClean="0">
+                <a:solidFill>
+                  <a:schemeClr val="tx1"/>
+                </a:solidFill>
+                <a:effectLst/>
+                <a:latin typeface="+mn-lt"/>
+                <a:ea typeface="+mn-ea"/>
+                <a:cs typeface="+mn-cs"/>
+              </a:rPr>
+              <a:t>ui</a:t>
+            </a:r>
+            <a:r>
+              <a:rPr lang="en-US" altLang="ko-KR" sz="1200" b="0" i="0" kern="1200" baseline="0" dirty="0" smtClean="0">
+                <a:solidFill>
+                  <a:schemeClr val="tx1"/>
+                </a:solidFill>
+                <a:effectLst/>
+                <a:latin typeface="+mn-lt"/>
+                <a:ea typeface="+mn-ea"/>
+                <a:cs typeface="+mn-cs"/>
+              </a:rPr>
+              <a:t> </a:t>
+            </a:r>
+            <a:r>
+              <a:rPr lang="ko-KR" altLang="en-US" sz="1200" b="0" i="0" kern="1200" baseline="0" dirty="0" smtClean="0">
+                <a:solidFill>
+                  <a:schemeClr val="tx1"/>
+                </a:solidFill>
+                <a:effectLst/>
+                <a:latin typeface="+mn-lt"/>
+                <a:ea typeface="+mn-ea"/>
+                <a:cs typeface="+mn-cs"/>
+              </a:rPr>
+              <a:t>즉 엔티니가 </a:t>
+            </a:r>
+            <a:r>
+              <a:rPr lang="en-US" altLang="ko-KR" sz="1200" b="0" i="0" kern="1200" baseline="0" dirty="0" err="1" smtClean="0">
+                <a:solidFill>
+                  <a:schemeClr val="tx1"/>
+                </a:solidFill>
+                <a:effectLst/>
+                <a:latin typeface="+mn-lt"/>
+                <a:ea typeface="+mn-ea"/>
+                <a:cs typeface="+mn-cs"/>
+              </a:rPr>
+              <a:t>ui</a:t>
+            </a:r>
+            <a:r>
+              <a:rPr lang="en-US" altLang="ko-KR" sz="1200" b="0" i="0" kern="1200" baseline="0" dirty="0" smtClean="0">
+                <a:solidFill>
+                  <a:schemeClr val="tx1"/>
+                </a:solidFill>
+                <a:effectLst/>
+                <a:latin typeface="+mn-lt"/>
+                <a:ea typeface="+mn-ea"/>
+                <a:cs typeface="+mn-cs"/>
+              </a:rPr>
+              <a:t> </a:t>
+            </a:r>
+            <a:r>
+              <a:rPr lang="ko-KR" altLang="en-US" sz="1200" b="0" i="0" kern="1200" baseline="0" dirty="0" smtClean="0">
+                <a:solidFill>
+                  <a:schemeClr val="tx1"/>
+                </a:solidFill>
+                <a:effectLst/>
+                <a:latin typeface="+mn-lt"/>
+                <a:ea typeface="+mn-ea"/>
+                <a:cs typeface="+mn-cs"/>
+              </a:rPr>
+              <a:t>나 </a:t>
+            </a:r>
+            <a:r>
+              <a:rPr lang="en-US" altLang="ko-KR" sz="1200" b="0" i="0" kern="1200" baseline="0" dirty="0" err="1" smtClean="0">
+                <a:solidFill>
+                  <a:schemeClr val="tx1"/>
+                </a:solidFill>
+                <a:effectLst/>
+                <a:latin typeface="+mn-lt"/>
+                <a:ea typeface="+mn-ea"/>
+                <a:cs typeface="+mn-cs"/>
+              </a:rPr>
+              <a:t>dto</a:t>
+            </a:r>
+            <a:r>
+              <a:rPr lang="en-US" altLang="ko-KR" sz="1200" b="0" i="0" kern="1200" baseline="0" dirty="0" smtClean="0">
+                <a:solidFill>
+                  <a:schemeClr val="tx1"/>
+                </a:solidFill>
+                <a:effectLst/>
+                <a:latin typeface="+mn-lt"/>
+                <a:ea typeface="+mn-ea"/>
+                <a:cs typeface="+mn-cs"/>
+              </a:rPr>
+              <a:t> </a:t>
+            </a:r>
+            <a:r>
+              <a:rPr lang="ko-KR" altLang="en-US" sz="1200" b="0" i="0" kern="1200" baseline="0" dirty="0" smtClean="0">
+                <a:solidFill>
+                  <a:schemeClr val="tx1"/>
+                </a:solidFill>
+                <a:effectLst/>
+                <a:latin typeface="+mn-lt"/>
+                <a:ea typeface="+mn-ea"/>
+                <a:cs typeface="+mn-cs"/>
+              </a:rPr>
+              <a:t>의존하게 되는 상황이 발생하빈다</a:t>
+            </a:r>
+            <a:r>
+              <a:rPr lang="en-US" altLang="ko-KR" sz="1200" b="0" i="0" kern="1200" baseline="0" dirty="0" smtClean="0">
+                <a:solidFill>
+                  <a:schemeClr val="tx1"/>
+                </a:solidFill>
+                <a:effectLst/>
+                <a:latin typeface="+mn-lt"/>
+                <a:ea typeface="+mn-ea"/>
+                <a:cs typeface="+mn-cs"/>
+              </a:rPr>
+              <a:t>. </a:t>
+            </a:r>
+            <a:r>
+              <a:rPr lang="ko-KR" altLang="en-US" sz="1200" b="0" i="0" kern="1200" baseline="0" dirty="0" smtClean="0">
+                <a:solidFill>
+                  <a:schemeClr val="tx1"/>
+                </a:solidFill>
+                <a:effectLst/>
+                <a:latin typeface="+mn-lt"/>
+                <a:ea typeface="+mn-ea"/>
+                <a:cs typeface="+mn-cs"/>
+              </a:rPr>
+              <a:t>이럴경우 </a:t>
+            </a:r>
+            <a:r>
+              <a:rPr lang="en-US" altLang="ko-KR" sz="1200" b="0" i="0" kern="1200" baseline="0" dirty="0" err="1" smtClean="0">
+                <a:solidFill>
+                  <a:schemeClr val="tx1"/>
+                </a:solidFill>
+                <a:effectLst/>
+                <a:latin typeface="+mn-lt"/>
+                <a:ea typeface="+mn-ea"/>
+                <a:cs typeface="+mn-cs"/>
+              </a:rPr>
+              <a:t>dto</a:t>
+            </a:r>
+            <a:r>
+              <a:rPr lang="en-US" altLang="ko-KR" sz="1200" b="0" i="0" kern="1200" baseline="0" dirty="0" smtClean="0">
+                <a:solidFill>
+                  <a:schemeClr val="tx1"/>
+                </a:solidFill>
+                <a:effectLst/>
+                <a:latin typeface="+mn-lt"/>
+                <a:ea typeface="+mn-ea"/>
+                <a:cs typeface="+mn-cs"/>
+              </a:rPr>
+              <a:t> </a:t>
+            </a:r>
+            <a:r>
+              <a:rPr lang="ko-KR" altLang="en-US" sz="1200" b="0" i="0" kern="1200" baseline="0" dirty="0" smtClean="0">
+                <a:solidFill>
+                  <a:schemeClr val="tx1"/>
+                </a:solidFill>
+                <a:effectLst/>
+                <a:latin typeface="+mn-lt"/>
+                <a:ea typeface="+mn-ea"/>
+                <a:cs typeface="+mn-cs"/>
+              </a:rPr>
+              <a:t>변경이 </a:t>
+            </a:r>
+            <a:r>
+              <a:rPr lang="en-US" altLang="ko-KR" sz="1200" b="0" i="0" kern="1200" baseline="0" dirty="0" smtClean="0">
+                <a:solidFill>
+                  <a:schemeClr val="tx1"/>
+                </a:solidFill>
+                <a:effectLst/>
+                <a:latin typeface="+mn-lt"/>
+                <a:ea typeface="+mn-ea"/>
+                <a:cs typeface="+mn-cs"/>
+              </a:rPr>
+              <a:t>entity </a:t>
+            </a:r>
+            <a:r>
+              <a:rPr lang="ko-KR" altLang="en-US" sz="1200" b="0" i="0" kern="1200" baseline="0" dirty="0" smtClean="0">
+                <a:solidFill>
+                  <a:schemeClr val="tx1"/>
+                </a:solidFill>
+                <a:effectLst/>
+                <a:latin typeface="+mn-lt"/>
+                <a:ea typeface="+mn-ea"/>
+                <a:cs typeface="+mn-cs"/>
+              </a:rPr>
+              <a:t>가영향르 받을수잇꼬 </a:t>
+            </a:r>
+            <a:r>
+              <a:rPr lang="en-US" altLang="ko-KR" sz="1200" b="0" i="0" kern="1200" baseline="0" dirty="0" err="1" smtClean="0">
+                <a:solidFill>
+                  <a:schemeClr val="tx1"/>
+                </a:solidFill>
+                <a:effectLst/>
+                <a:latin typeface="+mn-lt"/>
+                <a:ea typeface="+mn-ea"/>
+                <a:cs typeface="+mn-cs"/>
+              </a:rPr>
+              <a:t>enitty</a:t>
+            </a:r>
+            <a:r>
+              <a:rPr lang="ko-KR" altLang="en-US" sz="1200" b="0" i="0" kern="1200" baseline="0" dirty="0" smtClean="0">
+                <a:solidFill>
+                  <a:schemeClr val="tx1"/>
+                </a:solidFill>
+                <a:effectLst/>
+                <a:latin typeface="+mn-lt"/>
+                <a:ea typeface="+mn-ea"/>
+                <a:cs typeface="+mn-cs"/>
+              </a:rPr>
+              <a:t>는 하나에 여러가지 </a:t>
+            </a:r>
+            <a:r>
+              <a:rPr lang="en-US" altLang="ko-KR" sz="1200" b="0" i="0" kern="1200" baseline="0" dirty="0" err="1" smtClean="0">
+                <a:solidFill>
+                  <a:schemeClr val="tx1"/>
+                </a:solidFill>
+                <a:effectLst/>
+                <a:latin typeface="+mn-lt"/>
+                <a:ea typeface="+mn-ea"/>
+                <a:cs typeface="+mn-cs"/>
+              </a:rPr>
+              <a:t>dto</a:t>
+            </a:r>
+            <a:r>
+              <a:rPr lang="ko-KR" altLang="en-US" sz="1200" b="0" i="0" kern="1200" baseline="0" dirty="0" smtClean="0">
+                <a:solidFill>
+                  <a:schemeClr val="tx1"/>
+                </a:solidFill>
+                <a:effectLst/>
+                <a:latin typeface="+mn-lt"/>
+                <a:ea typeface="+mn-ea"/>
+                <a:cs typeface="+mn-cs"/>
+              </a:rPr>
+              <a:t>를 기반으로 만들어 질수있음으로 적절하지 않앗습니다</a:t>
+            </a:r>
+            <a:r>
+              <a:rPr lang="en-US" altLang="ko-KR" sz="1200" b="0" i="0" kern="1200" baseline="0" dirty="0" smtClean="0">
+                <a:solidFill>
+                  <a:schemeClr val="tx1"/>
+                </a:solidFill>
+                <a:effectLst/>
+                <a:latin typeface="+mn-lt"/>
+                <a:ea typeface="+mn-ea"/>
+                <a:cs typeface="+mn-cs"/>
+              </a:rPr>
+              <a:t>. </a:t>
+            </a:r>
+            <a:r>
+              <a:rPr lang="ko-KR" altLang="en-US" sz="1200" b="0" i="0" kern="1200" baseline="0" dirty="0" smtClean="0">
+                <a:solidFill>
+                  <a:schemeClr val="tx1"/>
+                </a:solidFill>
+                <a:effectLst/>
+                <a:latin typeface="+mn-lt"/>
+                <a:ea typeface="+mn-ea"/>
+                <a:cs typeface="+mn-cs"/>
+              </a:rPr>
+              <a:t>그리고 </a:t>
+            </a:r>
+            <a:r>
+              <a:rPr lang="en-US" altLang="ko-KR" sz="1200" b="0" i="0" kern="1200" baseline="0" dirty="0" err="1" smtClean="0">
+                <a:solidFill>
+                  <a:schemeClr val="tx1"/>
+                </a:solidFill>
+                <a:effectLst/>
+                <a:latin typeface="+mn-lt"/>
+                <a:ea typeface="+mn-ea"/>
+                <a:cs typeface="+mn-cs"/>
+              </a:rPr>
+              <a:t>enitty</a:t>
+            </a:r>
+            <a:r>
+              <a:rPr lang="en-US" altLang="ko-KR" sz="1200" b="0" i="0" kern="1200" baseline="0" dirty="0" smtClean="0">
+                <a:solidFill>
+                  <a:schemeClr val="tx1"/>
+                </a:solidFill>
+                <a:effectLst/>
+                <a:latin typeface="+mn-lt"/>
+                <a:ea typeface="+mn-ea"/>
+                <a:cs typeface="+mn-cs"/>
+              </a:rPr>
+              <a:t> </a:t>
+            </a:r>
+            <a:r>
+              <a:rPr lang="ko-KR" altLang="en-US" sz="1200" b="0" i="0" kern="1200" baseline="0" dirty="0" smtClean="0">
+                <a:solidFill>
+                  <a:schemeClr val="tx1"/>
+                </a:solidFill>
+                <a:effectLst/>
+                <a:latin typeface="+mn-lt"/>
+                <a:ea typeface="+mn-ea"/>
+                <a:cs typeface="+mn-cs"/>
+              </a:rPr>
+              <a:t>내부에서 스프링의 의존성 주입으로 라이브러리를 사용할수없어 매번 라이브러리르 이용할떄마다 새로 생성하야핬고 이는 라이브러리 변경에 취약했읍니다</a:t>
+            </a:r>
+            <a:r>
+              <a:rPr lang="en-US" altLang="ko-KR" sz="1200" b="0" i="0" kern="1200" baseline="0" dirty="0" smtClean="0">
+                <a:solidFill>
+                  <a:schemeClr val="tx1"/>
+                </a:solidFill>
+                <a:effectLst/>
+                <a:latin typeface="+mn-lt"/>
+                <a:ea typeface="+mn-ea"/>
+                <a:cs typeface="+mn-cs"/>
+              </a:rPr>
+              <a:t>.</a:t>
+            </a:r>
+          </a:p>
+          <a:p>
+            <a:r>
+              <a:rPr lang="ko-KR" altLang="en-US" sz="1200" b="0" i="0" kern="1200" baseline="0" dirty="0" smtClean="0">
+                <a:solidFill>
+                  <a:schemeClr val="tx1"/>
+                </a:solidFill>
+                <a:effectLst/>
+                <a:latin typeface="+mn-lt"/>
+                <a:ea typeface="+mn-ea"/>
+                <a:cs typeface="+mn-cs"/>
+              </a:rPr>
+              <a:t>그래서 서비스 계층에서 엔티티와 </a:t>
+            </a:r>
+            <a:r>
+              <a:rPr lang="en-US" altLang="ko-KR" sz="1200" b="0" i="0" kern="1200" baseline="0" dirty="0" err="1" smtClean="0">
+                <a:solidFill>
+                  <a:schemeClr val="tx1"/>
+                </a:solidFill>
+                <a:effectLst/>
+                <a:latin typeface="+mn-lt"/>
+                <a:ea typeface="+mn-ea"/>
+                <a:cs typeface="+mn-cs"/>
+              </a:rPr>
+              <a:t>dto</a:t>
+            </a:r>
+            <a:r>
+              <a:rPr lang="en-US" altLang="ko-KR" sz="1200" b="0" i="0" kern="1200" baseline="0" dirty="0" smtClean="0">
+                <a:solidFill>
+                  <a:schemeClr val="tx1"/>
+                </a:solidFill>
+                <a:effectLst/>
+                <a:latin typeface="+mn-lt"/>
+                <a:ea typeface="+mn-ea"/>
+                <a:cs typeface="+mn-cs"/>
+              </a:rPr>
+              <a:t> </a:t>
+            </a:r>
+            <a:r>
+              <a:rPr lang="ko-KR" altLang="en-US" sz="1200" b="0" i="0" kern="1200" baseline="0" dirty="0" smtClean="0">
+                <a:solidFill>
+                  <a:schemeClr val="tx1"/>
+                </a:solidFill>
+                <a:effectLst/>
+                <a:latin typeface="+mn-lt"/>
+                <a:ea typeface="+mn-ea"/>
+                <a:cs typeface="+mn-cs"/>
+              </a:rPr>
+              <a:t>변황르 담당해 </a:t>
+            </a:r>
+            <a:r>
+              <a:rPr lang="en-US" altLang="ko-KR" sz="1200" b="0" i="0" kern="1200" baseline="0" dirty="0" err="1" smtClean="0">
+                <a:solidFill>
+                  <a:schemeClr val="tx1"/>
+                </a:solidFill>
+                <a:effectLst/>
+                <a:latin typeface="+mn-lt"/>
+                <a:ea typeface="+mn-ea"/>
+                <a:cs typeface="+mn-cs"/>
+              </a:rPr>
+              <a:t>controlelr</a:t>
+            </a:r>
+            <a:r>
+              <a:rPr lang="en-US" altLang="ko-KR" sz="1200" b="0" i="0" kern="1200" baseline="0" dirty="0" smtClean="0">
+                <a:solidFill>
+                  <a:schemeClr val="tx1"/>
+                </a:solidFill>
+                <a:effectLst/>
+                <a:latin typeface="+mn-lt"/>
+                <a:ea typeface="+mn-ea"/>
+                <a:cs typeface="+mn-cs"/>
+              </a:rPr>
+              <a:t> </a:t>
+            </a:r>
+            <a:r>
+              <a:rPr lang="ko-KR" altLang="en-US" sz="1200" b="0" i="0" kern="1200" baseline="0" dirty="0" smtClean="0">
+                <a:solidFill>
+                  <a:schemeClr val="tx1"/>
+                </a:solidFill>
+                <a:effectLst/>
+                <a:latin typeface="+mn-lt"/>
+                <a:ea typeface="+mn-ea"/>
+                <a:cs typeface="+mn-cs"/>
+              </a:rPr>
+              <a:t>또는 </a:t>
+            </a:r>
+            <a:r>
+              <a:rPr lang="en-US" altLang="ko-KR" sz="1200" b="0" i="0" kern="1200" baseline="0" dirty="0" err="1" smtClean="0">
+                <a:solidFill>
+                  <a:schemeClr val="tx1"/>
+                </a:solidFill>
+                <a:effectLst/>
+                <a:latin typeface="+mn-lt"/>
+                <a:ea typeface="+mn-ea"/>
+                <a:cs typeface="+mn-cs"/>
+              </a:rPr>
+              <a:t>rrespotory</a:t>
+            </a:r>
+            <a:r>
+              <a:rPr lang="en-US" altLang="ko-KR" sz="1200" b="0" i="0" kern="1200" baseline="0" dirty="0" smtClean="0">
+                <a:solidFill>
+                  <a:schemeClr val="tx1"/>
+                </a:solidFill>
+                <a:effectLst/>
+                <a:latin typeface="+mn-lt"/>
+                <a:ea typeface="+mn-ea"/>
+                <a:cs typeface="+mn-cs"/>
+              </a:rPr>
+              <a:t> </a:t>
+            </a:r>
+            <a:r>
+              <a:rPr lang="ko-KR" altLang="en-US" sz="1200" b="0" i="0" kern="1200" baseline="0" dirty="0" smtClean="0">
+                <a:solidFill>
+                  <a:schemeClr val="tx1"/>
+                </a:solidFill>
+                <a:effectLst/>
+                <a:latin typeface="+mn-lt"/>
+                <a:ea typeface="+mn-ea"/>
+                <a:cs typeface="+mn-cs"/>
+              </a:rPr>
+              <a:t>로 넘겨 주는 방향으로 진행하였습니다</a:t>
+            </a:r>
+            <a:r>
+              <a:rPr lang="en-US" altLang="ko-KR" sz="1200" b="0" i="0" kern="1200" baseline="0" dirty="0" smtClean="0">
+                <a:solidFill>
+                  <a:schemeClr val="tx1"/>
+                </a:solidFill>
+                <a:effectLst/>
+                <a:latin typeface="+mn-lt"/>
+                <a:ea typeface="+mn-ea"/>
+                <a:cs typeface="+mn-cs"/>
+              </a:rPr>
+              <a:t>. </a:t>
+            </a:r>
+          </a:p>
+          <a:p>
+            <a:r>
+              <a:rPr lang="en-US" altLang="ko-KR" sz="1200" b="0" i="0" kern="1200" baseline="0" dirty="0" err="1" smtClean="0">
+                <a:solidFill>
+                  <a:schemeClr val="tx1"/>
+                </a:solidFill>
+                <a:effectLst/>
+                <a:latin typeface="+mn-lt"/>
+                <a:ea typeface="+mn-ea"/>
+                <a:cs typeface="+mn-cs"/>
+              </a:rPr>
+              <a:t>Dto</a:t>
+            </a:r>
+            <a:r>
+              <a:rPr lang="en-US" altLang="ko-KR" sz="1200" b="0" i="0" kern="1200" baseline="0" dirty="0" smtClean="0">
+                <a:solidFill>
+                  <a:schemeClr val="tx1"/>
+                </a:solidFill>
+                <a:effectLst/>
+                <a:latin typeface="+mn-lt"/>
+                <a:ea typeface="+mn-ea"/>
+                <a:cs typeface="+mn-cs"/>
+              </a:rPr>
+              <a:t> </a:t>
+            </a:r>
+            <a:r>
+              <a:rPr lang="ko-KR" altLang="en-US" sz="1200" b="0" i="0" kern="1200" baseline="0" dirty="0" smtClean="0">
+                <a:solidFill>
+                  <a:schemeClr val="tx1"/>
+                </a:solidFill>
+                <a:effectLst/>
+                <a:latin typeface="+mn-lt"/>
+                <a:ea typeface="+mn-ea"/>
+                <a:cs typeface="+mn-cs"/>
+              </a:rPr>
+              <a:t>중복 또한 많이 고민햇던 부분인데</a:t>
+            </a:r>
+            <a:r>
+              <a:rPr lang="en-US" altLang="ko-KR" sz="1200" b="0" i="0" kern="1200" baseline="0" dirty="0" smtClean="0">
+                <a:solidFill>
+                  <a:schemeClr val="tx1"/>
+                </a:solidFill>
+                <a:effectLst/>
+                <a:latin typeface="+mn-lt"/>
+                <a:ea typeface="+mn-ea"/>
+                <a:cs typeface="+mn-cs"/>
+              </a:rPr>
+              <a:t>. Update create </a:t>
+            </a:r>
+            <a:r>
+              <a:rPr lang="ko-KR" altLang="en-US" sz="1200" b="0" i="0" kern="1200" baseline="0" dirty="0" smtClean="0">
+                <a:solidFill>
+                  <a:schemeClr val="tx1"/>
+                </a:solidFill>
+                <a:effectLst/>
+                <a:latin typeface="+mn-lt"/>
+                <a:ea typeface="+mn-ea"/>
+                <a:cs typeface="+mn-cs"/>
+              </a:rPr>
+              <a:t>시요청 </a:t>
+            </a:r>
+            <a:r>
+              <a:rPr lang="en-US" altLang="ko-KR" sz="1200" b="0" i="0" kern="1200" baseline="0" dirty="0" err="1" smtClean="0">
+                <a:solidFill>
+                  <a:schemeClr val="tx1"/>
+                </a:solidFill>
+                <a:effectLst/>
+                <a:latin typeface="+mn-lt"/>
+                <a:ea typeface="+mn-ea"/>
+                <a:cs typeface="+mn-cs"/>
+              </a:rPr>
+              <a:t>dto</a:t>
+            </a:r>
+            <a:r>
+              <a:rPr lang="en-US" altLang="ko-KR" sz="1200" b="0" i="0" kern="1200" baseline="0" dirty="0" smtClean="0">
+                <a:solidFill>
+                  <a:schemeClr val="tx1"/>
+                </a:solidFill>
+                <a:effectLst/>
+                <a:latin typeface="+mn-lt"/>
+                <a:ea typeface="+mn-ea"/>
+                <a:cs typeface="+mn-cs"/>
+              </a:rPr>
+              <a:t> </a:t>
+            </a:r>
+            <a:r>
+              <a:rPr lang="ko-KR" altLang="en-US" sz="1200" b="0" i="0" kern="1200" baseline="0" dirty="0" smtClean="0">
+                <a:solidFill>
+                  <a:schemeClr val="tx1"/>
+                </a:solidFill>
+                <a:effectLst/>
+                <a:latin typeface="+mn-lt"/>
+                <a:ea typeface="+mn-ea"/>
+                <a:cs typeface="+mn-cs"/>
+              </a:rPr>
+              <a:t>즉 필욯나 값들이 중복되는 경우가 많앗습니다</a:t>
+            </a:r>
+            <a:r>
+              <a:rPr lang="en-US" altLang="ko-KR" sz="1200" b="0" i="0" kern="1200" baseline="0" dirty="0" smtClean="0">
+                <a:solidFill>
+                  <a:schemeClr val="tx1"/>
+                </a:solidFill>
+                <a:effectLst/>
+                <a:latin typeface="+mn-lt"/>
+                <a:ea typeface="+mn-ea"/>
+                <a:cs typeface="+mn-cs"/>
+              </a:rPr>
+              <a:t>. </a:t>
+            </a:r>
+            <a:r>
+              <a:rPr lang="ko-KR" altLang="en-US" sz="1200" b="0" i="0" kern="1200" baseline="0" dirty="0" smtClean="0">
+                <a:solidFill>
+                  <a:schemeClr val="tx1"/>
+                </a:solidFill>
+                <a:effectLst/>
+                <a:latin typeface="+mn-lt"/>
+                <a:ea typeface="+mn-ea"/>
+                <a:cs typeface="+mn-cs"/>
+              </a:rPr>
+              <a:t>하지만 대부분이 초반 코드는 비슷하지만 각 다른 이유와 속도로 변경될 여지가 있어 거짓된 중복이라 판단하여 </a:t>
+            </a:r>
+            <a:r>
+              <a:rPr lang="en-US" altLang="ko-KR" sz="1200" b="0" i="0" kern="1200" baseline="0" dirty="0" err="1" smtClean="0">
+                <a:solidFill>
+                  <a:schemeClr val="tx1"/>
+                </a:solidFill>
+                <a:effectLst/>
+                <a:latin typeface="+mn-lt"/>
+                <a:ea typeface="+mn-ea"/>
+                <a:cs typeface="+mn-cs"/>
+              </a:rPr>
+              <a:t>dto</a:t>
+            </a:r>
+            <a:r>
+              <a:rPr lang="ko-KR" altLang="en-US" sz="1200" b="0" i="0" kern="1200" baseline="0" dirty="0" smtClean="0">
+                <a:solidFill>
+                  <a:schemeClr val="tx1"/>
+                </a:solidFill>
+                <a:effectLst/>
+                <a:latin typeface="+mn-lt"/>
+                <a:ea typeface="+mn-ea"/>
+                <a:cs typeface="+mn-cs"/>
+              </a:rPr>
+              <a:t>를 상황 마다 분리하여 진행하였습니다</a:t>
+            </a:r>
+            <a:r>
+              <a:rPr lang="en-US" altLang="ko-KR" sz="1200" b="0" i="0" kern="1200" baseline="0" dirty="0" smtClean="0">
+                <a:solidFill>
+                  <a:schemeClr val="tx1"/>
+                </a:solidFill>
+                <a:effectLst/>
+                <a:latin typeface="+mn-lt"/>
+                <a:ea typeface="+mn-ea"/>
+                <a:cs typeface="+mn-cs"/>
+              </a:rPr>
+              <a:t>.</a:t>
+            </a:r>
+          </a:p>
+          <a:p>
+            <a:endParaRPr lang="en-US" altLang="ko-KR" sz="1200" b="0" i="0" kern="1200" dirty="0" smtClean="0">
+              <a:solidFill>
+                <a:schemeClr val="tx1"/>
+              </a:solidFill>
+              <a:effectLst/>
+              <a:latin typeface="+mn-lt"/>
+              <a:ea typeface="+mn-ea"/>
+              <a:cs typeface="+mn-cs"/>
+            </a:endParaRPr>
+          </a:p>
+          <a:p>
+            <a:endParaRPr lang="en-US" altLang="ko-KR" sz="1200" b="0" i="0" kern="1200" dirty="0" smtClean="0">
+              <a:solidFill>
+                <a:schemeClr val="tx1"/>
+              </a:solidFill>
+              <a:effectLst/>
+              <a:latin typeface="+mn-lt"/>
+              <a:ea typeface="+mn-ea"/>
+              <a:cs typeface="+mn-cs"/>
+            </a:endParaRPr>
+          </a:p>
+          <a:p>
+            <a:r>
+              <a:rPr lang="ko-KR" altLang="en-US" sz="1200" b="0" i="0" kern="1200" baseline="0" dirty="0" smtClean="0">
+                <a:solidFill>
+                  <a:schemeClr val="tx1"/>
+                </a:solidFill>
+                <a:effectLst/>
+                <a:latin typeface="+mn-lt"/>
+                <a:ea typeface="+mn-ea"/>
+                <a:cs typeface="+mn-cs"/>
+              </a:rPr>
+              <a:t>객체 지향 유지보수 하기편하게 하기위해 </a:t>
+            </a:r>
+            <a:endParaRPr lang="en-US" altLang="ko-KR" sz="1200" b="0" i="0" kern="1200" baseline="0" dirty="0" smtClean="0">
+              <a:solidFill>
+                <a:schemeClr val="tx1"/>
+              </a:solidFill>
+              <a:effectLst/>
+              <a:latin typeface="+mn-lt"/>
+              <a:ea typeface="+mn-ea"/>
+              <a:cs typeface="+mn-cs"/>
+            </a:endParaRPr>
+          </a:p>
+          <a:p>
+            <a:r>
+              <a:rPr lang="ko-KR" altLang="en-US" sz="1200" b="0" i="0" kern="1200" baseline="0" dirty="0" smtClean="0">
+                <a:solidFill>
+                  <a:schemeClr val="tx1"/>
+                </a:solidFill>
+                <a:effectLst/>
+                <a:latin typeface="+mn-lt"/>
+                <a:ea typeface="+mn-ea"/>
+                <a:cs typeface="+mn-cs"/>
+              </a:rPr>
+              <a:t>의존성을 줄여 변경에 영향을 안받로고 진행하였습니다</a:t>
+            </a:r>
+            <a:r>
+              <a:rPr lang="en-US" altLang="ko-KR" sz="1200" b="0" i="0" kern="1200" baseline="0" dirty="0" smtClean="0">
+                <a:solidFill>
+                  <a:schemeClr val="tx1"/>
+                </a:solidFill>
+                <a:effectLst/>
+                <a:latin typeface="+mn-lt"/>
+                <a:ea typeface="+mn-ea"/>
+                <a:cs typeface="+mn-cs"/>
+              </a:rPr>
+              <a:t>. </a:t>
+            </a:r>
+            <a:r>
+              <a:rPr lang="ko-KR" altLang="en-US" sz="1200" b="0" i="0" kern="1200" baseline="0" dirty="0" smtClean="0">
+                <a:solidFill>
+                  <a:schemeClr val="tx1"/>
+                </a:solidFill>
+                <a:effectLst/>
+                <a:latin typeface="+mn-lt"/>
+                <a:ea typeface="+mn-ea"/>
+                <a:cs typeface="+mn-cs"/>
+              </a:rPr>
+              <a:t>다른 라이브러리를 사용하는 상황이나 기존 라이브러리 소스 변경에댛나 영향을 최소하 였습니다</a:t>
+            </a:r>
+            <a:r>
+              <a:rPr lang="en-US" altLang="ko-KR" sz="1200" b="0" i="0" kern="1200" baseline="0" dirty="0" smtClean="0">
+                <a:solidFill>
+                  <a:schemeClr val="tx1"/>
+                </a:solidFill>
+                <a:effectLst/>
+                <a:latin typeface="+mn-lt"/>
+                <a:ea typeface="+mn-ea"/>
+                <a:cs typeface="+mn-cs"/>
+              </a:rPr>
+              <a:t>.</a:t>
+            </a:r>
+          </a:p>
+          <a:p>
+            <a:r>
+              <a:rPr lang="ko-KR" altLang="en-US" sz="1200" b="0" i="0" kern="1200" baseline="0" dirty="0" smtClean="0">
+                <a:solidFill>
+                  <a:schemeClr val="tx1"/>
+                </a:solidFill>
+                <a:effectLst/>
+                <a:latin typeface="+mn-lt"/>
+                <a:ea typeface="+mn-ea"/>
+                <a:cs typeface="+mn-cs"/>
+              </a:rPr>
+              <a:t>사용햇떤 라이브러리 가틍ㄴ 경웅에느 </a:t>
+            </a:r>
+            <a:endParaRPr lang="en-US" altLang="ko-KR" sz="1200" b="0" i="0" kern="1200" baseline="0" dirty="0" smtClean="0">
+              <a:solidFill>
+                <a:schemeClr val="tx1"/>
+              </a:solidFill>
+              <a:effectLst/>
+              <a:latin typeface="+mn-lt"/>
+              <a:ea typeface="+mn-ea"/>
+              <a:cs typeface="+mn-cs"/>
+            </a:endParaRPr>
+          </a:p>
+          <a:p>
+            <a:endParaRPr lang="en-US" altLang="ko-KR" sz="1200" b="0" i="0" kern="1200" baseline="0" dirty="0" smtClean="0">
+              <a:solidFill>
+                <a:schemeClr val="tx1"/>
+              </a:solidFill>
+              <a:effectLst/>
+              <a:latin typeface="+mn-lt"/>
+              <a:ea typeface="+mn-ea"/>
+              <a:cs typeface="+mn-cs"/>
+            </a:endParaRPr>
+          </a:p>
+          <a:p>
+            <a:r>
+              <a:rPr lang="en-US" altLang="ko-KR" baseline="0" dirty="0" err="1" smtClean="0"/>
+              <a:t>Dto</a:t>
+            </a:r>
+            <a:r>
+              <a:rPr lang="en-US" altLang="ko-KR" baseline="0" dirty="0" smtClean="0"/>
+              <a:t> </a:t>
+            </a:r>
+            <a:r>
+              <a:rPr lang="ko-KR" altLang="en-US" baseline="0" dirty="0" smtClean="0"/>
+              <a:t>같은경우는 </a:t>
+            </a:r>
+            <a:endParaRPr lang="en-US" altLang="ko-KR" baseline="0" dirty="0" smtClean="0"/>
+          </a:p>
+          <a:p>
+            <a:endParaRPr lang="en-US" altLang="ko-KR" baseline="0" dirty="0" smtClean="0"/>
+          </a:p>
+          <a:p>
+            <a:endParaRPr lang="en-US" altLang="ko-KR" baseline="0" dirty="0" smtClean="0"/>
           </a:p>
         </p:txBody>
       </p:sp>
@@ -2949,7 +3718,7 @@
           <a:p>
             <a:fld id="{AD4EE2DB-E76A-4EC0-BB3C-86A9DFF316EC}" type="slidenum">
               <a:rPr lang="ko-KR" altLang="en-US" smtClean="0"/>
-              <a:t>15</a:t>
+              <a:t>14</a:t>
             </a:fld>
             <a:endParaRPr lang="ko-KR" altLang="en-US"/>
           </a:p>
@@ -3013,6 +3782,114 @@
           <a:lstStyle/>
           <a:p>
             <a:r>
+              <a:rPr lang="en-US" altLang="ko-KR" dirty="0" smtClean="0"/>
+              <a:t>To</a:t>
+            </a:r>
+            <a:r>
+              <a:rPr lang="en-US" altLang="ko-KR" baseline="0" dirty="0" smtClean="0"/>
+              <a:t> string equals </a:t>
+            </a:r>
+            <a:r>
+              <a:rPr lang="ko-KR" altLang="en-US" baseline="0" dirty="0" smtClean="0"/>
+              <a:t>자바 </a:t>
+            </a:r>
+            <a:r>
+              <a:rPr lang="en-US" altLang="ko-KR" baseline="0" dirty="0" smtClean="0"/>
+              <a:t>reflection</a:t>
+            </a:r>
+            <a:r>
+              <a:rPr lang="ko-KR" altLang="en-US" baseline="0" dirty="0" smtClean="0"/>
+              <a:t>으로 작동해 성능 및 </a:t>
+            </a:r>
+            <a:r>
+              <a:rPr lang="en-US" altLang="ko-KR" baseline="0" dirty="0" smtClean="0"/>
+              <a:t>over flow</a:t>
+            </a:r>
+            <a:endParaRPr lang="ko-KR" altLang="en-US" dirty="0"/>
+          </a:p>
+        </p:txBody>
+      </p:sp>
+      <p:sp>
+        <p:nvSpPr>
+          <p:cNvPr id="4" name="슬라이드 번호 개체 틀 3"/>
+          <p:cNvSpPr>
+            <a:spLocks noGrp="1"/>
+          </p:cNvSpPr>
+          <p:nvPr>
+            <p:ph type="sldNum" sz="quarter" idx="10"/>
+          </p:nvPr>
+        </p:nvSpPr>
+        <p:spPr/>
+        <p:txBody>
+          <a:bodyPr/>
+          <a:lstStyle/>
+          <a:p>
+            <a:fld id="{AD4EE2DB-E76A-4EC0-BB3C-86A9DFF316EC}" type="slidenum">
+              <a:rPr lang="ko-KR" altLang="en-US" smtClean="0"/>
+              <a:t>15</a:t>
+            </a:fld>
+            <a:endParaRPr lang="ko-KR" altLang="en-US"/>
+          </a:p>
+        </p:txBody>
+      </p:sp>
+    </p:spTree>
+    <p:extLst>
+      <p:ext uri="{BB962C8B-B14F-4D97-AF65-F5344CB8AC3E}">
+        <p14:creationId xmlns:p14="http://schemas.microsoft.com/office/powerpoint/2010/main" val="3940529063"/>
+      </p:ext>
+    </p:extLst>
+  </p:cSld>
+  <p:clrMapOvr>
+    <a:masterClrMapping/>
+  </p:clrMapOvr>
+</p:notes>
+</file>
+
+<file path=ppt/notesSlides/notesSlide14.xml><?xml version="1.0" encoding="utf-8"?>
+<p:notes xmlns:a="http://schemas.openxmlformats.org/drawingml/2006/main" xmlns:r="http://schemas.openxmlformats.org/officeDocument/2006/relationships" xmlns:p="http://schemas.openxmlformats.org/presentationml/2006/main">
+  <p:cSld>
+    <p:spTree>
+      <p:nvGrpSpPr>
+        <p:cNvPr id="1" name=""/>
+        <p:cNvGrpSpPr/>
+        <p:nvPr/>
+      </p:nvGrpSpPr>
+      <p:grpSpPr>
+        <a:xfrm>
+          <a:off x="0" y="0"/>
+          <a:ext cx="0" cy="0"/>
+          <a:chOff x="0" y="0"/>
+          <a:chExt cx="0" cy="0"/>
+        </a:xfrm>
+      </p:grpSpPr>
+      <p:sp>
+        <p:nvSpPr>
+          <p:cNvPr id="2" name="슬라이드 이미지 개체 틀 1"/>
+          <p:cNvSpPr>
+            <a:spLocks noGrp="1" noRot="1" noChangeAspect="1"/>
+          </p:cNvSpPr>
+          <p:nvPr>
+            <p:ph type="sldImg"/>
+          </p:nvPr>
+        </p:nvSpPr>
+        <p:spPr/>
+      </p:sp>
+      <p:sp>
+        <p:nvSpPr>
+          <p:cNvPr id="3" name="슬라이드 노트 개체 틀 2"/>
+          <p:cNvSpPr>
+            <a:spLocks noGrp="1"/>
+          </p:cNvSpPr>
+          <p:nvPr>
+            <p:ph type="body" idx="1"/>
+          </p:nvPr>
+        </p:nvSpPr>
+        <p:spPr/>
+        <p:txBody>
+          <a:bodyPr/>
+          <a:lstStyle/>
+          <a:p>
+            <a:r>
               <a:rPr lang="ko-KR" altLang="en-US" dirty="0" smtClean="0"/>
               <a:t>스프링 </a:t>
             </a:r>
@@ -3026,11 +3903,7 @@
             </a:r>
             <a:r>
               <a:rPr lang="ko-KR" altLang="en-US" baseline="0" dirty="0" smtClean="0"/>
-              <a:t> 허가 </a:t>
-            </a:r>
-            <a:r>
-              <a:rPr lang="ko-KR" altLang="en-US" baseline="0" dirty="0" smtClean="0"/>
-              <a:t>절차</a:t>
+              <a:t> 허가 절차</a:t>
             </a:r>
             <a:endParaRPr lang="en-US" altLang="ko-KR" baseline="0" dirty="0" smtClean="0"/>
           </a:p>
@@ -4328,230 +5201,6 @@
             <a:fld id="{AD4EE2DB-E76A-4EC0-BB3C-86A9DFF316EC}" type="slidenum">
               <a:rPr lang="ko-KR" altLang="en-US" smtClean="0"/>
               <a:t>16</a:t>
-            </a:fld>
-            <a:endParaRPr lang="ko-KR" altLang="en-US"/>
-          </a:p>
-        </p:txBody>
-      </p:sp>
-    </p:spTree>
-    <p:extLst>
-      <p:ext uri="{BB962C8B-B14F-4D97-AF65-F5344CB8AC3E}">
-        <p14:creationId xmlns:p14="http://schemas.microsoft.com/office/powerpoint/2010/main" val="609146262"/>
-      </p:ext>
-    </p:extLst>
-  </p:cSld>
-  <p:clrMapOvr>
-    <a:masterClrMapping/>
-  </p:clrMapOvr>
-</p:notes>
-</file>
-
-<file path=ppt/notesSlides/notesSlide14.xml><?xml version="1.0" encoding="utf-8"?>
-<p:notes xmlns:a="http://schemas.openxmlformats.org/drawingml/2006/main" xmlns:r="http://schemas.openxmlformats.org/officeDocument/2006/relationships" xmlns:p="http://schemas.openxmlformats.org/presentationml/2006/main">
-  <p:cSld>
-    <p:spTree>
-      <p:nvGrpSpPr>
-        <p:cNvPr id="1" name=""/>
-        <p:cNvGrpSpPr/>
-        <p:nvPr/>
-      </p:nvGrpSpPr>
-      <p:grpSpPr>
-        <a:xfrm>
-          <a:off x="0" y="0"/>
-          <a:ext cx="0" cy="0"/>
-          <a:chOff x="0" y="0"/>
-          <a:chExt cx="0" cy="0"/>
-        </a:xfrm>
-      </p:grpSpPr>
-      <p:sp>
-        <p:nvSpPr>
-          <p:cNvPr id="2" name="슬라이드 이미지 개체 틀 1"/>
-          <p:cNvSpPr>
-            <a:spLocks noGrp="1" noRot="1" noChangeAspect="1"/>
-          </p:cNvSpPr>
-          <p:nvPr>
-            <p:ph type="sldImg"/>
-          </p:nvPr>
-        </p:nvSpPr>
-        <p:spPr/>
-      </p:sp>
-      <p:sp>
-        <p:nvSpPr>
-          <p:cNvPr id="3" name="슬라이드 노트 개체 틀 2"/>
-          <p:cNvSpPr>
-            <a:spLocks noGrp="1"/>
-          </p:cNvSpPr>
-          <p:nvPr>
-            <p:ph type="body" idx="1"/>
-          </p:nvPr>
-        </p:nvSpPr>
-        <p:spPr/>
-        <p:txBody>
-          <a:bodyPr/>
-          <a:lstStyle/>
-          <a:p>
-            <a:r>
-              <a:rPr lang="en-US" altLang="ko-KR" dirty="0" err="1" smtClean="0"/>
-              <a:t>Jwt</a:t>
-            </a:r>
-            <a:r>
-              <a:rPr lang="en-US" altLang="ko-KR" dirty="0" smtClean="0"/>
-              <a:t> </a:t>
-            </a:r>
-            <a:r>
-              <a:rPr lang="ko-KR" altLang="en-US" dirty="0" smtClean="0"/>
-              <a:t>선정 이유  </a:t>
-            </a:r>
-            <a:r>
-              <a:rPr lang="en-US" altLang="ko-KR" dirty="0" smtClean="0"/>
-              <a:t>cookie http only</a:t>
-            </a:r>
-          </a:p>
-          <a:p>
-            <a:endParaRPr lang="en-US" altLang="ko-KR" baseline="0" dirty="0" smtClean="0"/>
-          </a:p>
-          <a:p>
-            <a:r>
-              <a:rPr lang="en-US" altLang="ko-KR" dirty="0" err="1" smtClean="0"/>
-              <a:t>Xss</a:t>
-            </a:r>
-            <a:r>
-              <a:rPr lang="en-US" altLang="ko-KR" dirty="0" smtClean="0"/>
-              <a:t>(cross</a:t>
-            </a:r>
-            <a:r>
-              <a:rPr lang="en-US" altLang="ko-KR" baseline="0" dirty="0" smtClean="0"/>
-              <a:t> site scripting)</a:t>
-            </a:r>
-            <a:r>
-              <a:rPr lang="en-US" altLang="ko-KR" dirty="0" smtClean="0"/>
-              <a:t> </a:t>
-            </a:r>
-            <a:r>
-              <a:rPr lang="ko-KR" altLang="en-US" dirty="0" smtClean="0"/>
-              <a:t>보안 </a:t>
-            </a:r>
-            <a:r>
-              <a:rPr lang="en-US" altLang="ko-KR" dirty="0" smtClean="0"/>
-              <a:t>–</a:t>
-            </a:r>
-            <a:r>
-              <a:rPr lang="ko-KR" altLang="en-US" dirty="0" smtClean="0"/>
-              <a:t>사이트에 스크립트를 삽입해 민간 한 정볼르 탈취하는 등과 같은 공격방법</a:t>
-            </a:r>
-            <a:endParaRPr lang="en-US" altLang="ko-KR" dirty="0" smtClean="0"/>
-          </a:p>
-          <a:p>
-            <a:r>
-              <a:rPr lang="ko-KR" altLang="en-US" dirty="0" smtClean="0"/>
-              <a:t>변환해서 </a:t>
-            </a:r>
-            <a:r>
-              <a:rPr lang="ko-KR" altLang="en-US" dirty="0" smtClean="0"/>
-              <a:t>들어오냐 그리고 </a:t>
-            </a:r>
-            <a:r>
-              <a:rPr lang="en-US" altLang="ko-KR" dirty="0" smtClean="0"/>
-              <a:t>security </a:t>
-            </a:r>
-            <a:r>
-              <a:rPr lang="ko-KR" altLang="en-US" dirty="0" smtClean="0"/>
-              <a:t>보다 먼저 </a:t>
-            </a:r>
-            <a:r>
-              <a:rPr lang="en-US" altLang="ko-KR" dirty="0" smtClean="0"/>
-              <a:t>filter</a:t>
-            </a:r>
-            <a:r>
-              <a:rPr lang="ko-KR" altLang="en-US" dirty="0" smtClean="0"/>
-              <a:t>에 걸리냐</a:t>
-            </a:r>
-            <a:r>
-              <a:rPr lang="en-US" altLang="ko-KR" dirty="0" smtClean="0"/>
-              <a:t>? </a:t>
-            </a:r>
-            <a:r>
-              <a:rPr lang="ko-KR" altLang="en-US" dirty="0" smtClean="0"/>
-              <a:t>필터가먼저 그후 에 </a:t>
-            </a:r>
-            <a:r>
-              <a:rPr lang="en-US" altLang="ko-KR" dirty="0" err="1" smtClean="0"/>
-              <a:t>covnerter</a:t>
-            </a:r>
-            <a:r>
-              <a:rPr lang="en-US" altLang="ko-KR" dirty="0" smtClean="0"/>
-              <a:t> </a:t>
-            </a:r>
-            <a:r>
-              <a:rPr lang="ko-KR" altLang="en-US" dirty="0" smtClean="0"/>
-              <a:t>현재상황에서는 </a:t>
-            </a:r>
-            <a:r>
-              <a:rPr lang="en-US" altLang="ko-KR" dirty="0" err="1" smtClean="0"/>
-              <a:t>resposne</a:t>
-            </a:r>
-            <a:r>
-              <a:rPr lang="en-US" altLang="ko-KR" dirty="0" smtClean="0"/>
-              <a:t> </a:t>
-            </a:r>
-            <a:r>
-              <a:rPr lang="ko-KR" altLang="en-US" dirty="0" smtClean="0"/>
-              <a:t>할떄 </a:t>
-            </a:r>
-            <a:r>
-              <a:rPr lang="en-US" altLang="ko-KR" dirty="0" smtClean="0"/>
-              <a:t>object</a:t>
-            </a:r>
-            <a:r>
-              <a:rPr lang="en-US" altLang="ko-KR" baseline="0" dirty="0" smtClean="0"/>
-              <a:t> </a:t>
-            </a:r>
-            <a:r>
-              <a:rPr lang="ko-KR" altLang="en-US" baseline="0" dirty="0" smtClean="0"/>
-              <a:t>에서 </a:t>
-            </a:r>
-            <a:r>
-              <a:rPr lang="en-US" altLang="ko-KR" baseline="0" dirty="0" err="1" smtClean="0"/>
-              <a:t>json</a:t>
-            </a:r>
-            <a:r>
-              <a:rPr lang="en-US" altLang="ko-KR" baseline="0" dirty="0" smtClean="0"/>
-              <a:t> </a:t>
-            </a:r>
-            <a:r>
-              <a:rPr lang="ko-KR" altLang="en-US" baseline="0" dirty="0" smtClean="0"/>
-              <a:t>변경시에 </a:t>
-            </a:r>
-            <a:r>
-              <a:rPr lang="en-US" altLang="ko-KR" baseline="0" dirty="0" smtClean="0"/>
-              <a:t>converter </a:t>
-            </a:r>
-            <a:r>
-              <a:rPr lang="ko-KR" altLang="en-US" baseline="0" dirty="0" smtClean="0"/>
-              <a:t>적용됨</a:t>
-            </a:r>
-            <a:endParaRPr lang="ko-KR" altLang="en-US" dirty="0"/>
-          </a:p>
-        </p:txBody>
-      </p:sp>
-      <p:sp>
-        <p:nvSpPr>
-          <p:cNvPr id="4" name="슬라이드 번호 개체 틀 3"/>
-          <p:cNvSpPr>
-            <a:spLocks noGrp="1"/>
-          </p:cNvSpPr>
-          <p:nvPr>
-            <p:ph type="sldNum" sz="quarter" idx="10"/>
-          </p:nvPr>
-        </p:nvSpPr>
-        <p:spPr/>
-        <p:txBody>
-          <a:bodyPr/>
-          <a:lstStyle/>
-          <a:p>
-            <a:fld id="{AD4EE2DB-E76A-4EC0-BB3C-86A9DFF316EC}" type="slidenum">
-              <a:rPr lang="ko-KR" altLang="en-US" smtClean="0"/>
-              <a:t>17</a:t>
             </a:fld>
             <a:endParaRPr lang="ko-KR" altLang="en-US"/>
           </a:p>
@@ -4615,29 +5264,6 @@
           <a:lstStyle/>
           <a:p>
             <a:r>
-              <a:rPr lang="ko-KR" altLang="en-US" dirty="0" smtClean="0"/>
-              <a:t>향후 보완을 위해서는 수명을 줄이고 </a:t>
-            </a:r>
-            <a:r>
-              <a:rPr lang="en-US" altLang="ko-KR" dirty="0" smtClean="0"/>
-              <a:t>refresh token</a:t>
-            </a:r>
-            <a:r>
-              <a:rPr lang="ko-KR" altLang="en-US" dirty="0" smtClean="0"/>
-              <a:t>과 </a:t>
-            </a:r>
-            <a:r>
-              <a:rPr lang="ko-KR" altLang="en-US" dirty="0" err="1" smtClean="0"/>
-              <a:t>같은거</a:t>
-            </a:r>
-            <a:r>
-              <a:rPr lang="ko-KR" altLang="en-US" dirty="0" smtClean="0"/>
-              <a:t> 도입 필요</a:t>
-            </a:r>
-            <a:endParaRPr lang="en-US" altLang="ko-KR" dirty="0" smtClean="0"/>
-          </a:p>
-          <a:p>
-            <a:r>
               <a:rPr lang="en-US" altLang="ko-KR" dirty="0" err="1" smtClean="0"/>
               <a:t>Jwt</a:t>
             </a:r>
@@ -4647,14 +5273,51 @@
             </a:r>
             <a:r>
               <a:rPr lang="ko-KR" altLang="en-US" dirty="0" smtClean="0"/>
-              <a:t>선정 이유 </a:t>
+              <a:t>선정 이유  </a:t>
+            </a:r>
+            <a:r>
+              <a:rPr lang="en-US" altLang="ko-KR" dirty="0" smtClean="0"/>
+              <a:t>cookie http only</a:t>
+            </a:r>
+          </a:p>
+          <a:p>
+            <a:endParaRPr lang="en-US" altLang="ko-KR" baseline="0" dirty="0" smtClean="0"/>
+          </a:p>
+          <a:p>
+            <a:r>
+              <a:rPr lang="en-US" altLang="ko-KR" dirty="0" err="1" smtClean="0"/>
+              <a:t>Xss</a:t>
+            </a:r>
+            <a:r>
+              <a:rPr lang="en-US" altLang="ko-KR" dirty="0" smtClean="0"/>
+              <a:t>(cross</a:t>
+            </a:r>
+            <a:r>
+              <a:rPr lang="en-US" altLang="ko-KR" baseline="0" dirty="0" smtClean="0"/>
+              <a:t> site scripting)</a:t>
+            </a:r>
+            <a:r>
+              <a:rPr lang="en-US" altLang="ko-KR" dirty="0" smtClean="0"/>
+              <a:t> </a:t>
+            </a:r>
+            <a:r>
+              <a:rPr lang="ko-KR" altLang="en-US" dirty="0" smtClean="0"/>
+              <a:t>보안 </a:t>
+            </a:r>
+            <a:r>
+              <a:rPr lang="en-US" altLang="ko-KR" dirty="0" smtClean="0"/>
+              <a:t>–</a:t>
+            </a:r>
+            <a:r>
+              <a:rPr lang="ko-KR" altLang="en-US" dirty="0" smtClean="0"/>
+              <a:t>사이트에 스크립트를 삽입해 민간 한 정볼르 탈취하는 등과 같은 공격방법</a:t>
             </a:r>
             <a:endParaRPr lang="en-US" altLang="ko-KR" dirty="0" smtClean="0"/>
           </a:p>
           <a:p>
             <a:r>
               <a:rPr lang="ko-KR" altLang="en-US" dirty="0" smtClean="0"/>
-              <a:t>스프링 </a:t>
+              <a:t>변환해서 들어오냐 그리고 </a:t>
             </a:r>
             <a:r>
               <a:rPr lang="en-US" altLang="ko-KR" dirty="0" smtClean="0"/>
@@ -4662,11 +5325,79 @@
             </a:r>
             <a:r>
               <a:rPr lang="ko-KR" altLang="en-US" dirty="0" smtClean="0"/>
-              <a:t>권한 인증 및</a:t>
+              <a:t>보다 먼저 </a:t>
+            </a:r>
+            <a:r>
+              <a:rPr lang="en-US" altLang="ko-KR" dirty="0" smtClean="0"/>
+              <a:t>filter</a:t>
+            </a:r>
+            <a:r>
+              <a:rPr lang="ko-KR" altLang="en-US" dirty="0" smtClean="0"/>
+              <a:t>에 걸리냐</a:t>
+            </a:r>
+            <a:r>
+              <a:rPr lang="en-US" altLang="ko-KR" dirty="0" smtClean="0"/>
+              <a:t>? </a:t>
+            </a:r>
+            <a:r>
+              <a:rPr lang="ko-KR" altLang="en-US" dirty="0" smtClean="0"/>
+              <a:t>필터가먼저 그후 에 </a:t>
+            </a:r>
+            <a:r>
+              <a:rPr lang="en-US" altLang="ko-KR" dirty="0" err="1" smtClean="0"/>
+              <a:t>covnerter</a:t>
+            </a:r>
+            <a:r>
+              <a:rPr lang="en-US" altLang="ko-KR" dirty="0" smtClean="0"/>
+              <a:t> </a:t>
+            </a:r>
+            <a:r>
+              <a:rPr lang="ko-KR" altLang="en-US" dirty="0" smtClean="0"/>
+              <a:t>현재상황에서는 </a:t>
+            </a:r>
+            <a:r>
+              <a:rPr lang="en-US" altLang="ko-KR" dirty="0" err="1" smtClean="0"/>
+              <a:t>resposne</a:t>
+            </a:r>
+            <a:r>
+              <a:rPr lang="en-US" altLang="ko-KR" dirty="0" smtClean="0"/>
+              <a:t> </a:t>
+            </a:r>
+            <a:r>
+              <a:rPr lang="ko-KR" altLang="en-US" dirty="0" smtClean="0"/>
+              <a:t>할떄 </a:t>
+            </a:r>
+            <a:r>
+              <a:rPr lang="en-US" altLang="ko-KR" dirty="0" smtClean="0"/>
+              <a:t>object</a:t>
+            </a:r>
+            <a:r>
+              <a:rPr lang="en-US" altLang="ko-KR" baseline="0" dirty="0" smtClean="0"/>
+              <a:t> </a:t>
             </a:r>
             <a:r>
               <a:rPr lang="ko-KR" altLang="en-US" baseline="0" dirty="0" smtClean="0"/>
-              <a:t> 허가 절차</a:t>
+              <a:t>에서 </a:t>
+            </a:r>
+            <a:r>
+              <a:rPr lang="en-US" altLang="ko-KR" baseline="0" dirty="0" err="1" smtClean="0"/>
+              <a:t>json</a:t>
+            </a:r>
+            <a:r>
+              <a:rPr lang="en-US" altLang="ko-KR" baseline="0" dirty="0" smtClean="0"/>
+              <a:t> </a:t>
+            </a:r>
+            <a:r>
+              <a:rPr lang="ko-KR" altLang="en-US" baseline="0" dirty="0" smtClean="0"/>
+              <a:t>변경시에 </a:t>
+            </a:r>
+            <a:r>
+              <a:rPr lang="en-US" altLang="ko-KR" baseline="0" dirty="0" smtClean="0"/>
+              <a:t>converter </a:t>
+            </a:r>
+            <a:r>
+              <a:rPr lang="ko-KR" altLang="en-US" baseline="0" dirty="0" smtClean="0"/>
+              <a:t>적용됨</a:t>
             </a:r>
             <a:endParaRPr lang="ko-KR" altLang="en-US" dirty="0"/>
           </a:p>
@@ -4689,7 +5420,7 @@
           <a:p>
             <a:fld id="{AD4EE2DB-E76A-4EC0-BB3C-86A9DFF316EC}" type="slidenum">
               <a:rPr lang="ko-KR" altLang="en-US" smtClean="0"/>
-              <a:t>19</a:t>
+              <a:t>17</a:t>
             </a:fld>
             <a:endParaRPr lang="ko-KR" altLang="en-US"/>
           </a:p>
@@ -4698,7 +5429,7 @@
     </p:spTree>
     <p:extLst>
       <p:ext uri="{BB962C8B-B14F-4D97-AF65-F5344CB8AC3E}">
-        <p14:creationId xmlns:p14="http://schemas.microsoft.com/office/powerpoint/2010/main" val="44829822"/>
+        <p14:creationId xmlns:p14="http://schemas.microsoft.com/office/powerpoint/2010/main" val="609146262"/>
       </p:ext>
     </p:extLst>
   </p:cSld>
@@ -4727,6 +5458,144 @@
       </p:grpSpPr>
       <p:sp>
         <p:nvSpPr>
+          <p:cNvPr id="2" name="슬라이드 이미지 개체 틀 1"/>
+          <p:cNvSpPr>
+            <a:spLocks noGrp="1" noRot="1" noChangeAspect="1"/>
+          </p:cNvSpPr>
+          <p:nvPr>
+            <p:ph type="sldImg"/>
+          </p:nvPr>
+        </p:nvSpPr>
+        <p:spPr/>
+      </p:sp>
+      <p:sp>
+        <p:nvSpPr>
+          <p:cNvPr id="3" name="슬라이드 노트 개체 틀 2"/>
+          <p:cNvSpPr>
+            <a:spLocks noGrp="1"/>
+          </p:cNvSpPr>
+          <p:nvPr>
+            <p:ph type="body" idx="1"/>
+          </p:nvPr>
+        </p:nvSpPr>
+        <p:spPr/>
+        <p:txBody>
+          <a:bodyPr/>
+          <a:lstStyle/>
+          <a:p>
+            <a:r>
+              <a:rPr lang="ko-KR" altLang="en-US" dirty="0" smtClean="0"/>
+              <a:t>향후 보완을 위해서는 수명을 줄이고 </a:t>
+            </a:r>
+            <a:r>
+              <a:rPr lang="en-US" altLang="ko-KR" dirty="0" smtClean="0"/>
+              <a:t>refresh token</a:t>
+            </a:r>
+            <a:r>
+              <a:rPr lang="ko-KR" altLang="en-US" dirty="0" smtClean="0"/>
+              <a:t>과 </a:t>
+            </a:r>
+            <a:r>
+              <a:rPr lang="ko-KR" altLang="en-US" dirty="0" err="1" smtClean="0"/>
+              <a:t>같은거</a:t>
+            </a:r>
+            <a:r>
+              <a:rPr lang="ko-KR" altLang="en-US" dirty="0" smtClean="0"/>
+              <a:t> 도입 필요</a:t>
+            </a:r>
+            <a:endParaRPr lang="en-US" altLang="ko-KR" dirty="0" smtClean="0"/>
+          </a:p>
+          <a:p>
+            <a:r>
+              <a:rPr lang="en-US" altLang="ko-KR" dirty="0" err="1" smtClean="0"/>
+              <a:t>Jwt</a:t>
+            </a:r>
+            <a:r>
+              <a:rPr lang="en-US" altLang="ko-KR" dirty="0" smtClean="0"/>
+              <a:t> </a:t>
+            </a:r>
+            <a:r>
+              <a:rPr lang="ko-KR" altLang="en-US" dirty="0" smtClean="0"/>
+              <a:t>선정 이유 </a:t>
+            </a:r>
+            <a:endParaRPr lang="en-US" altLang="ko-KR" dirty="0" smtClean="0"/>
+          </a:p>
+          <a:p>
+            <a:r>
+              <a:rPr lang="ko-KR" altLang="en-US" dirty="0" smtClean="0"/>
+              <a:t>스프링 </a:t>
+            </a:r>
+            <a:r>
+              <a:rPr lang="en-US" altLang="ko-KR" dirty="0" smtClean="0"/>
+              <a:t>security </a:t>
+            </a:r>
+            <a:r>
+              <a:rPr lang="ko-KR" altLang="en-US" dirty="0" smtClean="0"/>
+              <a:t>권한 인증 및</a:t>
+            </a:r>
+            <a:r>
+              <a:rPr lang="ko-KR" altLang="en-US" baseline="0" dirty="0" smtClean="0"/>
+              <a:t> 허가 절차</a:t>
+            </a:r>
+            <a:endParaRPr lang="ko-KR" altLang="en-US" dirty="0"/>
+          </a:p>
+        </p:txBody>
+      </p:sp>
+      <p:sp>
+        <p:nvSpPr>
+          <p:cNvPr id="4" name="슬라이드 번호 개체 틀 3"/>
+          <p:cNvSpPr>
+            <a:spLocks noGrp="1"/>
+          </p:cNvSpPr>
+          <p:nvPr>
+            <p:ph type="sldNum" sz="quarter" idx="10"/>
+          </p:nvPr>
+        </p:nvSpPr>
+        <p:spPr/>
+        <p:txBody>
+          <a:bodyPr/>
+          <a:lstStyle/>
+          <a:p>
+            <a:fld id="{AD4EE2DB-E76A-4EC0-BB3C-86A9DFF316EC}" type="slidenum">
+              <a:rPr lang="ko-KR" altLang="en-US" smtClean="0"/>
+              <a:t>19</a:t>
+            </a:fld>
+            <a:endParaRPr lang="ko-KR" altLang="en-US"/>
+          </a:p>
+        </p:txBody>
+      </p:sp>
+    </p:spTree>
+    <p:extLst>
+      <p:ext uri="{BB962C8B-B14F-4D97-AF65-F5344CB8AC3E}">
+        <p14:creationId xmlns:p14="http://schemas.microsoft.com/office/powerpoint/2010/main" val="44829822"/>
+      </p:ext>
+    </p:extLst>
+  </p:cSld>
+  <p:clrMapOvr>
+    <a:masterClrMapping/>
+  </p:clrMapOvr>
+</p:notes>
+</file>
+
+<file path=ppt/notesSlides/notesSlide17.xml><?xml version="1.0" encoding="utf-8"?>
+<p:notes xmlns:a="http://schemas.openxmlformats.org/drawingml/2006/main" xmlns:r="http://schemas.openxmlformats.org/officeDocument/2006/relationships" xmlns:p="http://schemas.openxmlformats.org/presentationml/2006/main">
+  <p:cSld>
+    <p:spTree>
+      <p:nvGrpSpPr>
+        <p:cNvPr id="1" name=""/>
+        <p:cNvGrpSpPr/>
+        <p:nvPr/>
+      </p:nvGrpSpPr>
+      <p:grpSpPr>
+        <a:xfrm>
+          <a:off x="0" y="0"/>
+          <a:ext cx="0" cy="0"/>
+          <a:chOff x="0" y="0"/>
+          <a:chExt cx="0" cy="0"/>
+        </a:xfrm>
+      </p:grpSpPr>
+      <p:sp>
+        <p:nvSpPr>
           <p:cNvPr id="2" name="Slide Image Placeholder 1"/>
           <p:cNvSpPr>
             <a:spLocks noGrp="1" noRot="1" noChangeAspect="1"/>
@@ -4878,11 +5747,7 @@
             </a:r>
             <a:r>
               <a:rPr lang="ko-KR" altLang="en-US" dirty="0" smtClean="0"/>
-              <a:t>도메인 주도 설계 </a:t>
-            </a:r>
-            <a:r>
-              <a:rPr lang="ko-KR" altLang="en-US" dirty="0" smtClean="0"/>
-              <a:t>등</a:t>
+              <a:t>도메인 주도 설계 등</a:t>
             </a:r>
             <a:endParaRPr lang="en-US" altLang="ko-KR" dirty="0" smtClean="0"/>
           </a:p>
@@ -6010,7 +6875,7 @@
       </p:grpSpPr>
       <p:sp>
         <p:nvSpPr>
-          <p:cNvPr id="2" name="Slide Image Placeholder 1"/>
+          <p:cNvPr id="2" name="슬라이드 이미지 개체 틀 1"/>
           <p:cNvSpPr>
             <a:spLocks noGrp="1" noRot="1" noChangeAspect="1"/>
           </p:cNvSpPr>
@@ -6022,7 +6887,7 @@
       </p:sp>
       <p:sp>
         <p:nvSpPr>
-          <p:cNvPr id="3" name="Notes Placeholder 2"/>
+          <p:cNvPr id="3" name="슬라이드 노트 개체 틀 2"/>
           <p:cNvSpPr>
             <a:spLocks noGrp="1"/>
           </p:cNvSpPr>
@@ -6036,20 +6901,26 @@
           <a:lstStyle/>
           <a:p>
             <a:r>
+              <a:rPr lang="ko-KR" altLang="en-US" dirty="0" err="1" smtClean="0"/>
+              <a:t>소셜로그인</a:t>
+            </a:r>
+            <a:r>
               <a:rPr lang="ko-KR" altLang="en-US" dirty="0" smtClean="0"/>
-              <a:t>좀더 자세하게 주별로 진행했던 업무와 늒니점 듬을 설명 하겠습니다</a:t>
+              <a:t> 기능 그리고 전체적이 인증을 구현하였습니다</a:t>
             </a:r>
             <a:r>
               <a:rPr lang="en-US" altLang="ko-KR" dirty="0" smtClean="0"/>
               <a:t>.</a:t>
             </a:r>
+          </a:p>
+          <a:p>
             <a:endParaRPr lang="ko-KR" altLang="en-US" dirty="0"/>
           </a:p>
         </p:txBody>
       </p:sp>
       <p:sp>
         <p:nvSpPr>
-          <p:cNvPr id="4" name="Slide Number Placeholder 3"/>
+          <p:cNvPr id="4" name="슬라이드 번호 개체 틀 3"/>
           <p:cNvSpPr>
             <a:spLocks noGrp="1"/>
           </p:cNvSpPr>
@@ -6064,7 +6935,7 @@
           <a:p>
             <a:fld id="{AD4EE2DB-E76A-4EC0-BB3C-86A9DFF316EC}" type="slidenum">
               <a:rPr lang="ko-KR" altLang="en-US" smtClean="0"/>
-              <a:t>7</a:t>
+              <a:t>6</a:t>
             </a:fld>
             <a:endParaRPr lang="ko-KR" altLang="en-US"/>
           </a:p>
@@ -6073,7 +6944,7 @@
     </p:spTree>
     <p:extLst>
       <p:ext uri="{BB962C8B-B14F-4D97-AF65-F5344CB8AC3E}">
-        <p14:creationId xmlns:p14="http://schemas.microsoft.com/office/powerpoint/2010/main" val="2395605814"/>
+        <p14:creationId xmlns:p14="http://schemas.microsoft.com/office/powerpoint/2010/main" val="4113203609"/>
       </p:ext>
     </p:extLst>
   </p:cSld>
@@ -6102,7 +6973,7 @@
       </p:grpSpPr>
       <p:sp>
         <p:nvSpPr>
-          <p:cNvPr id="2" name="슬라이드 이미지 개체 틀 1"/>
+          <p:cNvPr id="2" name="Slide Image Placeholder 1"/>
           <p:cNvSpPr>
             <a:spLocks noGrp="1" noRot="1" noChangeAspect="1"/>
           </p:cNvSpPr>
@@ -6114,7 +6985,7 @@
       </p:sp>
       <p:sp>
         <p:nvSpPr>
-          <p:cNvPr id="3" name="슬라이드 노트 개체 틀 2"/>
+          <p:cNvPr id="3" name="Notes Placeholder 2"/>
           <p:cNvSpPr>
             <a:spLocks noGrp="1"/>
           </p:cNvSpPr>
@@ -6129,45 +7000,19 @@
           <a:p>
             <a:r>
               <a:rPr lang="ko-KR" altLang="en-US" dirty="0" smtClean="0"/>
-              <a:t>첫번쨰 주와 그전주 에는 </a:t>
-            </a:r>
-            <a:endParaRPr lang="en-US" altLang="ko-KR" dirty="0" smtClean="0"/>
-          </a:p>
-          <a:p>
-            <a:r>
-              <a:rPr lang="ko-KR" altLang="en-US" dirty="0" smtClean="0"/>
-              <a:t>좀 다른 주제를 할까 했다가 정말 해보고 싶고 재미있을거 가타아서 시작하였습니다</a:t>
+              <a:t>좀더 자세하게 주별로 진행했던 업무와 늒니점 듬을 설명 하겠습니다</a:t>
             </a:r>
             <a:r>
               <a:rPr lang="en-US" altLang="ko-KR" dirty="0" smtClean="0"/>
               <a:t>.</a:t>
             </a:r>
-          </a:p>
-          <a:p>
-            <a:r>
-              <a:rPr lang="ko-KR" altLang="en-US" dirty="0" smtClean="0"/>
-              <a:t>자리 배치 프로글매을 통해서 제공하려햇던 기능들은</a:t>
-            </a:r>
-            <a:endParaRPr lang="en-US" altLang="ko-KR" dirty="0" smtClean="0"/>
-          </a:p>
-          <a:p>
-            <a:r>
-              <a:rPr lang="ko-KR" altLang="en-US" dirty="0" smtClean="0"/>
-              <a:t>바향을 ㅗ기획하였습니다</a:t>
-            </a:r>
-            <a:r>
-              <a:rPr lang="en-US" altLang="ko-KR" dirty="0" smtClean="0"/>
-              <a:t>.</a:t>
-            </a:r>
-          </a:p>
-          <a:p>
             <a:endParaRPr lang="ko-KR" altLang="en-US" dirty="0"/>
           </a:p>
         </p:txBody>
       </p:sp>
       <p:sp>
         <p:nvSpPr>
-          <p:cNvPr id="4" name="슬라이드 번호 개체 틀 3"/>
+          <p:cNvPr id="4" name="Slide Number Placeholder 3"/>
           <p:cNvSpPr>
             <a:spLocks noGrp="1"/>
           </p:cNvSpPr>
@@ -6182,7 +7027,7 @@
           <a:p>
             <a:fld id="{AD4EE2DB-E76A-4EC0-BB3C-86A9DFF316EC}" type="slidenum">
               <a:rPr lang="ko-KR" altLang="en-US" smtClean="0"/>
-              <a:t>8</a:t>
+              <a:t>7</a:t>
             </a:fld>
             <a:endParaRPr lang="ko-KR" altLang="en-US"/>
           </a:p>
@@ -6191,7 +7036,7 @@
     </p:spTree>
     <p:extLst>
       <p:ext uri="{BB962C8B-B14F-4D97-AF65-F5344CB8AC3E}">
-        <p14:creationId xmlns:p14="http://schemas.microsoft.com/office/powerpoint/2010/main" val="3159075952"/>
+        <p14:creationId xmlns:p14="http://schemas.microsoft.com/office/powerpoint/2010/main" val="2395605814"/>
       </p:ext>
     </p:extLst>
   </p:cSld>
@@ -6247,460 +7092,39 @@
           <a:p>
             <a:r>
               <a:rPr lang="ko-KR" altLang="en-US" dirty="0" smtClean="0"/>
-              <a:t>기술 선정</a:t>
-            </a:r>
-            <a:r>
-              <a:rPr lang="ko-KR" altLang="en-US" baseline="0" dirty="0" smtClean="0"/>
-              <a:t> 이유</a:t>
-            </a:r>
-            <a:endParaRPr lang="en-US" altLang="ko-KR" baseline="0" dirty="0" smtClean="0"/>
-          </a:p>
-          <a:p>
-            <a:pPr marL="171450" indent="-171450">
-              <a:buFontTx/>
-              <a:buChar char="-"/>
-            </a:pPr>
-            <a:r>
-              <a:rPr lang="en-US" altLang="ko-KR" baseline="0" dirty="0" err="1" smtClean="0"/>
-              <a:t>Oracel</a:t>
-            </a:r>
-            <a:r>
-              <a:rPr lang="en-US" altLang="ko-KR" baseline="0" dirty="0" smtClean="0"/>
-              <a:t> </a:t>
-            </a:r>
-            <a:r>
-              <a:rPr lang="ko-KR" altLang="en-US" baseline="0" dirty="0" smtClean="0"/>
-              <a:t>설정 이까다롭다고 정해준 부분 </a:t>
-            </a:r>
-            <a:r>
-              <a:rPr lang="en-US" altLang="ko-KR" baseline="0" dirty="0" err="1" smtClean="0"/>
-              <a:t>Mysql</a:t>
-            </a:r>
-            <a:r>
-              <a:rPr lang="en-US" altLang="ko-KR" baseline="0" dirty="0" smtClean="0"/>
-              <a:t> </a:t>
-            </a:r>
-            <a:r>
-              <a:rPr lang="ko-KR" altLang="en-US" baseline="0" dirty="0" smtClean="0"/>
-              <a:t>가장 </a:t>
-            </a:r>
-            <a:r>
-              <a:rPr lang="ko-KR" altLang="en-US" baseline="0" dirty="0" err="1" smtClean="0"/>
-              <a:t>최신버젼</a:t>
-            </a:r>
-            <a:r>
-              <a:rPr lang="ko-KR" altLang="en-US" baseline="0" dirty="0" smtClean="0"/>
-              <a:t> </a:t>
-            </a:r>
-            <a:r>
-              <a:rPr lang="en-US" altLang="ko-KR" baseline="0" dirty="0" smtClean="0"/>
-              <a:t>stable </a:t>
-            </a:r>
-            <a:r>
-              <a:rPr lang="ko-KR" altLang="en-US" baseline="0" dirty="0" smtClean="0"/>
-              <a:t>하다고 판단 </a:t>
-            </a:r>
-            <a:r>
-              <a:rPr lang="en-US" altLang="ko-KR" baseline="0" dirty="0" smtClean="0"/>
-              <a:t>h2 </a:t>
-            </a:r>
-            <a:r>
-              <a:rPr lang="ko-KR" altLang="en-US" baseline="0" dirty="0" smtClean="0"/>
-              <a:t>따론 다른 </a:t>
-            </a:r>
-            <a:r>
-              <a:rPr lang="en-US" altLang="ko-KR" baseline="0" dirty="0" err="1" smtClean="0"/>
-              <a:t>db</a:t>
-            </a:r>
-            <a:r>
-              <a:rPr lang="ko-KR" altLang="en-US" baseline="0" dirty="0" smtClean="0"/>
-              <a:t>를 사용하라고 말씀하지느 않아지만 테스를 독립ㅈ거으로 진해아기위해</a:t>
-            </a:r>
-            <a:endParaRPr lang="en-US" altLang="ko-KR" baseline="0" dirty="0" smtClean="0"/>
-          </a:p>
-          <a:p>
-            <a:pPr marL="171450" indent="-171450">
-              <a:buFontTx/>
-              <a:buChar char="-"/>
-            </a:pPr>
-            <a:r>
-              <a:rPr lang="en-US" altLang="ko-KR" baseline="0" dirty="0" smtClean="0"/>
-              <a:t>Front </a:t>
-            </a:r>
-            <a:r>
-              <a:rPr lang="ko-KR" altLang="en-US" baseline="0" dirty="0" smtClean="0"/>
-              <a:t>다양한 프레임웤가 있찜나 업무적응 위해 </a:t>
-            </a:r>
-            <a:r>
-              <a:rPr lang="en-US" altLang="ko-KR" baseline="0" dirty="0" err="1" smtClean="0"/>
-              <a:t>Veutify</a:t>
-            </a:r>
-            <a:r>
-              <a:rPr lang="en-US" altLang="ko-KR" baseline="0" dirty="0" smtClean="0"/>
-              <a:t> vs </a:t>
-            </a:r>
-            <a:r>
-              <a:rPr lang="en-US" altLang="ko-KR" baseline="0" dirty="0" err="1" smtClean="0"/>
-              <a:t>Vue</a:t>
-            </a:r>
-            <a:r>
-              <a:rPr lang="en-US" altLang="ko-KR" baseline="0" dirty="0" smtClean="0"/>
-              <a:t> element </a:t>
-            </a:r>
-            <a:r>
-              <a:rPr lang="en-US" altLang="ko-KR" baseline="0" dirty="0" err="1" smtClean="0"/>
-              <a:t>ui</a:t>
-            </a:r>
-            <a:r>
-              <a:rPr lang="en-US" altLang="ko-KR" baseline="0" dirty="0" smtClean="0"/>
-              <a:t> </a:t>
-            </a:r>
-            <a:r>
-              <a:rPr lang="ko-KR" altLang="en-US" baseline="0" dirty="0" smtClean="0"/>
-              <a:t>준수한 </a:t>
-            </a:r>
-            <a:r>
-              <a:rPr lang="en-US" altLang="ko-KR" baseline="0" dirty="0" smtClean="0"/>
-              <a:t>document </a:t>
-            </a:r>
-            <a:r>
-              <a:rPr lang="ko-KR" altLang="en-US" baseline="0" dirty="0" smtClean="0"/>
-              <a:t>다양한 </a:t>
-            </a:r>
-            <a:r>
-              <a:rPr lang="en-US" altLang="ko-KR" baseline="0" dirty="0" smtClean="0"/>
-              <a:t>component (timeline stepper </a:t>
-            </a:r>
-            <a:r>
-              <a:rPr lang="ko-KR" altLang="en-US" baseline="0" dirty="0" smtClean="0"/>
-              <a:t>등</a:t>
-            </a:r>
-            <a:r>
-              <a:rPr lang="en-US" altLang="ko-KR" baseline="0" dirty="0" smtClean="0"/>
-              <a:t>)</a:t>
-            </a:r>
-          </a:p>
-          <a:p>
-            <a:pPr marL="171450" indent="-171450">
-              <a:buFontTx/>
-              <a:buChar char="-"/>
-            </a:pPr>
-            <a:r>
-              <a:rPr lang="ko-KR" altLang="en-US" dirty="0" err="1" smtClean="0"/>
-              <a:t>스피링</a:t>
-            </a:r>
+              <a:t>첫번쨰 주와 그전주 에는 </a:t>
+            </a:r>
+            <a:endParaRPr lang="en-US" altLang="ko-KR" dirty="0" smtClean="0"/>
+          </a:p>
+          <a:p>
             <a:r>
               <a:rPr lang="ko-KR" altLang="en-US" dirty="0" smtClean="0"/>
-              <a:t> 부트 </a:t>
+              <a:t>좀 다른 주제를 할까 했다가 정말 해보고 싶고 재미있을거 가타아서 시작하였습니다</a:t>
             </a:r>
             <a:r>
               <a:rPr lang="en-US" altLang="ko-KR" dirty="0" smtClean="0"/>
-              <a:t>:</a:t>
-            </a:r>
-            <a:r>
-              <a:rPr lang="en-US" altLang="ko-KR" baseline="0" dirty="0" smtClean="0"/>
-              <a:t> python </a:t>
-            </a:r>
-            <a:r>
-              <a:rPr lang="ko-KR" altLang="en-US" baseline="0" dirty="0" smtClean="0"/>
-              <a:t>이나 른 언어보다 자바에 경험이있고 </a:t>
-            </a:r>
-            <a:r>
-              <a:rPr lang="en-US" altLang="ko-KR" baseline="0" dirty="0" err="1" smtClean="0"/>
-              <a:t>springmvc</a:t>
-            </a:r>
-            <a:r>
-              <a:rPr lang="ko-KR" altLang="en-US" baseline="0" dirty="0" smtClean="0"/>
-              <a:t>보다 설정이 간편한 부트 설정당시 최신은 </a:t>
-            </a:r>
-            <a:r>
-              <a:rPr lang="en-US" altLang="ko-KR" baseline="0" dirty="0" smtClean="0"/>
-              <a:t>(2.1.7)</a:t>
-            </a:r>
-            <a:r>
-              <a:rPr lang="ko-KR" altLang="en-US" baseline="0" dirty="0" smtClean="0"/>
-              <a:t>이나 </a:t>
-            </a:r>
-            <a:r>
-              <a:rPr lang="ko-KR" altLang="en-US" baseline="0" dirty="0" err="1" smtClean="0"/>
-              <a:t>출시된지</a:t>
-            </a:r>
-            <a:r>
-              <a:rPr lang="ko-KR" altLang="en-US" baseline="0" dirty="0" smtClean="0"/>
-              <a:t> 하루밖에 </a:t>
-            </a:r>
-            <a:r>
-              <a:rPr lang="ko-KR" altLang="en-US" baseline="0" dirty="0" err="1" smtClean="0"/>
-              <a:t>안되서</a:t>
-            </a:r>
-            <a:r>
-              <a:rPr lang="ko-KR" altLang="en-US" baseline="0" dirty="0" smtClean="0"/>
-              <a:t> 가장 안정화된 </a:t>
-            </a:r>
-            <a:r>
-              <a:rPr lang="ko-KR" altLang="en-US" baseline="0" dirty="0" err="1" smtClean="0"/>
-              <a:t>최신버젼</a:t>
-            </a:r>
-            <a:r>
-              <a:rPr lang="ko-KR" altLang="en-US" baseline="0" dirty="0" smtClean="0"/>
-              <a:t> 현재</a:t>
-            </a:r>
-            <a:r>
-              <a:rPr lang="en-US" altLang="ko-KR" baseline="0" dirty="0" smtClean="0"/>
-              <a:t>(2.1.9)</a:t>
-            </a:r>
-          </a:p>
-          <a:p>
-            <a:pPr marL="171450" indent="-171450">
-              <a:buFontTx/>
-              <a:buChar char="-"/>
-            </a:pPr>
-            <a:r>
-              <a:rPr lang="en-US" altLang="ko-KR" baseline="0" dirty="0" err="1" smtClean="0"/>
-              <a:t>Gradle</a:t>
-            </a:r>
-            <a:r>
-              <a:rPr lang="en-US" altLang="ko-KR" baseline="0" dirty="0" smtClean="0"/>
-              <a:t>-maven</a:t>
-            </a:r>
-            <a:r>
-              <a:rPr lang="ko-KR" altLang="en-US" baseline="0" dirty="0" smtClean="0"/>
-              <a:t>과 </a:t>
-            </a:r>
-            <a:r>
-              <a:rPr lang="ko-KR" altLang="en-US" baseline="0" dirty="0" err="1" smtClean="0"/>
-              <a:t>비교해빠른</a:t>
-            </a:r>
-            <a:r>
-              <a:rPr lang="ko-KR" altLang="en-US" baseline="0" dirty="0" smtClean="0"/>
-              <a:t> </a:t>
-            </a:r>
-            <a:r>
-              <a:rPr lang="ko-KR" altLang="en-US" baseline="0" dirty="0" err="1" smtClean="0"/>
-              <a:t>빌드</a:t>
-            </a:r>
-            <a:r>
-              <a:rPr lang="ko-KR" altLang="en-US" baseline="0" dirty="0" smtClean="0"/>
-              <a:t> 속도 </a:t>
-            </a:r>
-            <a:r>
-              <a:rPr lang="en-US" altLang="ko-KR" baseline="0" dirty="0" err="1" smtClean="0"/>
-              <a:t>intellij</a:t>
-            </a:r>
-            <a:r>
-              <a:rPr lang="en-US" altLang="ko-KR" baseline="0" dirty="0" smtClean="0"/>
-              <a:t> </a:t>
-            </a:r>
-            <a:r>
-              <a:rPr lang="ko-KR" altLang="en-US" baseline="0" dirty="0" smtClean="0"/>
-              <a:t>와 좋은 연계</a:t>
-            </a:r>
-            <a:endParaRPr lang="en-US" altLang="ko-KR" baseline="0" dirty="0" smtClean="0"/>
-          </a:p>
-          <a:p>
-            <a:pPr marL="171450" indent="-171450">
-              <a:buFontTx/>
-              <a:buChar char="-"/>
-            </a:pPr>
+              <a:t>.</a:t>
+            </a:r>
+          </a:p>
+          <a:p>
             <a:r>
               <a:rPr lang="ko-KR" altLang="en-US" dirty="0" smtClean="0"/>
-              <a:t>프론트와 백엔드를 다르게 쓴이융느 </a:t>
-            </a:r>
-            <a:r>
-              <a:rPr lang="en-US" altLang="ko-KR" dirty="0" err="1" smtClean="0"/>
-              <a:t>intelli</a:t>
-            </a:r>
-            <a:r>
-              <a:rPr lang="en-US" altLang="ko-KR" baseline="0" dirty="0" err="1" smtClean="0"/>
-              <a:t>h</a:t>
-            </a:r>
-            <a:r>
-              <a:rPr lang="en-US" altLang="ko-KR" baseline="0" dirty="0" smtClean="0"/>
-              <a:t> </a:t>
-            </a:r>
-            <a:r>
-              <a:rPr lang="ko-KR" altLang="en-US" baseline="0" dirty="0" smtClean="0"/>
-              <a:t>무료버전이랑 </a:t>
-            </a:r>
-            <a:r>
-              <a:rPr lang="en-US" altLang="ko-KR" baseline="0" dirty="0" err="1" smtClean="0"/>
-              <a:t>webstrom</a:t>
-            </a:r>
-            <a:r>
-              <a:rPr lang="en-US" altLang="ko-KR" baseline="0" dirty="0" smtClean="0"/>
-              <a:t> plug</a:t>
-            </a:r>
-            <a:r>
-              <a:rPr lang="ko-KR" altLang="en-US" baseline="0" dirty="0" smtClean="0"/>
-              <a:t>인 지원이 안되서 </a:t>
-            </a:r>
-            <a:r>
-              <a:rPr lang="en-US" altLang="ko-KR" baseline="0" dirty="0" err="1" smtClean="0"/>
-              <a:t>javascript</a:t>
-            </a:r>
-            <a:r>
-              <a:rPr lang="en-US" altLang="ko-KR" baseline="0" dirty="0" smtClean="0"/>
-              <a:t> </a:t>
-            </a:r>
-            <a:r>
-              <a:rPr lang="ko-KR" altLang="en-US" baseline="0" dirty="0" smtClean="0"/>
-              <a:t>어플리케이션 제작에 불편함이있을거 같아 </a:t>
-            </a:r>
-            <a:r>
-              <a:rPr lang="en-US" altLang="ko-KR" baseline="0" dirty="0" smtClean="0"/>
-              <a:t>front </a:t>
-            </a:r>
-            <a:r>
-              <a:rPr lang="ko-KR" altLang="en-US" baseline="0" dirty="0" smtClean="0"/>
-              <a:t>는 </a:t>
-            </a:r>
-            <a:r>
-              <a:rPr lang="en-US" altLang="ko-KR" baseline="0" dirty="0" smtClean="0"/>
-              <a:t>vs code</a:t>
-            </a:r>
-            <a:r>
-              <a:rPr lang="ko-KR" altLang="en-US" baseline="0" dirty="0" smtClean="0"/>
-              <a:t>로 진행</a:t>
-            </a:r>
-            <a:r>
-              <a:rPr lang="en-US" altLang="ko-KR" baseline="0" dirty="0" smtClean="0"/>
-              <a:t>(</a:t>
-            </a:r>
-            <a:r>
-              <a:rPr lang="en-US" altLang="ko-KR" baseline="0" dirty="0" err="1" smtClean="0"/>
-              <a:t>vetur</a:t>
-            </a:r>
-            <a:r>
-              <a:rPr lang="en-US" altLang="ko-KR" baseline="0" dirty="0" smtClean="0"/>
-              <a:t> </a:t>
-            </a:r>
-            <a:r>
-              <a:rPr lang="ko-KR" altLang="en-US" baseline="0" dirty="0" smtClean="0"/>
-              <a:t>ㅍ</a:t>
-            </a:r>
-            <a:r>
-              <a:rPr lang="en-US" altLang="ko-KR" baseline="0" dirty="0" err="1" smtClean="0"/>
-              <a:t>vue</a:t>
-            </a:r>
-            <a:r>
-              <a:rPr lang="en-US" altLang="ko-KR" baseline="0" dirty="0" smtClean="0"/>
-              <a:t> </a:t>
-            </a:r>
-            <a:r>
-              <a:rPr lang="ko-KR" altLang="en-US" baseline="0" dirty="0" smtClean="0"/>
-              <a:t>전용 플러그인사용</a:t>
-            </a:r>
-            <a:r>
-              <a:rPr lang="en-US" altLang="ko-KR" baseline="0" dirty="0" smtClean="0"/>
-              <a:t>)</a:t>
+              <a:t>자리 배치 프로글매을 통해서 제공하려햇던 기능들은</a:t>
             </a:r>
             <a:endParaRPr lang="en-US" altLang="ko-KR" dirty="0" smtClean="0"/>
           </a:p>
           <a:p>
-            <a:pPr marL="171450" indent="-171450">
-              <a:buFontTx/>
-              <a:buChar char="-"/>
-            </a:pPr>
+            <a:r>
+              <a:rPr lang="ko-KR" altLang="en-US" dirty="0" smtClean="0"/>
+              <a:t>바향을 ㅗ기획하였습니다</a:t>
+            </a:r>
             <a:r>
               <a:rPr lang="en-US" altLang="ko-KR" dirty="0" smtClean="0"/>
-              <a:t>Spring</a:t>
-            </a:r>
-            <a:r>
-              <a:rPr lang="en-US" altLang="ko-KR" baseline="0" dirty="0" smtClean="0"/>
-              <a:t> boot 2.1 </a:t>
-            </a:r>
-            <a:r>
-              <a:rPr lang="ko-KR" altLang="en-US" baseline="0" dirty="0" smtClean="0"/>
-              <a:t>가장 좋은게 </a:t>
-            </a:r>
-            <a:r>
-              <a:rPr lang="en-US" altLang="ko-KR" baseline="0" dirty="0" err="1" smtClean="0"/>
-              <a:t>jdk</a:t>
-            </a:r>
-            <a:r>
-              <a:rPr lang="en-US" altLang="ko-KR" baseline="0" dirty="0" smtClean="0"/>
-              <a:t> 11 jdk12</a:t>
-            </a:r>
-            <a:r>
-              <a:rPr lang="ko-KR" altLang="en-US" baseline="0" dirty="0" smtClean="0"/>
-              <a:t>는 </a:t>
-            </a:r>
-            <a:r>
-              <a:rPr lang="en-US" altLang="ko-KR" baseline="0" dirty="0" smtClean="0"/>
-              <a:t>spirng2.2 </a:t>
-            </a:r>
-            <a:r>
-              <a:rPr lang="ko-KR" altLang="en-US" baseline="0" dirty="0" smtClean="0"/>
-              <a:t>공식적을 </a:t>
-            </a:r>
-            <a:r>
-              <a:rPr lang="en-US" altLang="ko-KR" baseline="0" dirty="0" smtClean="0"/>
-              <a:t>support </a:t>
-            </a:r>
-            <a:r>
-              <a:rPr lang="ko-KR" altLang="en-US" baseline="0" dirty="0" smtClean="0"/>
-              <a:t>하지만 </a:t>
-            </a:r>
-            <a:r>
-              <a:rPr lang="en-US" altLang="ko-KR" baseline="0" dirty="0" smtClean="0"/>
-              <a:t>spring 5.1 </a:t>
-            </a:r>
-            <a:r>
-              <a:rPr lang="ko-KR" altLang="en-US" baseline="0" dirty="0" smtClean="0"/>
-              <a:t>부터는 지원함으로 사용은 가능할듯</a:t>
-            </a:r>
-            <a:endParaRPr lang="en-US" altLang="ko-KR" baseline="0" dirty="0" smtClean="0"/>
-          </a:p>
-          <a:p>
-            <a:pPr marL="171450" indent="-171450">
-              <a:buFontTx/>
-              <a:buChar char="-"/>
-            </a:pPr>
-            <a:r>
-              <a:rPr lang="en-US" altLang="ko-KR" baseline="0" dirty="0" err="1" smtClean="0"/>
-              <a:t>Jdk</a:t>
-            </a:r>
-            <a:r>
-              <a:rPr lang="en-US" altLang="ko-KR" baseline="0" dirty="0" smtClean="0"/>
-              <a:t> </a:t>
-            </a:r>
-            <a:r>
-              <a:rPr lang="ko-KR" altLang="en-US" baseline="0" dirty="0" smtClean="0"/>
-              <a:t>선정 이유는 초기에 다른 프로젝트르 진행하려다 </a:t>
-            </a:r>
-            <a:r>
-              <a:rPr lang="en-US" altLang="ko-KR" baseline="0" dirty="0" smtClean="0"/>
-              <a:t> </a:t>
-            </a:r>
-            <a:r>
-              <a:rPr lang="ko-KR" altLang="en-US" baseline="0" dirty="0" smtClean="0"/>
-              <a:t>문서검색에진인 </a:t>
-            </a:r>
-            <a:r>
-              <a:rPr lang="en-US" altLang="ko-KR" baseline="0" dirty="0" err="1" smtClean="0"/>
-              <a:t>solr</a:t>
-            </a:r>
-            <a:r>
-              <a:rPr lang="en-US" altLang="ko-KR" baseline="0" dirty="0" smtClean="0"/>
-              <a:t> </a:t>
-            </a:r>
-            <a:r>
-              <a:rPr lang="ko-KR" altLang="en-US" baseline="0" dirty="0" smtClean="0"/>
-              <a:t>호환성문제로 </a:t>
-            </a:r>
-            <a:r>
-              <a:rPr lang="en-US" altLang="ko-KR" baseline="0" dirty="0" smtClean="0"/>
-              <a:t>10</a:t>
-            </a:r>
-            <a:r>
-              <a:rPr lang="ko-KR" altLang="en-US" baseline="0" dirty="0" smtClean="0"/>
-              <a:t>버젼으로 교체후 그냥 진행하엿다</a:t>
-            </a:r>
-            <a:r>
-              <a:rPr lang="en-US" altLang="ko-KR" baseline="0" dirty="0" smtClean="0"/>
               <a:t>.</a:t>
             </a:r>
-            <a:endParaRPr lang="en-US" altLang="ko-KR" dirty="0" smtClean="0"/>
+          </a:p>
+          <a:p>
+            <a:endParaRPr lang="ko-KR" altLang="en-US" dirty="0"/>
           </a:p>
         </p:txBody>
       </p:sp>
@@ -6721,7 +7145,7 @@
           <a:p>
             <a:fld id="{AD4EE2DB-E76A-4EC0-BB3C-86A9DFF316EC}" type="slidenum">
               <a:rPr lang="ko-KR" altLang="en-US" smtClean="0"/>
-              <a:t>9</a:t>
+              <a:t>8</a:t>
             </a:fld>
             <a:endParaRPr lang="ko-KR" altLang="en-US"/>
           </a:p>
@@ -6730,7 +7154,7 @@
     </p:spTree>
     <p:extLst>
       <p:ext uri="{BB962C8B-B14F-4D97-AF65-F5344CB8AC3E}">
-        <p14:creationId xmlns:p14="http://schemas.microsoft.com/office/powerpoint/2010/main" val="1151881054"/>
+        <p14:creationId xmlns:p14="http://schemas.microsoft.com/office/powerpoint/2010/main" val="3159075952"/>
       </p:ext>
     </p:extLst>
   </p:cSld>
@@ -6785,16 +7209,12 @@
           <a:lstStyle/>
           <a:p>
             <a:r>
-              <a:rPr lang="en-US" altLang="ko-KR" dirty="0" err="1" smtClean="0"/>
-              <a:t>Erd</a:t>
-            </a:r>
-            <a:r>
-              <a:rPr lang="en-US" altLang="ko-KR" baseline="0" dirty="0" smtClean="0"/>
-              <a:t> </a:t>
+              <a:rPr lang="ko-KR" altLang="en-US" dirty="0" smtClean="0"/>
+              <a:t>기술 선정</a:t>
             </a:r>
             <a:r>
               <a:rPr lang="ko-KR" altLang="en-US" baseline="0" dirty="0" smtClean="0"/>
-              <a:t>간단 설명</a:t>
+              <a:t> 이유</a:t>
             </a:r>
             <a:endParaRPr lang="en-US" altLang="ko-KR" baseline="0" dirty="0" smtClean="0"/>
           </a:p>
@@ -6805,7 +7225,7 @@
             </a:pPr>
             <a:r>
               <a:rPr lang="en-US" altLang="ko-KR" baseline="0" dirty="0" err="1" smtClean="0"/>
-              <a:t>Erd</a:t>
+              <a:t>Oracel</a:t>
             </a:r>
             <a:r>
               <a:rPr lang="en-US" altLang="ko-KR" baseline="0" dirty="0" smtClean="0"/>
@@ -6813,20 +7233,53 @@
             </a:r>
             <a:r>
               <a:rPr lang="ko-KR" altLang="en-US" baseline="0" dirty="0" smtClean="0"/>
-              <a:t>경우도 처음에 계획햇던거에서 서비스를 구체적으로 구현하고 </a:t>
+              <a:t>설정 이까다롭다고 정해준 부분 </a:t>
             </a:r>
             <a:r>
               <a:rPr lang="en-US" altLang="ko-KR" baseline="0" dirty="0" err="1" smtClean="0"/>
-              <a:t>jpa</a:t>
+              <a:t>Mysql</a:t>
+            </a:r>
+            <a:r>
+              <a:rPr lang="en-US" altLang="ko-KR" baseline="0" dirty="0" smtClean="0"/>
+              <a:t> </a:t>
             </a:r>
             <a:r>
               <a:rPr lang="ko-KR" altLang="en-US" baseline="0" dirty="0" smtClean="0"/>
-              <a:t>를 도입하면서 조금씩 수정해 갔다</a:t>
+              <a:t>가장 </a:t>
+            </a:r>
+            <a:r>
+              <a:rPr lang="ko-KR" altLang="en-US" baseline="0" dirty="0" err="1" smtClean="0"/>
+              <a:t>최신버젼</a:t>
+            </a:r>
+            <a:r>
+              <a:rPr lang="ko-KR" altLang="en-US" baseline="0" dirty="0" smtClean="0"/>
+              <a:t> </a:t>
             </a:r>
             <a:r>
               <a:rPr lang="en-US" altLang="ko-KR" baseline="0" dirty="0" smtClean="0"/>
-              <a:t>.</a:t>
-            </a:r>
+              <a:t>stable </a:t>
+            </a:r>
+            <a:r>
+              <a:rPr lang="ko-KR" altLang="en-US" baseline="0" dirty="0" smtClean="0"/>
+              <a:t>하다고 판단 </a:t>
+            </a:r>
+            <a:r>
+              <a:rPr lang="en-US" altLang="ko-KR" baseline="0" dirty="0" smtClean="0"/>
+              <a:t>h2 </a:t>
+            </a:r>
+            <a:r>
+              <a:rPr lang="ko-KR" altLang="en-US" baseline="0" dirty="0" smtClean="0"/>
+              <a:t>따론 다른 </a:t>
+            </a:r>
+            <a:r>
+              <a:rPr lang="en-US" altLang="ko-KR" baseline="0" dirty="0" err="1" smtClean="0"/>
+              <a:t>db</a:t>
+            </a:r>
+            <a:r>
+              <a:rPr lang="ko-KR" altLang="en-US" baseline="0" dirty="0" smtClean="0"/>
+              <a:t>를 사용하라고 말씀하지느 않아지만 테스를 독립ㅈ거으로 진해아기위해</a:t>
+            </a:r>
+            <a:endParaRPr lang="en-US" altLang="ko-KR" baseline="0" dirty="0" smtClean="0"/>
           </a:p>
           <a:p>
             <a:pPr marL="171450" indent="-171450">
@@ -6834,16 +7287,32 @@
               <a:buChar char="-"/>
             </a:pPr>
             <a:r>
+              <a:rPr lang="en-US" altLang="ko-KR" baseline="0" dirty="0" smtClean="0"/>
+              <a:t>Front </a:t>
+            </a:r>
+            <a:r>
+              <a:rPr lang="ko-KR" altLang="en-US" baseline="0" dirty="0" smtClean="0"/>
+              <a:t>다양한 프레임웤가 있찜나 업무적응 위해 </a:t>
+            </a:r>
+            <a:r>
               <a:rPr lang="en-US" altLang="ko-KR" baseline="0" dirty="0" err="1" smtClean="0"/>
-              <a:t>Mysql</a:t>
+              <a:t>Veutify</a:t>
             </a:r>
             <a:r>
               <a:rPr lang="en-US" altLang="ko-KR" baseline="0" dirty="0" smtClean="0"/>
-              <a:t> naming </a:t>
+              <a:t> vs </a:t>
             </a:r>
             <a:r>
               <a:rPr lang="en-US" altLang="ko-KR" baseline="0" dirty="0" err="1" smtClean="0"/>
-              <a:t>convetion</a:t>
+              <a:t>Vue</a:t>
+            </a:r>
+            <a:r>
+              <a:rPr lang="en-US" altLang="ko-KR" baseline="0" dirty="0" smtClean="0"/>
+              <a:t> element </a:t>
+            </a:r>
+            <a:r>
+              <a:rPr lang="en-US" altLang="ko-KR" baseline="0" dirty="0" err="1" smtClean="0"/>
+              <a:t>ui</a:t>
             </a:r>
             <a:r>
               <a:rPr lang="en-US" altLang="ko-KR" baseline="0" dirty="0" smtClean="0"/>
@@ -6851,11 +7320,27 @@
             </a:r>
             <a:r>
               <a:rPr lang="ko-KR" altLang="en-US" baseline="0" dirty="0" smtClean="0"/>
-              <a:t>을 지키려고 노력했습니다</a:t>
+              <a:t>준수한 </a:t>
             </a:r>
             <a:r>
               <a:rPr lang="en-US" altLang="ko-KR" baseline="0" dirty="0" smtClean="0"/>
-              <a:t>.</a:t>
+              <a:t>document </a:t>
+            </a:r>
+            <a:r>
+              <a:rPr lang="ko-KR" altLang="en-US" baseline="0" dirty="0" smtClean="0"/>
+              <a:t>다양한 </a:t>
+            </a:r>
+            <a:r>
+              <a:rPr lang="en-US" altLang="ko-KR" baseline="0" dirty="0" smtClean="0"/>
+              <a:t>component (timeline stepper </a:t>
+            </a:r>
+            <a:r>
+              <a:rPr lang="ko-KR" altLang="en-US" baseline="0" dirty="0" smtClean="0"/>
+              <a:t>등</a:t>
+            </a:r>
+            <a:r>
+              <a:rPr lang="en-US" altLang="ko-KR" baseline="0" dirty="0" smtClean="0"/>
+              <a:t>)</a:t>
             </a:r>
           </a:p>
           <a:p>
@@ -6864,14 +7349,69 @@
               <a:buChar char="-"/>
             </a:pPr>
             <a:r>
+              <a:rPr lang="ko-KR" altLang="en-US" dirty="0" err="1" smtClean="0"/>
+              <a:t>스피링</a:t>
+            </a:r>
+            <a:r>
+              <a:rPr lang="ko-KR" altLang="en-US" dirty="0" smtClean="0"/>
+              <a:t> 부트 </a:t>
+            </a:r>
+            <a:r>
+              <a:rPr lang="en-US" altLang="ko-KR" dirty="0" smtClean="0"/>
+              <a:t>:</a:t>
+            </a:r>
+            <a:r>
               <a:rPr lang="en-US" altLang="ko-KR" baseline="0" dirty="0" smtClean="0"/>
-              <a:t>3</a:t>
+              <a:t> python </a:t>
             </a:r>
             <a:r>
               <a:rPr lang="ko-KR" altLang="en-US" baseline="0" dirty="0" smtClean="0"/>
-              <a:t>차 정규화 까지 노력</a:t>
-            </a:r>
-            <a:endParaRPr lang="en-US" altLang="ko-KR" baseline="0" dirty="0" smtClean="0"/>
+              <a:t>이나 른 언어보다 자바에 경험이있고 </a:t>
+            </a:r>
+            <a:r>
+              <a:rPr lang="en-US" altLang="ko-KR" baseline="0" dirty="0" err="1" smtClean="0"/>
+              <a:t>springmvc</a:t>
+            </a:r>
+            <a:r>
+              <a:rPr lang="ko-KR" altLang="en-US" baseline="0" dirty="0" smtClean="0"/>
+              <a:t>보다 설정이 간편한 부트 설정당시 최신은 </a:t>
+            </a:r>
+            <a:r>
+              <a:rPr lang="en-US" altLang="ko-KR" baseline="0" dirty="0" smtClean="0"/>
+              <a:t>(2.1.7)</a:t>
+            </a:r>
+            <a:r>
+              <a:rPr lang="ko-KR" altLang="en-US" baseline="0" dirty="0" smtClean="0"/>
+              <a:t>이나 </a:t>
+            </a:r>
+            <a:r>
+              <a:rPr lang="ko-KR" altLang="en-US" baseline="0" dirty="0" err="1" smtClean="0"/>
+              <a:t>출시된지</a:t>
+            </a:r>
+            <a:r>
+              <a:rPr lang="ko-KR" altLang="en-US" baseline="0" dirty="0" smtClean="0"/>
+              <a:t> 하루밖에 </a:t>
+            </a:r>
+            <a:r>
+              <a:rPr lang="ko-KR" altLang="en-US" baseline="0" dirty="0" err="1" smtClean="0"/>
+              <a:t>안되서</a:t>
+            </a:r>
+            <a:r>
+              <a:rPr lang="ko-KR" altLang="en-US" baseline="0" dirty="0" smtClean="0"/>
+              <a:t> 가장 안정화된 </a:t>
+            </a:r>
+            <a:r>
+              <a:rPr lang="ko-KR" altLang="en-US" baseline="0" dirty="0" err="1" smtClean="0"/>
+              <a:t>최신버젼</a:t>
+            </a:r>
+            <a:r>
+              <a:rPr lang="ko-KR" altLang="en-US" baseline="0" dirty="0" smtClean="0"/>
+              <a:t> 현재</a:t>
+            </a:r>
+            <a:r>
+              <a:rPr lang="en-US" altLang="ko-KR" baseline="0" dirty="0" smtClean="0"/>
+              <a:t>(2.1.9)</a:t>
+            </a:r>
           </a:p>
           <a:p>
             <a:pPr marL="171450" indent="-171450">
@@ -6879,668 +7419,250 @@
               <a:buChar char="-"/>
             </a:pPr>
             <a:r>
+              <a:rPr lang="en-US" altLang="ko-KR" baseline="0" dirty="0" err="1" smtClean="0"/>
+              <a:t>Gradle</a:t>
+            </a:r>
+            <a:r>
               <a:rPr lang="en-US" altLang="ko-KR" baseline="0" dirty="0" smtClean="0"/>
-              <a:t>1</a:t>
+              <a:t>-maven</a:t>
             </a:r>
             <a:r>
               <a:rPr lang="ko-KR" altLang="en-US" baseline="0" dirty="0" smtClean="0"/>
-              <a:t>차 정규화란</a:t>
-            </a:r>
-            <a:r>
-              <a:rPr lang="en-US" altLang="ko-KR" baseline="0" dirty="0" smtClean="0"/>
-              <a:t>- </a:t>
+              <a:t>과 </a:t>
+            </a:r>
+            <a:r>
+              <a:rPr lang="ko-KR" altLang="en-US" baseline="0" dirty="0" err="1" smtClean="0"/>
+              <a:t>비교해빠른</a:t>
             </a:r>
             <a:r>
               <a:rPr lang="ko-KR" altLang="en-US" baseline="0" dirty="0" smtClean="0"/>
               <a:t> </a:t>
             </a:r>
             <a:r>
-              <a:rPr lang="ko-KR" altLang="en-US" sz="1200" b="0" i="0" kern="1200" dirty="0" smtClean="0">
-                <a:solidFill>
-                  <a:schemeClr val="tx1"/>
-                </a:solidFill>
-                <a:effectLst/>
-                <a:latin typeface="+mn-lt"/>
-                <a:ea typeface="+mn-ea"/>
-                <a:cs typeface="+mn-cs"/>
-              </a:rPr>
-              <a:t>로우마다 컬럼의 값이 </a:t>
-            </a:r>
-            <a:r>
-              <a:rPr lang="en-US" altLang="ko-KR" sz="1200" b="0" i="0" kern="1200" dirty="0" smtClean="0">
-                <a:solidFill>
-                  <a:schemeClr val="tx1"/>
-                </a:solidFill>
-                <a:effectLst/>
-                <a:latin typeface="+mn-lt"/>
-                <a:ea typeface="+mn-ea"/>
-                <a:cs typeface="+mn-cs"/>
-              </a:rPr>
-              <a:t>1</a:t>
-            </a:r>
-            <a:r>
-              <a:rPr lang="ko-KR" altLang="en-US" sz="1200" b="0" i="0" kern="1200" dirty="0" smtClean="0">
-                <a:solidFill>
-                  <a:schemeClr val="tx1"/>
-                </a:solidFill>
-                <a:effectLst/>
-                <a:latin typeface="+mn-lt"/>
-                <a:ea typeface="+mn-ea"/>
-                <a:cs typeface="+mn-cs"/>
-              </a:rPr>
-              <a:t>개씩만 있어야 합니다</a:t>
-            </a:r>
-            <a:r>
-              <a:rPr lang="en-US" altLang="ko-KR" sz="1200" b="0" i="0" kern="1200" dirty="0" smtClean="0">
-                <a:solidFill>
-                  <a:schemeClr val="tx1"/>
-                </a:solidFill>
-                <a:effectLst/>
-                <a:latin typeface="+mn-lt"/>
-                <a:ea typeface="+mn-ea"/>
-                <a:cs typeface="+mn-cs"/>
-              </a:rPr>
-              <a:t>. </a:t>
-            </a:r>
-            <a:r>
-              <a:rPr lang="ko-KR" altLang="en-US" sz="1200" b="0" i="0" kern="1200" dirty="0" smtClean="0">
-                <a:solidFill>
-                  <a:schemeClr val="tx1"/>
-                </a:solidFill>
-                <a:effectLst/>
-                <a:latin typeface="+mn-lt"/>
-                <a:ea typeface="+mn-ea"/>
-                <a:cs typeface="+mn-cs"/>
-              </a:rPr>
-              <a:t>이를 컬럼이 </a:t>
-            </a:r>
-            <a:r>
-              <a:rPr lang="ko-KR" altLang="en-US" sz="1200" b="1" i="0" kern="1200" dirty="0" smtClean="0">
-                <a:solidFill>
-                  <a:schemeClr val="tx1"/>
-                </a:solidFill>
-                <a:effectLst/>
-                <a:latin typeface="+mn-lt"/>
-                <a:ea typeface="+mn-ea"/>
-                <a:cs typeface="+mn-cs"/>
-              </a:rPr>
-              <a:t>원자값</a:t>
-            </a:r>
-            <a:r>
-              <a:rPr lang="en-US" altLang="ko-KR" sz="1200" b="0" i="0" kern="1200" dirty="0" smtClean="0">
-                <a:solidFill>
-                  <a:schemeClr val="tx1"/>
-                </a:solidFill>
-                <a:effectLst/>
-                <a:latin typeface="+mn-lt"/>
-                <a:ea typeface="+mn-ea"/>
-                <a:cs typeface="+mn-cs"/>
-              </a:rPr>
-              <a:t>(Atomic Value)</a:t>
-            </a:r>
-            <a:r>
-              <a:rPr lang="ko-KR" altLang="en-US" sz="1200" b="0" i="0" kern="1200" dirty="0" smtClean="0">
-                <a:solidFill>
-                  <a:schemeClr val="tx1"/>
-                </a:solidFill>
-                <a:effectLst/>
-                <a:latin typeface="+mn-lt"/>
-                <a:ea typeface="+mn-ea"/>
-                <a:cs typeface="+mn-cs"/>
-              </a:rPr>
-              <a:t>를 갖는다고 합니다</a:t>
-            </a:r>
+              <a:rPr lang="ko-KR" altLang="en-US" baseline="0" dirty="0" err="1" smtClean="0"/>
+              <a:t>빌드</a:t>
+            </a:r>
+            <a:r>
+              <a:rPr lang="ko-KR" altLang="en-US" baseline="0" dirty="0" smtClean="0"/>
+              <a:t> 속도 </a:t>
+            </a:r>
+            <a:r>
+              <a:rPr lang="en-US" altLang="ko-KR" baseline="0" dirty="0" err="1" smtClean="0"/>
+              <a:t>intellij</a:t>
+            </a:r>
+            <a:r>
+              <a:rPr lang="en-US" altLang="ko-KR" baseline="0" dirty="0" smtClean="0"/>
+              <a:t> </a:t>
+            </a:r>
+            <a:r>
+              <a:rPr lang="ko-KR" altLang="en-US" baseline="0" dirty="0" smtClean="0"/>
+              <a:t>와 좋은 연계</a:t>
+            </a:r>
+            <a:endParaRPr lang="en-US" altLang="ko-KR" baseline="0" dirty="0" smtClean="0"/>
+          </a:p>
+          <a:p>
+            <a:pPr marL="171450" indent="-171450">
+              <a:buFontTx/>
+              <a:buChar char="-"/>
+            </a:pPr>
             <a:r>
               <a:rPr lang="ko-KR" altLang="en-US" dirty="0" smtClean="0"/>
-              <a:t/>
-            </a:r>
-            <a:br>
-              <a:rPr lang="ko-KR" altLang="en-US" dirty="0" smtClean="0"/>
-            </a:br>
+              <a:t>프론트와 백엔드를 다르게 쓴이융느 </a:t>
+            </a:r>
+            <a:r>
+              <a:rPr lang="en-US" altLang="ko-KR" dirty="0" err="1" smtClean="0"/>
+              <a:t>intelli</a:t>
+            </a:r>
+            <a:r>
+              <a:rPr lang="en-US" altLang="ko-KR" baseline="0" dirty="0" err="1" smtClean="0"/>
+              <a:t>h</a:t>
+            </a:r>
+            <a:r>
+              <a:rPr lang="en-US" altLang="ko-KR" baseline="0" dirty="0" smtClean="0"/>
+              <a:t> </a:t>
+            </a:r>
+            <a:r>
+              <a:rPr lang="ko-KR" altLang="en-US" baseline="0" dirty="0" smtClean="0"/>
+              <a:t>무료버전이랑 </a:t>
+            </a:r>
+            <a:r>
+              <a:rPr lang="en-US" altLang="ko-KR" baseline="0" dirty="0" err="1" smtClean="0"/>
+              <a:t>webstrom</a:t>
+            </a:r>
+            <a:r>
+              <a:rPr lang="en-US" altLang="ko-KR" baseline="0" dirty="0" smtClean="0"/>
+              <a:t> plug</a:t>
+            </a:r>
+            <a:r>
+              <a:rPr lang="ko-KR" altLang="en-US" baseline="0" dirty="0" smtClean="0"/>
+              <a:t>인 지원이 안되서 </a:t>
+            </a:r>
+            <a:r>
+              <a:rPr lang="en-US" altLang="ko-KR" baseline="0" dirty="0" err="1" smtClean="0"/>
+              <a:t>javascript</a:t>
+            </a:r>
+            <a:r>
+              <a:rPr lang="en-US" altLang="ko-KR" baseline="0" dirty="0" smtClean="0"/>
+              <a:t> </a:t>
+            </a:r>
+            <a:r>
+              <a:rPr lang="ko-KR" altLang="en-US" baseline="0" dirty="0" smtClean="0"/>
+              <a:t>어플리케이션 제작에 불편함이있을거 같아 </a:t>
+            </a:r>
+            <a:r>
+              <a:rPr lang="en-US" altLang="ko-KR" baseline="0" dirty="0" smtClean="0"/>
+              <a:t>front </a:t>
+            </a:r>
+            <a:r>
+              <a:rPr lang="ko-KR" altLang="en-US" baseline="0" dirty="0" smtClean="0"/>
+              <a:t>는 </a:t>
+            </a:r>
+            <a:r>
+              <a:rPr lang="en-US" altLang="ko-KR" baseline="0" dirty="0" smtClean="0"/>
+              <a:t>vs code</a:t>
+            </a:r>
+            <a:r>
+              <a:rPr lang="ko-KR" altLang="en-US" baseline="0" dirty="0" smtClean="0"/>
+              <a:t>로 진행</a:t>
+            </a:r>
+            <a:r>
+              <a:rPr lang="en-US" altLang="ko-KR" baseline="0" dirty="0" smtClean="0"/>
+              <a:t>(</a:t>
+            </a:r>
+            <a:r>
+              <a:rPr lang="en-US" altLang="ko-KR" baseline="0" dirty="0" err="1" smtClean="0"/>
+              <a:t>vetur</a:t>
+            </a:r>
+            <a:r>
+              <a:rPr lang="en-US" altLang="ko-KR" baseline="0" dirty="0" smtClean="0"/>
+              <a:t> </a:t>
+            </a:r>
+            <a:r>
+              <a:rPr lang="ko-KR" altLang="en-US" baseline="0" dirty="0" smtClean="0"/>
+              <a:t>ㅍ</a:t>
+            </a:r>
+            <a:r>
+              <a:rPr lang="en-US" altLang="ko-KR" baseline="0" dirty="0" err="1" smtClean="0"/>
+              <a:t>vue</a:t>
+            </a:r>
+            <a:r>
+              <a:rPr lang="en-US" altLang="ko-KR" baseline="0" dirty="0" smtClean="0"/>
+              <a:t> </a:t>
+            </a:r>
+            <a:r>
+              <a:rPr lang="ko-KR" altLang="en-US" baseline="0" dirty="0" smtClean="0"/>
+              <a:t>전용 플러그인사용</a:t>
+            </a:r>
+            <a:r>
+              <a:rPr lang="en-US" altLang="ko-KR" baseline="0" dirty="0" smtClean="0"/>
+              <a:t>)</a:t>
+            </a:r>
+            <a:endParaRPr lang="en-US" altLang="ko-KR" dirty="0" smtClean="0"/>
+          </a:p>
+          <a:p>
+            <a:pPr marL="171450" indent="-171450">
+              <a:buFontTx/>
+              <a:buChar char="-"/>
+            </a:pPr>
             <a:r>
               <a:rPr lang="en-US" altLang="ko-KR" dirty="0" smtClean="0"/>
-              <a:t>2</a:t>
-            </a:r>
-            <a:r>
-              <a:rPr lang="ko-KR" altLang="en-US" dirty="0" smtClean="0"/>
-              <a:t>차 정규화란</a:t>
-            </a:r>
-            <a:r>
-              <a:rPr lang="en-US" altLang="ko-KR" dirty="0" smtClean="0"/>
-              <a:t>- </a:t>
-            </a:r>
-            <a:r>
-              <a:rPr lang="ko-KR" altLang="en-US" sz="1200" b="0" i="0" kern="1200" dirty="0" smtClean="0">
-                <a:solidFill>
-                  <a:schemeClr val="tx1"/>
-                </a:solidFill>
-                <a:effectLst/>
-                <a:latin typeface="+mn-lt"/>
-                <a:ea typeface="+mn-ea"/>
-                <a:cs typeface="+mn-cs"/>
-              </a:rPr>
-              <a:t>기본키중에 특정 컬럼에만 종속된 컬럼</a:t>
-            </a:r>
-            <a:r>
-              <a:rPr lang="en-US" altLang="ko-KR" sz="1200" b="1" i="0" kern="1200" dirty="0" smtClean="0">
-                <a:solidFill>
-                  <a:schemeClr val="tx1"/>
-                </a:solidFill>
-                <a:effectLst/>
-                <a:latin typeface="+mn-lt"/>
-                <a:ea typeface="+mn-ea"/>
-                <a:cs typeface="+mn-cs"/>
-              </a:rPr>
-              <a:t>(</a:t>
-            </a:r>
-            <a:r>
-              <a:rPr lang="ko-KR" altLang="en-US" sz="1200" b="1" i="0" kern="1200" dirty="0" smtClean="0">
-                <a:solidFill>
-                  <a:schemeClr val="tx1"/>
-                </a:solidFill>
-                <a:effectLst/>
-                <a:latin typeface="+mn-lt"/>
-                <a:ea typeface="+mn-ea"/>
-                <a:cs typeface="+mn-cs"/>
-              </a:rPr>
-              <a:t>부분적 종속</a:t>
-            </a:r>
-            <a:r>
-              <a:rPr lang="en-US" altLang="ko-KR" sz="1200" b="1" i="0" kern="1200" dirty="0" smtClean="0">
-                <a:solidFill>
-                  <a:schemeClr val="tx1"/>
-                </a:solidFill>
-                <a:effectLst/>
-                <a:latin typeface="+mn-lt"/>
-                <a:ea typeface="+mn-ea"/>
-                <a:cs typeface="+mn-cs"/>
-              </a:rPr>
-              <a:t>)</a:t>
-            </a:r>
-            <a:r>
-              <a:rPr lang="ko-KR" altLang="en-US" sz="1200" b="1" i="0" kern="1200" dirty="0" smtClean="0">
-                <a:solidFill>
-                  <a:schemeClr val="tx1"/>
-                </a:solidFill>
-                <a:effectLst/>
-                <a:latin typeface="+mn-lt"/>
-                <a:ea typeface="+mn-ea"/>
-                <a:cs typeface="+mn-cs"/>
-              </a:rPr>
-              <a:t>이 없어야 한다</a:t>
-            </a:r>
-            <a:r>
-              <a:rPr lang="ko-KR" altLang="en-US" sz="1200" b="0" i="0" kern="1200" dirty="0" smtClean="0">
-                <a:solidFill>
-                  <a:schemeClr val="tx1"/>
-                </a:solidFill>
-                <a:effectLst/>
-                <a:latin typeface="+mn-lt"/>
-                <a:ea typeface="+mn-ea"/>
-                <a:cs typeface="+mn-cs"/>
-              </a:rPr>
-              <a:t>는 것입니다 모는 다른 컬럼은 기본키에 모두 종속저이ㅓ야한다</a:t>
-            </a:r>
-            <a:r>
-              <a:rPr lang="ko-KR" altLang="en-US" sz="1200" b="1" i="0" kern="1200" dirty="0" smtClean="0">
-                <a:solidFill>
-                  <a:schemeClr val="tx1"/>
-                </a:solidFill>
-                <a:effectLst/>
-                <a:latin typeface="+mn-lt"/>
-                <a:ea typeface="+mn-ea"/>
-                <a:cs typeface="+mn-cs"/>
-              </a:rPr>
-              <a:t>모든 컬럼이 완전 함수적 종속을 만족한다</a:t>
-            </a:r>
-            <a:r>
-              <a:rPr lang="en-US" altLang="ko-KR" sz="1200" b="1" i="0" kern="1200" dirty="0" smtClean="0">
-                <a:solidFill>
-                  <a:schemeClr val="tx1"/>
-                </a:solidFill>
-                <a:effectLst/>
-                <a:latin typeface="+mn-lt"/>
-                <a:ea typeface="+mn-ea"/>
-                <a:cs typeface="+mn-cs"/>
-              </a:rPr>
+              <a:t>Spring</a:t>
+            </a:r>
+            <a:r>
+              <a:rPr lang="en-US" altLang="ko-KR" baseline="0" dirty="0" smtClean="0"/>
+              <a:t> boot 2.1 </a:t>
+            </a:r>
+            <a:r>
+              <a:rPr lang="ko-KR" altLang="en-US" baseline="0" dirty="0" smtClean="0"/>
+              <a:t>가장 좋은게 </a:t>
+            </a:r>
+            <a:r>
+              <a:rPr lang="en-US" altLang="ko-KR" baseline="0" dirty="0" err="1" smtClean="0"/>
+              <a:t>jdk</a:t>
+            </a:r>
+            <a:r>
+              <a:rPr lang="en-US" altLang="ko-KR" baseline="0" dirty="0" smtClean="0"/>
+              <a:t> 11 jdk12</a:t>
+            </a:r>
+            <a:r>
+              <a:rPr lang="ko-KR" altLang="en-US" baseline="0" dirty="0" smtClean="0"/>
+              <a:t>는 </a:t>
+            </a:r>
+            <a:r>
+              <a:rPr lang="en-US" altLang="ko-KR" baseline="0" dirty="0" smtClean="0"/>
+              <a:t>spirng2.2 </a:t>
+            </a:r>
+            <a:r>
+              <a:rPr lang="ko-KR" altLang="en-US" baseline="0" dirty="0" smtClean="0"/>
+              <a:t>공식적을 </a:t>
+            </a:r>
+            <a:r>
+              <a:rPr lang="en-US" altLang="ko-KR" baseline="0" dirty="0" smtClean="0"/>
+              <a:t>support </a:t>
+            </a:r>
+            <a:r>
+              <a:rPr lang="ko-KR" altLang="en-US" baseline="0" dirty="0" smtClean="0"/>
+              <a:t>하지만 </a:t>
+            </a:r>
+            <a:r>
+              <a:rPr lang="en-US" altLang="ko-KR" baseline="0" dirty="0" smtClean="0"/>
+              <a:t>spring 5.1 </a:t>
+            </a:r>
+            <a:r>
+              <a:rPr lang="ko-KR" altLang="en-US" baseline="0" dirty="0" smtClean="0"/>
+              <a:t>부터는 지원함으로 사용은 가능할듯</a:t>
+            </a:r>
+            <a:endParaRPr lang="en-US" altLang="ko-KR" baseline="0" dirty="0" smtClean="0"/>
+          </a:p>
+          <a:p>
+            <a:pPr marL="171450" indent="-171450">
+              <a:buFontTx/>
+              <a:buChar char="-"/>
+            </a:pPr>
+            <a:r>
+              <a:rPr lang="en-US" altLang="ko-KR" baseline="0" dirty="0" err="1" smtClean="0"/>
+              <a:t>Jdk</a:t>
+            </a:r>
+            <a:r>
+              <a:rPr lang="en-US" altLang="ko-KR" baseline="0" dirty="0" smtClean="0"/>
+              <a:t> </a:t>
+            </a:r>
+            <a:r>
+              <a:rPr lang="ko-KR" altLang="en-US" baseline="0" dirty="0" smtClean="0"/>
+              <a:t>선정 이유는 초기에 다른 프로젝트르 진행하려다 </a:t>
+            </a:r>
+            <a:r>
+              <a:rPr lang="en-US" altLang="ko-KR" baseline="0" dirty="0" smtClean="0"/>
+              <a:t> </a:t>
+            </a:r>
+            <a:r>
+              <a:rPr lang="ko-KR" altLang="en-US" baseline="0" dirty="0" smtClean="0"/>
+              <a:t>문서검색에진인 </a:t>
+            </a:r>
+            <a:r>
+              <a:rPr lang="en-US" altLang="ko-KR" baseline="0" dirty="0" err="1" smtClean="0"/>
+              <a:t>solr</a:t>
+            </a:r>
+            <a:r>
+              <a:rPr lang="en-US" altLang="ko-KR" baseline="0" dirty="0" smtClean="0"/>
+              <a:t> </a:t>
+            </a:r>
+            <a:r>
+              <a:rPr lang="ko-KR" altLang="en-US" baseline="0" dirty="0" smtClean="0"/>
+              <a:t>호환성문제로 </a:t>
+            </a:r>
+            <a:r>
+              <a:rPr lang="en-US" altLang="ko-KR" baseline="0" dirty="0" smtClean="0"/>
+              <a:t>10</a:t>
+            </a:r>
+            <a:r>
+              <a:rPr lang="ko-KR" altLang="en-US" baseline="0" dirty="0" smtClean="0"/>
+              <a:t>버젼으로 교체후 그냥 진행하엿다</a:t>
+            </a:r>
+            <a:r>
+              <a:rPr lang="en-US" altLang="ko-KR" baseline="0" dirty="0" smtClean="0"/>
               <a:t>.</a:t>
             </a:r>
-            <a:r>
-              <a:rPr lang="ko-KR" altLang="en-US" sz="1200" b="0" i="0" kern="1200" dirty="0" smtClean="0">
-                <a:solidFill>
-                  <a:schemeClr val="tx1"/>
-                </a:solidFill>
-                <a:effectLst/>
-                <a:latin typeface="+mn-lt"/>
-                <a:ea typeface="+mn-ea"/>
-                <a:cs typeface="+mn-cs"/>
-              </a:rPr>
-              <a:t>  즉</a:t>
-            </a:r>
-            <a:r>
-              <a:rPr lang="en-US" altLang="ko-KR" sz="1200" b="0" i="0" kern="1200" dirty="0" smtClean="0">
-                <a:solidFill>
-                  <a:schemeClr val="tx1"/>
-                </a:solidFill>
-                <a:effectLst/>
-                <a:latin typeface="+mn-lt"/>
-                <a:ea typeface="+mn-ea"/>
-                <a:cs typeface="+mn-cs"/>
-              </a:rPr>
-              <a:t>, {X1, X2} -&gt; Y</a:t>
-            </a:r>
-            <a:r>
-              <a:rPr lang="ko-KR" altLang="en-US" sz="1200" b="0" i="0" kern="1200" dirty="0" smtClean="0">
-                <a:solidFill>
-                  <a:schemeClr val="tx1"/>
-                </a:solidFill>
-                <a:effectLst/>
-                <a:latin typeface="+mn-lt"/>
-                <a:ea typeface="+mn-ea"/>
-                <a:cs typeface="+mn-cs"/>
-              </a:rPr>
-              <a:t>일 경우</a:t>
-            </a:r>
-            <a:r>
-              <a:rPr lang="en-US" altLang="ko-KR" sz="1200" b="0" i="0" kern="1200" dirty="0" smtClean="0">
-                <a:solidFill>
-                  <a:schemeClr val="tx1"/>
-                </a:solidFill>
-                <a:effectLst/>
-                <a:latin typeface="+mn-lt"/>
-                <a:ea typeface="+mn-ea"/>
-                <a:cs typeface="+mn-cs"/>
-              </a:rPr>
-              <a:t>, X1</a:t>
-            </a:r>
-            <a:r>
-              <a:rPr lang="ko-KR" altLang="en-US" sz="1200" b="0" i="0" kern="1200" dirty="0" smtClean="0">
-                <a:solidFill>
-                  <a:schemeClr val="tx1"/>
-                </a:solidFill>
-                <a:effectLst/>
-                <a:latin typeface="+mn-lt"/>
-                <a:ea typeface="+mn-ea"/>
-                <a:cs typeface="+mn-cs"/>
-              </a:rPr>
-              <a:t>와 </a:t>
-            </a:r>
-            <a:r>
-              <a:rPr lang="en-US" altLang="ko-KR" sz="1200" b="0" i="0" kern="1200" dirty="0" smtClean="0">
-                <a:solidFill>
-                  <a:schemeClr val="tx1"/>
-                </a:solidFill>
-                <a:effectLst/>
-                <a:latin typeface="+mn-lt"/>
-                <a:ea typeface="+mn-ea"/>
-                <a:cs typeface="+mn-cs"/>
-              </a:rPr>
-              <a:t>X2</a:t>
-            </a:r>
-            <a:r>
-              <a:rPr lang="ko-KR" altLang="en-US" sz="1200" b="0" i="0" kern="1200" dirty="0" smtClean="0">
-                <a:solidFill>
-                  <a:schemeClr val="tx1"/>
-                </a:solidFill>
-                <a:effectLst/>
-                <a:latin typeface="+mn-lt"/>
-                <a:ea typeface="+mn-ea"/>
-                <a:cs typeface="+mn-cs"/>
-              </a:rPr>
-              <a:t>가 </a:t>
-            </a:r>
-            <a:r>
-              <a:rPr lang="en-US" altLang="ko-KR" sz="1200" b="0" i="0" kern="1200" dirty="0" smtClean="0">
-                <a:solidFill>
-                  <a:schemeClr val="tx1"/>
-                </a:solidFill>
-                <a:effectLst/>
-                <a:latin typeface="+mn-lt"/>
-                <a:ea typeface="+mn-ea"/>
-                <a:cs typeface="+mn-cs"/>
-              </a:rPr>
-              <a:t>Y</a:t>
-            </a:r>
-            <a:r>
-              <a:rPr lang="ko-KR" altLang="en-US" sz="1200" b="0" i="0" kern="1200" dirty="0" smtClean="0">
-                <a:solidFill>
-                  <a:schemeClr val="tx1"/>
-                </a:solidFill>
-                <a:effectLst/>
-                <a:latin typeface="+mn-lt"/>
-                <a:ea typeface="+mn-ea"/>
-                <a:cs typeface="+mn-cs"/>
-              </a:rPr>
-              <a:t>의 값을 결정할 때 이를 </a:t>
-            </a:r>
-            <a:r>
-              <a:rPr lang="ko-KR" altLang="en-US" sz="1200" b="1" i="0" kern="1200" dirty="0" smtClean="0">
-                <a:solidFill>
-                  <a:schemeClr val="tx1"/>
-                </a:solidFill>
-                <a:effectLst/>
-                <a:latin typeface="+mn-lt"/>
-                <a:ea typeface="+mn-ea"/>
-                <a:cs typeface="+mn-cs"/>
-              </a:rPr>
-              <a:t>완전 함수적 종속</a:t>
-            </a:r>
-            <a:r>
-              <a:rPr lang="ko-KR" altLang="en-US" sz="1200" b="0" i="0" kern="1200" dirty="0" smtClean="0">
-                <a:solidFill>
-                  <a:schemeClr val="tx1"/>
-                </a:solidFill>
-                <a:effectLst/>
-                <a:latin typeface="+mn-lt"/>
-                <a:ea typeface="+mn-ea"/>
-                <a:cs typeface="+mn-cs"/>
-              </a:rPr>
-              <a:t> 이라고 하고</a:t>
-            </a:r>
-            <a:r>
-              <a:rPr lang="en-US" altLang="ko-KR" sz="1200" b="0" i="0" kern="1200" dirty="0" smtClean="0">
-                <a:solidFill>
-                  <a:schemeClr val="tx1"/>
-                </a:solidFill>
-                <a:effectLst/>
-                <a:latin typeface="+mn-lt"/>
-                <a:ea typeface="+mn-ea"/>
-                <a:cs typeface="+mn-cs"/>
-              </a:rPr>
-              <a:t>, X1, X2 </a:t>
-            </a:r>
-            <a:r>
-              <a:rPr lang="ko-KR" altLang="en-US" sz="1200" b="0" i="0" kern="1200" dirty="0" smtClean="0">
-                <a:solidFill>
-                  <a:schemeClr val="tx1"/>
-                </a:solidFill>
-                <a:effectLst/>
-                <a:latin typeface="+mn-lt"/>
-                <a:ea typeface="+mn-ea"/>
-                <a:cs typeface="+mn-cs"/>
-              </a:rPr>
-              <a:t>중 하나만 </a:t>
-            </a:r>
-            <a:r>
-              <a:rPr lang="en-US" altLang="ko-KR" sz="1200" b="0" i="0" kern="1200" dirty="0" smtClean="0">
-                <a:solidFill>
-                  <a:schemeClr val="tx1"/>
-                </a:solidFill>
-                <a:effectLst/>
-                <a:latin typeface="+mn-lt"/>
-                <a:ea typeface="+mn-ea"/>
-                <a:cs typeface="+mn-cs"/>
-              </a:rPr>
-              <a:t>Y</a:t>
-            </a:r>
-            <a:r>
-              <a:rPr lang="ko-KR" altLang="en-US" sz="1200" b="0" i="0" kern="1200" dirty="0" smtClean="0">
-                <a:solidFill>
-                  <a:schemeClr val="tx1"/>
-                </a:solidFill>
-                <a:effectLst/>
-                <a:latin typeface="+mn-lt"/>
-                <a:ea typeface="+mn-ea"/>
-                <a:cs typeface="+mn-cs"/>
-              </a:rPr>
-              <a:t>의 값을 결정할 때 이를 </a:t>
-            </a:r>
-            <a:r>
-              <a:rPr lang="ko-KR" altLang="en-US" sz="1200" b="1" i="0" kern="1200" dirty="0" smtClean="0">
-                <a:solidFill>
-                  <a:schemeClr val="tx1"/>
-                </a:solidFill>
-                <a:effectLst/>
-                <a:latin typeface="+mn-lt"/>
-                <a:ea typeface="+mn-ea"/>
-                <a:cs typeface="+mn-cs"/>
-              </a:rPr>
-              <a:t>부분 함수적 종속</a:t>
-            </a:r>
-            <a:r>
-              <a:rPr lang="ko-KR" altLang="en-US" sz="1200" b="0" i="0" kern="1200" dirty="0" smtClean="0">
-                <a:solidFill>
-                  <a:schemeClr val="tx1"/>
-                </a:solidFill>
-                <a:effectLst/>
-                <a:latin typeface="+mn-lt"/>
-                <a:ea typeface="+mn-ea"/>
-                <a:cs typeface="+mn-cs"/>
-              </a:rPr>
-              <a:t> 이라고 한다</a:t>
-            </a:r>
-            <a:r>
-              <a:rPr lang="en-US" altLang="ko-KR" sz="1200" b="0" i="0" kern="1200" dirty="0" smtClean="0">
-                <a:solidFill>
-                  <a:schemeClr val="tx1"/>
-                </a:solidFill>
-                <a:effectLst/>
-                <a:latin typeface="+mn-lt"/>
-                <a:ea typeface="+mn-ea"/>
-                <a:cs typeface="+mn-cs"/>
-              </a:rPr>
-              <a:t>.</a:t>
-            </a:r>
-          </a:p>
-          <a:p>
-            <a:pPr marL="0" indent="0">
-              <a:buFontTx/>
-              <a:buNone/>
-            </a:pPr>
-            <a:r>
-              <a:rPr lang="en-US" altLang="ko-KR" sz="1200" b="0" i="0" kern="1200" baseline="0" dirty="0" smtClean="0">
-                <a:solidFill>
-                  <a:schemeClr val="tx1"/>
-                </a:solidFill>
-                <a:effectLst/>
-                <a:latin typeface="+mn-lt"/>
-                <a:ea typeface="+mn-ea"/>
-                <a:cs typeface="+mn-cs"/>
-              </a:rPr>
-              <a:t>   3</a:t>
-            </a:r>
-            <a:r>
-              <a:rPr lang="ko-KR" altLang="en-US" sz="1200" b="0" i="0" kern="1200" baseline="0" dirty="0" smtClean="0">
-                <a:solidFill>
-                  <a:schemeClr val="tx1"/>
-                </a:solidFill>
-                <a:effectLst/>
-                <a:latin typeface="+mn-lt"/>
-                <a:ea typeface="+mn-ea"/>
-                <a:cs typeface="+mn-cs"/>
-              </a:rPr>
-              <a:t>차 정규활ㄴ </a:t>
-            </a:r>
-            <a:r>
-              <a:rPr lang="en-US" altLang="ko-KR" sz="1200" b="0" i="0" kern="1200" baseline="0" dirty="0" smtClean="0">
-                <a:solidFill>
-                  <a:schemeClr val="tx1"/>
-                </a:solidFill>
-                <a:effectLst/>
-                <a:latin typeface="+mn-lt"/>
-                <a:ea typeface="+mn-ea"/>
-                <a:cs typeface="+mn-cs"/>
-              </a:rPr>
-              <a:t>-</a:t>
-            </a:r>
-            <a:r>
-              <a:rPr lang="ko-KR" altLang="en-US" sz="1200" b="0" i="0" kern="1200" dirty="0" smtClean="0">
-                <a:solidFill>
-                  <a:schemeClr val="tx1"/>
-                </a:solidFill>
-                <a:effectLst/>
-                <a:latin typeface="+mn-lt"/>
-                <a:ea typeface="+mn-ea"/>
-                <a:cs typeface="+mn-cs"/>
-              </a:rPr>
-              <a:t>기본키 이외의 다른 컬럼이 그외 다른 컬럼을 결정할 수 없는 것입니다</a:t>
-            </a:r>
-            <a:r>
-              <a:rPr lang="en-US" altLang="ko-KR" sz="1200" b="0" i="0" kern="1200" dirty="0" smtClean="0">
-                <a:solidFill>
-                  <a:schemeClr val="tx1"/>
-                </a:solidFill>
-                <a:effectLst/>
-                <a:latin typeface="+mn-lt"/>
-                <a:ea typeface="+mn-ea"/>
-                <a:cs typeface="+mn-cs"/>
-              </a:rPr>
-              <a:t>. </a:t>
-            </a:r>
-            <a:r>
-              <a:rPr lang="ko-KR" altLang="en-US" sz="1200" b="0" i="0" kern="1200" dirty="0" smtClean="0">
-                <a:solidFill>
-                  <a:schemeClr val="tx1"/>
-                </a:solidFill>
-                <a:effectLst/>
-                <a:latin typeface="+mn-lt"/>
-                <a:ea typeface="+mn-ea"/>
-                <a:cs typeface="+mn-cs"/>
-              </a:rPr>
-              <a:t>한 </a:t>
-            </a:r>
-            <a:r>
-              <a:rPr lang="en-US" altLang="ko-KR" sz="1200" b="0" i="0" kern="1200" dirty="0" smtClean="0">
-                <a:solidFill>
-                  <a:schemeClr val="tx1"/>
-                </a:solidFill>
-                <a:effectLst/>
-                <a:latin typeface="+mn-lt"/>
-                <a:ea typeface="+mn-ea"/>
-                <a:cs typeface="+mn-cs"/>
-              </a:rPr>
-              <a:t>b</a:t>
-            </a:r>
-            <a:r>
-              <a:rPr lang="ko-KR" altLang="en-US" sz="1200" b="0" i="0" kern="1200" dirty="0" smtClean="0">
-                <a:solidFill>
-                  <a:schemeClr val="tx1"/>
-                </a:solidFill>
-                <a:effectLst/>
-                <a:latin typeface="+mn-lt"/>
-                <a:ea typeface="+mn-ea"/>
-                <a:cs typeface="+mn-cs"/>
-              </a:rPr>
-              <a:t>커럼은 통해 다른 </a:t>
-            </a:r>
-            <a:r>
-              <a:rPr lang="en-US" altLang="ko-KR" sz="1200" b="0" i="0" kern="1200" dirty="0" smtClean="0">
-                <a:solidFill>
-                  <a:schemeClr val="tx1"/>
-                </a:solidFill>
-                <a:effectLst/>
-                <a:latin typeface="+mn-lt"/>
-                <a:ea typeface="+mn-ea"/>
-                <a:cs typeface="+mn-cs"/>
-              </a:rPr>
-              <a:t>c</a:t>
-            </a:r>
-            <a:r>
-              <a:rPr lang="en-US" altLang="ko-KR" sz="1200" b="0" i="0" kern="1200" baseline="0" dirty="0" smtClean="0">
-                <a:solidFill>
-                  <a:schemeClr val="tx1"/>
-                </a:solidFill>
-                <a:effectLst/>
-                <a:latin typeface="+mn-lt"/>
-                <a:ea typeface="+mn-ea"/>
-                <a:cs typeface="+mn-cs"/>
-              </a:rPr>
-              <a:t> d e </a:t>
-            </a:r>
-            <a:r>
-              <a:rPr lang="ko-KR" altLang="en-US" sz="1200" b="0" i="0" kern="1200" baseline="0" dirty="0" smtClean="0">
-                <a:solidFill>
-                  <a:schemeClr val="tx1"/>
-                </a:solidFill>
-                <a:effectLst/>
-                <a:latin typeface="+mn-lt"/>
-                <a:ea typeface="+mn-ea"/>
-                <a:cs typeface="+mn-cs"/>
-              </a:rPr>
-              <a:t>가 결정되고 파악될수있다</a:t>
-            </a:r>
-            <a:r>
-              <a:rPr lang="en-US" altLang="ko-KR" sz="1200" b="0" i="0" kern="1200" baseline="0" dirty="0" smtClean="0">
-                <a:solidFill>
-                  <a:schemeClr val="tx1"/>
-                </a:solidFill>
-                <a:effectLst/>
-                <a:latin typeface="+mn-lt"/>
-                <a:ea typeface="+mn-ea"/>
-                <a:cs typeface="+mn-cs"/>
-              </a:rPr>
-              <a:t>.(zip code </a:t>
-            </a:r>
-            <a:r>
-              <a:rPr lang="en-US" altLang="ko-KR" sz="1200" b="0" i="0" kern="1200" baseline="0" dirty="0" err="1" smtClean="0">
-                <a:solidFill>
-                  <a:schemeClr val="tx1"/>
-                </a:solidFill>
-                <a:effectLst/>
-                <a:latin typeface="+mn-lt"/>
-                <a:ea typeface="+mn-ea"/>
-                <a:cs typeface="+mn-cs"/>
-              </a:rPr>
-              <a:t>adress</a:t>
-            </a:r>
-            <a:r>
-              <a:rPr lang="en-US" altLang="ko-KR" sz="1200" b="0" i="0" kern="1200" baseline="0" dirty="0" smtClean="0">
-                <a:solidFill>
-                  <a:schemeClr val="tx1"/>
-                </a:solidFill>
-                <a:effectLst/>
-                <a:latin typeface="+mn-lt"/>
-                <a:ea typeface="+mn-ea"/>
-                <a:cs typeface="+mn-cs"/>
-              </a:rPr>
-              <a:t> city)</a:t>
-            </a:r>
-          </a:p>
-          <a:p>
-            <a:pPr marL="0" indent="0">
-              <a:buFontTx/>
-              <a:buNone/>
-            </a:pPr>
-            <a:r>
-              <a:rPr lang="en-US" altLang="ko-KR" sz="1200" b="0" i="0" kern="1200" baseline="0" dirty="0" smtClean="0">
-                <a:solidFill>
-                  <a:schemeClr val="tx1"/>
-                </a:solidFill>
-                <a:effectLst/>
-                <a:latin typeface="+mn-lt"/>
-                <a:ea typeface="+mn-ea"/>
-                <a:cs typeface="+mn-cs"/>
-              </a:rPr>
-              <a:t>- Snake case</a:t>
-            </a:r>
-            <a:r>
-              <a:rPr lang="ko-KR" altLang="en-US" dirty="0" smtClean="0"/>
-              <a:t/>
-            </a:r>
-            <a:br>
-              <a:rPr lang="ko-KR" altLang="en-US" dirty="0" smtClean="0"/>
-            </a:br>
-            <a:r>
-              <a:rPr lang="ko-KR" altLang="en-US" dirty="0" smtClean="0"/>
-              <a:t/>
-            </a:r>
-            <a:br>
-              <a:rPr lang="ko-KR" altLang="en-US" dirty="0" smtClean="0"/>
-            </a:br>
-            <a:r>
-              <a:rPr lang="ko-KR" altLang="en-US" dirty="0" smtClean="0"/>
-              <a:t/>
-            </a:r>
-            <a:br>
-              <a:rPr lang="ko-KR" altLang="en-US" dirty="0" smtClean="0"/>
-            </a:br>
-            <a:r>
-              <a:rPr lang="ko-KR" altLang="en-US" dirty="0" smtClean="0"/>
-              <a:t/>
-            </a:r>
-            <a:br>
-              <a:rPr lang="ko-KR" altLang="en-US" dirty="0" smtClean="0"/>
-            </a:br>
             <a:endParaRPr lang="en-US" altLang="ko-KR" dirty="0" smtClean="0"/>
           </a:p>
         </p:txBody>
@@ -7562,7 +7684,7 @@
           <a:p>
             <a:fld id="{AD4EE2DB-E76A-4EC0-BB3C-86A9DFF316EC}" type="slidenum">
               <a:rPr lang="ko-KR" altLang="en-US" smtClean="0"/>
-              <a:t>10</a:t>
+              <a:t>9</a:t>
             </a:fld>
             <a:endParaRPr lang="ko-KR" altLang="en-US"/>
           </a:p>
@@ -7571,7 +7693,7 @@
     </p:spTree>
     <p:extLst>
       <p:ext uri="{BB962C8B-B14F-4D97-AF65-F5344CB8AC3E}">
-        <p14:creationId xmlns:p14="http://schemas.microsoft.com/office/powerpoint/2010/main" val="3363875094"/>
+        <p14:creationId xmlns:p14="http://schemas.microsoft.com/office/powerpoint/2010/main" val="1151881054"/>
       </p:ext>
     </p:extLst>
   </p:cSld>
@@ -7626,233 +7748,763 @@
           <a:lstStyle/>
           <a:p>
             <a:r>
-              <a:rPr lang="ko-KR" altLang="en-US" sz="1200" b="0" i="0" kern="1200" dirty="0" smtClean="0">
-                <a:solidFill>
-                  <a:schemeClr val="tx1"/>
-                </a:solidFill>
-                <a:effectLst/>
-                <a:latin typeface="+mn-lt"/>
-                <a:ea typeface="+mn-ea"/>
-                <a:cs typeface="+mn-cs"/>
-              </a:rPr>
-              <a:t>자원에대해 명확하게  표현해기 위해 노력했습니다</a:t>
-            </a:r>
-            <a:r>
-              <a:rPr lang="en-US" altLang="ko-KR" sz="1200" b="0" i="0" kern="1200" dirty="0" smtClean="0">
-                <a:solidFill>
-                  <a:schemeClr val="tx1"/>
-                </a:solidFill>
-                <a:effectLst/>
-                <a:latin typeface="+mn-lt"/>
-                <a:ea typeface="+mn-ea"/>
-                <a:cs typeface="+mn-cs"/>
-              </a:rPr>
-              <a:t>. </a:t>
-            </a:r>
-          </a:p>
-          <a:p>
-            <a:r>
-              <a:rPr lang="ko-KR" altLang="en-US" sz="1200" b="0" i="0" kern="1200" dirty="0" smtClean="0">
-                <a:solidFill>
-                  <a:schemeClr val="tx1"/>
-                </a:solidFill>
-                <a:effectLst/>
-                <a:latin typeface="+mn-lt"/>
-                <a:ea typeface="+mn-ea"/>
-                <a:cs typeface="+mn-cs"/>
-              </a:rPr>
-              <a:t>조회</a:t>
-            </a:r>
-            <a:r>
-              <a:rPr lang="ko-KR" altLang="en-US" sz="1200" b="0" i="0" kern="1200" baseline="0" dirty="0" smtClean="0">
-                <a:solidFill>
-                  <a:schemeClr val="tx1"/>
-                </a:solidFill>
-                <a:effectLst/>
-                <a:latin typeface="+mn-lt"/>
-                <a:ea typeface="+mn-ea"/>
-                <a:cs typeface="+mn-cs"/>
-              </a:rPr>
-              <a:t> 삭제 수정과 같은 </a:t>
-            </a:r>
-            <a:r>
-              <a:rPr lang="ko-KR" altLang="en-US" sz="1200" b="0" i="0" kern="1200" dirty="0" smtClean="0">
-                <a:solidFill>
-                  <a:schemeClr val="tx1"/>
-                </a:solidFill>
-                <a:effectLst/>
-                <a:latin typeface="+mn-lt"/>
-                <a:ea typeface="+mn-ea"/>
-                <a:cs typeface="+mn-cs"/>
-              </a:rPr>
-              <a:t>자원에 대한 행위는  </a:t>
-            </a:r>
-            <a:r>
-              <a:rPr lang="en-US" altLang="ko-KR" sz="1200" b="0" i="0" kern="1200" dirty="0" smtClean="0">
-                <a:solidFill>
-                  <a:schemeClr val="tx1"/>
-                </a:solidFill>
-                <a:effectLst/>
-                <a:latin typeface="+mn-lt"/>
-                <a:ea typeface="+mn-ea"/>
-                <a:cs typeface="+mn-cs"/>
-              </a:rPr>
-              <a:t>HTTP Method(GET, POST, PUT, DELETE)</a:t>
-            </a:r>
-            <a:r>
-              <a:rPr lang="ko-KR" altLang="en-US" sz="1200" b="0" i="0" kern="1200" dirty="0" smtClean="0">
-                <a:solidFill>
-                  <a:schemeClr val="tx1"/>
-                </a:solidFill>
-                <a:effectLst/>
-                <a:latin typeface="+mn-lt"/>
-                <a:ea typeface="+mn-ea"/>
-                <a:cs typeface="+mn-cs"/>
-              </a:rPr>
-              <a:t>로 표현해습니다</a:t>
-            </a:r>
-            <a:r>
-              <a:rPr lang="en-US" altLang="ko-KR" sz="1200" b="0" i="0" kern="1200" dirty="0" smtClean="0">
-                <a:solidFill>
-                  <a:schemeClr val="tx1"/>
-                </a:solidFill>
-                <a:effectLst/>
-                <a:latin typeface="+mn-lt"/>
-                <a:ea typeface="+mn-ea"/>
-                <a:cs typeface="+mn-cs"/>
-              </a:rPr>
+              <a:rPr lang="en-US" altLang="ko-KR" dirty="0" err="1" smtClean="0"/>
+              <a:t>Erd</a:t>
+            </a:r>
+            <a:r>
+              <a:rPr lang="en-US" altLang="ko-KR" baseline="0" dirty="0" smtClean="0"/>
+              <a:t> </a:t>
+            </a:r>
+            <a:r>
+              <a:rPr lang="ko-KR" altLang="en-US" baseline="0" dirty="0" smtClean="0"/>
+              <a:t>간단 설명</a:t>
+            </a:r>
+            <a:endParaRPr lang="en-US" altLang="ko-KR" baseline="0" dirty="0" smtClean="0"/>
+          </a:p>
+          <a:p>
+            <a:pPr marL="171450" indent="-171450">
+              <a:buFontTx/>
+              <a:buChar char="-"/>
+            </a:pPr>
+            <a:r>
+              <a:rPr lang="en-US" altLang="ko-KR" baseline="0" dirty="0" err="1" smtClean="0"/>
+              <a:t>Erd</a:t>
+            </a:r>
+            <a:r>
+              <a:rPr lang="en-US" altLang="ko-KR" baseline="0" dirty="0" smtClean="0"/>
+              <a:t> </a:t>
+            </a:r>
+            <a:r>
+              <a:rPr lang="ko-KR" altLang="en-US" baseline="0" dirty="0" smtClean="0"/>
+              <a:t>경우도 처음에 계획햇던거에서 서비스를 구체적으로 구현하고 </a:t>
+            </a:r>
+            <a:r>
+              <a:rPr lang="en-US" altLang="ko-KR" baseline="0" dirty="0" err="1" smtClean="0"/>
+              <a:t>jpa</a:t>
+            </a:r>
+            <a:r>
+              <a:rPr lang="ko-KR" altLang="en-US" baseline="0" dirty="0" smtClean="0"/>
+              <a:t>를 도입하면서 조금씩 수정해 갔다</a:t>
+            </a:r>
+            <a:r>
+              <a:rPr lang="en-US" altLang="ko-KR" baseline="0" dirty="0" smtClean="0"/>
               <a:t>.</a:t>
             </a:r>
           </a:p>
           <a:p>
-            <a:r>
-              <a:rPr lang="ko-KR" altLang="en-US" dirty="0" smtClean="0"/>
-              <a:t>주의점등 또는 </a:t>
-            </a:r>
-            <a:r>
-              <a:rPr lang="en-US" altLang="ko-KR" dirty="0" smtClean="0"/>
-              <a:t>best practice </a:t>
-            </a:r>
-            <a:r>
-              <a:rPr lang="ko-KR" altLang="en-US" dirty="0" smtClean="0"/>
-              <a:t>에 유념해서 설계하였습니다</a:t>
-            </a:r>
-            <a:r>
-              <a:rPr lang="en-US" altLang="ko-KR" dirty="0" smtClean="0"/>
+            <a:pPr marL="171450" indent="-171450">
+              <a:buFontTx/>
+              <a:buChar char="-"/>
+            </a:pPr>
+            <a:r>
+              <a:rPr lang="en-US" altLang="ko-KR" baseline="0" dirty="0" err="1" smtClean="0"/>
+              <a:t>Mysql</a:t>
+            </a:r>
+            <a:r>
+              <a:rPr lang="en-US" altLang="ko-KR" baseline="0" dirty="0" smtClean="0"/>
+              <a:t> naming </a:t>
+            </a:r>
+            <a:r>
+              <a:rPr lang="en-US" altLang="ko-KR" baseline="0" dirty="0" err="1" smtClean="0"/>
+              <a:t>convetion</a:t>
+            </a:r>
+            <a:r>
+              <a:rPr lang="en-US" altLang="ko-KR" baseline="0" dirty="0" smtClean="0"/>
+              <a:t> </a:t>
+            </a:r>
+            <a:r>
+              <a:rPr lang="ko-KR" altLang="en-US" baseline="0" dirty="0" smtClean="0"/>
+              <a:t>을 지키려고 노력했습니다</a:t>
+            </a:r>
+            <a:r>
+              <a:rPr lang="en-US" altLang="ko-KR" baseline="0" dirty="0" smtClean="0"/>
               <a:t>.</a:t>
             </a:r>
           </a:p>
           <a:p>
-            <a:r>
-              <a:rPr lang="ko-KR" altLang="en-US" dirty="0" smtClean="0"/>
-              <a:t>소문자 사용</a:t>
-            </a:r>
-            <a:r>
-              <a:rPr lang="en-US" altLang="ko-KR" dirty="0" smtClean="0"/>
-              <a:t>, </a:t>
-            </a:r>
-            <a:r>
-              <a:rPr lang="ko-KR" altLang="en-US" dirty="0" smtClean="0"/>
-              <a:t>밑줄</a:t>
-            </a:r>
-            <a:r>
-              <a:rPr lang="en-US" altLang="ko-KR" dirty="0" smtClean="0"/>
-              <a:t>x , </a:t>
-            </a:r>
-            <a:r>
-              <a:rPr lang="ko-KR" altLang="en-US" dirty="0" smtClean="0"/>
-              <a:t>하이픈 상용</a:t>
-            </a:r>
-            <a:r>
-              <a:rPr lang="en-US" altLang="ko-KR" dirty="0" smtClean="0"/>
-              <a:t>,</a:t>
-            </a:r>
-          </a:p>
-          <a:p>
-            <a:r>
-              <a:rPr lang="ko-KR" altLang="en-US" dirty="0" smtClean="0"/>
-              <a:t>컬렛션은 복수로 </a:t>
-            </a:r>
-            <a:r>
-              <a:rPr lang="en-US" altLang="ko-KR" dirty="0" err="1" smtClean="0"/>
-              <a:t>docuemtn</a:t>
-            </a:r>
-            <a:r>
-              <a:rPr lang="en-US" altLang="ko-KR" dirty="0" smtClean="0"/>
-              <a:t> </a:t>
-            </a:r>
-            <a:r>
-              <a:rPr lang="ko-KR" altLang="en-US" dirty="0" smtClean="0"/>
-              <a:t>단수로</a:t>
+            <a:pPr marL="171450" indent="-171450">
+              <a:buFontTx/>
+              <a:buChar char="-"/>
+            </a:pPr>
+            <a:r>
+              <a:rPr lang="en-US" altLang="ko-KR" baseline="0" dirty="0" smtClean="0"/>
+              <a:t>3</a:t>
+            </a:r>
+            <a:r>
+              <a:rPr lang="ko-KR" altLang="en-US" baseline="0" dirty="0" smtClean="0"/>
+              <a:t>차 정규화 까지 노력</a:t>
+            </a:r>
+            <a:endParaRPr lang="en-US" altLang="ko-KR" baseline="0" dirty="0" smtClean="0"/>
+          </a:p>
+          <a:p>
+            <a:pPr marL="171450" indent="-171450">
+              <a:buFontTx/>
+              <a:buChar char="-"/>
+            </a:pPr>
+            <a:r>
+              <a:rPr lang="en-US" altLang="ko-KR" baseline="0" dirty="0" smtClean="0"/>
+              <a:t>1</a:t>
+            </a:r>
+            <a:r>
+              <a:rPr lang="ko-KR" altLang="en-US" baseline="0" dirty="0" smtClean="0"/>
+              <a:t>차 정규화란</a:t>
+            </a:r>
+            <a:r>
+              <a:rPr lang="en-US" altLang="ko-KR" baseline="0" dirty="0" smtClean="0"/>
+              <a:t>- </a:t>
             </a:r>
             <a:r>
               <a:rPr lang="ko-KR" altLang="en-US" baseline="0" dirty="0" smtClean="0"/>
               <a:t> </a:t>
             </a:r>
-            <a:endParaRPr lang="en-US" altLang="ko-KR" baseline="0" dirty="0" smtClean="0"/>
-          </a:p>
-          <a:p>
-            <a:r>
-              <a:rPr lang="ko-KR" altLang="en-US" baseline="0" dirty="0" smtClean="0"/>
-              <a:t>최대한 명확하고 </a:t>
-            </a:r>
-            <a:r>
-              <a:rPr lang="en-US" altLang="ko-KR" baseline="0" dirty="0" smtClean="0"/>
-              <a:t>best practice conventions </a:t>
-            </a:r>
-            <a:r>
-              <a:rPr lang="ko-KR" altLang="en-US" baseline="0" dirty="0" smtClean="0"/>
-              <a:t>등을 지키려해 기본 누가나 알아보기 쉽고 사용하기 쉬운 </a:t>
-            </a:r>
-            <a:r>
-              <a:rPr lang="en-US" altLang="ko-KR" baseline="0" dirty="0" err="1" smtClean="0"/>
-              <a:t>api</a:t>
-            </a:r>
-            <a:r>
-              <a:rPr lang="en-US" altLang="ko-KR" baseline="0" dirty="0" smtClean="0"/>
-              <a:t> </a:t>
-            </a:r>
-            <a:r>
-              <a:rPr lang="ko-KR" altLang="en-US" baseline="0" dirty="0" smtClean="0"/>
-              <a:t>구현을 위해 노력 하였습니다</a:t>
-            </a:r>
-            <a:r>
-              <a:rPr lang="en-US" altLang="ko-KR" baseline="0" dirty="0" smtClean="0"/>
+            <a:r>
+              <a:rPr lang="ko-KR" altLang="en-US" sz="1200" b="0" i="0" kern="1200" dirty="0" smtClean="0">
+                <a:solidFill>
+                  <a:schemeClr val="tx1"/>
+                </a:solidFill>
+                <a:effectLst/>
+                <a:latin typeface="+mn-lt"/>
+                <a:ea typeface="+mn-ea"/>
+                <a:cs typeface="+mn-cs"/>
+              </a:rPr>
+              <a:t>로우마다 컬럼의 값이 </a:t>
+            </a:r>
+            <a:r>
+              <a:rPr lang="en-US" altLang="ko-KR" sz="1200" b="0" i="0" kern="1200" dirty="0" smtClean="0">
+                <a:solidFill>
+                  <a:schemeClr val="tx1"/>
+                </a:solidFill>
+                <a:effectLst/>
+                <a:latin typeface="+mn-lt"/>
+                <a:ea typeface="+mn-ea"/>
+                <a:cs typeface="+mn-cs"/>
+              </a:rPr>
+              <a:t>1</a:t>
+            </a:r>
+            <a:r>
+              <a:rPr lang="ko-KR" altLang="en-US" sz="1200" b="0" i="0" kern="1200" dirty="0" smtClean="0">
+                <a:solidFill>
+                  <a:schemeClr val="tx1"/>
+                </a:solidFill>
+                <a:effectLst/>
+                <a:latin typeface="+mn-lt"/>
+                <a:ea typeface="+mn-ea"/>
+                <a:cs typeface="+mn-cs"/>
+              </a:rPr>
+              <a:t>개씩만 있어야 합니다</a:t>
+            </a:r>
+            <a:r>
+              <a:rPr lang="en-US" altLang="ko-KR" sz="1200" b="0" i="0" kern="1200" dirty="0" smtClean="0">
+                <a:solidFill>
+                  <a:schemeClr val="tx1"/>
+                </a:solidFill>
+                <a:effectLst/>
+                <a:latin typeface="+mn-lt"/>
+                <a:ea typeface="+mn-ea"/>
+                <a:cs typeface="+mn-cs"/>
+              </a:rPr>
+              <a:t>. </a:t>
+            </a:r>
+            <a:r>
+              <a:rPr lang="ko-KR" altLang="en-US" sz="1200" b="0" i="0" kern="1200" dirty="0" smtClean="0">
+                <a:solidFill>
+                  <a:schemeClr val="tx1"/>
+                </a:solidFill>
+                <a:effectLst/>
+                <a:latin typeface="+mn-lt"/>
+                <a:ea typeface="+mn-ea"/>
+                <a:cs typeface="+mn-cs"/>
+              </a:rPr>
+              <a:t>이를 컬럼이 </a:t>
+            </a:r>
+            <a:r>
+              <a:rPr lang="ko-KR" altLang="en-US" sz="1200" b="1" i="0" kern="1200" dirty="0" smtClean="0">
+                <a:solidFill>
+                  <a:schemeClr val="tx1"/>
+                </a:solidFill>
+                <a:effectLst/>
+                <a:latin typeface="+mn-lt"/>
+                <a:ea typeface="+mn-ea"/>
+                <a:cs typeface="+mn-cs"/>
+              </a:rPr>
+              <a:t>원자값</a:t>
+            </a:r>
+            <a:r>
+              <a:rPr lang="en-US" altLang="ko-KR" sz="1200" b="0" i="0" kern="1200" dirty="0" smtClean="0">
+                <a:solidFill>
+                  <a:schemeClr val="tx1"/>
+                </a:solidFill>
+                <a:effectLst/>
+                <a:latin typeface="+mn-lt"/>
+                <a:ea typeface="+mn-ea"/>
+                <a:cs typeface="+mn-cs"/>
+              </a:rPr>
+              <a:t>(Atomic Value)</a:t>
+            </a:r>
+            <a:r>
+              <a:rPr lang="ko-KR" altLang="en-US" sz="1200" b="0" i="0" kern="1200" dirty="0" smtClean="0">
+                <a:solidFill>
+                  <a:schemeClr val="tx1"/>
+                </a:solidFill>
+                <a:effectLst/>
+                <a:latin typeface="+mn-lt"/>
+                <a:ea typeface="+mn-ea"/>
+                <a:cs typeface="+mn-cs"/>
+              </a:rPr>
+              <a:t>를 갖는다고 합니다</a:t>
+            </a:r>
+            <a:r>
+              <a:rPr lang="ko-KR" altLang="en-US" dirty="0" smtClean="0"/>
+              <a:t/>
+            </a:r>
+            <a:br>
+              <a:rPr lang="ko-KR" altLang="en-US" dirty="0" smtClean="0"/>
+            </a:br>
+            <a:r>
+              <a:rPr lang="en-US" altLang="ko-KR" dirty="0" smtClean="0"/>
+              <a:t>2</a:t>
+            </a:r>
+            <a:r>
+              <a:rPr lang="ko-KR" altLang="en-US" dirty="0" smtClean="0"/>
+              <a:t>차 정규화란</a:t>
+            </a:r>
+            <a:r>
+              <a:rPr lang="en-US" altLang="ko-KR" dirty="0" smtClean="0"/>
+              <a:t>- </a:t>
+            </a:r>
+            <a:r>
+              <a:rPr lang="ko-KR" altLang="en-US" sz="1200" b="0" i="0" kern="1200" dirty="0" smtClean="0">
+                <a:solidFill>
+                  <a:schemeClr val="tx1"/>
+                </a:solidFill>
+                <a:effectLst/>
+                <a:latin typeface="+mn-lt"/>
+                <a:ea typeface="+mn-ea"/>
+                <a:cs typeface="+mn-cs"/>
+              </a:rPr>
+              <a:t>기본키중에 특정 컬럼에만 종속된 컬럼</a:t>
+            </a:r>
+            <a:r>
+              <a:rPr lang="en-US" altLang="ko-KR" sz="1200" b="1" i="0" kern="1200" dirty="0" smtClean="0">
+                <a:solidFill>
+                  <a:schemeClr val="tx1"/>
+                </a:solidFill>
+                <a:effectLst/>
+                <a:latin typeface="+mn-lt"/>
+                <a:ea typeface="+mn-ea"/>
+                <a:cs typeface="+mn-cs"/>
+              </a:rPr>
+              <a:t>(</a:t>
+            </a:r>
+            <a:r>
+              <a:rPr lang="ko-KR" altLang="en-US" sz="1200" b="1" i="0" kern="1200" dirty="0" smtClean="0">
+                <a:solidFill>
+                  <a:schemeClr val="tx1"/>
+                </a:solidFill>
+                <a:effectLst/>
+                <a:latin typeface="+mn-lt"/>
+                <a:ea typeface="+mn-ea"/>
+                <a:cs typeface="+mn-cs"/>
+              </a:rPr>
+              <a:t>부분적 종속</a:t>
+            </a:r>
+            <a:r>
+              <a:rPr lang="en-US" altLang="ko-KR" sz="1200" b="1" i="0" kern="1200" dirty="0" smtClean="0">
+                <a:solidFill>
+                  <a:schemeClr val="tx1"/>
+                </a:solidFill>
+                <a:effectLst/>
+                <a:latin typeface="+mn-lt"/>
+                <a:ea typeface="+mn-ea"/>
+                <a:cs typeface="+mn-cs"/>
+              </a:rPr>
+              <a:t>)</a:t>
+            </a:r>
+            <a:r>
+              <a:rPr lang="ko-KR" altLang="en-US" sz="1200" b="1" i="0" kern="1200" dirty="0" smtClean="0">
+                <a:solidFill>
+                  <a:schemeClr val="tx1"/>
+                </a:solidFill>
+                <a:effectLst/>
+                <a:latin typeface="+mn-lt"/>
+                <a:ea typeface="+mn-ea"/>
+                <a:cs typeface="+mn-cs"/>
+              </a:rPr>
+              <a:t>이 없어야 한다</a:t>
+            </a:r>
+            <a:r>
+              <a:rPr lang="ko-KR" altLang="en-US" sz="1200" b="0" i="0" kern="1200" dirty="0" smtClean="0">
+                <a:solidFill>
+                  <a:schemeClr val="tx1"/>
+                </a:solidFill>
+                <a:effectLst/>
+                <a:latin typeface="+mn-lt"/>
+                <a:ea typeface="+mn-ea"/>
+                <a:cs typeface="+mn-cs"/>
+              </a:rPr>
+              <a:t>는 것입니다 모는 다른 컬럼은 기본키에 모두 종속저이ㅓ야한다</a:t>
+            </a:r>
+            <a:r>
+              <a:rPr lang="ko-KR" altLang="en-US" sz="1200" b="1" i="0" kern="1200" dirty="0" smtClean="0">
+                <a:solidFill>
+                  <a:schemeClr val="tx1"/>
+                </a:solidFill>
+                <a:effectLst/>
+                <a:latin typeface="+mn-lt"/>
+                <a:ea typeface="+mn-ea"/>
+                <a:cs typeface="+mn-cs"/>
+              </a:rPr>
+              <a:t>모든 컬럼이 완전 함수적 종속을 만족한다</a:t>
+            </a:r>
+            <a:r>
+              <a:rPr lang="en-US" altLang="ko-KR" sz="1200" b="1" i="0" kern="1200" dirty="0" smtClean="0">
+                <a:solidFill>
+                  <a:schemeClr val="tx1"/>
+                </a:solidFill>
+                <a:effectLst/>
+                <a:latin typeface="+mn-lt"/>
+                <a:ea typeface="+mn-ea"/>
+                <a:cs typeface="+mn-cs"/>
+              </a:rPr>
               <a:t>.</a:t>
             </a:r>
-          </a:p>
-          <a:p>
-            <a:r>
-              <a:rPr lang="en-US" altLang="ko-KR" dirty="0" err="1" smtClean="0"/>
-              <a:t>Hateoas</a:t>
-            </a:r>
-            <a:r>
-              <a:rPr lang="en-US" altLang="ko-KR" dirty="0" smtClean="0"/>
-              <a:t> </a:t>
+            <a:r>
+              <a:rPr lang="ko-KR" altLang="en-US" sz="1200" b="0" i="0" kern="1200" dirty="0" smtClean="0">
+                <a:solidFill>
+                  <a:schemeClr val="tx1"/>
+                </a:solidFill>
+                <a:effectLst/>
+                <a:latin typeface="+mn-lt"/>
+                <a:ea typeface="+mn-ea"/>
+                <a:cs typeface="+mn-cs"/>
+              </a:rPr>
+              <a:t>  즉</a:t>
+            </a:r>
+            <a:r>
+              <a:rPr lang="en-US" altLang="ko-KR" sz="1200" b="0" i="0" kern="1200" dirty="0" smtClean="0">
+                <a:solidFill>
+                  <a:schemeClr val="tx1"/>
+                </a:solidFill>
+                <a:effectLst/>
+                <a:latin typeface="+mn-lt"/>
+                <a:ea typeface="+mn-ea"/>
+                <a:cs typeface="+mn-cs"/>
+              </a:rPr>
+              <a:t>, {X1, X2} -&gt; Y</a:t>
+            </a:r>
+            <a:r>
+              <a:rPr lang="ko-KR" altLang="en-US" sz="1200" b="0" i="0" kern="1200" dirty="0" smtClean="0">
+                <a:solidFill>
+                  <a:schemeClr val="tx1"/>
+                </a:solidFill>
+                <a:effectLst/>
+                <a:latin typeface="+mn-lt"/>
+                <a:ea typeface="+mn-ea"/>
+                <a:cs typeface="+mn-cs"/>
+              </a:rPr>
+              <a:t>일 경우</a:t>
+            </a:r>
+            <a:r>
+              <a:rPr lang="en-US" altLang="ko-KR" sz="1200" b="0" i="0" kern="1200" dirty="0" smtClean="0">
+                <a:solidFill>
+                  <a:schemeClr val="tx1"/>
+                </a:solidFill>
+                <a:effectLst/>
+                <a:latin typeface="+mn-lt"/>
+                <a:ea typeface="+mn-ea"/>
+                <a:cs typeface="+mn-cs"/>
+              </a:rPr>
+              <a:t>, X1</a:t>
+            </a:r>
+            <a:r>
+              <a:rPr lang="ko-KR" altLang="en-US" sz="1200" b="0" i="0" kern="1200" dirty="0" smtClean="0">
+                <a:solidFill>
+                  <a:schemeClr val="tx1"/>
+                </a:solidFill>
+                <a:effectLst/>
+                <a:latin typeface="+mn-lt"/>
+                <a:ea typeface="+mn-ea"/>
+                <a:cs typeface="+mn-cs"/>
+              </a:rPr>
+              <a:t>와 </a:t>
+            </a:r>
+            <a:r>
+              <a:rPr lang="en-US" altLang="ko-KR" sz="1200" b="0" i="0" kern="1200" dirty="0" smtClean="0">
+                <a:solidFill>
+                  <a:schemeClr val="tx1"/>
+                </a:solidFill>
+                <a:effectLst/>
+                <a:latin typeface="+mn-lt"/>
+                <a:ea typeface="+mn-ea"/>
+                <a:cs typeface="+mn-cs"/>
+              </a:rPr>
+              <a:t>X2</a:t>
+            </a:r>
+            <a:r>
+              <a:rPr lang="ko-KR" altLang="en-US" sz="1200" b="0" i="0" kern="1200" dirty="0" smtClean="0">
+                <a:solidFill>
+                  <a:schemeClr val="tx1"/>
+                </a:solidFill>
+                <a:effectLst/>
+                <a:latin typeface="+mn-lt"/>
+                <a:ea typeface="+mn-ea"/>
+                <a:cs typeface="+mn-cs"/>
+              </a:rPr>
+              <a:t>가 </a:t>
+            </a:r>
+            <a:r>
+              <a:rPr lang="en-US" altLang="ko-KR" sz="1200" b="0" i="0" kern="1200" dirty="0" smtClean="0">
+                <a:solidFill>
+                  <a:schemeClr val="tx1"/>
+                </a:solidFill>
+                <a:effectLst/>
+                <a:latin typeface="+mn-lt"/>
+                <a:ea typeface="+mn-ea"/>
+                <a:cs typeface="+mn-cs"/>
+              </a:rPr>
+              <a:t>Y</a:t>
+            </a:r>
+            <a:r>
+              <a:rPr lang="ko-KR" altLang="en-US" sz="1200" b="0" i="0" kern="1200" dirty="0" smtClean="0">
+                <a:solidFill>
+                  <a:schemeClr val="tx1"/>
+                </a:solidFill>
+                <a:effectLst/>
+                <a:latin typeface="+mn-lt"/>
+                <a:ea typeface="+mn-ea"/>
+                <a:cs typeface="+mn-cs"/>
+              </a:rPr>
+              <a:t>의 값을 결정할 때 이를 </a:t>
+            </a:r>
+            <a:r>
+              <a:rPr lang="ko-KR" altLang="en-US" sz="1200" b="1" i="0" kern="1200" dirty="0" smtClean="0">
+                <a:solidFill>
+                  <a:schemeClr val="tx1"/>
+                </a:solidFill>
+                <a:effectLst/>
+                <a:latin typeface="+mn-lt"/>
+                <a:ea typeface="+mn-ea"/>
+                <a:cs typeface="+mn-cs"/>
+              </a:rPr>
+              <a:t>완전 함수적 종속</a:t>
+            </a:r>
+            <a:r>
+              <a:rPr lang="ko-KR" altLang="en-US" sz="1200" b="0" i="0" kern="1200" dirty="0" smtClean="0">
+                <a:solidFill>
+                  <a:schemeClr val="tx1"/>
+                </a:solidFill>
+                <a:effectLst/>
+                <a:latin typeface="+mn-lt"/>
+                <a:ea typeface="+mn-ea"/>
+                <a:cs typeface="+mn-cs"/>
+              </a:rPr>
+              <a:t> 이라고 하고</a:t>
+            </a:r>
+            <a:r>
+              <a:rPr lang="en-US" altLang="ko-KR" sz="1200" b="0" i="0" kern="1200" dirty="0" smtClean="0">
+                <a:solidFill>
+                  <a:schemeClr val="tx1"/>
+                </a:solidFill>
+                <a:effectLst/>
+                <a:latin typeface="+mn-lt"/>
+                <a:ea typeface="+mn-ea"/>
+                <a:cs typeface="+mn-cs"/>
+              </a:rPr>
+              <a:t>, X1, X2 </a:t>
+            </a:r>
+            <a:r>
+              <a:rPr lang="ko-KR" altLang="en-US" sz="1200" b="0" i="0" kern="1200" dirty="0" smtClean="0">
+                <a:solidFill>
+                  <a:schemeClr val="tx1"/>
+                </a:solidFill>
+                <a:effectLst/>
+                <a:latin typeface="+mn-lt"/>
+                <a:ea typeface="+mn-ea"/>
+                <a:cs typeface="+mn-cs"/>
+              </a:rPr>
+              <a:t>중 하나만 </a:t>
+            </a:r>
+            <a:r>
+              <a:rPr lang="en-US" altLang="ko-KR" sz="1200" b="0" i="0" kern="1200" dirty="0" smtClean="0">
+                <a:solidFill>
+                  <a:schemeClr val="tx1"/>
+                </a:solidFill>
+                <a:effectLst/>
+                <a:latin typeface="+mn-lt"/>
+                <a:ea typeface="+mn-ea"/>
+                <a:cs typeface="+mn-cs"/>
+              </a:rPr>
+              <a:t>Y</a:t>
+            </a:r>
+            <a:r>
+              <a:rPr lang="ko-KR" altLang="en-US" sz="1200" b="0" i="0" kern="1200" dirty="0" smtClean="0">
+                <a:solidFill>
+                  <a:schemeClr val="tx1"/>
+                </a:solidFill>
+                <a:effectLst/>
+                <a:latin typeface="+mn-lt"/>
+                <a:ea typeface="+mn-ea"/>
+                <a:cs typeface="+mn-cs"/>
+              </a:rPr>
+              <a:t>의 값을 결정할 때 이를 </a:t>
+            </a:r>
+            <a:r>
+              <a:rPr lang="ko-KR" altLang="en-US" sz="1200" b="1" i="0" kern="1200" dirty="0" smtClean="0">
+                <a:solidFill>
+                  <a:schemeClr val="tx1"/>
+                </a:solidFill>
+                <a:effectLst/>
+                <a:latin typeface="+mn-lt"/>
+                <a:ea typeface="+mn-ea"/>
+                <a:cs typeface="+mn-cs"/>
+              </a:rPr>
+              <a:t>부분 함수적 종속</a:t>
+            </a:r>
+            <a:r>
+              <a:rPr lang="ko-KR" altLang="en-US" sz="1200" b="0" i="0" kern="1200" dirty="0" smtClean="0">
+                <a:solidFill>
+                  <a:schemeClr val="tx1"/>
+                </a:solidFill>
+                <a:effectLst/>
+                <a:latin typeface="+mn-lt"/>
+                <a:ea typeface="+mn-ea"/>
+                <a:cs typeface="+mn-cs"/>
+              </a:rPr>
+              <a:t> 이라고 한다</a:t>
+            </a:r>
+            <a:r>
+              <a:rPr lang="en-US" altLang="ko-KR" sz="1200" b="0" i="0" kern="1200" dirty="0" smtClean="0">
+                <a:solidFill>
+                  <a:schemeClr val="tx1"/>
+                </a:solidFill>
+                <a:effectLst/>
+                <a:latin typeface="+mn-lt"/>
+                <a:ea typeface="+mn-ea"/>
+                <a:cs typeface="+mn-cs"/>
+              </a:rPr>
+              <a:t>.</a:t>
+            </a:r>
+          </a:p>
+          <a:p>
+            <a:pPr marL="0" indent="0">
+              <a:buFontTx/>
+              <a:buNone/>
+            </a:pPr>
+            <a:r>
+              <a:rPr lang="en-US" altLang="ko-KR" sz="1200" b="0" i="0" kern="1200" baseline="0" dirty="0" smtClean="0">
+                <a:solidFill>
+                  <a:schemeClr val="tx1"/>
+                </a:solidFill>
+                <a:effectLst/>
+                <a:latin typeface="+mn-lt"/>
+                <a:ea typeface="+mn-ea"/>
+                <a:cs typeface="+mn-cs"/>
+              </a:rPr>
+              <a:t>   3</a:t>
+            </a:r>
+            <a:r>
+              <a:rPr lang="ko-KR" altLang="en-US" sz="1200" b="0" i="0" kern="1200" baseline="0" dirty="0" smtClean="0">
+                <a:solidFill>
+                  <a:schemeClr val="tx1"/>
+                </a:solidFill>
+                <a:effectLst/>
+                <a:latin typeface="+mn-lt"/>
+                <a:ea typeface="+mn-ea"/>
+                <a:cs typeface="+mn-cs"/>
+              </a:rPr>
+              <a:t>차 정규활ㄴ </a:t>
+            </a:r>
+            <a:r>
+              <a:rPr lang="en-US" altLang="ko-KR" sz="1200" b="0" i="0" kern="1200" baseline="0" dirty="0" smtClean="0">
+                <a:solidFill>
+                  <a:schemeClr val="tx1"/>
+                </a:solidFill>
+                <a:effectLst/>
+                <a:latin typeface="+mn-lt"/>
+                <a:ea typeface="+mn-ea"/>
+                <a:cs typeface="+mn-cs"/>
+              </a:rPr>
+              <a:t>-</a:t>
+            </a:r>
+            <a:r>
+              <a:rPr lang="ko-KR" altLang="en-US" sz="1200" b="0" i="0" kern="1200" dirty="0" smtClean="0">
+                <a:solidFill>
+                  <a:schemeClr val="tx1"/>
+                </a:solidFill>
+                <a:effectLst/>
+                <a:latin typeface="+mn-lt"/>
+                <a:ea typeface="+mn-ea"/>
+                <a:cs typeface="+mn-cs"/>
+              </a:rPr>
+              <a:t>기본키 이외의 다른 컬럼이 그외 다른 컬럼을 결정할 수 없는 것입니다</a:t>
+            </a:r>
+            <a:r>
+              <a:rPr lang="en-US" altLang="ko-KR" sz="1200" b="0" i="0" kern="1200" dirty="0" smtClean="0">
+                <a:solidFill>
+                  <a:schemeClr val="tx1"/>
+                </a:solidFill>
+                <a:effectLst/>
+                <a:latin typeface="+mn-lt"/>
+                <a:ea typeface="+mn-ea"/>
+                <a:cs typeface="+mn-cs"/>
+              </a:rPr>
+              <a:t>. </a:t>
+            </a:r>
+            <a:r>
+              <a:rPr lang="ko-KR" altLang="en-US" sz="1200" b="0" i="0" kern="1200" dirty="0" smtClean="0">
+                <a:solidFill>
+                  <a:schemeClr val="tx1"/>
+                </a:solidFill>
+                <a:effectLst/>
+                <a:latin typeface="+mn-lt"/>
+                <a:ea typeface="+mn-ea"/>
+                <a:cs typeface="+mn-cs"/>
+              </a:rPr>
+              <a:t>한 </a:t>
+            </a:r>
+            <a:r>
+              <a:rPr lang="en-US" altLang="ko-KR" sz="1200" b="0" i="0" kern="1200" dirty="0" smtClean="0">
+                <a:solidFill>
+                  <a:schemeClr val="tx1"/>
+                </a:solidFill>
+                <a:effectLst/>
+                <a:latin typeface="+mn-lt"/>
+                <a:ea typeface="+mn-ea"/>
+                <a:cs typeface="+mn-cs"/>
+              </a:rPr>
+              <a:t>b</a:t>
+            </a:r>
+            <a:r>
+              <a:rPr lang="ko-KR" altLang="en-US" sz="1200" b="0" i="0" kern="1200" dirty="0" smtClean="0">
+                <a:solidFill>
+                  <a:schemeClr val="tx1"/>
+                </a:solidFill>
+                <a:effectLst/>
+                <a:latin typeface="+mn-lt"/>
+                <a:ea typeface="+mn-ea"/>
+                <a:cs typeface="+mn-cs"/>
+              </a:rPr>
+              <a:t>커럼은 통해 다른 </a:t>
+            </a:r>
+            <a:r>
+              <a:rPr lang="en-US" altLang="ko-KR" sz="1200" b="0" i="0" kern="1200" dirty="0" smtClean="0">
+                <a:solidFill>
+                  <a:schemeClr val="tx1"/>
+                </a:solidFill>
+                <a:effectLst/>
+                <a:latin typeface="+mn-lt"/>
+                <a:ea typeface="+mn-ea"/>
+                <a:cs typeface="+mn-cs"/>
+              </a:rPr>
+              <a:t>c</a:t>
+            </a:r>
+            <a:r>
+              <a:rPr lang="en-US" altLang="ko-KR" sz="1200" b="0" i="0" kern="1200" baseline="0" dirty="0" smtClean="0">
+                <a:solidFill>
+                  <a:schemeClr val="tx1"/>
+                </a:solidFill>
+                <a:effectLst/>
+                <a:latin typeface="+mn-lt"/>
+                <a:ea typeface="+mn-ea"/>
+                <a:cs typeface="+mn-cs"/>
+              </a:rPr>
+              <a:t> d e </a:t>
+            </a:r>
+            <a:r>
+              <a:rPr lang="ko-KR" altLang="en-US" sz="1200" b="0" i="0" kern="1200" baseline="0" dirty="0" smtClean="0">
+                <a:solidFill>
+                  <a:schemeClr val="tx1"/>
+                </a:solidFill>
+                <a:effectLst/>
+                <a:latin typeface="+mn-lt"/>
+                <a:ea typeface="+mn-ea"/>
+                <a:cs typeface="+mn-cs"/>
+              </a:rPr>
+              <a:t>가 결정되고 파악될수있다</a:t>
+            </a:r>
+            <a:r>
+              <a:rPr lang="en-US" altLang="ko-KR" sz="1200" b="0" i="0" kern="1200" baseline="0" dirty="0" smtClean="0">
+                <a:solidFill>
+                  <a:schemeClr val="tx1"/>
+                </a:solidFill>
+                <a:effectLst/>
+                <a:latin typeface="+mn-lt"/>
+                <a:ea typeface="+mn-ea"/>
+                <a:cs typeface="+mn-cs"/>
+              </a:rPr>
+              <a:t>.(zip code </a:t>
+            </a:r>
+            <a:r>
+              <a:rPr lang="en-US" altLang="ko-KR" sz="1200" b="0" i="0" kern="1200" baseline="0" dirty="0" err="1" smtClean="0">
+                <a:solidFill>
+                  <a:schemeClr val="tx1"/>
+                </a:solidFill>
+                <a:effectLst/>
+                <a:latin typeface="+mn-lt"/>
+                <a:ea typeface="+mn-ea"/>
+                <a:cs typeface="+mn-cs"/>
+              </a:rPr>
+              <a:t>adress</a:t>
+            </a:r>
+            <a:r>
+              <a:rPr lang="en-US" altLang="ko-KR" sz="1200" b="0" i="0" kern="1200" baseline="0" dirty="0" smtClean="0">
+                <a:solidFill>
+                  <a:schemeClr val="tx1"/>
+                </a:solidFill>
+                <a:effectLst/>
+                <a:latin typeface="+mn-lt"/>
+                <a:ea typeface="+mn-ea"/>
+                <a:cs typeface="+mn-cs"/>
+              </a:rPr>
+              <a:t> city)</a:t>
+            </a:r>
+          </a:p>
+          <a:p>
+            <a:pPr marL="0" indent="0">
+              <a:buFontTx/>
+              <a:buNone/>
+            </a:pPr>
+            <a:r>
+              <a:rPr lang="en-US" altLang="ko-KR" sz="1200" b="0" i="0" kern="1200" baseline="0" dirty="0" smtClean="0">
+                <a:solidFill>
+                  <a:schemeClr val="tx1"/>
+                </a:solidFill>
+                <a:effectLst/>
+                <a:latin typeface="+mn-lt"/>
+                <a:ea typeface="+mn-ea"/>
+                <a:cs typeface="+mn-cs"/>
+              </a:rPr>
+              <a:t>- Snake case</a:t>
             </a:r>
             <a:r>
               <a:rPr lang="ko-KR" altLang="en-US" dirty="0" smtClean="0"/>
-              <a:t>통해 상태 전이</a:t>
-            </a:r>
-            <a:r>
-              <a:rPr lang="ko-KR" altLang="en-US" baseline="0" dirty="0" smtClean="0"/>
-              <a:t> 매커니즘까지 제공못한게 조금은 아쉽습니다</a:t>
-            </a:r>
-            <a:r>
-              <a:rPr lang="en-US" altLang="ko-KR" baseline="0" dirty="0" smtClean="0"/>
-              <a:t>. </a:t>
-            </a:r>
-            <a:r>
-              <a:rPr lang="ko-KR" altLang="en-US" baseline="0" dirty="0" smtClean="0"/>
-              <a:t>개선부분입니다</a:t>
-            </a:r>
-            <a:r>
-              <a:rPr lang="en-US" altLang="ko-KR" baseline="0" dirty="0" smtClean="0"/>
-              <a:t>.</a:t>
-            </a:r>
-          </a:p>
-          <a:p>
-            <a:endParaRPr lang="en-US" altLang="ko-KR" baseline="0" dirty="0" smtClean="0"/>
+              <a:t/>
+            </a:r>
+            <a:br>
+              <a:rPr lang="ko-KR" altLang="en-US" dirty="0" smtClean="0"/>
+            </a:br>
+            <a:r>
+              <a:rPr lang="ko-KR" altLang="en-US" dirty="0" smtClean="0"/>
+              <a:t/>
+            </a:r>
+            <a:br>
+              <a:rPr lang="ko-KR" altLang="en-US" dirty="0" smtClean="0"/>
+            </a:br>
+            <a:r>
+              <a:rPr lang="ko-KR" altLang="en-US" dirty="0" smtClean="0"/>
+              <a:t/>
+            </a:r>
+            <a:br>
+              <a:rPr lang="ko-KR" altLang="en-US" dirty="0" smtClean="0"/>
+            </a:br>
+            <a:r>
+              <a:rPr lang="ko-KR" altLang="en-US" dirty="0" smtClean="0"/>
+              <a:t/>
+            </a:r>
+            <a:br>
+              <a:rPr lang="ko-KR" altLang="en-US" dirty="0" smtClean="0"/>
+            </a:br>
+            <a:endParaRPr lang="en-US" altLang="ko-KR" dirty="0" smtClean="0"/>
           </a:p>
         </p:txBody>
       </p:sp>
@@ -7873,7 +8525,7 @@
           <a:p>
             <a:fld id="{AD4EE2DB-E76A-4EC0-BB3C-86A9DFF316EC}" type="slidenum">
               <a:rPr lang="ko-KR" altLang="en-US" smtClean="0"/>
-              <a:t>11</a:t>
+              <a:t>10</a:t>
             </a:fld>
             <a:endParaRPr lang="ko-KR" altLang="en-US"/>
           </a:p>
@@ -7882,7 +8534,7 @@
     </p:spTree>
     <p:extLst>
       <p:ext uri="{BB962C8B-B14F-4D97-AF65-F5344CB8AC3E}">
-        <p14:creationId xmlns:p14="http://schemas.microsoft.com/office/powerpoint/2010/main" val="293636839"/>
+        <p14:creationId xmlns:p14="http://schemas.microsoft.com/office/powerpoint/2010/main" val="3363875094"/>
       </p:ext>
     </p:extLst>
   </p:cSld>
@@ -7937,16 +8589,195 @@
           <a:lstStyle/>
           <a:p>
             <a:r>
+              <a:rPr lang="ko-KR" altLang="en-US" sz="1200" b="0" i="0" kern="1200" dirty="0" smtClean="0">
+                <a:solidFill>
+                  <a:schemeClr val="tx1"/>
+                </a:solidFill>
+                <a:effectLst/>
+                <a:latin typeface="+mn-lt"/>
+                <a:ea typeface="+mn-ea"/>
+                <a:cs typeface="+mn-cs"/>
+              </a:rPr>
+              <a:t>자원에대해 명확하게  표현해기 위해 노력했습니다</a:t>
+            </a:r>
+            <a:r>
+              <a:rPr lang="en-US" altLang="ko-KR" sz="1200" b="0" i="0" kern="1200" dirty="0" smtClean="0">
+                <a:solidFill>
+                  <a:schemeClr val="tx1"/>
+                </a:solidFill>
+                <a:effectLst/>
+                <a:latin typeface="+mn-lt"/>
+                <a:ea typeface="+mn-ea"/>
+                <a:cs typeface="+mn-cs"/>
+              </a:rPr>
+              <a:t>. </a:t>
+            </a:r>
+          </a:p>
+          <a:p>
+            <a:r>
+              <a:rPr lang="ko-KR" altLang="en-US" sz="1200" b="0" i="0" kern="1200" dirty="0" smtClean="0">
+                <a:solidFill>
+                  <a:schemeClr val="tx1"/>
+                </a:solidFill>
+                <a:effectLst/>
+                <a:latin typeface="+mn-lt"/>
+                <a:ea typeface="+mn-ea"/>
+                <a:cs typeface="+mn-cs"/>
+              </a:rPr>
+              <a:t>조회</a:t>
+            </a:r>
+            <a:r>
+              <a:rPr lang="ko-KR" altLang="en-US" sz="1200" b="0" i="0" kern="1200" baseline="0" dirty="0" smtClean="0">
+                <a:solidFill>
+                  <a:schemeClr val="tx1"/>
+                </a:solidFill>
+                <a:effectLst/>
+                <a:latin typeface="+mn-lt"/>
+                <a:ea typeface="+mn-ea"/>
+                <a:cs typeface="+mn-cs"/>
+              </a:rPr>
+              <a:t> 삭제 수정과 같은 </a:t>
+            </a:r>
+            <a:r>
+              <a:rPr lang="ko-KR" altLang="en-US" sz="1200" b="0" i="0" kern="1200" dirty="0" smtClean="0">
+                <a:solidFill>
+                  <a:schemeClr val="tx1"/>
+                </a:solidFill>
+                <a:effectLst/>
+                <a:latin typeface="+mn-lt"/>
+                <a:ea typeface="+mn-ea"/>
+                <a:cs typeface="+mn-cs"/>
+              </a:rPr>
+              <a:t>자원에 대한 행위는  </a:t>
+            </a:r>
+            <a:r>
+              <a:rPr lang="en-US" altLang="ko-KR" sz="1200" b="0" i="0" kern="1200" dirty="0" smtClean="0">
+                <a:solidFill>
+                  <a:schemeClr val="tx1"/>
+                </a:solidFill>
+                <a:effectLst/>
+                <a:latin typeface="+mn-lt"/>
+                <a:ea typeface="+mn-ea"/>
+                <a:cs typeface="+mn-cs"/>
+              </a:rPr>
+              <a:t>HTTP Method(GET, POST, PUT, DELETE)</a:t>
+            </a:r>
+            <a:r>
+              <a:rPr lang="ko-KR" altLang="en-US" sz="1200" b="0" i="0" kern="1200" dirty="0" smtClean="0">
+                <a:solidFill>
+                  <a:schemeClr val="tx1"/>
+                </a:solidFill>
+                <a:effectLst/>
+                <a:latin typeface="+mn-lt"/>
+                <a:ea typeface="+mn-ea"/>
+                <a:cs typeface="+mn-cs"/>
+              </a:rPr>
+              <a:t>로 표현해습니다</a:t>
+            </a:r>
+            <a:r>
+              <a:rPr lang="en-US" altLang="ko-KR" sz="1200" b="0" i="0" kern="1200" dirty="0" smtClean="0">
+                <a:solidFill>
+                  <a:schemeClr val="tx1"/>
+                </a:solidFill>
+                <a:effectLst/>
+                <a:latin typeface="+mn-lt"/>
+                <a:ea typeface="+mn-ea"/>
+                <a:cs typeface="+mn-cs"/>
+              </a:rPr>
+              <a:t>.</a:t>
+            </a:r>
+          </a:p>
+          <a:p>
+            <a:r>
+              <a:rPr lang="ko-KR" altLang="en-US" dirty="0" smtClean="0"/>
+              <a:t>주의점등 또는 </a:t>
+            </a:r>
+            <a:r>
+              <a:rPr lang="en-US" altLang="ko-KR" dirty="0" smtClean="0"/>
+              <a:t>best practice </a:t>
+            </a:r>
+            <a:r>
+              <a:rPr lang="ko-KR" altLang="en-US" dirty="0" smtClean="0"/>
+              <a:t>에 유념해서 설계하였습니다</a:t>
+            </a:r>
+            <a:r>
+              <a:rPr lang="en-US" altLang="ko-KR" dirty="0" smtClean="0"/>
+              <a:t>.</a:t>
+            </a:r>
+          </a:p>
+          <a:p>
+            <a:r>
+              <a:rPr lang="ko-KR" altLang="en-US" dirty="0" smtClean="0"/>
+              <a:t>소문자 사용</a:t>
+            </a:r>
+            <a:r>
+              <a:rPr lang="en-US" altLang="ko-KR" dirty="0" smtClean="0"/>
+              <a:t>, </a:t>
+            </a:r>
+            <a:r>
+              <a:rPr lang="ko-KR" altLang="en-US" dirty="0" smtClean="0"/>
+              <a:t>밑줄</a:t>
+            </a:r>
+            <a:r>
+              <a:rPr lang="en-US" altLang="ko-KR" dirty="0" smtClean="0"/>
+              <a:t>x , </a:t>
+            </a:r>
+            <a:r>
+              <a:rPr lang="ko-KR" altLang="en-US" dirty="0" smtClean="0"/>
+              <a:t>하이픈 상용</a:t>
+            </a:r>
+            <a:r>
+              <a:rPr lang="en-US" altLang="ko-KR" dirty="0" smtClean="0"/>
+              <a:t>,</a:t>
+            </a:r>
+          </a:p>
+          <a:p>
+            <a:r>
+              <a:rPr lang="ko-KR" altLang="en-US" dirty="0" smtClean="0"/>
+              <a:t>컬렛션은 복수로 </a:t>
+            </a:r>
+            <a:r>
               <a:rPr lang="en-US" altLang="ko-KR" dirty="0" err="1" smtClean="0"/>
-              <a:t>Jpa</a:t>
+              <a:t>docuemtn</a:t>
+            </a:r>
+            <a:r>
+              <a:rPr lang="en-US" altLang="ko-KR" dirty="0" smtClean="0"/>
+              <a:t> </a:t>
+            </a:r>
+            <a:r>
+              <a:rPr lang="ko-KR" altLang="en-US" dirty="0" smtClean="0"/>
+              <a:t>단수로</a:t>
+            </a:r>
+            <a:r>
+              <a:rPr lang="ko-KR" altLang="en-US" baseline="0" dirty="0" smtClean="0"/>
+              <a:t> </a:t>
+            </a:r>
+            <a:endParaRPr lang="en-US" altLang="ko-KR" baseline="0" dirty="0" smtClean="0"/>
+          </a:p>
+          <a:p>
+            <a:r>
+              <a:rPr lang="ko-KR" altLang="en-US" baseline="0" dirty="0" smtClean="0"/>
+              <a:t>최대한 명확하고 </a:t>
             </a:r>
             <a:r>
               <a:rPr lang="en-US" altLang="ko-KR" baseline="0" dirty="0" smtClean="0"/>
-              <a:t>  </a:t>
+              <a:t>best practice conventions </a:t>
             </a:r>
             <a:r>
               <a:rPr lang="ko-KR" altLang="en-US" baseline="0" dirty="0" smtClean="0"/>
-              <a:t>기본적인 사용법과 기술이 나오게 된 이유 기술이 추구한는 바 등을 책을 통해 공부하였습니다</a:t>
+              <a:t>등을 지키려해 기본 누가나 알아보기 쉽고 사용하기 쉬운 </a:t>
+            </a:r>
+            <a:r>
+              <a:rPr lang="en-US" altLang="ko-KR" baseline="0" dirty="0" err="1" smtClean="0"/>
+              <a:t>api</a:t>
+            </a:r>
+            <a:r>
+              <a:rPr lang="en-US" altLang="ko-KR" baseline="0" dirty="0" smtClean="0"/>
+              <a:t> </a:t>
+            </a:r>
+            <a:r>
+              <a:rPr lang="ko-KR" altLang="en-US" baseline="0" dirty="0" smtClean="0"/>
+              <a:t>구현을 위해 노력 하였습니다</a:t>
             </a:r>
             <a:r>
               <a:rPr lang="en-US" altLang="ko-KR" baseline="0" dirty="0" smtClean="0"/>
@@ -7955,109 +8786,65 @@
           </a:p>
           <a:p>
             <a:r>
-              <a:rPr lang="ko-KR" altLang="en-US" dirty="0" smtClean="0"/>
-              <a:t>제가 처음이다보니 </a:t>
-            </a:r>
+              <a:rPr lang="en-US" altLang="ko-KR" sz="1200" b="0" i="0" kern="1200" dirty="0" smtClean="0">
+                <a:solidFill>
+                  <a:schemeClr val="tx1"/>
+                </a:solidFill>
+                <a:effectLst/>
+                <a:latin typeface="+mn-lt"/>
+                <a:ea typeface="+mn-ea"/>
+                <a:cs typeface="+mn-cs"/>
+              </a:rPr>
+              <a:t>A document resource is a singular concept that is akin to an object instance or database record.</a:t>
+            </a:r>
+          </a:p>
+          <a:p>
+            <a:r>
+              <a:rPr lang="en-US" altLang="ko-KR" baseline="0" dirty="0" smtClean="0"/>
+              <a:t>Collection-</a:t>
+            </a:r>
+            <a:r>
+              <a:rPr lang="ko-KR" altLang="en-US" sz="1200" b="0" i="0" kern="1200" dirty="0" smtClean="0">
+                <a:solidFill>
+                  <a:schemeClr val="tx1"/>
+                </a:solidFill>
+                <a:effectLst/>
+                <a:latin typeface="+mn-lt"/>
+                <a:ea typeface="+mn-ea"/>
+                <a:cs typeface="+mn-cs"/>
+              </a:rPr>
+              <a:t>도큐먼트의 디렉터리 리소스</a:t>
+            </a:r>
+            <a:r>
+              <a:rPr lang="en-US" altLang="ko-KR" sz="1200" b="0" i="0" kern="1200" dirty="0" smtClean="0">
+                <a:solidFill>
+                  <a:schemeClr val="tx1"/>
+                </a:solidFill>
+                <a:effectLst/>
+                <a:latin typeface="+mn-lt"/>
+                <a:ea typeface="+mn-ea"/>
+                <a:cs typeface="+mn-cs"/>
+              </a:rPr>
+              <a:t>,</a:t>
+            </a:r>
+            <a:r>
+              <a:rPr lang="ko-KR" altLang="en-US" sz="1200" b="0" i="0" kern="1200" dirty="0" smtClean="0">
+                <a:solidFill>
+                  <a:schemeClr val="tx1"/>
+                </a:solidFill>
+                <a:effectLst/>
+                <a:latin typeface="+mn-lt"/>
+                <a:ea typeface="+mn-ea"/>
+                <a:cs typeface="+mn-cs"/>
+              </a:rPr>
+              <a:t> 도큐먼트의 리스트</a:t>
+            </a:r>
+            <a:endParaRPr lang="en-US" altLang="ko-KR" baseline="0" dirty="0" smtClean="0"/>
+          </a:p>
+          <a:p>
             <a:r>
               <a:rPr lang="en-US" altLang="ko-KR" dirty="0" err="1" smtClean="0"/>
-              <a:t>Erd</a:t>
-            </a:r>
-            <a:r>
-              <a:rPr lang="en-US" altLang="ko-KR" baseline="0" dirty="0" smtClean="0"/>
-              <a:t> </a:t>
-            </a:r>
-            <a:r>
-              <a:rPr lang="ko-KR" altLang="en-US" baseline="0" dirty="0" smtClean="0"/>
-              <a:t>많이 따라갓꼬 제가 좀더 익숙하고 제대로 </a:t>
-            </a:r>
-            <a:r>
-              <a:rPr lang="en-US" altLang="ko-KR" baseline="0" dirty="0" err="1" smtClean="0"/>
-              <a:t>jpa</a:t>
-            </a:r>
-            <a:r>
-              <a:rPr lang="en-US" altLang="ko-KR" baseline="0" dirty="0" smtClean="0"/>
-              <a:t> </a:t>
-            </a:r>
-            <a:r>
-              <a:rPr lang="ko-KR" altLang="en-US" baseline="0" dirty="0" smtClean="0"/>
-              <a:t>대해 파악햇다면 좀금더 객체지향적으로 비지니스 로직기반으로 작성하면 더 좋은 설꼐가 나올수있찌 않았을까 하는 아쉬움</a:t>
-            </a:r>
-            <a:endParaRPr lang="en-US" altLang="ko-KR" baseline="0" dirty="0" smtClean="0"/>
-          </a:p>
-          <a:p>
-            <a:pPr marL="171450" indent="-171450">
-              <a:buFontTx/>
-              <a:buChar char="-"/>
-            </a:pPr>
-            <a:r>
-              <a:rPr lang="ko-KR" altLang="en-US" baseline="0" dirty="0" smtClean="0"/>
-              <a:t>널값 허용 이나 데이터 타입과 같은 기본적인 </a:t>
-            </a:r>
-            <a:r>
-              <a:rPr lang="en-US" altLang="ko-KR" baseline="0" dirty="0" smtClean="0"/>
-              <a:t>column mapping </a:t>
-            </a:r>
-            <a:r>
-              <a:rPr lang="ko-KR" altLang="en-US" baseline="0" dirty="0" smtClean="0"/>
-              <a:t>을 꼼꼼히 진행하엿고 </a:t>
-            </a:r>
-            <a:endParaRPr lang="en-US" altLang="ko-KR" baseline="0" dirty="0" smtClean="0"/>
-          </a:p>
-          <a:p>
-            <a:pPr marL="171450" indent="-171450">
-              <a:buFontTx/>
-              <a:buChar char="-"/>
-            </a:pPr>
-            <a:r>
-              <a:rPr lang="ko-KR" altLang="en-US" dirty="0" smtClean="0"/>
-              <a:t>비효율적인 </a:t>
-            </a:r>
-            <a:r>
-              <a:rPr lang="en-US" altLang="ko-KR" dirty="0" smtClean="0"/>
-              <a:t>query </a:t>
-            </a:r>
-            <a:r>
-              <a:rPr lang="ko-KR" altLang="en-US" dirty="0" smtClean="0"/>
-              <a:t>개선 같은 경우는 엔티 설계 당시에는 기본 </a:t>
-            </a:r>
-            <a:r>
-              <a:rPr lang="en-US" altLang="ko-KR" dirty="0" smtClean="0"/>
-              <a:t>spring</a:t>
-            </a:r>
-            <a:r>
-              <a:rPr lang="en-US" altLang="ko-KR" baseline="0" dirty="0" smtClean="0"/>
-              <a:t> </a:t>
-            </a:r>
-            <a:r>
-              <a:rPr lang="en-US" altLang="ko-KR" sz="1200" b="0" i="0" kern="1200" dirty="0" err="1" smtClean="0">
-                <a:solidFill>
-                  <a:schemeClr val="tx1"/>
-                </a:solidFill>
-                <a:effectLst/>
-                <a:latin typeface="+mn-lt"/>
-                <a:ea typeface="+mn-ea"/>
-                <a:cs typeface="+mn-cs"/>
-              </a:rPr>
-              <a:t>JpaRepository</a:t>
-            </a:r>
-            <a:r>
-              <a:rPr lang="ko-KR" altLang="en-US" baseline="0" dirty="0" smtClean="0"/>
-              <a:t>인터페이스를 사용하엿꼬</a:t>
-            </a:r>
-            <a:endParaRPr lang="en-US" altLang="ko-KR" baseline="0" dirty="0" smtClean="0"/>
-          </a:p>
-          <a:p>
-            <a:pPr marL="171450" indent="-171450">
-              <a:buFontTx/>
-              <a:buChar char="-"/>
-            </a:pPr>
-            <a:r>
-              <a:rPr lang="ko-KR" altLang="en-US" dirty="0" smtClean="0"/>
-              <a:t> </a:t>
-            </a:r>
-            <a:r>
-              <a:rPr lang="en-US" altLang="ko-KR" dirty="0" err="1" smtClean="0"/>
-              <a:t>api</a:t>
+              <a:t>Hateoas</a:t>
             </a:r>
             <a:r>
               <a:rPr lang="en-US" altLang="ko-KR" dirty="0" smtClean="0"/>
@@ -8065,11 +8852,19 @@
             </a:r>
             <a:r>
               <a:rPr lang="ko-KR" altLang="en-US" dirty="0" smtClean="0"/>
-              <a:t>구현 하면서 </a:t>
+              <a:t>통해 상태 전이</a:t>
             </a:r>
             <a:r>
               <a:rPr lang="ko-KR" altLang="en-US" baseline="0" dirty="0" smtClean="0"/>
-              <a:t> 테스트 코드등을 통ㅇ해 실제 쿼리를 보면서 수정하였습니다</a:t>
+              <a:t> 매커니즘까지 제공못한게 조금은 아쉽습니다</a:t>
+            </a:r>
+            <a:r>
+              <a:rPr lang="en-US" altLang="ko-KR" baseline="0" dirty="0" smtClean="0"/>
+              <a:t>. </a:t>
+            </a:r>
+            <a:r>
+              <a:rPr lang="ko-KR" altLang="en-US" baseline="0" dirty="0" smtClean="0"/>
+              <a:t>개선부분입니다</a:t>
             </a:r>
             <a:r>
               <a:rPr lang="en-US" altLang="ko-KR" baseline="0" dirty="0" smtClean="0"/>
@@ -8077,560 +8872,7 @@
             </a:r>
           </a:p>
           <a:p>
-            <a:pPr marL="0" indent="0">
-              <a:buFontTx/>
-              <a:buNone/>
-            </a:pPr>
-            <a:r>
-              <a:rPr lang="en-US" altLang="ko-KR" baseline="0" dirty="0" smtClean="0"/>
-              <a:t>   </a:t>
-            </a:r>
-            <a:endParaRPr lang="en-US" altLang="ko-KR" dirty="0" smtClean="0"/>
-          </a:p>
-          <a:p>
-            <a:pPr marL="0" marR="0" indent="0" algn="l" defTabSz="914400" rtl="0" eaLnBrk="1" fontAlgn="auto" latinLnBrk="1" hangingPunct="1">
-              <a:lnSpc>
-                <a:spcPct val="100000"/>
-              </a:lnSpc>
-              <a:spcBef>
-                <a:spcPts val="0"/>
-              </a:spcBef>
-              <a:spcAft>
-                <a:spcPts val="0"/>
-              </a:spcAft>
-              <a:buClrTx/>
-              <a:buSzTx/>
-              <a:buFontTx/>
-              <a:buNone/>
-              <a:tabLst/>
-              <a:defRPr/>
-            </a:pPr>
-            <a:r>
-              <a:rPr lang="en-US" altLang="ko-KR" dirty="0" smtClean="0"/>
-              <a:t> 	Fetch type </a:t>
-            </a:r>
-            <a:r>
-              <a:rPr lang="ko-KR" altLang="en-US" dirty="0" smtClean="0"/>
-              <a:t>기본 </a:t>
-            </a:r>
-            <a:r>
-              <a:rPr lang="en-US" altLang="ko-KR" dirty="0" smtClean="0"/>
-              <a:t>lazy</a:t>
-            </a:r>
-            <a:r>
-              <a:rPr lang="ko-KR" altLang="en-US" dirty="0" smtClean="0"/>
-              <a:t>로 하고 서비스를 구현하면 자주 같이 사용되는 불러지는 </a:t>
-            </a:r>
-            <a:r>
-              <a:rPr lang="en-US" altLang="ko-KR" dirty="0" smtClean="0"/>
-              <a:t>entity</a:t>
-            </a:r>
-            <a:r>
-              <a:rPr lang="ko-KR" altLang="en-US" dirty="0" smtClean="0"/>
-              <a:t>를  </a:t>
-            </a:r>
-            <a:r>
-              <a:rPr lang="en-US" altLang="ko-KR" dirty="0" smtClean="0"/>
-              <a:t>join fetch</a:t>
-            </a:r>
-            <a:r>
-              <a:rPr lang="ko-KR" altLang="en-US" dirty="0" smtClean="0"/>
-              <a:t>를 이용해 자주 검색되는걸 불러오게  </a:t>
-            </a:r>
-            <a:r>
-              <a:rPr lang="en-US" altLang="ko-KR" dirty="0" smtClean="0"/>
-              <a:t>n+1</a:t>
-            </a:r>
-            <a:r>
-              <a:rPr lang="ko-KR" altLang="en-US" dirty="0" smtClean="0"/>
-              <a:t>쿼리 문제를 방지하기 위해</a:t>
-            </a:r>
-            <a:endParaRPr lang="en-US" altLang="ko-KR" dirty="0" smtClean="0"/>
-          </a:p>
-          <a:p>
-            <a:pPr marL="0" marR="0" indent="0" algn="l" defTabSz="914400" rtl="0" eaLnBrk="1" fontAlgn="auto" latinLnBrk="1" hangingPunct="1">
-              <a:lnSpc>
-                <a:spcPct val="100000"/>
-              </a:lnSpc>
-              <a:spcBef>
-                <a:spcPts val="0"/>
-              </a:spcBef>
-              <a:spcAft>
-                <a:spcPts val="0"/>
-              </a:spcAft>
-              <a:buClrTx/>
-              <a:buSzTx/>
-              <a:buFontTx/>
-              <a:buNone/>
-              <a:tabLst/>
-              <a:defRPr/>
-            </a:pPr>
-            <a:r>
-              <a:rPr lang="ko-KR" altLang="en-US" dirty="0" smtClean="0"/>
-              <a:t>테스트 코드 실행후 쿼리문을 점검하다가 생긴 궁금증 을 해소하기위해 </a:t>
-            </a:r>
-            <a:r>
-              <a:rPr lang="en-US" altLang="ko-KR" sz="1200" b="0" i="0" kern="1200" dirty="0" err="1" smtClean="0">
-                <a:solidFill>
-                  <a:schemeClr val="tx1"/>
-                </a:solidFill>
-                <a:effectLst/>
-                <a:latin typeface="+mn-lt"/>
-                <a:ea typeface="+mn-ea"/>
-                <a:cs typeface="+mn-cs"/>
-              </a:rPr>
-              <a:t>simpleRepository</a:t>
-            </a:r>
-            <a:r>
-              <a:rPr lang="ko-KR" altLang="en-US" sz="1200" b="0" i="0" kern="1200" dirty="0" smtClean="0">
-                <a:solidFill>
-                  <a:schemeClr val="tx1"/>
-                </a:solidFill>
-                <a:effectLst/>
-                <a:latin typeface="+mn-lt"/>
-                <a:ea typeface="+mn-ea"/>
-                <a:cs typeface="+mn-cs"/>
-              </a:rPr>
-              <a:t>소스를 디버깅ㅇ르 통해 분석도 해보았고  정확한 </a:t>
-            </a:r>
-            <a:r>
-              <a:rPr lang="en-US" altLang="ko-KR" sz="1200" b="0" i="0" kern="1200" dirty="0" smtClean="0">
-                <a:solidFill>
-                  <a:schemeClr val="tx1"/>
-                </a:solidFill>
-                <a:effectLst/>
-                <a:latin typeface="+mn-lt"/>
-                <a:ea typeface="+mn-ea"/>
-                <a:cs typeface="+mn-cs"/>
-              </a:rPr>
-              <a:t>query</a:t>
-            </a:r>
-            <a:r>
-              <a:rPr lang="en-US" altLang="ko-KR" sz="1200" b="0" i="0" kern="1200" baseline="0" dirty="0" smtClean="0">
-                <a:solidFill>
-                  <a:schemeClr val="tx1"/>
-                </a:solidFill>
-                <a:effectLst/>
-                <a:latin typeface="+mn-lt"/>
-                <a:ea typeface="+mn-ea"/>
-                <a:cs typeface="+mn-cs"/>
-              </a:rPr>
-              <a:t> </a:t>
-            </a:r>
-            <a:r>
-              <a:rPr lang="en-US" altLang="ko-KR" sz="1200" b="0" i="0" kern="1200" baseline="0" dirty="0" err="1" smtClean="0">
-                <a:solidFill>
-                  <a:schemeClr val="tx1"/>
-                </a:solidFill>
-                <a:effectLst/>
-                <a:latin typeface="+mn-lt"/>
-                <a:ea typeface="+mn-ea"/>
-                <a:cs typeface="+mn-cs"/>
-              </a:rPr>
-              <a:t>flsuh</a:t>
-            </a:r>
-            <a:r>
-              <a:rPr lang="en-US" altLang="ko-KR" sz="1200" b="0" i="0" kern="1200" baseline="0" dirty="0" smtClean="0">
-                <a:solidFill>
-                  <a:schemeClr val="tx1"/>
-                </a:solidFill>
-                <a:effectLst/>
-                <a:latin typeface="+mn-lt"/>
-                <a:ea typeface="+mn-ea"/>
-                <a:cs typeface="+mn-cs"/>
-              </a:rPr>
-              <a:t> </a:t>
-            </a:r>
-            <a:r>
-              <a:rPr lang="ko-KR" altLang="en-US" sz="1200" b="0" i="0" kern="1200" baseline="0" dirty="0" smtClean="0">
-                <a:solidFill>
-                  <a:schemeClr val="tx1"/>
-                </a:solidFill>
-                <a:effectLst/>
-                <a:latin typeface="+mn-lt"/>
-                <a:ea typeface="+mn-ea"/>
-                <a:cs typeface="+mn-cs"/>
-              </a:rPr>
-              <a:t>시기 </a:t>
-            </a:r>
-            <a:r>
-              <a:rPr lang="en-US" altLang="ko-KR" sz="1200" b="0" i="0" kern="1200" baseline="0" dirty="0" smtClean="0">
-                <a:solidFill>
-                  <a:schemeClr val="tx1"/>
-                </a:solidFill>
-                <a:effectLst/>
-                <a:latin typeface="+mn-lt"/>
-                <a:ea typeface="+mn-ea"/>
-                <a:cs typeface="+mn-cs"/>
-              </a:rPr>
-              <a:t>query </a:t>
-            </a:r>
-            <a:r>
-              <a:rPr lang="ko-KR" altLang="en-US" sz="1200" b="0" i="0" kern="1200" baseline="0" dirty="0" smtClean="0">
-                <a:solidFill>
-                  <a:schemeClr val="tx1"/>
-                </a:solidFill>
-                <a:effectLst/>
-                <a:latin typeface="+mn-lt"/>
-                <a:ea typeface="+mn-ea"/>
-                <a:cs typeface="+mn-cs"/>
-              </a:rPr>
-              <a:t>생성 과정 </a:t>
-            </a:r>
-            <a:r>
-              <a:rPr lang="en-US" altLang="ko-KR" sz="1200" b="0" i="0" kern="1200" baseline="0" dirty="0" err="1" smtClean="0">
-                <a:solidFill>
-                  <a:schemeClr val="tx1"/>
-                </a:solidFill>
-                <a:effectLst/>
-                <a:latin typeface="+mn-lt"/>
-                <a:ea typeface="+mn-ea"/>
-                <a:cs typeface="+mn-cs"/>
-              </a:rPr>
-              <a:t>jpa</a:t>
-            </a:r>
-            <a:r>
-              <a:rPr lang="en-US" altLang="ko-KR" sz="1200" b="0" i="0" kern="1200" baseline="0" dirty="0" smtClean="0">
-                <a:solidFill>
-                  <a:schemeClr val="tx1"/>
-                </a:solidFill>
-                <a:effectLst/>
-                <a:latin typeface="+mn-lt"/>
-                <a:ea typeface="+mn-ea"/>
-                <a:cs typeface="+mn-cs"/>
-              </a:rPr>
-              <a:t> </a:t>
-            </a:r>
-            <a:r>
-              <a:rPr lang="ko-KR" altLang="en-US" sz="1200" b="0" i="0" kern="1200" baseline="0" dirty="0" smtClean="0">
-                <a:solidFill>
-                  <a:schemeClr val="tx1"/>
-                </a:solidFill>
-                <a:effectLst/>
-                <a:latin typeface="+mn-lt"/>
-                <a:ea typeface="+mn-ea"/>
-                <a:cs typeface="+mn-cs"/>
-              </a:rPr>
-              <a:t>동작원리를 파악하기 이해하기 위해 노력</a:t>
-            </a:r>
-            <a:endParaRPr lang="en-US" altLang="ko-KR" dirty="0" smtClean="0"/>
-          </a:p>
-          <a:p>
-            <a:pPr marL="171450" marR="0" indent="-171450" algn="l" defTabSz="914400" rtl="0" eaLnBrk="1" fontAlgn="auto" latinLnBrk="1" hangingPunct="1">
-              <a:lnSpc>
-                <a:spcPct val="100000"/>
-              </a:lnSpc>
-              <a:spcBef>
-                <a:spcPts val="0"/>
-              </a:spcBef>
-              <a:spcAft>
-                <a:spcPts val="0"/>
-              </a:spcAft>
-              <a:buClrTx/>
-              <a:buSzTx/>
-              <a:buFontTx/>
-              <a:buChar char="-"/>
-              <a:tabLst/>
-              <a:defRPr/>
-            </a:pPr>
-            <a:r>
-              <a:rPr lang="ko-KR" altLang="en-US" dirty="0" smtClean="0"/>
-              <a:t>양뱡향 관계 설정</a:t>
-            </a:r>
-            <a:r>
-              <a:rPr lang="ko-KR" altLang="en-US" baseline="0" dirty="0" smtClean="0"/>
-              <a:t> </a:t>
-            </a:r>
             <a:endParaRPr lang="en-US" altLang="ko-KR" baseline="0" dirty="0" smtClean="0"/>
-          </a:p>
-          <a:p>
-            <a:pPr marL="171450" marR="0" indent="-171450" algn="l" defTabSz="914400" rtl="0" eaLnBrk="1" fontAlgn="auto" latinLnBrk="1" hangingPunct="1">
-              <a:lnSpc>
-                <a:spcPct val="100000"/>
-              </a:lnSpc>
-              <a:spcBef>
-                <a:spcPts val="0"/>
-              </a:spcBef>
-              <a:spcAft>
-                <a:spcPts val="0"/>
-              </a:spcAft>
-              <a:buClrTx/>
-              <a:buSzTx/>
-              <a:buFontTx/>
-              <a:buChar char="-"/>
-              <a:tabLst/>
-              <a:defRPr/>
-            </a:pPr>
-            <a:r>
-              <a:rPr lang="en-US" altLang="ko-KR" baseline="0" dirty="0" smtClean="0"/>
-              <a:t>– </a:t>
-            </a:r>
-            <a:r>
-              <a:rPr lang="en-US" altLang="ko-KR" baseline="0" dirty="0" err="1" smtClean="0"/>
-              <a:t>jp</a:t>
-            </a:r>
-            <a:r>
-              <a:rPr lang="en-US" altLang="ko-KR" baseline="0" dirty="0" smtClean="0"/>
-              <a:t> </a:t>
-            </a:r>
-            <a:r>
-              <a:rPr lang="ko-KR" altLang="en-US" baseline="0" dirty="0" smtClean="0"/>
-              <a:t>가장 큰 장점이 객체 그래프 탐색을 잘 활용해 객체지향적인 코딩을 할수있게 관계설정ㅇ르 유념해서 </a:t>
-            </a:r>
-            <a:r>
-              <a:rPr lang="en-US" altLang="ko-KR" baseline="0" dirty="0" smtClean="0"/>
-              <a:t>entity </a:t>
-            </a:r>
-            <a:r>
-              <a:rPr lang="ko-KR" altLang="en-US" baseline="0" dirty="0" smtClean="0"/>
-              <a:t>설계를 진행하엿습니다</a:t>
-            </a:r>
-            <a:r>
-              <a:rPr lang="en-US" altLang="ko-KR" baseline="0" dirty="0" smtClean="0"/>
-              <a:t>.</a:t>
-            </a:r>
-          </a:p>
-          <a:p>
-            <a:pPr marL="171450" marR="0" indent="-171450" algn="l" defTabSz="914400" rtl="0" eaLnBrk="1" fontAlgn="auto" latinLnBrk="1" hangingPunct="1">
-              <a:lnSpc>
-                <a:spcPct val="100000"/>
-              </a:lnSpc>
-              <a:spcBef>
-                <a:spcPts val="0"/>
-              </a:spcBef>
-              <a:spcAft>
-                <a:spcPts val="0"/>
-              </a:spcAft>
-              <a:buClrTx/>
-              <a:buSzTx/>
-              <a:buFontTx/>
-              <a:buChar char="-"/>
-              <a:tabLst/>
-              <a:defRPr/>
-            </a:pPr>
-            <a:r>
-              <a:rPr lang="en-US" altLang="ko-KR" baseline="0" dirty="0" smtClean="0"/>
-              <a:t>N+1 </a:t>
-            </a:r>
-            <a:r>
-              <a:rPr lang="ko-KR" altLang="en-US" baseline="0" dirty="0" smtClean="0"/>
-              <a:t>쿼리나 예</a:t>
-            </a:r>
-            <a:r>
-              <a:rPr lang="en-US" altLang="ko-KR" baseline="0" dirty="0" smtClean="0"/>
-              <a:t>) </a:t>
-            </a:r>
-            <a:r>
-              <a:rPr lang="ko-KR" altLang="en-US" baseline="0" dirty="0" smtClean="0"/>
-              <a:t>층삭제시 여기에있느 모든 자리와 장소를 삭제해야하는데 이때 </a:t>
-            </a:r>
-            <a:r>
-              <a:rPr lang="en-US" altLang="ko-KR" baseline="0" dirty="0" smtClean="0"/>
-              <a:t>seat </a:t>
-            </a:r>
-            <a:r>
-              <a:rPr lang="ko-KR" altLang="en-US" baseline="0" dirty="0" smtClean="0"/>
-              <a:t>읗 하나씩 하기보다는 </a:t>
-            </a:r>
-            <a:r>
-              <a:rPr lang="en-US" altLang="ko-KR" baseline="0" dirty="0" err="1" smtClean="0"/>
-              <a:t>floorid</a:t>
-            </a:r>
-            <a:r>
-              <a:rPr lang="ko-KR" altLang="en-US" baseline="0" dirty="0" smtClean="0"/>
-              <a:t>로 모두 삭제하는 쿼리 </a:t>
-            </a:r>
-            <a:endParaRPr lang="en-US" altLang="ko-KR" dirty="0" smtClean="0"/>
-          </a:p>
-          <a:p>
-            <a:endParaRPr lang="en-US" altLang="ko-KR" dirty="0" smtClean="0"/>
-          </a:p>
-          <a:p>
-            <a:r>
-              <a:rPr lang="en-US" altLang="ko-KR" dirty="0" err="1" smtClean="0"/>
-              <a:t>Jpa</a:t>
-            </a:r>
-            <a:r>
-              <a:rPr lang="en-US" altLang="ko-KR" baseline="0" dirty="0" smtClean="0"/>
-              <a:t> </a:t>
-            </a:r>
-            <a:r>
-              <a:rPr lang="ko-KR" altLang="en-US" baseline="0" dirty="0" smtClean="0"/>
-              <a:t>장점</a:t>
-            </a:r>
-            <a:endParaRPr lang="en-US" altLang="ko-KR" baseline="0" dirty="0" smtClean="0"/>
-          </a:p>
-          <a:p>
-            <a:r>
-              <a:rPr lang="en-US" altLang="ko-KR" baseline="0" dirty="0" smtClean="0"/>
-              <a:t>-</a:t>
-            </a:r>
-            <a:r>
-              <a:rPr lang="ko-KR" altLang="en-US" baseline="0" dirty="0" smtClean="0"/>
-              <a:t>벤더 독립성</a:t>
-            </a:r>
-            <a:endParaRPr lang="en-US" altLang="ko-KR" baseline="0" dirty="0" smtClean="0"/>
-          </a:p>
-          <a:p>
-            <a:pPr marL="171450" indent="-171450">
-              <a:buFontTx/>
-              <a:buChar char="-"/>
-            </a:pPr>
-            <a:r>
-              <a:rPr lang="ko-KR" altLang="en-US" baseline="0" dirty="0" smtClean="0"/>
-              <a:t>객체지향 적으로 코딩 가능</a:t>
-            </a:r>
-            <a:r>
-              <a:rPr lang="en-US" altLang="ko-KR" baseline="0" dirty="0" smtClean="0"/>
-              <a:t>(</a:t>
-            </a:r>
-            <a:r>
-              <a:rPr lang="ko-KR" altLang="en-US" baseline="0" dirty="0" smtClean="0"/>
-              <a:t>객체 그래프탐색</a:t>
-            </a:r>
-            <a:r>
-              <a:rPr lang="en-US" altLang="ko-KR" baseline="0" dirty="0" smtClean="0"/>
-              <a:t>)</a:t>
-            </a:r>
-          </a:p>
-          <a:p>
-            <a:pPr marL="171450" indent="-171450">
-              <a:buFontTx/>
-              <a:buChar char="-"/>
-            </a:pPr>
-            <a:r>
-              <a:rPr lang="ko-KR" altLang="en-US" baseline="0" dirty="0" smtClean="0"/>
-              <a:t>유지 보수</a:t>
-            </a:r>
-            <a:endParaRPr lang="en-US" altLang="ko-KR" dirty="0" smtClean="0"/>
-          </a:p>
-          <a:p>
-            <a:endParaRPr lang="en-US" altLang="ko-KR" dirty="0" smtClean="0"/>
-          </a:p>
-          <a:p>
-            <a:r>
-              <a:rPr lang="en-US" altLang="ko-KR" dirty="0" smtClean="0"/>
-              <a:t>N+1</a:t>
-            </a:r>
-            <a:r>
-              <a:rPr lang="ko-KR" altLang="en-US" dirty="0" smtClean="0"/>
-              <a:t>쿼리 란</a:t>
-            </a:r>
-            <a:r>
-              <a:rPr lang="en-US" altLang="ko-KR" dirty="0" smtClean="0"/>
-              <a:t>?.</a:t>
-            </a:r>
-          </a:p>
-          <a:p>
-            <a:r>
-              <a:rPr lang="en-US" altLang="ko-KR" dirty="0" smtClean="0"/>
-              <a:t>Floor</a:t>
-            </a:r>
-            <a:r>
-              <a:rPr lang="en-US" altLang="ko-KR" baseline="0" dirty="0" smtClean="0"/>
-              <a:t> list seats </a:t>
-            </a:r>
-            <a:r>
-              <a:rPr lang="ko-KR" altLang="en-US" baseline="0" dirty="0" smtClean="0"/>
-              <a:t>처럼 한번 </a:t>
-            </a:r>
-            <a:r>
-              <a:rPr lang="en-US" altLang="ko-KR" baseline="0" dirty="0" smtClean="0"/>
-              <a:t>floor </a:t>
-            </a:r>
-            <a:r>
-              <a:rPr lang="ko-KR" altLang="en-US" baseline="0" dirty="0" smtClean="0"/>
-              <a:t>조회하고 </a:t>
-            </a:r>
-            <a:r>
-              <a:rPr lang="en-US" altLang="ko-KR" baseline="0" dirty="0" smtClean="0"/>
-              <a:t>seats </a:t>
-            </a:r>
-            <a:r>
-              <a:rPr lang="ko-KR" altLang="en-US" baseline="0" dirty="0" smtClean="0"/>
-              <a:t>가져오게 되면 </a:t>
-            </a:r>
-            <a:r>
-              <a:rPr lang="en-US" altLang="ko-KR" baseline="0" dirty="0" smtClean="0"/>
-              <a:t>floor </a:t>
-            </a:r>
-            <a:r>
-              <a:rPr lang="ko-KR" altLang="en-US" baseline="0" dirty="0" smtClean="0"/>
-              <a:t>갯수만큼 다시 쿼리 조회가 일어나는것 </a:t>
-            </a:r>
-            <a:r>
-              <a:rPr lang="en-US" altLang="ko-KR" baseline="0" dirty="0" smtClean="0"/>
-              <a:t>eager </a:t>
-            </a:r>
-            <a:r>
-              <a:rPr lang="ko-KR" altLang="en-US" baseline="0" dirty="0" smtClean="0"/>
-              <a:t>로딩도 도움이 되지는 않는다 </a:t>
-            </a:r>
-            <a:r>
-              <a:rPr lang="en-US" altLang="ko-KR" baseline="0" dirty="0" smtClean="0"/>
-              <a:t>.</a:t>
-            </a:r>
-            <a:r>
-              <a:rPr lang="en-US" altLang="ko-KR" baseline="0" dirty="0" err="1" smtClean="0"/>
-              <a:t>jpql</a:t>
-            </a:r>
-            <a:r>
-              <a:rPr lang="en-US" altLang="ko-KR" baseline="0" dirty="0" smtClean="0"/>
-              <a:t> </a:t>
-            </a:r>
-            <a:r>
-              <a:rPr lang="ko-KR" altLang="en-US" baseline="0" dirty="0" smtClean="0"/>
-              <a:t>를사용하면 </a:t>
-            </a:r>
-            <a:r>
-              <a:rPr lang="en-US" altLang="ko-KR" baseline="0" dirty="0" err="1" smtClean="0"/>
-              <a:t>fetchtype</a:t>
-            </a:r>
-            <a:r>
-              <a:rPr lang="ko-KR" altLang="en-US" baseline="0" dirty="0" smtClean="0"/>
-              <a:t>적용안되기 떄문에 </a:t>
-            </a:r>
-            <a:endParaRPr lang="en-US" altLang="ko-KR" dirty="0" smtClean="0"/>
-          </a:p>
-          <a:p>
-            <a:endParaRPr lang="en-US" altLang="ko-KR" dirty="0" smtClean="0"/>
-          </a:p>
-          <a:p>
-            <a:r>
-              <a:rPr lang="ko-KR" altLang="en-US" dirty="0" smtClean="0"/>
-              <a:t>예저에 </a:t>
-            </a:r>
-            <a:r>
-              <a:rPr lang="en-US" altLang="ko-KR" dirty="0" smtClean="0"/>
-              <a:t>my </a:t>
-            </a:r>
-            <a:r>
-              <a:rPr lang="en-US" altLang="ko-KR" dirty="0" err="1" smtClean="0"/>
-              <a:t>batis</a:t>
-            </a:r>
-            <a:r>
-              <a:rPr lang="en-US" altLang="ko-KR" dirty="0" smtClean="0"/>
-              <a:t> </a:t>
-            </a:r>
-            <a:r>
-              <a:rPr lang="ko-KR" altLang="en-US" dirty="0" smtClean="0"/>
-              <a:t>사용할때</a:t>
-            </a:r>
-            <a:r>
-              <a:rPr lang="ko-KR" altLang="en-US" baseline="0" dirty="0" smtClean="0"/>
-              <a:t> 스프링 구조가 단조롭고 모든 쿼리마다 메서드가 정해져있어다 이걸 통해 아예 전체 코드나 주고 설계가 달라질수있겠구나 느꼈다</a:t>
-            </a:r>
-            <a:r>
-              <a:rPr lang="en-US" altLang="ko-KR" baseline="0" dirty="0" smtClean="0"/>
-              <a:t>.</a:t>
-            </a:r>
-            <a:endParaRPr lang="en-US" altLang="ko-KR" dirty="0" smtClean="0"/>
-          </a:p>
-          <a:p>
-            <a:endParaRPr lang="en-US" altLang="ko-KR" dirty="0" smtClean="0"/>
-          </a:p>
-          <a:p>
-            <a:endParaRPr lang="ko-KR" altLang="en-US" dirty="0"/>
           </a:p>
         </p:txBody>
       </p:sp>
@@ -8651,7 +8893,7 @@
           <a:p>
             <a:fld id="{AD4EE2DB-E76A-4EC0-BB3C-86A9DFF316EC}" type="slidenum">
               <a:rPr lang="ko-KR" altLang="en-US" smtClean="0"/>
-              <a:t>12</a:t>
+              <a:t>11</a:t>
             </a:fld>
             <a:endParaRPr lang="ko-KR" altLang="en-US"/>
           </a:p>
@@ -8660,7 +8902,7 @@
     </p:spTree>
     <p:extLst>
       <p:ext uri="{BB962C8B-B14F-4D97-AF65-F5344CB8AC3E}">
-        <p14:creationId xmlns:p14="http://schemas.microsoft.com/office/powerpoint/2010/main" val="2460002571"/>
+        <p14:creationId xmlns:p14="http://schemas.microsoft.com/office/powerpoint/2010/main" val="293636839"/>
       </p:ext>
     </p:extLst>
   </p:cSld>
@@ -8799,7 +9041,7 @@
           <a:p>
             <a:fld id="{3AC7D0C1-D5FE-48CB-AEB6-E9E3D1C2E343}" type="datetimeFigureOut">
               <a:rPr lang="ko-KR" altLang="en-US" smtClean="0"/>
-              <a:t>2019-10-13</a:t>
+              <a:t>2019-10-14</a:t>
             </a:fld>
             <a:endParaRPr lang="ko-KR" altLang="en-US"/>
           </a:p>
@@ -8967,7 +9209,7 @@
           <a:p>
             <a:fld id="{3AC7D0C1-D5FE-48CB-AEB6-E9E3D1C2E343}" type="datetimeFigureOut">
               <a:rPr lang="ko-KR" altLang="en-US" smtClean="0"/>
-              <a:t>2019-10-13</a:t>
+              <a:t>2019-10-14</a:t>
             </a:fld>
             <a:endParaRPr lang="ko-KR" altLang="en-US"/>
           </a:p>
@@ -9145,7 +9387,7 @@
           <a:p>
             <a:fld id="{3AC7D0C1-D5FE-48CB-AEB6-E9E3D1C2E343}" type="datetimeFigureOut">
               <a:rPr lang="ko-KR" altLang="en-US" smtClean="0"/>
-              <a:t>2019-10-13</a:t>
+              <a:t>2019-10-14</a:t>
             </a:fld>
             <a:endParaRPr lang="ko-KR" altLang="en-US"/>
           </a:p>
@@ -9313,7 +9555,7 @@
           <a:p>
             <a:fld id="{3AC7D0C1-D5FE-48CB-AEB6-E9E3D1C2E343}" type="datetimeFigureOut">
               <a:rPr lang="ko-KR" altLang="en-US" smtClean="0"/>
-              <a:t>2019-10-13</a:t>
+              <a:t>2019-10-14</a:t>
             </a:fld>
             <a:endParaRPr lang="ko-KR" altLang="en-US"/>
           </a:p>
@@ -9558,7 +9800,7 @@
           <a:p>
             <a:fld id="{3AC7D0C1-D5FE-48CB-AEB6-E9E3D1C2E343}" type="datetimeFigureOut">
               <a:rPr lang="ko-KR" altLang="en-US" smtClean="0"/>
-              <a:t>2019-10-13</a:t>
+              <a:t>2019-10-14</a:t>
             </a:fld>
             <a:endParaRPr lang="ko-KR" altLang="en-US"/>
           </a:p>
@@ -9787,7 +10029,7 @@
           <a:p>
             <a:fld id="{3AC7D0C1-D5FE-48CB-AEB6-E9E3D1C2E343}" type="datetimeFigureOut">
               <a:rPr lang="ko-KR" altLang="en-US" smtClean="0"/>
-              <a:t>2019-10-13</a:t>
+              <a:t>2019-10-14</a:t>
             </a:fld>
             <a:endParaRPr lang="ko-KR" altLang="en-US"/>
           </a:p>
@@ -10151,7 +10393,7 @@
           <a:p>
             <a:fld id="{3AC7D0C1-D5FE-48CB-AEB6-E9E3D1C2E343}" type="datetimeFigureOut">
               <a:rPr lang="ko-KR" altLang="en-US" smtClean="0"/>
-              <a:t>2019-10-13</a:t>
+              <a:t>2019-10-14</a:t>
             </a:fld>
             <a:endParaRPr lang="ko-KR" altLang="en-US"/>
           </a:p>
@@ -10268,7 +10510,7 @@
           <a:p>
             <a:fld id="{3AC7D0C1-D5FE-48CB-AEB6-E9E3D1C2E343}" type="datetimeFigureOut">
               <a:rPr lang="ko-KR" altLang="en-US" smtClean="0"/>
-              <a:t>2019-10-13</a:t>
+              <a:t>2019-10-14</a:t>
             </a:fld>
             <a:endParaRPr lang="ko-KR" altLang="en-US"/>
           </a:p>
@@ -10363,7 +10605,7 @@
           <a:p>
             <a:fld id="{3AC7D0C1-D5FE-48CB-AEB6-E9E3D1C2E343}" type="datetimeFigureOut">
               <a:rPr lang="ko-KR" altLang="en-US" smtClean="0"/>
-              <a:t>2019-10-13</a:t>
+              <a:t>2019-10-14</a:t>
             </a:fld>
             <a:endParaRPr lang="ko-KR" altLang="en-US"/>
           </a:p>
@@ -10638,7 +10880,7 @@
           <a:p>
             <a:fld id="{3AC7D0C1-D5FE-48CB-AEB6-E9E3D1C2E343}" type="datetimeFigureOut">
               <a:rPr lang="ko-KR" altLang="en-US" smtClean="0"/>
-              <a:t>2019-10-13</a:t>
+              <a:t>2019-10-14</a:t>
             </a:fld>
             <a:endParaRPr lang="ko-KR" altLang="en-US"/>
           </a:p>
@@ -10890,7 +11132,7 @@
           <a:p>
             <a:fld id="{3AC7D0C1-D5FE-48CB-AEB6-E9E3D1C2E343}" type="datetimeFigureOut">
               <a:rPr lang="ko-KR" altLang="en-US" smtClean="0"/>
-              <a:t>2019-10-13</a:t>
+              <a:t>2019-10-14</a:t>
             </a:fld>
             <a:endParaRPr lang="ko-KR" altLang="en-US"/>
           </a:p>
@@ -11101,7 +11343,7 @@
           <a:p>
             <a:fld id="{3AC7D0C1-D5FE-48CB-AEB6-E9E3D1C2E343}" type="datetimeFigureOut">
               <a:rPr lang="ko-KR" altLang="en-US" smtClean="0"/>
-              <a:t>2019-10-13</a:t>
+              <a:t>2019-10-14</a:t>
             </a:fld>
             <a:endParaRPr lang="ko-KR" altLang="en-US"/>
           </a:p>
@@ -11190,7 +11432,7 @@
           <p:cNvPr id="7" name="TextBox 6">
             <a:extLst>
               <a:ext uri="{FF2B5EF4-FFF2-40B4-BE49-F238E27FC236}">
-                <a16:creationId xmlns="" xmlns:a16="http://schemas.microsoft.com/office/drawing/2014/main" id="{691811B0-B48E-441A-87FD-055ECECA2FB0}"/>
+                <a16:creationId xmlns:a16="http://schemas.microsoft.com/office/drawing/2014/main" xmlns="" id="{691811B0-B48E-441A-87FD-055ECECA2FB0}"/>
               </a:ext>
             </a:extLst>
           </p:cNvPr>
@@ -12168,60 +12410,6 @@
           </a:fontRef>
         </p:style>
       </p:cxnSp>
-      <p:pic>
-        <p:nvPicPr>
-          <p:cNvPr id="1026" name="Picture 2"/>
-          <p:cNvPicPr>
-            <a:picLocks noChangeAspect="1" noChangeArrowheads="1"/>
-          </p:cNvPicPr>
-          <p:nvPr/>
-        </p:nvPicPr>
-        <p:blipFill>
-          <a:blip r:embed="rId3">
-            <a:extLst>
-              <a:ext uri="{28A0092B-C50C-407E-A947-70E740481C1C}">
-                <a14:useLocalDpi xmlns:a14="http://schemas.microsoft.com/office/drawing/2010/main" val="0"/>
-              </a:ext>
-            </a:extLst>
-          </a:blip>
-          <a:srcRect/>
-          <a:stretch>
-            <a:fillRect/>
-          </a:stretch>
-        </p:blipFill>
-        <p:spPr bwMode="auto">
-          <a:xfrm>
-            <a:off x="6470750" y="1661617"/>
-            <a:ext cx="5587900" cy="5127292"/>
-          </a:xfrm>
-          <a:prstGeom prst="rect">
-            <a:avLst/>
-          </a:prstGeom>
-          <a:noFill/>
-          <a:ln>
-            <a:noFill/>
-          </a:ln>
-          <a:extLst>
-            <a:ext uri="{909E8E84-426E-40DD-AFC4-6F175D3DCCD1}">
-              <a14:hiddenFill xmlns:a14="http://schemas.microsoft.com/office/drawing/2010/main">
-                <a:solidFill>
-                  <a:schemeClr val="accent1"/>
-                </a:solidFill>
-              </a14:hiddenFill>
-            </a:ext>
-            <a:ext uri="{91240B29-F687-4F45-9708-019B960494DF}">
-              <a14:hiddenLine xmlns:a14="http://schemas.microsoft.com/office/drawing/2010/main" w="9525">
-                <a:solidFill>
-                  <a:schemeClr val="tx1"/>
-                </a:solidFill>
-                <a:miter lim="800000"/>
-                <a:headEnd/>
-                <a:tailEnd/>
-              </a14:hiddenLine>
-            </a:ext>
-          </a:extLst>
-        </p:spPr>
-      </p:pic>
       <p:sp>
         <p:nvSpPr>
           <p:cNvPr id="12" name="TextBox 11"/>
@@ -12364,7 +12552,7 @@
             </a:pPr>
             <a:r>
               <a:rPr lang="en-US" altLang="ko-KR" dirty="0">
-                <a:hlinkClick r:id="rId4"/>
+                <a:hlinkClick r:id="rId3"/>
               </a:rPr>
               <a:t>https://www.erdcloud.com/d/WzKF3yw8iSBCsq6WC</a:t>
             </a:r>
@@ -12404,6 +12592,30 @@
           </a:p>
         </p:txBody>
       </p:sp>
+      <p:pic>
+        <p:nvPicPr>
+          <p:cNvPr id="7" name="그림 6"/>
+          <p:cNvPicPr>
+            <a:picLocks noChangeAspect="1"/>
+          </p:cNvPicPr>
+          <p:nvPr/>
+        </p:nvPicPr>
+        <p:blipFill>
+          <a:blip r:embed="rId4"/>
+          <a:stretch>
+            <a:fillRect/>
+          </a:stretch>
+        </p:blipFill>
+        <p:spPr>
+          <a:xfrm>
+            <a:off x="6162906" y="1638300"/>
+            <a:ext cx="6014046" cy="4823832"/>
+          </a:xfrm>
+          <a:prstGeom prst="rect">
+            <a:avLst/>
+          </a:prstGeom>
+        </p:spPr>
+      </p:pic>
     </p:spTree>
     <p:extLst>
       <p:ext uri="{BB962C8B-B14F-4D97-AF65-F5344CB8AC3E}">
@@ -12977,7 +13189,7 @@
               </a:rPr>
               <a:t>seat.gabia.com:8080/swagger-ui.html</a:t>
             </a:r>
-            <a:endParaRPr lang="ko-KR" altLang="en-US" dirty="0"/>
+            <a:endParaRPr lang="en-US" altLang="ko-KR" dirty="0" smtClean="0"/>
           </a:p>
           <a:p>
             <a:pPr marL="742950" lvl="1" indent="-285750">
@@ -12988,12 +13200,18 @@
               <a:buChar char="•"/>
             </a:pPr>
             <a:r>
+              <a:rPr lang="en-US" altLang="ko-KR" dirty="0" smtClean="0">
+                <a:hlinkClick r:id="rId4"/>
+              </a:rPr>
+              <a:t>https</a:t>
+            </a:r>
+            <a:r>
               <a:rPr lang="en-US" altLang="ko-KR" dirty="0">
                 <a:hlinkClick r:id="rId4"/>
               </a:rPr>
-              <a:t>https://github.com/gabia-dev-mentor/2019_2_dev_intern_doc/blob/master/report/restapi.md</a:t>
-            </a:r>
-            <a:endParaRPr lang="en-US" altLang="ko-KR" dirty="0"/>
+              <a:t>://github.com/gabia-dev-mentor/2019_2_dev_intern_doc/blob/master/report/restapi.md</a:t>
+            </a:r>
+            <a:endParaRPr lang="en-US" altLang="ko-KR" dirty="0" smtClean="0"/>
           </a:p>
           <a:p>
             <a:pPr lvl="1">
@@ -15003,11 +15221,6 @@
               </a:rPr>
               <a:t>Spring</a:t>
             </a:r>
-            <a:endParaRPr lang="en-US" altLang="ko-KR" b="1" dirty="0" smtClean="0">
-              <a:solidFill>
-                <a:schemeClr val="accent4"/>
-              </a:solidFill>
-            </a:endParaRPr>
           </a:p>
           <a:p>
             <a:pPr marL="742950" lvl="1" indent="-285750">
@@ -15042,11 +15255,6 @@
               </a:rPr>
               <a:t>Annotation</a:t>
             </a:r>
-            <a:endParaRPr lang="en-US" altLang="ko-KR" b="1" dirty="0" smtClean="0">
-              <a:solidFill>
-                <a:schemeClr val="accent4"/>
-              </a:solidFill>
-            </a:endParaRPr>
           </a:p>
           <a:p>
             <a:pPr marL="1200150" lvl="2" indent="-285750">
@@ -19565,11 +19773,6 @@
               </a:rPr>
               <a:t>/Cd</a:t>
             </a:r>
-            <a:endParaRPr lang="en-US" altLang="ko-KR" b="1" dirty="0" smtClean="0">
-              <a:solidFill>
-                <a:schemeClr val="accent4"/>
-              </a:solidFill>
-            </a:endParaRPr>
           </a:p>
           <a:p>
             <a:pPr marL="1200150" lvl="2" indent="-285750">
@@ -19739,13 +19942,6 @@
               </a:rPr>
               <a:t>점</a:t>
             </a:r>
-            <a:endParaRPr lang="ko-KR" altLang="en-US" sz="3000" spc="-150" dirty="0">
-              <a:solidFill>
-                <a:schemeClr val="accent4"/>
-              </a:solidFill>
-              <a:latin typeface="+mj-ea"/>
-              <a:ea typeface="+mj-ea"/>
-            </a:endParaRPr>
           </a:p>
         </p:txBody>
       </p:sp>
@@ -22983,8 +23179,8 @@
         </p:nvSpPr>
         <p:spPr>
           <a:xfrm>
-            <a:off x="1608523" y="652394"/>
-            <a:ext cx="627095" cy="584775"/>
+            <a:off x="1481886" y="652394"/>
+            <a:ext cx="753732" cy="584775"/>
           </a:xfrm>
           <a:prstGeom prst="rect">
             <a:avLst/>
@@ -22999,12 +23195,12 @@
           <a:p>
             <a:pPr algn="r"/>
             <a:r>
-              <a:rPr lang="en-US" altLang="ko-KR" sz="3200" b="1" dirty="0">
+              <a:rPr lang="en-US" altLang="ko-KR" sz="3200" b="1" dirty="0" smtClean="0">
                 <a:solidFill>
                   <a:schemeClr val="accent4"/>
                 </a:solidFill>
               </a:rPr>
-              <a:t>1.1</a:t>
+              <a:t>1.2</a:t>
             </a:r>
             <a:endParaRPr lang="ko-KR" altLang="en-US" sz="3200" b="1" dirty="0">
               <a:solidFill>
@@ -23975,8 +24171,8 @@
         </p:nvSpPr>
         <p:spPr>
           <a:xfrm>
-            <a:off x="1608523" y="652394"/>
-            <a:ext cx="627095" cy="584775"/>
+            <a:off x="1481886" y="652394"/>
+            <a:ext cx="753732" cy="584775"/>
           </a:xfrm>
           <a:prstGeom prst="rect">
             <a:avLst/>
@@ -23991,12 +24187,12 @@
           <a:p>
             <a:pPr algn="r"/>
             <a:r>
-              <a:rPr lang="en-US" altLang="ko-KR" sz="3200" b="1" dirty="0">
+              <a:rPr lang="en-US" altLang="ko-KR" sz="3200" b="1" dirty="0" smtClean="0">
                 <a:solidFill>
                   <a:schemeClr val="accent4"/>
                 </a:solidFill>
               </a:rPr>
-              <a:t>1.1</a:t>
+              <a:t>1.2</a:t>
             </a:r>
             <a:endParaRPr lang="ko-KR" altLang="en-US" sz="3200" b="1" dirty="0">
               <a:solidFill>
@@ -24015,7 +24211,7 @@
         <p:spPr>
           <a:xfrm>
             <a:off x="2263852" y="645071"/>
-            <a:ext cx="2852063" cy="553998"/>
+            <a:ext cx="3217547" cy="553998"/>
           </a:xfrm>
           <a:prstGeom prst="rect">
             <a:avLst/>
@@ -24029,32 +24225,14 @@
           <a:lstStyle/>
           <a:p>
             <a:r>
-              <a:rPr lang="ko-KR" altLang="en-US" sz="3000" spc="-150" dirty="0" smtClean="0">
+              <a:rPr lang="ko-KR" altLang="en-US" sz="3000" spc="-150" dirty="0">
                 <a:solidFill>
                   <a:schemeClr val="accent4"/>
                 </a:solidFill>
                 <a:latin typeface="+mj-ea"/>
-                <a:ea typeface="+mj-ea"/>
-              </a:rPr>
-              <a:t>프로젝트 </a:t>
-            </a:r>
-            <a:r>
-              <a:rPr lang="ko-KR" altLang="en-US" sz="3000" spc="-150" dirty="0" err="1" smtClean="0">
-                <a:solidFill>
-                  <a:schemeClr val="accent4"/>
-                </a:solidFill>
-                <a:latin typeface="+mj-ea"/>
-                <a:ea typeface="+mj-ea"/>
-              </a:rPr>
-              <a:t>진행표</a:t>
-            </a:r>
-            <a:endParaRPr lang="ko-KR" altLang="en-US" sz="3000" spc="-150" dirty="0">
-              <a:solidFill>
-                <a:schemeClr val="accent4"/>
-              </a:solidFill>
-              <a:latin typeface="+mj-ea"/>
-              <a:ea typeface="+mj-ea"/>
-            </a:endParaRPr>
+              </a:rPr>
+              <a:t>프로젝트 진행과정</a:t>
+            </a:r>
           </a:p>
         </p:txBody>
       </p:sp>
@@ -26595,7 +26773,7 @@
   <a:extraClrSchemeLst/>
   <a:extLst>
     <a:ext uri="{05A4C25C-085E-4340-85A3-A5531E510DB2}">
-      <thm15:themeFamily xmlns:thm15="http://schemas.microsoft.com/office/thememl/2012/main" xmlns="" name="Office Theme" id="{62F939B6-93AF-4DB8-9C6B-D6C7DFDC589F}" vid="{4A3C46E8-61CC-4603-A589-7422A47A8E4A}"/>
+      <thm15:themeFamily xmlns:thm15="http://schemas.microsoft.com/office/thememl/2012/main" name="Office Theme" id="{62F939B6-93AF-4DB8-9C6B-D6C7DFDC589F}" vid="{4A3C46E8-61CC-4603-A589-7422A47A8E4A}"/>
     </a:ext>
   </a:extLst>
 </a:theme>
@@ -26856,7 +27034,7 @@
   <a:extraClrSchemeLst/>
   <a:extLst>
     <a:ext uri="{05A4C25C-085E-4340-85A3-A5531E510DB2}">
-      <thm15:themeFamily xmlns:thm15="http://schemas.microsoft.com/office/thememl/2012/main" xmlns="" name="Office Theme" id="{62F939B6-93AF-4DB8-9C6B-D6C7DFDC589F}" vid="{4A3C46E8-61CC-4603-A589-7422A47A8E4A}"/>
+      <thm15:themeFamily xmlns:thm15="http://schemas.microsoft.com/office/thememl/2012/main" name="Office Theme" id="{62F939B6-93AF-4DB8-9C6B-D6C7DFDC589F}" vid="{4A3C46E8-61CC-4603-A589-7422A47A8E4A}"/>
     </a:ext>
   </a:extLst>
 </a:theme>

--- a/발표/internProject(20191010).pptx
+++ b/발표/internProject(20191010).pptx
@@ -5,7 +5,7 @@
     <p:sldMasterId id="2147483648" r:id="rId1"/>
   </p:sldMasterIdLst>
   <p:notesMasterIdLst>
-    <p:notesMasterId r:id="rId22"/>
+    <p:notesMasterId r:id="rId23"/>
   </p:notesMasterIdLst>
   <p:sldIdLst>
     <p:sldId id="299" r:id="rId2"/>
@@ -27,7 +27,8 @@
     <p:sldId id="341" r:id="rId18"/>
     <p:sldId id="345" r:id="rId19"/>
     <p:sldId id="342" r:id="rId20"/>
-    <p:sldId id="330" r:id="rId21"/>
+    <p:sldId id="351" r:id="rId21"/>
+    <p:sldId id="330" r:id="rId22"/>
   </p:sldIdLst>
   <p:sldSz cx="12192000" cy="6858000"/>
   <p:notesSz cx="6858000" cy="9144000"/>
@@ -128,7 +129,7 @@
   </p:defaultTextStyle>
   <p:extLst>
     <p:ext uri="{EFAFB233-063F-42B5-8137-9DF3F51BA10A}">
-      <p15:sldGuideLst xmlns:p15="http://schemas.microsoft.com/office/powerpoint/2012/main">
+      <p15:sldGuideLst xmlns:p15="http://schemas.microsoft.com/office/powerpoint/2012/main" xmlns="">
         <p15:guide id="1" orient="horz" pos="2183" userDrawn="1">
           <p15:clr>
             <a:srgbClr val="A4A3A4"/>
@@ -966,19 +967,7 @@
                 <a:ea typeface="+mn-ea"/>
                 <a:cs typeface="+mn-cs"/>
               </a:rPr>
-              <a:t>생성 </a:t>
-            </a:r>
-            <a:r>
-              <a:rPr lang="ko-KR" altLang="en-US" sz="1200" b="0" i="0" kern="1200" baseline="0" dirty="0" smtClean="0">
-                <a:solidFill>
-                  <a:schemeClr val="tx1"/>
-                </a:solidFill>
-                <a:effectLst/>
-                <a:latin typeface="+mn-lt"/>
-                <a:ea typeface="+mn-ea"/>
-                <a:cs typeface="+mn-cs"/>
-              </a:rPr>
-              <a:t>과정영속성 유지  </a:t>
+              <a:t>생성 과정영속성 유지  </a:t>
             </a:r>
             <a:r>
               <a:rPr lang="en-US" altLang="ko-KR" sz="1200" b="0" i="0" kern="1200" baseline="0" dirty="0" err="1" smtClean="0">
@@ -1203,11 +1192,7 @@
             </a:pPr>
             <a:r>
               <a:rPr lang="ko-KR" altLang="en-US" baseline="0" dirty="0" smtClean="0"/>
-              <a:t>유지 </a:t>
-            </a:r>
-            <a:r>
-              <a:rPr lang="ko-KR" altLang="en-US" baseline="0" dirty="0" smtClean="0"/>
-              <a:t>보수</a:t>
+              <a:t>유지 보수</a:t>
             </a:r>
             <a:endParaRPr lang="en-US" altLang="ko-KR" baseline="0" dirty="0" smtClean="0"/>
           </a:p>
@@ -3510,7 +3495,31 @@
                 <a:ea typeface="+mn-ea"/>
                 <a:cs typeface="+mn-cs"/>
               </a:rPr>
-              <a:t>하지만 대부분이 초반 코드는 비슷하지만 각 다른 이유와 속도로 변경될 여지가 있어 거짓된 중복이라 판단하여 </a:t>
+              <a:t>하지만 대부분이 초반 코드는 비슷하지만 </a:t>
+            </a:r>
+            <a:r>
+              <a:rPr lang="ko-KR" altLang="en-US" sz="1200" b="0" i="0" kern="1200" baseline="0" dirty="0" smtClean="0">
+                <a:solidFill>
+                  <a:schemeClr val="tx1"/>
+                </a:solidFill>
+                <a:effectLst/>
+                <a:latin typeface="+mn-lt"/>
+                <a:ea typeface="+mn-ea"/>
+                <a:cs typeface="+mn-cs"/>
+              </a:rPr>
+              <a:t>내부 값들이 각 </a:t>
+            </a:r>
+            <a:r>
+              <a:rPr lang="ko-KR" altLang="en-US" sz="1200" b="0" i="0" kern="1200" baseline="0" dirty="0" smtClean="0">
+                <a:solidFill>
+                  <a:schemeClr val="tx1"/>
+                </a:solidFill>
+                <a:effectLst/>
+                <a:latin typeface="+mn-lt"/>
+                <a:ea typeface="+mn-ea"/>
+                <a:cs typeface="+mn-cs"/>
+              </a:rPr>
+              <a:t>다른 이유와 속도로 변경될 여지가 있어 거짓된 중복이라 판단하여 </a:t>
             </a:r>
             <a:r>
               <a:rPr lang="en-US" altLang="ko-KR" sz="1200" b="0" i="0" kern="1200" baseline="0" dirty="0" err="1" smtClean="0">
@@ -5483,60 +5492,6 @@
           <a:bodyPr/>
           <a:lstStyle/>
           <a:p>
-            <a:r>
-              <a:rPr lang="ko-KR" altLang="en-US" dirty="0" smtClean="0"/>
-              <a:t>향후 보완을 위해서는 수명을 줄이고 </a:t>
-            </a:r>
-            <a:r>
-              <a:rPr lang="en-US" altLang="ko-KR" dirty="0" smtClean="0"/>
-              <a:t>refresh token</a:t>
-            </a:r>
-            <a:r>
-              <a:rPr lang="ko-KR" altLang="en-US" dirty="0" smtClean="0"/>
-              <a:t>과 </a:t>
-            </a:r>
-            <a:r>
-              <a:rPr lang="ko-KR" altLang="en-US" dirty="0" err="1" smtClean="0"/>
-              <a:t>같은거</a:t>
-            </a:r>
-            <a:r>
-              <a:rPr lang="ko-KR" altLang="en-US" dirty="0" smtClean="0"/>
-              <a:t> 도입 필요</a:t>
-            </a:r>
-            <a:endParaRPr lang="en-US" altLang="ko-KR" dirty="0" smtClean="0"/>
-          </a:p>
-          <a:p>
-            <a:r>
-              <a:rPr lang="en-US" altLang="ko-KR" dirty="0" err="1" smtClean="0"/>
-              <a:t>Jwt</a:t>
-            </a:r>
-            <a:r>
-              <a:rPr lang="en-US" altLang="ko-KR" dirty="0" smtClean="0"/>
-              <a:t> </a:t>
-            </a:r>
-            <a:r>
-              <a:rPr lang="ko-KR" altLang="en-US" dirty="0" smtClean="0"/>
-              <a:t>선정 이유 </a:t>
-            </a:r>
-            <a:endParaRPr lang="en-US" altLang="ko-KR" dirty="0" smtClean="0"/>
-          </a:p>
-          <a:p>
-            <a:r>
-              <a:rPr lang="ko-KR" altLang="en-US" dirty="0" smtClean="0"/>
-              <a:t>스프링 </a:t>
-            </a:r>
-            <a:r>
-              <a:rPr lang="en-US" altLang="ko-KR" dirty="0" smtClean="0"/>
-              <a:t>security </a:t>
-            </a:r>
-            <a:r>
-              <a:rPr lang="ko-KR" altLang="en-US" dirty="0" smtClean="0"/>
-              <a:t>권한 인증 및</a:t>
-            </a:r>
-            <a:r>
-              <a:rPr lang="ko-KR" altLang="en-US" baseline="0" dirty="0" smtClean="0"/>
-              <a:t> 허가 절차</a:t>
-            </a:r>
             <a:endParaRPr lang="ko-KR" altLang="en-US" dirty="0"/>
           </a:p>
         </p:txBody>
@@ -5596,6 +5551,235 @@
       </p:grpSpPr>
       <p:sp>
         <p:nvSpPr>
+          <p:cNvPr id="2" name="슬라이드 이미지 개체 틀 1"/>
+          <p:cNvSpPr>
+            <a:spLocks noGrp="1" noRot="1" noChangeAspect="1"/>
+          </p:cNvSpPr>
+          <p:nvPr>
+            <p:ph type="sldImg"/>
+          </p:nvPr>
+        </p:nvSpPr>
+        <p:spPr/>
+      </p:sp>
+      <p:sp>
+        <p:nvSpPr>
+          <p:cNvPr id="3" name="슬라이드 노트 개체 틀 2"/>
+          <p:cNvSpPr>
+            <a:spLocks noGrp="1"/>
+          </p:cNvSpPr>
+          <p:nvPr>
+            <p:ph type="body" idx="1"/>
+          </p:nvPr>
+        </p:nvSpPr>
+        <p:spPr/>
+        <p:txBody>
+          <a:bodyPr/>
+          <a:lstStyle/>
+          <a:p>
+            <a:r>
+              <a:rPr lang="ko-KR" altLang="en-US" dirty="0" smtClean="0"/>
+              <a:t>느낀점</a:t>
+            </a:r>
+            <a:endParaRPr lang="en-US" altLang="ko-KR" dirty="0" smtClean="0"/>
+          </a:p>
+          <a:p>
+            <a:r>
+              <a:rPr lang="ko-KR" altLang="en-US" dirty="0" smtClean="0"/>
+              <a:t>써보고 싶었떤 기술들 </a:t>
+            </a:r>
+            <a:r>
+              <a:rPr lang="en-US" altLang="ko-KR" dirty="0" err="1" smtClean="0"/>
+              <a:t>jpa</a:t>
+            </a:r>
+            <a:r>
+              <a:rPr lang="en-US" altLang="ko-KR" dirty="0" smtClean="0"/>
+              <a:t> spring security </a:t>
+            </a:r>
+          </a:p>
+          <a:p>
+            <a:r>
+              <a:rPr lang="en-US" altLang="ko-KR" dirty="0" err="1" smtClean="0"/>
+              <a:t>Tdd</a:t>
+            </a:r>
+            <a:r>
+              <a:rPr lang="en-US" altLang="ko-KR" dirty="0" smtClean="0"/>
+              <a:t> </a:t>
+            </a:r>
+            <a:r>
+              <a:rPr lang="ko-KR" altLang="en-US" dirty="0" smtClean="0"/>
+              <a:t>를 기반으로 실제 개발을 전체적으로 진행해보기 등</a:t>
+            </a:r>
+            <a:endParaRPr lang="en-US" altLang="ko-KR" dirty="0" smtClean="0"/>
+          </a:p>
+          <a:p>
+            <a:r>
+              <a:rPr lang="ko-KR" altLang="en-US" dirty="0" smtClean="0"/>
+              <a:t>도메인 주도 설계 이름만 들어봣짐나 이번 기회를 통해 조금이나 어떤건지 알게 된 좋은 귀회 개발방법론</a:t>
+            </a:r>
+            <a:endParaRPr lang="en-US" altLang="ko-KR" dirty="0" smtClean="0"/>
+          </a:p>
+          <a:p>
+            <a:endParaRPr lang="en-US" altLang="ko-KR" dirty="0" smtClean="0"/>
+          </a:p>
+          <a:p>
+            <a:r>
+              <a:rPr lang="en-US" altLang="ko-KR" dirty="0" err="1" smtClean="0"/>
+              <a:t>Git</a:t>
+            </a:r>
+            <a:r>
+              <a:rPr lang="en-US" altLang="ko-KR" dirty="0" smtClean="0"/>
+              <a:t> flow </a:t>
+            </a:r>
+            <a:r>
+              <a:rPr lang="ko-KR" altLang="en-US" dirty="0" smtClean="0"/>
+              <a:t>를 통해 깃통한 혼자햇지만 협업하는 방식을 익히고 했던점 과 </a:t>
+            </a:r>
+            <a:r>
+              <a:rPr lang="en-US" altLang="ko-KR" dirty="0" smtClean="0"/>
+              <a:t>issue </a:t>
+            </a:r>
+            <a:r>
+              <a:rPr lang="ko-KR" altLang="en-US" dirty="0" smtClean="0"/>
+              <a:t>등록을 통해 이슈등록의 필요성 과 협업할시에 정말 유용하게 쓰이겠구나를 느낄수 있었습니다</a:t>
+            </a:r>
+            <a:r>
+              <a:rPr lang="en-US" altLang="ko-KR" dirty="0" smtClean="0"/>
+              <a:t>.</a:t>
+            </a:r>
+          </a:p>
+          <a:p>
+            <a:r>
+              <a:rPr lang="ko-KR" altLang="en-US" dirty="0" smtClean="0"/>
+              <a:t>가장 좋았던거 혼자 만 하다가 리뷰를 통해 내가 생각 조차 하지못했던 아님 잘못 생각했던걸 바로잡고 놓치고 간게 잇느지 생가해봣는데 다시 생각할수있는 좋은 기회 였습니다</a:t>
+            </a:r>
+            <a:r>
+              <a:rPr lang="en-US" altLang="ko-KR" dirty="0" smtClean="0"/>
+              <a:t>.</a:t>
+            </a:r>
+          </a:p>
+          <a:p>
+            <a:r>
+              <a:rPr lang="ko-KR" altLang="en-US" dirty="0" smtClean="0"/>
+              <a:t>조금이나마 성장할수있었고 </a:t>
+            </a:r>
+            <a:endParaRPr lang="en-US" altLang="ko-KR" dirty="0" smtClean="0"/>
+          </a:p>
+          <a:p>
+            <a:endParaRPr lang="en-US" altLang="ko-KR" dirty="0" smtClean="0"/>
+          </a:p>
+          <a:p>
+            <a:r>
+              <a:rPr lang="ko-KR" altLang="en-US" dirty="0" smtClean="0"/>
+              <a:t>어려운점</a:t>
+            </a:r>
+            <a:endParaRPr lang="en-US" altLang="ko-KR" dirty="0" smtClean="0"/>
+          </a:p>
+          <a:p>
+            <a:r>
+              <a:rPr lang="ko-KR" altLang="en-US" dirty="0" smtClean="0"/>
+              <a:t>설계 부터 어려웠다 프론트는 비록 </a:t>
+            </a:r>
+            <a:r>
+              <a:rPr lang="en-US" altLang="ko-KR" dirty="0" smtClean="0"/>
+              <a:t>.. </a:t>
+            </a:r>
+            <a:r>
+              <a:rPr lang="ko-KR" altLang="en-US" dirty="0" smtClean="0"/>
+              <a:t>모듈화 </a:t>
+            </a:r>
+            <a:r>
+              <a:rPr lang="en-US" altLang="ko-KR" dirty="0" smtClean="0"/>
+              <a:t>, </a:t>
+            </a:r>
+            <a:r>
+              <a:rPr lang="ko-KR" altLang="en-US" dirty="0" smtClean="0"/>
+              <a:t>백엔드도 의존성 분리 클래스 쪼개기 인터페이스 작성 등 변수명 </a:t>
+            </a:r>
+            <a:r>
+              <a:rPr lang="en-US" altLang="ko-KR" dirty="0" err="1" smtClean="0"/>
+              <a:t>jpa</a:t>
+            </a:r>
+            <a:r>
+              <a:rPr lang="en-US" altLang="ko-KR" dirty="0" smtClean="0"/>
+              <a:t> </a:t>
+            </a:r>
+            <a:r>
+              <a:rPr lang="ko-KR" altLang="en-US" dirty="0" smtClean="0"/>
+              <a:t>도메인 주도 설계 등</a:t>
+            </a:r>
+            <a:endParaRPr lang="en-US" altLang="ko-KR" dirty="0" smtClean="0"/>
+          </a:p>
+          <a:p>
+            <a:r>
+              <a:rPr lang="ko-KR" altLang="en-US" dirty="0" smtClean="0"/>
+              <a:t>부족함점 공부해얄 부분 등르 많이 느꼇습니다</a:t>
+            </a:r>
+            <a:r>
+              <a:rPr lang="en-US" altLang="ko-KR" dirty="0" smtClean="0"/>
+              <a:t>.</a:t>
+            </a:r>
+            <a:endParaRPr lang="ko-KR" altLang="en-US" dirty="0" smtClean="0"/>
+          </a:p>
+          <a:p>
+            <a:endParaRPr lang="ko-KR" altLang="en-US" dirty="0"/>
+          </a:p>
+        </p:txBody>
+      </p:sp>
+      <p:sp>
+        <p:nvSpPr>
+          <p:cNvPr id="4" name="슬라이드 번호 개체 틀 3"/>
+          <p:cNvSpPr>
+            <a:spLocks noGrp="1"/>
+          </p:cNvSpPr>
+          <p:nvPr>
+            <p:ph type="sldNum" sz="quarter" idx="10"/>
+          </p:nvPr>
+        </p:nvSpPr>
+        <p:spPr/>
+        <p:txBody>
+          <a:bodyPr/>
+          <a:lstStyle/>
+          <a:p>
+            <a:fld id="{AD4EE2DB-E76A-4EC0-BB3C-86A9DFF316EC}" type="slidenum">
+              <a:rPr lang="ko-KR" altLang="en-US" smtClean="0"/>
+              <a:t>20</a:t>
+            </a:fld>
+            <a:endParaRPr lang="ko-KR" altLang="en-US"/>
+          </a:p>
+        </p:txBody>
+      </p:sp>
+    </p:spTree>
+    <p:extLst>
+      <p:ext uri="{BB962C8B-B14F-4D97-AF65-F5344CB8AC3E}">
+        <p14:creationId xmlns:p14="http://schemas.microsoft.com/office/powerpoint/2010/main" val="44829822"/>
+      </p:ext>
+    </p:extLst>
+  </p:cSld>
+  <p:clrMapOvr>
+    <a:masterClrMapping/>
+  </p:clrMapOvr>
+</p:notes>
+</file>
+
+<file path=ppt/notesSlides/notesSlide18.xml><?xml version="1.0" encoding="utf-8"?>
+<p:notes xmlns:a="http://schemas.openxmlformats.org/drawingml/2006/main" xmlns:r="http://schemas.openxmlformats.org/officeDocument/2006/relationships" xmlns:p="http://schemas.openxmlformats.org/presentationml/2006/main">
+  <p:cSld>
+    <p:spTree>
+      <p:nvGrpSpPr>
+        <p:cNvPr id="1" name=""/>
+        <p:cNvGrpSpPr/>
+        <p:nvPr/>
+      </p:nvGrpSpPr>
+      <p:grpSpPr>
+        <a:xfrm>
+          <a:off x="0" y="0"/>
+          <a:ext cx="0" cy="0"/>
+          <a:chOff x="0" y="0"/>
+          <a:chExt cx="0" cy="0"/>
+        </a:xfrm>
+      </p:grpSpPr>
+      <p:sp>
+        <p:nvSpPr>
           <p:cNvPr id="2" name="Slide Image Placeholder 1"/>
           <p:cNvSpPr>
             <a:spLocks noGrp="1" noRot="1" noChangeAspect="1"/>
@@ -5621,145 +5805,6 @@
           <a:bodyPr/>
           <a:lstStyle/>
           <a:p>
-            <a:r>
-              <a:rPr lang="ko-KR" altLang="en-US" dirty="0" smtClean="0"/>
-              <a:t>느낀점</a:t>
-            </a:r>
-            <a:endParaRPr lang="en-US" altLang="ko-KR" dirty="0" smtClean="0"/>
-          </a:p>
-          <a:p>
-            <a:r>
-              <a:rPr lang="ko-KR" altLang="en-US" dirty="0" smtClean="0"/>
-              <a:t>써보고 싶었떤 기술들 </a:t>
-            </a:r>
-            <a:r>
-              <a:rPr lang="en-US" altLang="ko-KR" dirty="0" err="1" smtClean="0"/>
-              <a:t>jpa</a:t>
-            </a:r>
-            <a:r>
-              <a:rPr lang="en-US" altLang="ko-KR" dirty="0" smtClean="0"/>
-              <a:t> spring security </a:t>
-            </a:r>
-          </a:p>
-          <a:p>
-            <a:r>
-              <a:rPr lang="en-US" altLang="ko-KR" dirty="0" err="1" smtClean="0"/>
-              <a:t>Tdd</a:t>
-            </a:r>
-            <a:r>
-              <a:rPr lang="en-US" altLang="ko-KR" dirty="0" smtClean="0"/>
-              <a:t> </a:t>
-            </a:r>
-            <a:r>
-              <a:rPr lang="ko-KR" altLang="en-US" dirty="0" smtClean="0"/>
-              <a:t>를 기반으로 실제 개발을 전체적으로 진행해보기 등</a:t>
-            </a:r>
-            <a:endParaRPr lang="en-US" altLang="ko-KR" dirty="0" smtClean="0"/>
-          </a:p>
-          <a:p>
-            <a:r>
-              <a:rPr lang="ko-KR" altLang="en-US" dirty="0" smtClean="0"/>
-              <a:t>도메인 주도 설계 이름만 들어봣짐나 이번 기회를 통해 조금이나 어떤건지 알게 된 좋은 귀회</a:t>
-            </a:r>
-            <a:endParaRPr lang="en-US" altLang="ko-KR" dirty="0" smtClean="0"/>
-          </a:p>
-          <a:p>
-            <a:r>
-              <a:rPr lang="en-US" altLang="ko-KR" dirty="0" err="1" smtClean="0"/>
-              <a:t>Git</a:t>
-            </a:r>
-            <a:r>
-              <a:rPr lang="en-US" altLang="ko-KR" dirty="0" smtClean="0"/>
-              <a:t> flow </a:t>
-            </a:r>
-            <a:r>
-              <a:rPr lang="ko-KR" altLang="en-US" dirty="0" smtClean="0"/>
-              <a:t>를 통해 깃통한 혼자햇지만 협업하는 방식을 익히고 했던점 과 </a:t>
-            </a:r>
-            <a:r>
-              <a:rPr lang="en-US" altLang="ko-KR" dirty="0" smtClean="0"/>
-              <a:t>issue </a:t>
-            </a:r>
-            <a:r>
-              <a:rPr lang="ko-KR" altLang="en-US" dirty="0" smtClean="0"/>
-              <a:t>등록을 통해 이슈등록의 필요성 과 협업할시에 정말 유용하게 쓰이겠구나를 느낄수 있었습니다</a:t>
-            </a:r>
-            <a:r>
-              <a:rPr lang="en-US" altLang="ko-KR" dirty="0" smtClean="0"/>
-              <a:t>.</a:t>
-            </a:r>
-          </a:p>
-          <a:p>
-            <a:r>
-              <a:rPr lang="ko-KR" altLang="en-US" dirty="0" smtClean="0"/>
-              <a:t>가장 좋았던거 혼자 만 하다가 리뷰를 통해 내가 생각 조차 하지못했던 아님 잘못 생각했던걸 바로잡고 다시 생각할수있는 좋은 기회 였습니다</a:t>
-            </a:r>
-            <a:r>
-              <a:rPr lang="en-US" altLang="ko-KR" dirty="0" smtClean="0"/>
-              <a:t>.</a:t>
-            </a:r>
-          </a:p>
-          <a:p>
-            <a:r>
-              <a:rPr lang="ko-KR" altLang="en-US" dirty="0" smtClean="0"/>
-              <a:t>조금이나마 성장할수있었고 </a:t>
-            </a:r>
-            <a:endParaRPr lang="en-US" altLang="ko-KR" dirty="0" smtClean="0"/>
-          </a:p>
-          <a:p>
-            <a:endParaRPr lang="en-US" altLang="ko-KR" dirty="0" smtClean="0"/>
-          </a:p>
-          <a:p>
-            <a:r>
-              <a:rPr lang="ko-KR" altLang="en-US" dirty="0" smtClean="0"/>
-              <a:t>어려운점</a:t>
-            </a:r>
-            <a:endParaRPr lang="en-US" altLang="ko-KR" dirty="0" smtClean="0"/>
-          </a:p>
-          <a:p>
-            <a:r>
-              <a:rPr lang="ko-KR" altLang="en-US" dirty="0" smtClean="0"/>
-              <a:t>설계 부터 어려웠다 프론트는 비록 </a:t>
-            </a:r>
-            <a:r>
-              <a:rPr lang="en-US" altLang="ko-KR" dirty="0" smtClean="0"/>
-              <a:t>.. </a:t>
-            </a:r>
-            <a:r>
-              <a:rPr lang="ko-KR" altLang="en-US" dirty="0" smtClean="0"/>
-              <a:t>모듈화 </a:t>
-            </a:r>
-            <a:r>
-              <a:rPr lang="en-US" altLang="ko-KR" dirty="0" smtClean="0"/>
-              <a:t>, </a:t>
-            </a:r>
-            <a:r>
-              <a:rPr lang="ko-KR" altLang="en-US" dirty="0" smtClean="0"/>
-              <a:t>백엔드도 의존성 분리 클래스 쪼개기 인터페이스 작성 등 변수명 </a:t>
-            </a:r>
-            <a:r>
-              <a:rPr lang="en-US" altLang="ko-KR" dirty="0" err="1" smtClean="0"/>
-              <a:t>jpa</a:t>
-            </a:r>
-            <a:r>
-              <a:rPr lang="en-US" altLang="ko-KR" dirty="0" smtClean="0"/>
-              <a:t> </a:t>
-            </a:r>
-            <a:r>
-              <a:rPr lang="ko-KR" altLang="en-US" dirty="0" smtClean="0"/>
-              <a:t>도메인 주도 설계 등</a:t>
-            </a:r>
-            <a:endParaRPr lang="en-US" altLang="ko-KR" dirty="0" smtClean="0"/>
-          </a:p>
-          <a:p>
-            <a:r>
-              <a:rPr lang="ko-KR" altLang="en-US" dirty="0" smtClean="0"/>
-              <a:t>부족함점 공부해얄 부분 등르 많이 느꼇습니다</a:t>
-            </a:r>
-            <a:r>
-              <a:rPr lang="en-US" altLang="ko-KR" dirty="0" smtClean="0"/>
-              <a:t>.</a:t>
-            </a:r>
             <a:endParaRPr lang="ko-KR" altLang="en-US" dirty="0"/>
           </a:p>
         </p:txBody>
@@ -5781,7 +5826,7 @@
           <a:p>
             <a:fld id="{AD4EE2DB-E76A-4EC0-BB3C-86A9DFF316EC}" type="slidenum">
               <a:rPr lang="ko-KR" altLang="en-US" smtClean="0"/>
-              <a:t>20</a:t>
+              <a:t>21</a:t>
             </a:fld>
             <a:endParaRPr lang="ko-KR" altLang="en-US"/>
           </a:p>
@@ -11432,7 +11477,7 @@
           <p:cNvPr id="7" name="TextBox 6">
             <a:extLst>
               <a:ext uri="{FF2B5EF4-FFF2-40B4-BE49-F238E27FC236}">
-                <a16:creationId xmlns:a16="http://schemas.microsoft.com/office/drawing/2014/main" xmlns="" id="{691811B0-B48E-441A-87FD-055ECECA2FB0}"/>
+                <a16:creationId xmlns="" xmlns:a16="http://schemas.microsoft.com/office/drawing/2014/main" id="{691811B0-B48E-441A-87FD-055ECECA2FB0}"/>
               </a:ext>
             </a:extLst>
           </p:cNvPr>
@@ -11959,7 +12004,7 @@
         <p:spPr>
           <a:xfrm>
             <a:off x="101600" y="158119"/>
-            <a:ext cx="978153" cy="307777"/>
+            <a:ext cx="1189749" cy="307777"/>
           </a:xfrm>
           <a:prstGeom prst="rect">
             <a:avLst/>
@@ -11973,14 +12018,14 @@
           <a:lstStyle/>
           <a:p>
             <a:r>
-              <a:rPr lang="en-US" altLang="ko-KR" sz="1400" spc="-150" dirty="0" smtClean="0">
+              <a:rPr lang="en-US" altLang="ko-KR" sz="1400" dirty="0" smtClean="0">
                 <a:solidFill>
                   <a:schemeClr val="bg1"/>
                 </a:solidFill>
               </a:rPr>
               <a:t>Seating Map</a:t>
             </a:r>
-            <a:endParaRPr lang="ko-KR" altLang="en-US" sz="1400" spc="-150" dirty="0">
+            <a:endParaRPr lang="ko-KR" altLang="en-US" sz="1400" dirty="0">
               <a:solidFill>
                 <a:schemeClr val="bg1"/>
               </a:solidFill>
@@ -12220,39 +12265,6 @@
           </a:fontRef>
         </p:style>
       </p:cxnSp>
-      <p:sp>
-        <p:nvSpPr>
-          <p:cNvPr id="3" name="TextBox 2"/>
-          <p:cNvSpPr txBox="1"/>
-          <p:nvPr/>
-        </p:nvSpPr>
-        <p:spPr>
-          <a:xfrm>
-            <a:off x="101600" y="158119"/>
-            <a:ext cx="1378904" cy="307777"/>
-          </a:xfrm>
-          <a:prstGeom prst="rect">
-            <a:avLst/>
-          </a:prstGeom>
-          <a:noFill/>
-        </p:spPr>
-        <p:txBody>
-          <a:bodyPr wrap="none" rtlCol="0">
-            <a:spAutoFit/>
-          </a:bodyPr>
-          <a:lstStyle/>
-          <a:p>
-            <a:r>
-              <a:rPr lang="ko-KR" altLang="en-US" sz="1400" spc="-150" dirty="0">
-                <a:solidFill>
-                  <a:schemeClr val="accent4"/>
-                </a:solidFill>
-              </a:rPr>
-              <a:t>새별의 파워포인트</a:t>
-            </a:r>
-          </a:p>
-        </p:txBody>
-      </p:sp>
       <p:sp>
         <p:nvSpPr>
           <p:cNvPr id="4" name="TextBox 3"/>
@@ -12616,6 +12628,45 @@
           </a:prstGeom>
         </p:spPr>
       </p:pic>
+      <p:sp>
+        <p:nvSpPr>
+          <p:cNvPr id="13" name="TextBox 12"/>
+          <p:cNvSpPr txBox="1"/>
+          <p:nvPr/>
+        </p:nvSpPr>
+        <p:spPr>
+          <a:xfrm>
+            <a:off x="83938" y="169136"/>
+            <a:ext cx="1189749" cy="307777"/>
+          </a:xfrm>
+          <a:prstGeom prst="rect">
+            <a:avLst/>
+          </a:prstGeom>
+          <a:noFill/>
+        </p:spPr>
+        <p:txBody>
+          <a:bodyPr wrap="none" rtlCol="0">
+            <a:spAutoFit/>
+          </a:bodyPr>
+          <a:lstStyle/>
+          <a:p>
+            <a:pPr algn="dist"/>
+            <a:r>
+              <a:rPr lang="en-US" altLang="ko-KR" sz="1400" dirty="0" smtClean="0">
+                <a:solidFill>
+                  <a:schemeClr val="accent4"/>
+                </a:solidFill>
+              </a:rPr>
+              <a:t>Seating Map</a:t>
+            </a:r>
+            <a:endParaRPr lang="en-US" altLang="ko-KR" sz="1400" dirty="0">
+              <a:solidFill>
+                <a:schemeClr val="accent4"/>
+              </a:solidFill>
+            </a:endParaRPr>
+          </a:p>
+        </p:txBody>
+      </p:sp>
     </p:spTree>
     <p:extLst>
       <p:ext uri="{BB962C8B-B14F-4D97-AF65-F5344CB8AC3E}">
@@ -12734,39 +12785,6 @@
           </a:fontRef>
         </p:style>
       </p:cxnSp>
-      <p:sp>
-        <p:nvSpPr>
-          <p:cNvPr id="3" name="TextBox 2"/>
-          <p:cNvSpPr txBox="1"/>
-          <p:nvPr/>
-        </p:nvSpPr>
-        <p:spPr>
-          <a:xfrm>
-            <a:off x="101600" y="158119"/>
-            <a:ext cx="1378904" cy="307777"/>
-          </a:xfrm>
-          <a:prstGeom prst="rect">
-            <a:avLst/>
-          </a:prstGeom>
-          <a:noFill/>
-        </p:spPr>
-        <p:txBody>
-          <a:bodyPr wrap="none" rtlCol="0">
-            <a:spAutoFit/>
-          </a:bodyPr>
-          <a:lstStyle/>
-          <a:p>
-            <a:r>
-              <a:rPr lang="ko-KR" altLang="en-US" sz="1400" spc="-150" dirty="0">
-                <a:solidFill>
-                  <a:schemeClr val="accent4"/>
-                </a:solidFill>
-              </a:rPr>
-              <a:t>새별의 파워포인트</a:t>
-            </a:r>
-          </a:p>
-        </p:txBody>
-      </p:sp>
       <p:sp>
         <p:nvSpPr>
           <p:cNvPr id="4" name="TextBox 3"/>
@@ -13241,6 +13259,45 @@
           </a:p>
         </p:txBody>
       </p:sp>
+      <p:sp>
+        <p:nvSpPr>
+          <p:cNvPr id="10" name="TextBox 9"/>
+          <p:cNvSpPr txBox="1"/>
+          <p:nvPr/>
+        </p:nvSpPr>
+        <p:spPr>
+          <a:xfrm>
+            <a:off x="83938" y="169136"/>
+            <a:ext cx="1189749" cy="307777"/>
+          </a:xfrm>
+          <a:prstGeom prst="rect">
+            <a:avLst/>
+          </a:prstGeom>
+          <a:noFill/>
+        </p:spPr>
+        <p:txBody>
+          <a:bodyPr wrap="none" rtlCol="0">
+            <a:spAutoFit/>
+          </a:bodyPr>
+          <a:lstStyle/>
+          <a:p>
+            <a:pPr algn="dist"/>
+            <a:r>
+              <a:rPr lang="en-US" altLang="ko-KR" sz="1400" dirty="0" smtClean="0">
+                <a:solidFill>
+                  <a:schemeClr val="accent4"/>
+                </a:solidFill>
+              </a:rPr>
+              <a:t>Seating Map</a:t>
+            </a:r>
+            <a:endParaRPr lang="en-US" altLang="ko-KR" sz="1400" dirty="0">
+              <a:solidFill>
+                <a:schemeClr val="accent4"/>
+              </a:solidFill>
+            </a:endParaRPr>
+          </a:p>
+        </p:txBody>
+      </p:sp>
     </p:spTree>
     <p:extLst>
       <p:ext uri="{BB962C8B-B14F-4D97-AF65-F5344CB8AC3E}">
@@ -13359,39 +13416,6 @@
           </a:fontRef>
         </p:style>
       </p:cxnSp>
-      <p:sp>
-        <p:nvSpPr>
-          <p:cNvPr id="3" name="TextBox 2"/>
-          <p:cNvSpPr txBox="1"/>
-          <p:nvPr/>
-        </p:nvSpPr>
-        <p:spPr>
-          <a:xfrm>
-            <a:off x="101600" y="158119"/>
-            <a:ext cx="1378904" cy="307777"/>
-          </a:xfrm>
-          <a:prstGeom prst="rect">
-            <a:avLst/>
-          </a:prstGeom>
-          <a:noFill/>
-        </p:spPr>
-        <p:txBody>
-          <a:bodyPr wrap="none" rtlCol="0">
-            <a:spAutoFit/>
-          </a:bodyPr>
-          <a:lstStyle/>
-          <a:p>
-            <a:r>
-              <a:rPr lang="ko-KR" altLang="en-US" sz="1400" spc="-150" dirty="0">
-                <a:solidFill>
-                  <a:schemeClr val="accent4"/>
-                </a:solidFill>
-              </a:rPr>
-              <a:t>새별의 파워포인트</a:t>
-            </a:r>
-          </a:p>
-        </p:txBody>
-      </p:sp>
       <p:sp>
         <p:nvSpPr>
           <p:cNvPr id="4" name="TextBox 3"/>
@@ -13880,6 +13904,45 @@
           </a:prstGeom>
         </p:spPr>
       </p:pic>
+      <p:sp>
+        <p:nvSpPr>
+          <p:cNvPr id="14" name="TextBox 13"/>
+          <p:cNvSpPr txBox="1"/>
+          <p:nvPr/>
+        </p:nvSpPr>
+        <p:spPr>
+          <a:xfrm>
+            <a:off x="83938" y="169136"/>
+            <a:ext cx="1189749" cy="307777"/>
+          </a:xfrm>
+          <a:prstGeom prst="rect">
+            <a:avLst/>
+          </a:prstGeom>
+          <a:noFill/>
+        </p:spPr>
+        <p:txBody>
+          <a:bodyPr wrap="none" rtlCol="0">
+            <a:spAutoFit/>
+          </a:bodyPr>
+          <a:lstStyle/>
+          <a:p>
+            <a:pPr algn="dist"/>
+            <a:r>
+              <a:rPr lang="en-US" altLang="ko-KR" sz="1400" dirty="0" smtClean="0">
+                <a:solidFill>
+                  <a:schemeClr val="accent4"/>
+                </a:solidFill>
+              </a:rPr>
+              <a:t>Seating Map</a:t>
+            </a:r>
+            <a:endParaRPr lang="en-US" altLang="ko-KR" sz="1400" dirty="0">
+              <a:solidFill>
+                <a:schemeClr val="accent4"/>
+              </a:solidFill>
+            </a:endParaRPr>
+          </a:p>
+        </p:txBody>
+      </p:sp>
     </p:spTree>
     <p:extLst>
       <p:ext uri="{BB962C8B-B14F-4D97-AF65-F5344CB8AC3E}">
@@ -14051,7 +14114,39 @@
                   <a:schemeClr val="accent4"/>
                 </a:solidFill>
               </a:rPr>
-              <a:t>가독성 좋은 테스트 코드</a:t>
+              <a:t>가독성 </a:t>
+            </a:r>
+            <a:r>
+              <a:rPr lang="ko-KR" altLang="en-US" b="1" dirty="0" smtClean="0">
+                <a:solidFill>
+                  <a:schemeClr val="accent4"/>
+                </a:solidFill>
+              </a:rPr>
+              <a:t>높</a:t>
+            </a:r>
+            <a:r>
+              <a:rPr lang="ko-KR" altLang="en-US" b="1" dirty="0">
+                <a:solidFill>
+                  <a:schemeClr val="accent4"/>
+                </a:solidFill>
+              </a:rPr>
+              <a:t>은</a:t>
+            </a:r>
+            <a:r>
+              <a:rPr lang="ko-KR" altLang="en-US" b="1" dirty="0" smtClean="0">
+                <a:solidFill>
+                  <a:schemeClr val="accent4"/>
+                </a:solidFill>
+              </a:rPr>
+              <a:t> </a:t>
+            </a:r>
+            <a:r>
+              <a:rPr lang="ko-KR" altLang="en-US" b="1" dirty="0">
+                <a:solidFill>
+                  <a:schemeClr val="accent4"/>
+                </a:solidFill>
+              </a:rPr>
+              <a:t>테스트 코드</a:t>
             </a:r>
             <a:endParaRPr lang="en-US" altLang="ko-KR" b="1" dirty="0">
               <a:solidFill>
@@ -14328,39 +14423,6 @@
           </a:fontRef>
         </p:style>
       </p:cxnSp>
-      <p:sp>
-        <p:nvSpPr>
-          <p:cNvPr id="3" name="TextBox 2"/>
-          <p:cNvSpPr txBox="1"/>
-          <p:nvPr/>
-        </p:nvSpPr>
-        <p:spPr>
-          <a:xfrm>
-            <a:off x="101600" y="158119"/>
-            <a:ext cx="1378904" cy="307777"/>
-          </a:xfrm>
-          <a:prstGeom prst="rect">
-            <a:avLst/>
-          </a:prstGeom>
-          <a:noFill/>
-        </p:spPr>
-        <p:txBody>
-          <a:bodyPr wrap="none" rtlCol="0">
-            <a:spAutoFit/>
-          </a:bodyPr>
-          <a:lstStyle/>
-          <a:p>
-            <a:r>
-              <a:rPr lang="ko-KR" altLang="en-US" sz="1400" spc="-150" dirty="0">
-                <a:solidFill>
-                  <a:schemeClr val="accent4"/>
-                </a:solidFill>
-              </a:rPr>
-              <a:t>새별의 파워포인트</a:t>
-            </a:r>
-          </a:p>
-        </p:txBody>
-      </p:sp>
       <p:sp>
         <p:nvSpPr>
           <p:cNvPr id="4" name="TextBox 3"/>
@@ -14518,6 +14580,45 @@
           </a:fontRef>
         </p:style>
       </p:cxnSp>
+      <p:sp>
+        <p:nvSpPr>
+          <p:cNvPr id="10" name="TextBox 9"/>
+          <p:cNvSpPr txBox="1"/>
+          <p:nvPr/>
+        </p:nvSpPr>
+        <p:spPr>
+          <a:xfrm>
+            <a:off x="83938" y="169136"/>
+            <a:ext cx="1189749" cy="307777"/>
+          </a:xfrm>
+          <a:prstGeom prst="rect">
+            <a:avLst/>
+          </a:prstGeom>
+          <a:noFill/>
+        </p:spPr>
+        <p:txBody>
+          <a:bodyPr wrap="none" rtlCol="0">
+            <a:spAutoFit/>
+          </a:bodyPr>
+          <a:lstStyle/>
+          <a:p>
+            <a:pPr algn="dist"/>
+            <a:r>
+              <a:rPr lang="en-US" altLang="ko-KR" sz="1400" dirty="0" smtClean="0">
+                <a:solidFill>
+                  <a:schemeClr val="accent4"/>
+                </a:solidFill>
+              </a:rPr>
+              <a:t>Seating Map</a:t>
+            </a:r>
+            <a:endParaRPr lang="en-US" altLang="ko-KR" sz="1400" dirty="0">
+              <a:solidFill>
+                <a:schemeClr val="accent4"/>
+              </a:solidFill>
+            </a:endParaRPr>
+          </a:p>
+        </p:txBody>
+      </p:sp>
     </p:spTree>
     <p:extLst>
       <p:ext uri="{BB962C8B-B14F-4D97-AF65-F5344CB8AC3E}">
@@ -14636,39 +14737,6 @@
           </a:fontRef>
         </p:style>
       </p:cxnSp>
-      <p:sp>
-        <p:nvSpPr>
-          <p:cNvPr id="3" name="TextBox 2"/>
-          <p:cNvSpPr txBox="1"/>
-          <p:nvPr/>
-        </p:nvSpPr>
-        <p:spPr>
-          <a:xfrm>
-            <a:off x="101600" y="158119"/>
-            <a:ext cx="1378904" cy="307777"/>
-          </a:xfrm>
-          <a:prstGeom prst="rect">
-            <a:avLst/>
-          </a:prstGeom>
-          <a:noFill/>
-        </p:spPr>
-        <p:txBody>
-          <a:bodyPr wrap="none" rtlCol="0">
-            <a:spAutoFit/>
-          </a:bodyPr>
-          <a:lstStyle/>
-          <a:p>
-            <a:r>
-              <a:rPr lang="ko-KR" altLang="en-US" sz="1400" spc="-150" dirty="0">
-                <a:solidFill>
-                  <a:schemeClr val="accent4"/>
-                </a:solidFill>
-              </a:rPr>
-              <a:t>새별의 파워포인트</a:t>
-            </a:r>
-          </a:p>
-        </p:txBody>
-      </p:sp>
       <p:sp>
         <p:nvSpPr>
           <p:cNvPr id="4" name="TextBox 3"/>
@@ -15351,6 +15419,45 @@
           </a:p>
         </p:txBody>
       </p:sp>
+      <p:sp>
+        <p:nvSpPr>
+          <p:cNvPr id="11" name="TextBox 10"/>
+          <p:cNvSpPr txBox="1"/>
+          <p:nvPr/>
+        </p:nvSpPr>
+        <p:spPr>
+          <a:xfrm>
+            <a:off x="83938" y="169136"/>
+            <a:ext cx="1189749" cy="307777"/>
+          </a:xfrm>
+          <a:prstGeom prst="rect">
+            <a:avLst/>
+          </a:prstGeom>
+          <a:noFill/>
+        </p:spPr>
+        <p:txBody>
+          <a:bodyPr wrap="none" rtlCol="0">
+            <a:spAutoFit/>
+          </a:bodyPr>
+          <a:lstStyle/>
+          <a:p>
+            <a:pPr algn="dist"/>
+            <a:r>
+              <a:rPr lang="en-US" altLang="ko-KR" sz="1400" dirty="0" smtClean="0">
+                <a:solidFill>
+                  <a:schemeClr val="accent4"/>
+                </a:solidFill>
+              </a:rPr>
+              <a:t>Seating Map</a:t>
+            </a:r>
+            <a:endParaRPr lang="en-US" altLang="ko-KR" sz="1400" dirty="0">
+              <a:solidFill>
+                <a:schemeClr val="accent4"/>
+              </a:solidFill>
+            </a:endParaRPr>
+          </a:p>
+        </p:txBody>
+      </p:sp>
     </p:spTree>
     <p:extLst>
       <p:ext uri="{BB962C8B-B14F-4D97-AF65-F5344CB8AC3E}">
@@ -15471,39 +15578,6 @@
       </p:cxnSp>
       <p:sp>
         <p:nvSpPr>
-          <p:cNvPr id="3" name="TextBox 2"/>
-          <p:cNvSpPr txBox="1"/>
-          <p:nvPr/>
-        </p:nvSpPr>
-        <p:spPr>
-          <a:xfrm>
-            <a:off x="101600" y="158119"/>
-            <a:ext cx="1378904" cy="307777"/>
-          </a:xfrm>
-          <a:prstGeom prst="rect">
-            <a:avLst/>
-          </a:prstGeom>
-          <a:noFill/>
-        </p:spPr>
-        <p:txBody>
-          <a:bodyPr wrap="none" rtlCol="0">
-            <a:spAutoFit/>
-          </a:bodyPr>
-          <a:lstStyle/>
-          <a:p>
-            <a:r>
-              <a:rPr lang="ko-KR" altLang="en-US" sz="1400" spc="-150" dirty="0">
-                <a:solidFill>
-                  <a:schemeClr val="accent4"/>
-                </a:solidFill>
-              </a:rPr>
-              <a:t>새별의 파워포인트</a:t>
-            </a:r>
-          </a:p>
-        </p:txBody>
-      </p:sp>
-      <p:sp>
-        <p:nvSpPr>
           <p:cNvPr id="4" name="TextBox 3"/>
           <p:cNvSpPr txBox="1"/>
           <p:nvPr/>
@@ -16062,6 +16136,45 @@
               </a:rPr>
             </a:br>
             <a:endParaRPr lang="ko-KR" altLang="en-US" sz="2400" dirty="0">
+              <a:solidFill>
+                <a:schemeClr val="accent4"/>
+              </a:solidFill>
+            </a:endParaRPr>
+          </a:p>
+        </p:txBody>
+      </p:sp>
+      <p:sp>
+        <p:nvSpPr>
+          <p:cNvPr id="12" name="TextBox 11"/>
+          <p:cNvSpPr txBox="1"/>
+          <p:nvPr/>
+        </p:nvSpPr>
+        <p:spPr>
+          <a:xfrm>
+            <a:off x="83938" y="169136"/>
+            <a:ext cx="1189749" cy="307777"/>
+          </a:xfrm>
+          <a:prstGeom prst="rect">
+            <a:avLst/>
+          </a:prstGeom>
+          <a:noFill/>
+        </p:spPr>
+        <p:txBody>
+          <a:bodyPr wrap="none" rtlCol="0">
+            <a:spAutoFit/>
+          </a:bodyPr>
+          <a:lstStyle/>
+          <a:p>
+            <a:pPr algn="dist"/>
+            <a:r>
+              <a:rPr lang="en-US" altLang="ko-KR" sz="1400" dirty="0" smtClean="0">
+                <a:solidFill>
+                  <a:schemeClr val="accent4"/>
+                </a:solidFill>
+              </a:rPr>
+              <a:t>Seating Map</a:t>
+            </a:r>
+            <a:endParaRPr lang="en-US" altLang="ko-KR" sz="1400" dirty="0">
               <a:solidFill>
                 <a:schemeClr val="accent4"/>
               </a:solidFill>
@@ -16187,39 +16300,6 @@
           </a:fontRef>
         </p:style>
       </p:cxnSp>
-      <p:sp>
-        <p:nvSpPr>
-          <p:cNvPr id="3" name="TextBox 2"/>
-          <p:cNvSpPr txBox="1"/>
-          <p:nvPr/>
-        </p:nvSpPr>
-        <p:spPr>
-          <a:xfrm>
-            <a:off x="101600" y="158119"/>
-            <a:ext cx="1378904" cy="307777"/>
-          </a:xfrm>
-          <a:prstGeom prst="rect">
-            <a:avLst/>
-          </a:prstGeom>
-          <a:noFill/>
-        </p:spPr>
-        <p:txBody>
-          <a:bodyPr wrap="none" rtlCol="0">
-            <a:spAutoFit/>
-          </a:bodyPr>
-          <a:lstStyle/>
-          <a:p>
-            <a:r>
-              <a:rPr lang="ko-KR" altLang="en-US" sz="1400" spc="-150" dirty="0">
-                <a:solidFill>
-                  <a:schemeClr val="accent4"/>
-                </a:solidFill>
-              </a:rPr>
-              <a:t>새별의 파워포인트</a:t>
-            </a:r>
-          </a:p>
-        </p:txBody>
-      </p:sp>
       <p:sp>
         <p:nvSpPr>
           <p:cNvPr id="4" name="TextBox 3"/>
@@ -17317,6 +17397,45 @@
           </a:p>
         </p:txBody>
       </p:sp>
+      <p:sp>
+        <p:nvSpPr>
+          <p:cNvPr id="33" name="TextBox 32"/>
+          <p:cNvSpPr txBox="1"/>
+          <p:nvPr/>
+        </p:nvSpPr>
+        <p:spPr>
+          <a:xfrm>
+            <a:off x="83938" y="169136"/>
+            <a:ext cx="1189749" cy="307777"/>
+          </a:xfrm>
+          <a:prstGeom prst="rect">
+            <a:avLst/>
+          </a:prstGeom>
+          <a:noFill/>
+        </p:spPr>
+        <p:txBody>
+          <a:bodyPr wrap="none" rtlCol="0">
+            <a:spAutoFit/>
+          </a:bodyPr>
+          <a:lstStyle/>
+          <a:p>
+            <a:pPr algn="dist"/>
+            <a:r>
+              <a:rPr lang="en-US" altLang="ko-KR" sz="1400" dirty="0" smtClean="0">
+                <a:solidFill>
+                  <a:schemeClr val="accent4"/>
+                </a:solidFill>
+              </a:rPr>
+              <a:t>Seating Map</a:t>
+            </a:r>
+            <a:endParaRPr lang="en-US" altLang="ko-KR" sz="1400" dirty="0">
+              <a:solidFill>
+                <a:schemeClr val="accent4"/>
+              </a:solidFill>
+            </a:endParaRPr>
+          </a:p>
+        </p:txBody>
+      </p:sp>
     </p:spTree>
     <p:extLst>
       <p:ext uri="{BB962C8B-B14F-4D97-AF65-F5344CB8AC3E}">
@@ -17435,39 +17554,6 @@
           </a:fontRef>
         </p:style>
       </p:cxnSp>
-      <p:sp>
-        <p:nvSpPr>
-          <p:cNvPr id="3" name="TextBox 2"/>
-          <p:cNvSpPr txBox="1"/>
-          <p:nvPr/>
-        </p:nvSpPr>
-        <p:spPr>
-          <a:xfrm>
-            <a:off x="101600" y="158119"/>
-            <a:ext cx="1378904" cy="307777"/>
-          </a:xfrm>
-          <a:prstGeom prst="rect">
-            <a:avLst/>
-          </a:prstGeom>
-          <a:noFill/>
-        </p:spPr>
-        <p:txBody>
-          <a:bodyPr wrap="none" rtlCol="0">
-            <a:spAutoFit/>
-          </a:bodyPr>
-          <a:lstStyle/>
-          <a:p>
-            <a:r>
-              <a:rPr lang="ko-KR" altLang="en-US" sz="1400" spc="-150" dirty="0">
-                <a:solidFill>
-                  <a:schemeClr val="accent4"/>
-                </a:solidFill>
-              </a:rPr>
-              <a:t>새별의 파워포인트</a:t>
-            </a:r>
-          </a:p>
-        </p:txBody>
-      </p:sp>
       <p:sp>
         <p:nvSpPr>
           <p:cNvPr id="4" name="TextBox 3"/>
@@ -18699,6 +18785,45 @@
           </a:p>
         </p:txBody>
       </p:sp>
+      <p:sp>
+        <p:nvSpPr>
+          <p:cNvPr id="34" name="TextBox 33"/>
+          <p:cNvSpPr txBox="1"/>
+          <p:nvPr/>
+        </p:nvSpPr>
+        <p:spPr>
+          <a:xfrm>
+            <a:off x="83938" y="169136"/>
+            <a:ext cx="1189749" cy="307777"/>
+          </a:xfrm>
+          <a:prstGeom prst="rect">
+            <a:avLst/>
+          </a:prstGeom>
+          <a:noFill/>
+        </p:spPr>
+        <p:txBody>
+          <a:bodyPr wrap="none" rtlCol="0">
+            <a:spAutoFit/>
+          </a:bodyPr>
+          <a:lstStyle/>
+          <a:p>
+            <a:pPr algn="dist"/>
+            <a:r>
+              <a:rPr lang="en-US" altLang="ko-KR" sz="1400" dirty="0" smtClean="0">
+                <a:solidFill>
+                  <a:schemeClr val="accent4"/>
+                </a:solidFill>
+              </a:rPr>
+              <a:t>Seating Map</a:t>
+            </a:r>
+            <a:endParaRPr lang="en-US" altLang="ko-KR" sz="1400" dirty="0">
+              <a:solidFill>
+                <a:schemeClr val="accent4"/>
+              </a:solidFill>
+            </a:endParaRPr>
+          </a:p>
+        </p:txBody>
+      </p:sp>
     </p:spTree>
     <p:extLst>
       <p:ext uri="{BB962C8B-B14F-4D97-AF65-F5344CB8AC3E}">
@@ -19304,39 +19429,6 @@
       </p:cxnSp>
       <p:sp>
         <p:nvSpPr>
-          <p:cNvPr id="3" name="TextBox 2"/>
-          <p:cNvSpPr txBox="1"/>
-          <p:nvPr/>
-        </p:nvSpPr>
-        <p:spPr>
-          <a:xfrm>
-            <a:off x="101600" y="158119"/>
-            <a:ext cx="1378904" cy="307777"/>
-          </a:xfrm>
-          <a:prstGeom prst="rect">
-            <a:avLst/>
-          </a:prstGeom>
-          <a:noFill/>
-        </p:spPr>
-        <p:txBody>
-          <a:bodyPr wrap="none" rtlCol="0">
-            <a:spAutoFit/>
-          </a:bodyPr>
-          <a:lstStyle/>
-          <a:p>
-            <a:r>
-              <a:rPr lang="ko-KR" altLang="en-US" sz="1400" spc="-150" dirty="0">
-                <a:solidFill>
-                  <a:schemeClr val="accent4"/>
-                </a:solidFill>
-              </a:rPr>
-              <a:t>새별의 파워포인트</a:t>
-            </a:r>
-          </a:p>
-        </p:txBody>
-      </p:sp>
-      <p:sp>
-        <p:nvSpPr>
           <p:cNvPr id="4" name="TextBox 3"/>
           <p:cNvSpPr txBox="1"/>
           <p:nvPr/>
@@ -19414,14 +19506,14 @@
       </p:sp>
       <p:sp>
         <p:nvSpPr>
-          <p:cNvPr id="10" name="TextBox 9"/>
+          <p:cNvPr id="11" name="TextBox 10"/>
           <p:cNvSpPr txBox="1"/>
           <p:nvPr/>
         </p:nvSpPr>
         <p:spPr>
           <a:xfrm>
-            <a:off x="7748479" y="1997869"/>
-            <a:ext cx="4494321" cy="5078313"/>
+            <a:off x="1803398" y="2509967"/>
+            <a:ext cx="4759327" cy="3416320"/>
           </a:xfrm>
           <a:prstGeom prst="rect">
             <a:avLst/>
@@ -19434,225 +19526,9 @@
           </a:bodyPr>
           <a:lstStyle/>
           <a:p>
-            <a:pPr>
-              <a:lnSpc>
-                <a:spcPct val="150000"/>
-              </a:lnSpc>
-            </a:pPr>
-            <a:r>
-              <a:rPr lang="ko-KR" altLang="en-US" sz="2400" dirty="0" smtClean="0">
-                <a:solidFill>
-                  <a:schemeClr val="accent4"/>
-                </a:solidFill>
-              </a:rPr>
-              <a:t>개선 및 구현 </a:t>
-            </a:r>
-            <a:r>
-              <a:rPr lang="ko-KR" altLang="en-US" sz="2400" dirty="0" err="1" smtClean="0">
-                <a:solidFill>
-                  <a:schemeClr val="accent4"/>
-                </a:solidFill>
-              </a:rPr>
-              <a:t>할점</a:t>
-            </a:r>
-            <a:endParaRPr lang="en-US" altLang="ko-KR" sz="2400" dirty="0" smtClean="0">
-              <a:solidFill>
-                <a:schemeClr val="accent4"/>
-              </a:solidFill>
-            </a:endParaRPr>
-          </a:p>
-          <a:p>
-            <a:pPr marL="342900" indent="-342900">
-              <a:lnSpc>
-                <a:spcPct val="150000"/>
-              </a:lnSpc>
-              <a:buFontTx/>
-              <a:buChar char="-"/>
-            </a:pPr>
-            <a:r>
-              <a:rPr lang="en-US" altLang="ko-KR" sz="2400" dirty="0" err="1" smtClean="0">
-                <a:solidFill>
-                  <a:schemeClr val="accent4"/>
-                </a:solidFill>
-              </a:rPr>
-              <a:t>Libray</a:t>
-            </a:r>
-            <a:r>
-              <a:rPr lang="en-US" altLang="ko-KR" sz="2400" dirty="0" smtClean="0">
-                <a:solidFill>
-                  <a:schemeClr val="accent4"/>
-                </a:solidFill>
-              </a:rPr>
-              <a:t> interface </a:t>
-            </a:r>
-            <a:r>
-              <a:rPr lang="ko-KR" altLang="en-US" sz="2400" dirty="0" smtClean="0">
-                <a:solidFill>
-                  <a:schemeClr val="accent4"/>
-                </a:solidFill>
-              </a:rPr>
-              <a:t>구조</a:t>
-            </a:r>
-            <a:endParaRPr lang="en-US" altLang="ko-KR" sz="2400" dirty="0" smtClean="0">
-              <a:solidFill>
-                <a:schemeClr val="accent4"/>
-              </a:solidFill>
-            </a:endParaRPr>
-          </a:p>
-          <a:p>
-            <a:pPr marL="342900" indent="-342900">
-              <a:lnSpc>
-                <a:spcPct val="150000"/>
-              </a:lnSpc>
-              <a:buFontTx/>
-              <a:buChar char="-"/>
-            </a:pPr>
-            <a:r>
-              <a:rPr lang="ko-KR" altLang="en-US" sz="2400" dirty="0" smtClean="0">
-                <a:solidFill>
-                  <a:schemeClr val="accent4"/>
-                </a:solidFill>
-              </a:rPr>
-              <a:t>나머지 </a:t>
-            </a:r>
-            <a:r>
-              <a:rPr lang="en-US" altLang="ko-KR" sz="2400" dirty="0" err="1" smtClean="0">
-                <a:solidFill>
-                  <a:schemeClr val="accent4"/>
-                </a:solidFill>
-              </a:rPr>
-              <a:t>api</a:t>
-            </a:r>
-            <a:r>
-              <a:rPr lang="en-US" altLang="ko-KR" sz="2400" dirty="0" smtClean="0">
-                <a:solidFill>
-                  <a:schemeClr val="accent4"/>
-                </a:solidFill>
-              </a:rPr>
-              <a:t> </a:t>
-            </a:r>
-            <a:r>
-              <a:rPr lang="ko-KR" altLang="en-US" sz="2400" dirty="0" smtClean="0">
-                <a:solidFill>
-                  <a:schemeClr val="accent4"/>
-                </a:solidFill>
-              </a:rPr>
-              <a:t>구현</a:t>
-            </a:r>
-            <a:endParaRPr lang="en-US" altLang="ko-KR" sz="2400" dirty="0" smtClean="0">
-              <a:solidFill>
-                <a:schemeClr val="accent4"/>
-              </a:solidFill>
-            </a:endParaRPr>
-          </a:p>
-          <a:p>
-            <a:pPr marL="342900" indent="-342900">
-              <a:lnSpc>
-                <a:spcPct val="150000"/>
-              </a:lnSpc>
-              <a:buFontTx/>
-              <a:buChar char="-"/>
-            </a:pPr>
-            <a:r>
-              <a:rPr lang="en-US" altLang="ko-KR" sz="2400" dirty="0" smtClean="0">
-                <a:solidFill>
-                  <a:schemeClr val="accent4"/>
-                </a:solidFill>
-              </a:rPr>
-              <a:t>Refactoring</a:t>
-            </a:r>
-          </a:p>
-          <a:p>
-            <a:pPr marL="342900" indent="-342900">
-              <a:lnSpc>
-                <a:spcPct val="150000"/>
-              </a:lnSpc>
-              <a:buFontTx/>
-              <a:buChar char="-"/>
-            </a:pPr>
-            <a:r>
-              <a:rPr lang="en-US" altLang="ko-KR" sz="2400" dirty="0" err="1" smtClean="0">
-                <a:solidFill>
-                  <a:schemeClr val="accent4"/>
-                </a:solidFill>
-              </a:rPr>
-              <a:t>Redis</a:t>
-            </a:r>
-            <a:r>
-              <a:rPr lang="en-US" altLang="ko-KR" sz="2400" dirty="0" smtClean="0">
-                <a:solidFill>
-                  <a:schemeClr val="accent4"/>
-                </a:solidFill>
-              </a:rPr>
-              <a:t>, ci/cd, Spring batch /scheduler</a:t>
-            </a:r>
-          </a:p>
-          <a:p>
-            <a:pPr>
-              <a:lnSpc>
-                <a:spcPct val="150000"/>
-              </a:lnSpc>
-            </a:pPr>
-            <a:endParaRPr lang="en-US" altLang="ko-KR" sz="2400" dirty="0" smtClean="0">
-              <a:solidFill>
-                <a:schemeClr val="accent4"/>
-              </a:solidFill>
-            </a:endParaRPr>
-          </a:p>
-          <a:p>
-            <a:pPr>
-              <a:lnSpc>
-                <a:spcPct val="150000"/>
-              </a:lnSpc>
-            </a:pPr>
-            <a:r>
-              <a:rPr lang="en-US" altLang="ko-KR" sz="2400" dirty="0">
-                <a:solidFill>
-                  <a:schemeClr val="accent4"/>
-                </a:solidFill>
-              </a:rPr>
-              <a:t/>
-            </a:r>
-            <a:br>
-              <a:rPr lang="en-US" altLang="ko-KR" sz="2400" dirty="0">
-                <a:solidFill>
-                  <a:schemeClr val="accent4"/>
-                </a:solidFill>
-              </a:rPr>
-            </a:br>
-            <a:endParaRPr lang="ko-KR" altLang="en-US" sz="2400" dirty="0">
-              <a:solidFill>
-                <a:schemeClr val="accent4"/>
-              </a:solidFill>
-            </a:endParaRPr>
-          </a:p>
-        </p:txBody>
-      </p:sp>
-      <p:sp>
-        <p:nvSpPr>
-          <p:cNvPr id="11" name="TextBox 10"/>
-          <p:cNvSpPr txBox="1"/>
-          <p:nvPr/>
-        </p:nvSpPr>
-        <p:spPr>
-          <a:xfrm>
-            <a:off x="1803398" y="2509967"/>
-            <a:ext cx="4759327" cy="2585323"/>
-          </a:xfrm>
-          <a:prstGeom prst="rect">
-            <a:avLst/>
-          </a:prstGeom>
-          <a:noFill/>
-        </p:spPr>
-        <p:txBody>
-          <a:bodyPr wrap="square" rtlCol="0">
-            <a:spAutoFit/>
-          </a:bodyPr>
-          <a:lstStyle/>
-          <a:p>
             <a:pPr marL="285750" indent="-285750">
               <a:lnSpc>
-                <a:spcPct val="150000"/>
+                <a:spcPct val="200000"/>
               </a:lnSpc>
               <a:buFont typeface="Arial" panose="020B0604020202020204" pitchFamily="34" charset="0"/>
               <a:buChar char="•"/>
@@ -19690,7 +19566,7 @@
           <a:p>
             <a:pPr marL="285750" indent="-285750">
               <a:lnSpc>
-                <a:spcPct val="150000"/>
+                <a:spcPct val="200000"/>
               </a:lnSpc>
               <a:buFont typeface="Arial" panose="020B0604020202020204" pitchFamily="34" charset="0"/>
               <a:buChar char="•"/>
@@ -19704,20 +19580,12 @@
               <a:t>Library </a:t>
             </a:r>
             <a:r>
-              <a:rPr lang="en-US" altLang="ko-KR" b="1" dirty="0" err="1" smtClean="0">
+              <a:rPr lang="en-US" altLang="ko-KR" b="1" dirty="0" smtClean="0">
                 <a:solidFill>
                   <a:schemeClr val="accent4"/>
                 </a:solidFill>
               </a:rPr>
-              <a:t>inerface</a:t>
-            </a:r>
-            <a:r>
-              <a:rPr lang="en-US" altLang="ko-KR" b="1" dirty="0" smtClean="0">
-                <a:solidFill>
-                  <a:schemeClr val="accent4"/>
-                </a:solidFill>
-              </a:rPr>
-              <a:t> </a:t>
+              <a:t>interface </a:t>
             </a:r>
             <a:r>
               <a:rPr lang="ko-KR" altLang="en-US" b="1" dirty="0" smtClean="0">
@@ -19736,26 +19604,18 @@
           <a:p>
             <a:pPr marL="285750" indent="-285750">
               <a:lnSpc>
-                <a:spcPct val="150000"/>
+                <a:spcPct val="200000"/>
               </a:lnSpc>
               <a:buFont typeface="Arial" panose="020B0604020202020204" pitchFamily="34" charset="0"/>
               <a:buChar char="•"/>
             </a:pPr>
             <a:r>
-              <a:rPr lang="en-US" altLang="ko-KR" b="1" dirty="0" err="1" smtClean="0">
+              <a:rPr lang="en-US" altLang="ko-KR" b="1" dirty="0" smtClean="0">
                 <a:solidFill>
                   <a:schemeClr val="accent4"/>
                 </a:solidFill>
               </a:rPr>
-              <a:t>REDIS,Spring</a:t>
-            </a:r>
-            <a:r>
-              <a:rPr lang="en-US" altLang="ko-KR" b="1" dirty="0" smtClean="0">
-                <a:solidFill>
-                  <a:schemeClr val="accent4"/>
-                </a:solidFill>
-              </a:rPr>
-              <a:t> </a:t>
+              <a:t>Spring </a:t>
             </a:r>
             <a:r>
               <a:rPr lang="en-US" altLang="ko-KR" b="1" dirty="0" err="1" smtClean="0">
@@ -19777,7 +19637,7 @@
           <a:p>
             <a:pPr marL="1200150" lvl="2" indent="-285750">
               <a:lnSpc>
-                <a:spcPct val="150000"/>
+                <a:spcPct val="200000"/>
               </a:lnSpc>
               <a:buFont typeface="Arial" panose="020B0604020202020204" pitchFamily="34" charset="0"/>
               <a:buChar char="•"/>
@@ -19791,7 +19651,7 @@
           <a:p>
             <a:pPr marL="1200150" lvl="2" indent="-285750">
               <a:lnSpc>
-                <a:spcPct val="150000"/>
+                <a:spcPct val="200000"/>
               </a:lnSpc>
               <a:buFont typeface="Arial" panose="020B0604020202020204" pitchFamily="34" charset="0"/>
               <a:buChar char="•"/>
@@ -19805,7 +19665,7 @@
           <a:p>
             <a:pPr lvl="2">
               <a:lnSpc>
-                <a:spcPct val="150000"/>
+                <a:spcPct val="200000"/>
               </a:lnSpc>
             </a:pPr>
             <a:endParaRPr lang="en-US" altLang="ko-KR" b="1" dirty="0" smtClean="0">
@@ -19818,14 +19678,14 @@
       </p:sp>
       <p:sp>
         <p:nvSpPr>
-          <p:cNvPr id="12" name="TextBox 11"/>
+          <p:cNvPr id="14" name="TextBox 13"/>
           <p:cNvSpPr txBox="1"/>
           <p:nvPr/>
         </p:nvSpPr>
         <p:spPr>
           <a:xfrm>
-            <a:off x="1882797" y="1736259"/>
-            <a:ext cx="1587294" cy="523220"/>
+            <a:off x="2263852" y="645071"/>
+            <a:ext cx="1281120" cy="553998"/>
           </a:xfrm>
           <a:prstGeom prst="rect">
             <a:avLst/>
@@ -19839,20 +19699,93 @@
           <a:lstStyle/>
           <a:p>
             <a:r>
-              <a:rPr lang="en-US" altLang="ko-KR" sz="2800" b="1" dirty="0" smtClean="0">
+              <a:rPr lang="ko-KR" altLang="en-US" sz="3000" spc="-150" dirty="0">
+                <a:solidFill>
+                  <a:schemeClr val="accent4"/>
+                </a:solidFill>
+                <a:latin typeface="+mj-ea"/>
+                <a:ea typeface="+mj-ea"/>
+              </a:rPr>
+              <a:t>끝맺음</a:t>
+            </a:r>
+            <a:endParaRPr lang="ko-KR" altLang="en-US" sz="3000" spc="-150" dirty="0">
+              <a:solidFill>
+                <a:schemeClr val="accent4"/>
+              </a:solidFill>
+              <a:latin typeface="+mj-ea"/>
+              <a:ea typeface="+mj-ea"/>
+            </a:endParaRPr>
+          </a:p>
+        </p:txBody>
+      </p:sp>
+      <p:sp>
+        <p:nvSpPr>
+          <p:cNvPr id="16" name="TextBox 15"/>
+          <p:cNvSpPr txBox="1"/>
+          <p:nvPr/>
+        </p:nvSpPr>
+        <p:spPr>
+          <a:xfrm>
+            <a:off x="83938" y="169136"/>
+            <a:ext cx="1189749" cy="307777"/>
+          </a:xfrm>
+          <a:prstGeom prst="rect">
+            <a:avLst/>
+          </a:prstGeom>
+          <a:noFill/>
+        </p:spPr>
+        <p:txBody>
+          <a:bodyPr wrap="none" rtlCol="0">
+            <a:spAutoFit/>
+          </a:bodyPr>
+          <a:lstStyle/>
+          <a:p>
+            <a:pPr algn="dist"/>
+            <a:r>
+              <a:rPr lang="en-US" altLang="ko-KR" sz="1400" dirty="0" smtClean="0">
+                <a:solidFill>
+                  <a:schemeClr val="accent4"/>
+                </a:solidFill>
+              </a:rPr>
+              <a:t>Seating Map</a:t>
+            </a:r>
+            <a:endParaRPr lang="en-US" altLang="ko-KR" sz="1400" dirty="0">
+              <a:solidFill>
+                <a:schemeClr val="accent4"/>
+              </a:solidFill>
+            </a:endParaRPr>
+          </a:p>
+        </p:txBody>
+      </p:sp>
+      <p:sp>
+        <p:nvSpPr>
+          <p:cNvPr id="17" name="TextBox 16"/>
+          <p:cNvSpPr txBox="1"/>
+          <p:nvPr/>
+        </p:nvSpPr>
+        <p:spPr>
+          <a:xfrm>
+            <a:off x="2035197" y="1888659"/>
+            <a:ext cx="1595309" cy="523220"/>
+          </a:xfrm>
+          <a:prstGeom prst="rect">
+            <a:avLst/>
+          </a:prstGeom>
+          <a:noFill/>
+        </p:spPr>
+        <p:txBody>
+          <a:bodyPr wrap="none" rtlCol="0">
+            <a:spAutoFit/>
+          </a:bodyPr>
+          <a:lstStyle/>
+          <a:p>
+            <a:r>
+              <a:rPr lang="ko-KR" altLang="en-US" sz="2800" b="1" dirty="0" smtClean="0">
                 <a:solidFill>
                   <a:srgbClr val="666666"/>
                 </a:solidFill>
               </a:rPr>
-              <a:t>API </a:t>
-            </a:r>
-            <a:r>
-              <a:rPr lang="ko-KR" altLang="en-US" sz="2800" b="1" dirty="0" smtClean="0">
-                <a:solidFill>
-                  <a:srgbClr val="666666"/>
-                </a:solidFill>
-              </a:rPr>
-              <a:t>구현</a:t>
+              <a:t>개선사항</a:t>
             </a:r>
             <a:endParaRPr lang="ko-KR" altLang="en-US" sz="2800" b="1" dirty="0">
               <a:solidFill>
@@ -19864,13 +19797,13 @@
       </p:sp>
       <p:cxnSp>
         <p:nvCxnSpPr>
-          <p:cNvPr id="13" name="직선 연결선 17"/>
+          <p:cNvPr id="18" name="직선 연결선 17"/>
           <p:cNvCxnSpPr/>
           <p:nvPr/>
         </p:nvCxnSpPr>
         <p:spPr>
           <a:xfrm>
-            <a:off x="1730052" y="1728292"/>
+            <a:off x="1882452" y="1880692"/>
             <a:ext cx="0" cy="491033"/>
           </a:xfrm>
           <a:prstGeom prst="line">
@@ -19900,51 +19833,6 @@
           </a:fontRef>
         </p:style>
       </p:cxnSp>
-      <p:sp>
-        <p:nvSpPr>
-          <p:cNvPr id="14" name="TextBox 13"/>
-          <p:cNvSpPr txBox="1"/>
-          <p:nvPr/>
-        </p:nvSpPr>
-        <p:spPr>
-          <a:xfrm>
-            <a:off x="2263852" y="645071"/>
-            <a:ext cx="1281120" cy="553998"/>
-          </a:xfrm>
-          <a:prstGeom prst="rect">
-            <a:avLst/>
-          </a:prstGeom>
-          <a:noFill/>
-        </p:spPr>
-        <p:txBody>
-          <a:bodyPr wrap="none" rtlCol="0">
-            <a:spAutoFit/>
-          </a:bodyPr>
-          <a:lstStyle/>
-          <a:p>
-            <a:r>
-              <a:rPr lang="ko-KR" altLang="en-US" sz="3000" spc="-150" dirty="0" smtClean="0">
-                <a:solidFill>
-                  <a:schemeClr val="accent4"/>
-                </a:solidFill>
-                <a:latin typeface="+mj-ea"/>
-                <a:ea typeface="+mj-ea"/>
-              </a:rPr>
-              <a:t>개선</a:t>
-            </a:r>
-            <a:r>
-              <a:rPr lang="ko-KR" altLang="en-US" sz="3000" spc="-150" dirty="0">
-                <a:solidFill>
-                  <a:schemeClr val="accent4"/>
-                </a:solidFill>
-                <a:latin typeface="+mj-ea"/>
-                <a:ea typeface="+mj-ea"/>
-              </a:rPr>
-              <a:t>점</a:t>
-            </a:r>
-          </a:p>
-        </p:txBody>
-      </p:sp>
     </p:spTree>
     <p:extLst>
       <p:ext uri="{BB962C8B-B14F-4D97-AF65-F5344CB8AC3E}">
@@ -20315,7 +20203,7 @@
         <p:spPr>
           <a:xfrm>
             <a:off x="2259166" y="4344499"/>
-            <a:ext cx="1287532" cy="369332"/>
+            <a:ext cx="819455" cy="369332"/>
           </a:xfrm>
           <a:prstGeom prst="rect">
             <a:avLst/>
@@ -20329,12 +20217,12 @@
           <a:lstStyle/>
           <a:p>
             <a:r>
-              <a:rPr lang="ko-KR" altLang="en-US" spc="-150" dirty="0" smtClean="0">
+              <a:rPr lang="ko-KR" altLang="en-US" spc="-150" dirty="0">
                 <a:solidFill>
                   <a:schemeClr val="bg1"/>
                 </a:solidFill>
               </a:rPr>
-              <a:t>향후 개선점</a:t>
+              <a:t>끝맺음</a:t>
             </a:r>
             <a:endParaRPr lang="ko-KR" altLang="en-US" spc="-150" dirty="0">
               <a:solidFill>
@@ -20532,7 +20420,7 @@
                 <a:ea typeface="Noto Sans CJK KR Thin" panose="020B0200000000000000" pitchFamily="34" charset="-127"/>
                 <a:cs typeface="Arial" panose="020B0604020202020204" pitchFamily="34" charset="0"/>
               </a:rPr>
-              <a:t>보완사항</a:t>
+              <a:t>개선사항</a:t>
             </a:r>
             <a:endParaRPr lang="ko-KR" altLang="en-US" sz="1400" spc="-150" dirty="0">
               <a:solidFill>
@@ -20751,6 +20639,57 @@
           </a:p>
         </p:txBody>
       </p:sp>
+      <p:sp>
+        <p:nvSpPr>
+          <p:cNvPr id="20" name="TextBox 19"/>
+          <p:cNvSpPr txBox="1"/>
+          <p:nvPr/>
+        </p:nvSpPr>
+        <p:spPr>
+          <a:xfrm>
+            <a:off x="2374582" y="5085725"/>
+            <a:ext cx="3541394" cy="343171"/>
+          </a:xfrm>
+          <a:prstGeom prst="rect">
+            <a:avLst/>
+          </a:prstGeom>
+          <a:noFill/>
+        </p:spPr>
+        <p:txBody>
+          <a:bodyPr wrap="square" rtlCol="0">
+            <a:spAutoFit/>
+          </a:bodyPr>
+          <a:lstStyle/>
+          <a:p>
+            <a:pPr marL="180975" indent="-180975">
+              <a:lnSpc>
+                <a:spcPct val="130000"/>
+              </a:lnSpc>
+              <a:buFont typeface="Wingdings" panose="05000000000000000000" pitchFamily="2" charset="2"/>
+              <a:buChar char="§"/>
+            </a:pPr>
+            <a:r>
+              <a:rPr lang="ko-KR" altLang="en-US" sz="1400" spc="-150" dirty="0" smtClean="0">
+                <a:solidFill>
+                  <a:schemeClr val="bg1"/>
+                </a:solidFill>
+                <a:latin typeface="Noto Sans CJK KR Thin" panose="020B0200000000000000" pitchFamily="34" charset="-127"/>
+                <a:ea typeface="Noto Sans CJK KR Thin" panose="020B0200000000000000" pitchFamily="34" charset="-127"/>
+                <a:cs typeface="Arial" panose="020B0604020202020204" pitchFamily="34" charset="0"/>
+              </a:rPr>
+              <a:t>소감</a:t>
+            </a:r>
+            <a:endParaRPr lang="ko-KR" altLang="en-US" sz="1400" spc="-150" dirty="0">
+              <a:solidFill>
+                <a:schemeClr val="bg1"/>
+              </a:solidFill>
+              <a:latin typeface="Noto Sans CJK KR Thin" panose="020B0200000000000000" pitchFamily="34" charset="-127"/>
+              <a:ea typeface="Noto Sans CJK KR Thin" panose="020B0200000000000000" pitchFamily="34" charset="-127"/>
+              <a:cs typeface="Arial" panose="020B0604020202020204" pitchFamily="34" charset="0"/>
+            </a:endParaRPr>
+          </a:p>
+        </p:txBody>
+      </p:sp>
     </p:spTree>
     <p:extLst>
       <p:ext uri="{BB962C8B-B14F-4D97-AF65-F5344CB8AC3E}">
@@ -20772,6 +20711,602 @@
 </file>
 
 <file path=ppt/slides/slide20.xml><?xml version="1.0" encoding="utf-8"?>
+<p:sld xmlns:a="http://schemas.openxmlformats.org/drawingml/2006/main" xmlns:r="http://schemas.openxmlformats.org/officeDocument/2006/relationships" xmlns:p="http://schemas.openxmlformats.org/presentationml/2006/main">
+  <p:cSld>
+    <p:spTree>
+      <p:nvGrpSpPr>
+        <p:cNvPr id="1" name=""/>
+        <p:cNvGrpSpPr/>
+        <p:nvPr/>
+      </p:nvGrpSpPr>
+      <p:grpSpPr>
+        <a:xfrm>
+          <a:off x="0" y="0"/>
+          <a:ext cx="0" cy="0"/>
+          <a:chOff x="0" y="0"/>
+          <a:chExt cx="0" cy="0"/>
+        </a:xfrm>
+      </p:grpSpPr>
+      <p:sp>
+        <p:nvSpPr>
+          <p:cNvPr id="9" name="직사각형 8"/>
+          <p:cNvSpPr/>
+          <p:nvPr/>
+        </p:nvSpPr>
+        <p:spPr>
+          <a:xfrm>
+            <a:off x="0" y="0"/>
+            <a:ext cx="12192000" cy="1638300"/>
+          </a:xfrm>
+          <a:prstGeom prst="rect">
+            <a:avLst/>
+          </a:prstGeom>
+          <a:solidFill>
+            <a:schemeClr val="bg2"/>
+          </a:solidFill>
+          <a:ln>
+            <a:noFill/>
+          </a:ln>
+        </p:spPr>
+        <p:style>
+          <a:lnRef idx="2">
+            <a:schemeClr val="accent1">
+              <a:shade val="50000"/>
+            </a:schemeClr>
+          </a:lnRef>
+          <a:fillRef idx="1">
+            <a:schemeClr val="accent1"/>
+          </a:fillRef>
+          <a:effectRef idx="0">
+            <a:schemeClr val="accent1"/>
+          </a:effectRef>
+          <a:fontRef idx="minor">
+            <a:schemeClr val="lt1"/>
+          </a:fontRef>
+        </p:style>
+        <p:txBody>
+          <a:bodyPr rtlCol="0" anchor="ctr"/>
+          <a:lstStyle/>
+          <a:p>
+            <a:pPr algn="ctr"/>
+            <a:endParaRPr lang="ko-KR" altLang="en-US"/>
+          </a:p>
+        </p:txBody>
+      </p:sp>
+      <p:cxnSp>
+        <p:nvCxnSpPr>
+          <p:cNvPr id="2" name="직선 연결선 1"/>
+          <p:cNvCxnSpPr/>
+          <p:nvPr/>
+        </p:nvCxnSpPr>
+        <p:spPr>
+          <a:xfrm>
+            <a:off x="139700" y="491296"/>
+            <a:ext cx="1993900" cy="0"/>
+          </a:xfrm>
+          <a:prstGeom prst="line">
+            <a:avLst/>
+          </a:prstGeom>
+          <a:ln>
+            <a:solidFill>
+              <a:schemeClr val="accent4"/>
+            </a:solidFill>
+          </a:ln>
+        </p:spPr>
+        <p:style>
+          <a:lnRef idx="1">
+            <a:schemeClr val="accent1"/>
+          </a:lnRef>
+          <a:fillRef idx="0">
+            <a:schemeClr val="accent1"/>
+          </a:fillRef>
+          <a:effectRef idx="0">
+            <a:schemeClr val="accent1"/>
+          </a:effectRef>
+          <a:fontRef idx="minor">
+            <a:schemeClr val="tx1"/>
+          </a:fontRef>
+        </p:style>
+      </p:cxnSp>
+      <p:sp>
+        <p:nvSpPr>
+          <p:cNvPr id="4" name="TextBox 3"/>
+          <p:cNvSpPr txBox="1"/>
+          <p:nvPr/>
+        </p:nvSpPr>
+        <p:spPr>
+          <a:xfrm>
+            <a:off x="1481886" y="652394"/>
+            <a:ext cx="753732" cy="584775"/>
+          </a:xfrm>
+          <a:prstGeom prst="rect">
+            <a:avLst/>
+          </a:prstGeom>
+          <a:noFill/>
+        </p:spPr>
+        <p:txBody>
+          <a:bodyPr wrap="none" rtlCol="0">
+            <a:spAutoFit/>
+          </a:bodyPr>
+          <a:lstStyle/>
+          <a:p>
+            <a:pPr algn="r"/>
+            <a:r>
+              <a:rPr lang="en-US" altLang="ko-KR" sz="3200" b="1" dirty="0">
+                <a:solidFill>
+                  <a:schemeClr val="accent4"/>
+                </a:solidFill>
+              </a:rPr>
+              <a:t>3</a:t>
+            </a:r>
+            <a:r>
+              <a:rPr lang="en-US" altLang="ko-KR" sz="3200" b="1" dirty="0" smtClean="0">
+                <a:solidFill>
+                  <a:schemeClr val="accent4"/>
+                </a:solidFill>
+              </a:rPr>
+              <a:t>.1</a:t>
+            </a:r>
+            <a:endParaRPr lang="ko-KR" altLang="en-US" sz="3200" b="1" dirty="0">
+              <a:solidFill>
+                <a:schemeClr val="accent4"/>
+              </a:solidFill>
+            </a:endParaRPr>
+          </a:p>
+        </p:txBody>
+      </p:sp>
+      <p:sp>
+        <p:nvSpPr>
+          <p:cNvPr id="7" name="TextBox 6"/>
+          <p:cNvSpPr txBox="1"/>
+          <p:nvPr/>
+        </p:nvSpPr>
+        <p:spPr>
+          <a:xfrm>
+            <a:off x="2289252" y="1180991"/>
+            <a:ext cx="184731" cy="307777"/>
+          </a:xfrm>
+          <a:prstGeom prst="rect">
+            <a:avLst/>
+          </a:prstGeom>
+          <a:noFill/>
+        </p:spPr>
+        <p:txBody>
+          <a:bodyPr wrap="none" rtlCol="0">
+            <a:spAutoFit/>
+          </a:bodyPr>
+          <a:lstStyle/>
+          <a:p>
+            <a:endParaRPr lang="ko-KR" altLang="en-US" sz="1400" dirty="0">
+              <a:solidFill>
+                <a:schemeClr val="accent4"/>
+              </a:solidFill>
+            </a:endParaRPr>
+          </a:p>
+        </p:txBody>
+      </p:sp>
+      <p:sp>
+        <p:nvSpPr>
+          <p:cNvPr id="11" name="TextBox 10"/>
+          <p:cNvSpPr txBox="1"/>
+          <p:nvPr/>
+        </p:nvSpPr>
+        <p:spPr>
+          <a:xfrm>
+            <a:off x="1803398" y="2509967"/>
+            <a:ext cx="7120265" cy="4108817"/>
+          </a:xfrm>
+          <a:prstGeom prst="rect">
+            <a:avLst/>
+          </a:prstGeom>
+          <a:noFill/>
+        </p:spPr>
+        <p:txBody>
+          <a:bodyPr wrap="square" rtlCol="0">
+            <a:spAutoFit/>
+          </a:bodyPr>
+          <a:lstStyle/>
+          <a:p>
+            <a:pPr marL="285750" indent="-285750">
+              <a:lnSpc>
+                <a:spcPct val="200000"/>
+              </a:lnSpc>
+              <a:buFont typeface="Arial" panose="020B0604020202020204" pitchFamily="34" charset="0"/>
+              <a:buChar char="•"/>
+            </a:pPr>
+            <a:r>
+              <a:rPr lang="ko-KR" altLang="en-US" b="1" dirty="0">
+                <a:solidFill>
+                  <a:schemeClr val="accent4"/>
+                </a:solidFill>
+              </a:rPr>
+              <a:t>설계 부터 </a:t>
+            </a:r>
+            <a:r>
+              <a:rPr lang="ko-KR" altLang="en-US" b="1" dirty="0" smtClean="0">
+                <a:solidFill>
+                  <a:schemeClr val="accent4"/>
+                </a:solidFill>
+              </a:rPr>
+              <a:t>개발</a:t>
+            </a:r>
+            <a:endParaRPr lang="en-US" altLang="ko-KR" b="1" dirty="0" smtClean="0">
+              <a:solidFill>
+                <a:schemeClr val="accent4"/>
+              </a:solidFill>
+            </a:endParaRPr>
+          </a:p>
+          <a:p>
+            <a:pPr marL="285750" indent="-285750">
+              <a:lnSpc>
+                <a:spcPct val="200000"/>
+              </a:lnSpc>
+              <a:buFont typeface="Arial" panose="020B0604020202020204" pitchFamily="34" charset="0"/>
+              <a:buChar char="•"/>
+            </a:pPr>
+            <a:r>
+              <a:rPr lang="ko-KR" altLang="en-US" b="1" dirty="0" smtClean="0">
+                <a:solidFill>
+                  <a:schemeClr val="accent4"/>
+                </a:solidFill>
+              </a:rPr>
+              <a:t>다양한 </a:t>
+            </a:r>
+            <a:r>
+              <a:rPr lang="ko-KR" altLang="en-US" b="1" dirty="0" smtClean="0">
+                <a:solidFill>
+                  <a:schemeClr val="accent4"/>
+                </a:solidFill>
+              </a:rPr>
+              <a:t>기</a:t>
+            </a:r>
+            <a:r>
+              <a:rPr lang="ko-KR" altLang="en-US" b="1" dirty="0">
+                <a:solidFill>
+                  <a:schemeClr val="accent4"/>
+                </a:solidFill>
+              </a:rPr>
+              <a:t>술</a:t>
+            </a:r>
+            <a:r>
+              <a:rPr lang="en-US" altLang="ko-KR" b="1" dirty="0" smtClean="0">
+                <a:solidFill>
+                  <a:schemeClr val="accent4"/>
+                </a:solidFill>
+              </a:rPr>
+              <a:t>(JPA, Spring security)</a:t>
+            </a:r>
+          </a:p>
+          <a:p>
+            <a:pPr marL="285750" indent="-285750">
+              <a:lnSpc>
+                <a:spcPct val="200000"/>
+              </a:lnSpc>
+              <a:buFont typeface="Arial" panose="020B0604020202020204" pitchFamily="34" charset="0"/>
+              <a:buChar char="•"/>
+            </a:pPr>
+            <a:r>
+              <a:rPr lang="ko-KR" altLang="en-US" b="1" dirty="0" smtClean="0">
+                <a:solidFill>
+                  <a:schemeClr val="accent4"/>
+                </a:solidFill>
+              </a:rPr>
+              <a:t>다양한 경험</a:t>
+            </a:r>
+            <a:r>
+              <a:rPr lang="en-US" altLang="ko-KR" b="1" dirty="0" smtClean="0">
+                <a:solidFill>
+                  <a:schemeClr val="accent4"/>
+                </a:solidFill>
+              </a:rPr>
+              <a:t>(TDD,DDD)</a:t>
+            </a:r>
+          </a:p>
+          <a:p>
+            <a:pPr marL="285750" indent="-285750">
+              <a:lnSpc>
+                <a:spcPct val="200000"/>
+              </a:lnSpc>
+              <a:buFont typeface="Arial" panose="020B0604020202020204" pitchFamily="34" charset="0"/>
+              <a:buChar char="•"/>
+            </a:pPr>
+            <a:r>
+              <a:rPr lang="ko-KR" altLang="en-US" b="1" dirty="0" smtClean="0">
+                <a:solidFill>
+                  <a:schemeClr val="accent4"/>
+                </a:solidFill>
+              </a:rPr>
+              <a:t>협업</a:t>
+            </a:r>
+            <a:r>
+              <a:rPr lang="en-US" altLang="ko-KR" b="1" dirty="0" smtClean="0">
+                <a:solidFill>
+                  <a:schemeClr val="accent4"/>
+                </a:solidFill>
+              </a:rPr>
+              <a:t>(</a:t>
+            </a:r>
+            <a:r>
+              <a:rPr lang="en-US" altLang="ko-KR" b="1" dirty="0" err="1">
+                <a:solidFill>
+                  <a:schemeClr val="accent4"/>
+                </a:solidFill>
+              </a:rPr>
+              <a:t>g</a:t>
+            </a:r>
+            <a:r>
+              <a:rPr lang="en-US" altLang="ko-KR" b="1" dirty="0" err="1" smtClean="0">
+                <a:solidFill>
+                  <a:schemeClr val="accent4"/>
+                </a:solidFill>
+              </a:rPr>
+              <a:t>it</a:t>
+            </a:r>
+            <a:r>
+              <a:rPr lang="en-US" altLang="ko-KR" b="1" dirty="0" smtClean="0">
+                <a:solidFill>
+                  <a:schemeClr val="accent4"/>
+                </a:solidFill>
+              </a:rPr>
+              <a:t> issue, </a:t>
+            </a:r>
+            <a:r>
+              <a:rPr lang="en-US" altLang="ko-KR" b="1" dirty="0" err="1" smtClean="0">
+                <a:solidFill>
+                  <a:schemeClr val="accent4"/>
+                </a:solidFill>
+              </a:rPr>
+              <a:t>git</a:t>
+            </a:r>
+            <a:r>
+              <a:rPr lang="en-US" altLang="ko-KR" b="1" dirty="0" smtClean="0">
+                <a:solidFill>
+                  <a:schemeClr val="accent4"/>
+                </a:solidFill>
+              </a:rPr>
+              <a:t> flow)</a:t>
+            </a:r>
+          </a:p>
+          <a:p>
+            <a:pPr marL="285750" indent="-285750">
+              <a:lnSpc>
+                <a:spcPct val="200000"/>
+              </a:lnSpc>
+              <a:buFont typeface="Arial" panose="020B0604020202020204" pitchFamily="34" charset="0"/>
+              <a:buChar char="•"/>
+            </a:pPr>
+            <a:r>
+              <a:rPr lang="ko-KR" altLang="en-US" b="1" dirty="0" smtClean="0">
+                <a:solidFill>
+                  <a:schemeClr val="accent4"/>
+                </a:solidFill>
+              </a:rPr>
+              <a:t>코드리뷰 </a:t>
+            </a:r>
+            <a:endParaRPr lang="en-US" altLang="ko-KR" b="1" dirty="0" smtClean="0">
+              <a:solidFill>
+                <a:schemeClr val="accent4"/>
+              </a:solidFill>
+            </a:endParaRPr>
+          </a:p>
+          <a:p>
+            <a:pPr marL="1200150" lvl="2" indent="-285750">
+              <a:lnSpc>
+                <a:spcPct val="150000"/>
+              </a:lnSpc>
+              <a:buFont typeface="Arial" panose="020B0604020202020204" pitchFamily="34" charset="0"/>
+              <a:buChar char="•"/>
+            </a:pPr>
+            <a:endParaRPr lang="en-US" altLang="ko-KR" b="1" dirty="0" smtClean="0">
+              <a:solidFill>
+                <a:schemeClr val="accent4"/>
+              </a:solidFill>
+            </a:endParaRPr>
+          </a:p>
+          <a:p>
+            <a:pPr marL="1200150" lvl="2" indent="-285750">
+              <a:lnSpc>
+                <a:spcPct val="150000"/>
+              </a:lnSpc>
+              <a:buFont typeface="Arial" panose="020B0604020202020204" pitchFamily="34" charset="0"/>
+              <a:buChar char="•"/>
+            </a:pPr>
+            <a:endParaRPr lang="en-US" altLang="ko-KR" b="1" dirty="0" smtClean="0">
+              <a:solidFill>
+                <a:schemeClr val="accent4"/>
+              </a:solidFill>
+            </a:endParaRPr>
+          </a:p>
+          <a:p>
+            <a:pPr lvl="2">
+              <a:lnSpc>
+                <a:spcPct val="150000"/>
+              </a:lnSpc>
+            </a:pPr>
+            <a:endParaRPr lang="en-US" altLang="ko-KR" b="1" dirty="0" smtClean="0">
+              <a:solidFill>
+                <a:schemeClr val="accent4"/>
+              </a:solidFill>
+            </a:endParaRPr>
+          </a:p>
+        </p:txBody>
+      </p:sp>
+      <p:sp>
+        <p:nvSpPr>
+          <p:cNvPr id="14" name="TextBox 13"/>
+          <p:cNvSpPr txBox="1"/>
+          <p:nvPr/>
+        </p:nvSpPr>
+        <p:spPr>
+          <a:xfrm>
+            <a:off x="2263852" y="645071"/>
+            <a:ext cx="1281120" cy="553998"/>
+          </a:xfrm>
+          <a:prstGeom prst="rect">
+            <a:avLst/>
+          </a:prstGeom>
+          <a:noFill/>
+        </p:spPr>
+        <p:txBody>
+          <a:bodyPr wrap="none" rtlCol="0">
+            <a:spAutoFit/>
+          </a:bodyPr>
+          <a:lstStyle/>
+          <a:p>
+            <a:r>
+              <a:rPr lang="ko-KR" altLang="en-US" sz="3000" spc="-150" dirty="0">
+                <a:solidFill>
+                  <a:schemeClr val="accent4"/>
+                </a:solidFill>
+                <a:latin typeface="+mj-ea"/>
+              </a:rPr>
+              <a:t>끝맺음</a:t>
+            </a:r>
+            <a:endParaRPr lang="ko-KR" altLang="en-US" sz="3000" spc="-150" dirty="0">
+              <a:solidFill>
+                <a:schemeClr val="accent4"/>
+              </a:solidFill>
+              <a:latin typeface="+mj-ea"/>
+            </a:endParaRPr>
+          </a:p>
+        </p:txBody>
+      </p:sp>
+      <p:sp>
+        <p:nvSpPr>
+          <p:cNvPr id="16" name="TextBox 15"/>
+          <p:cNvSpPr txBox="1"/>
+          <p:nvPr/>
+        </p:nvSpPr>
+        <p:spPr>
+          <a:xfrm>
+            <a:off x="83938" y="169136"/>
+            <a:ext cx="1189749" cy="307777"/>
+          </a:xfrm>
+          <a:prstGeom prst="rect">
+            <a:avLst/>
+          </a:prstGeom>
+          <a:noFill/>
+        </p:spPr>
+        <p:txBody>
+          <a:bodyPr wrap="none" rtlCol="0">
+            <a:spAutoFit/>
+          </a:bodyPr>
+          <a:lstStyle/>
+          <a:p>
+            <a:pPr algn="dist"/>
+            <a:r>
+              <a:rPr lang="en-US" altLang="ko-KR" sz="1400" dirty="0" smtClean="0">
+                <a:solidFill>
+                  <a:schemeClr val="accent4"/>
+                </a:solidFill>
+              </a:rPr>
+              <a:t>Seating Map</a:t>
+            </a:r>
+            <a:endParaRPr lang="en-US" altLang="ko-KR" sz="1400" dirty="0">
+              <a:solidFill>
+                <a:schemeClr val="accent4"/>
+              </a:solidFill>
+            </a:endParaRPr>
+          </a:p>
+        </p:txBody>
+      </p:sp>
+      <p:sp>
+        <p:nvSpPr>
+          <p:cNvPr id="17" name="TextBox 16"/>
+          <p:cNvSpPr txBox="1"/>
+          <p:nvPr/>
+        </p:nvSpPr>
+        <p:spPr>
+          <a:xfrm>
+            <a:off x="2035197" y="1888659"/>
+            <a:ext cx="889987" cy="523220"/>
+          </a:xfrm>
+          <a:prstGeom prst="rect">
+            <a:avLst/>
+          </a:prstGeom>
+          <a:noFill/>
+        </p:spPr>
+        <p:txBody>
+          <a:bodyPr wrap="none" rtlCol="0">
+            <a:spAutoFit/>
+          </a:bodyPr>
+          <a:lstStyle/>
+          <a:p>
+            <a:r>
+              <a:rPr lang="ko-KR" altLang="en-US" sz="2800" b="1" dirty="0" smtClean="0">
+                <a:solidFill>
+                  <a:srgbClr val="666666"/>
+                </a:solidFill>
+              </a:rPr>
+              <a:t>소감</a:t>
+            </a:r>
+            <a:endParaRPr lang="ko-KR" altLang="en-US" sz="2800" b="1" dirty="0">
+              <a:solidFill>
+                <a:srgbClr val="666666"/>
+              </a:solidFill>
+            </a:endParaRPr>
+          </a:p>
+        </p:txBody>
+      </p:sp>
+      <p:cxnSp>
+        <p:nvCxnSpPr>
+          <p:cNvPr id="18" name="직선 연결선 17"/>
+          <p:cNvCxnSpPr/>
+          <p:nvPr/>
+        </p:nvCxnSpPr>
+        <p:spPr>
+          <a:xfrm>
+            <a:off x="1882452" y="1880692"/>
+            <a:ext cx="0" cy="491033"/>
+          </a:xfrm>
+          <a:prstGeom prst="line">
+            <a:avLst/>
+          </a:prstGeom>
+          <a:ln w="76200">
+            <a:solidFill>
+              <a:schemeClr val="accent4">
+                <a:lumMod val="60000"/>
+                <a:lumOff val="40000"/>
+              </a:schemeClr>
+            </a:solidFill>
+          </a:ln>
+        </p:spPr>
+        <p:style>
+          <a:lnRef idx="1">
+            <a:schemeClr val="accent1"/>
+          </a:lnRef>
+          <a:fillRef idx="0">
+            <a:schemeClr val="accent1"/>
+          </a:fillRef>
+          <a:effectRef idx="0">
+            <a:schemeClr val="accent1"/>
+          </a:effectRef>
+          <a:fontRef idx="minor">
+            <a:schemeClr val="tx1"/>
+          </a:fontRef>
+        </p:style>
+      </p:cxnSp>
+    </p:spTree>
+    <p:extLst>
+      <p:ext uri="{BB962C8B-B14F-4D97-AF65-F5344CB8AC3E}">
+        <p14:creationId xmlns:p14="http://schemas.microsoft.com/office/powerpoint/2010/main" val="2744276503"/>
+      </p:ext>
+    </p:extLst>
+  </p:cSld>
+  <p:clrMapOvr>
+    <a:masterClrMapping/>
+  </p:clrMapOvr>
+  <p:timing>
+    <p:tnLst>
+      <p:par>
+        <p:cTn id="1" dur="indefinite" restart="never" nodeType="tmRoot"/>
+      </p:par>
+    </p:tnLst>
+  </p:timing>
+</p:sld>
+</file>
+
+<file path=ppt/slides/slide21.xml><?xml version="1.0" encoding="utf-8"?>
 <p:sld xmlns:a="http://schemas.openxmlformats.org/drawingml/2006/main" xmlns:r="http://schemas.openxmlformats.org/officeDocument/2006/relationships" xmlns:p="http://schemas.openxmlformats.org/presentationml/2006/main">
   <p:cSld>
     <p:bg>
@@ -21260,122 +21795,11 @@
         <p:grpSpPr>
           <a:xfrm>
             <a:off x="527769" y="2211262"/>
-            <a:ext cx="5187231" cy="2099938"/>
+            <a:ext cx="5187231" cy="1323439"/>
             <a:chOff x="527769" y="1728426"/>
-            <a:chExt cx="5187231" cy="2099938"/>
+            <a:chExt cx="5187231" cy="1323439"/>
           </a:xfrm>
         </p:grpSpPr>
-        <p:grpSp>
-          <p:nvGrpSpPr>
-            <p:cNvPr id="2" name="그룹 1"/>
-            <p:cNvGrpSpPr/>
-            <p:nvPr/>
-          </p:nvGrpSpPr>
-          <p:grpSpPr>
-            <a:xfrm>
-              <a:off x="558064" y="3058923"/>
-              <a:ext cx="3836832" cy="769441"/>
-              <a:chOff x="471977" y="2691080"/>
-              <a:chExt cx="3836832" cy="769441"/>
-            </a:xfrm>
-          </p:grpSpPr>
-          <p:sp>
-            <p:nvSpPr>
-              <p:cNvPr id="18" name="TextBox 17"/>
-              <p:cNvSpPr txBox="1"/>
-              <p:nvPr/>
-            </p:nvSpPr>
-            <p:spPr>
-              <a:xfrm>
-                <a:off x="471977" y="2691080"/>
-                <a:ext cx="3076483" cy="769441"/>
-              </a:xfrm>
-              <a:prstGeom prst="rect">
-                <a:avLst/>
-              </a:prstGeom>
-              <a:noFill/>
-            </p:spPr>
-            <p:txBody>
-              <a:bodyPr wrap="none" rtlCol="0">
-                <a:spAutoFit/>
-              </a:bodyPr>
-              <a:lstStyle/>
-              <a:p>
-                <a:r>
-                  <a:rPr lang="en-US" altLang="ko-KR" sz="4400" b="1" spc="-150" dirty="0">
-                    <a:solidFill>
-                      <a:schemeClr val="bg1">
-                        <a:alpha val="70000"/>
-                      </a:schemeClr>
-                    </a:solidFill>
-                    <a:latin typeface="+mj-lt"/>
-                    <a:ea typeface="THE명품고딕L" panose="02020603020101020101" pitchFamily="18" charset="-127"/>
-                  </a:rPr>
-                  <a:t>Introduction</a:t>
-                </a:r>
-                <a:endParaRPr lang="ko-KR" altLang="en-US" sz="4400" b="1" spc="-150" dirty="0">
-                  <a:solidFill>
-                    <a:schemeClr val="bg1">
-                      <a:alpha val="70000"/>
-                    </a:schemeClr>
-                  </a:solidFill>
-                  <a:latin typeface="+mj-lt"/>
-                  <a:ea typeface="THE명품고딕L" panose="02020603020101020101" pitchFamily="18" charset="-127"/>
-                </a:endParaRPr>
-              </a:p>
-            </p:txBody>
-          </p:sp>
-          <p:sp>
-            <p:nvSpPr>
-              <p:cNvPr id="21" name="TextBox 20"/>
-              <p:cNvSpPr txBox="1"/>
-              <p:nvPr/>
-            </p:nvSpPr>
-            <p:spPr>
-              <a:xfrm>
-                <a:off x="1232326" y="2691080"/>
-                <a:ext cx="3076483" cy="769441"/>
-              </a:xfrm>
-              <a:prstGeom prst="rect">
-                <a:avLst/>
-              </a:prstGeom>
-              <a:noFill/>
-            </p:spPr>
-            <p:txBody>
-              <a:bodyPr wrap="none" rtlCol="0">
-                <a:spAutoFit/>
-              </a:bodyPr>
-              <a:lstStyle/>
-              <a:p>
-                <a:r>
-                  <a:rPr lang="en-US" altLang="ko-KR" sz="4400" b="1" spc="-150" dirty="0">
-                    <a:solidFill>
-                      <a:schemeClr val="tx1">
-                        <a:lumMod val="20000"/>
-                        <a:lumOff val="80000"/>
-                        <a:alpha val="10000"/>
-                      </a:schemeClr>
-                    </a:solidFill>
-                    <a:latin typeface="+mj-lt"/>
-                    <a:ea typeface="THE명품고딕L" panose="02020603020101020101" pitchFamily="18" charset="-127"/>
-                  </a:rPr>
-                  <a:t>Introduction</a:t>
-                </a:r>
-                <a:endParaRPr lang="ko-KR" altLang="en-US" sz="4400" b="1" spc="-150" dirty="0">
-                  <a:solidFill>
-                    <a:schemeClr val="tx1">
-                      <a:lumMod val="20000"/>
-                      <a:lumOff val="80000"/>
-                      <a:alpha val="10000"/>
-                    </a:schemeClr>
-                  </a:solidFill>
-                  <a:latin typeface="+mj-lt"/>
-                  <a:ea typeface="THE명품고딕L" panose="02020603020101020101" pitchFamily="18" charset="-127"/>
-                </a:endParaRPr>
-              </a:p>
-            </p:txBody>
-          </p:sp>
-        </p:grpSp>
         <p:sp>
           <p:nvSpPr>
             <p:cNvPr id="11" name="TextBox 10"/>
@@ -21695,8 +22119,8 @@
         </p:nvSpPr>
         <p:spPr>
           <a:xfrm>
-            <a:off x="101600" y="158119"/>
-            <a:ext cx="1378904" cy="307777"/>
+            <a:off x="83938" y="169136"/>
+            <a:ext cx="1189749" cy="307777"/>
           </a:xfrm>
           <a:prstGeom prst="rect">
             <a:avLst/>
@@ -21709,14 +22133,20 @@
           </a:bodyPr>
           <a:lstStyle/>
           <a:p>
-            <a:r>
-              <a:rPr lang="ko-KR" altLang="en-US" sz="1400" spc="-150" dirty="0">
+            <a:pPr algn="dist"/>
+            <a:r>
+              <a:rPr lang="en-US" altLang="ko-KR" sz="1400" dirty="0" smtClean="0">
                 <a:solidFill>
                   <a:schemeClr val="accent4"/>
                 </a:solidFill>
               </a:rPr>
-              <a:t>새별의 파워포인트</a:t>
-            </a:r>
+              <a:t>Seating Map</a:t>
+            </a:r>
+            <a:endParaRPr lang="en-US" altLang="ko-KR" sz="1400" dirty="0">
+              <a:solidFill>
+                <a:schemeClr val="accent4"/>
+              </a:solidFill>
+            </a:endParaRPr>
           </a:p>
         </p:txBody>
       </p:sp>
@@ -23138,39 +23568,6 @@
           </a:fontRef>
         </p:style>
       </p:cxnSp>
-      <p:sp>
-        <p:nvSpPr>
-          <p:cNvPr id="3" name="TextBox 2"/>
-          <p:cNvSpPr txBox="1"/>
-          <p:nvPr/>
-        </p:nvSpPr>
-        <p:spPr>
-          <a:xfrm>
-            <a:off x="101600" y="158119"/>
-            <a:ext cx="1378904" cy="307777"/>
-          </a:xfrm>
-          <a:prstGeom prst="rect">
-            <a:avLst/>
-          </a:prstGeom>
-          <a:noFill/>
-        </p:spPr>
-        <p:txBody>
-          <a:bodyPr wrap="none" rtlCol="0">
-            <a:spAutoFit/>
-          </a:bodyPr>
-          <a:lstStyle/>
-          <a:p>
-            <a:r>
-              <a:rPr lang="ko-KR" altLang="en-US" sz="1400" spc="-150" dirty="0">
-                <a:solidFill>
-                  <a:schemeClr val="accent4"/>
-                </a:solidFill>
-              </a:rPr>
-              <a:t>새별의 파워포인트</a:t>
-            </a:r>
-          </a:p>
-        </p:txBody>
-      </p:sp>
       <p:sp>
         <p:nvSpPr>
           <p:cNvPr id="4" name="TextBox 3"/>
@@ -24012,6 +24409,45 @@
           </p:txBody>
         </p:sp>
       </p:grpSp>
+      <p:sp>
+        <p:nvSpPr>
+          <p:cNvPr id="25" name="TextBox 24"/>
+          <p:cNvSpPr txBox="1"/>
+          <p:nvPr/>
+        </p:nvSpPr>
+        <p:spPr>
+          <a:xfrm>
+            <a:off x="83938" y="169136"/>
+            <a:ext cx="1189749" cy="307777"/>
+          </a:xfrm>
+          <a:prstGeom prst="rect">
+            <a:avLst/>
+          </a:prstGeom>
+          <a:noFill/>
+        </p:spPr>
+        <p:txBody>
+          <a:bodyPr wrap="none" rtlCol="0">
+            <a:spAutoFit/>
+          </a:bodyPr>
+          <a:lstStyle/>
+          <a:p>
+            <a:pPr algn="dist"/>
+            <a:r>
+              <a:rPr lang="en-US" altLang="ko-KR" sz="1400" dirty="0" smtClean="0">
+                <a:solidFill>
+                  <a:schemeClr val="accent4"/>
+                </a:solidFill>
+              </a:rPr>
+              <a:t>Seating Map</a:t>
+            </a:r>
+            <a:endParaRPr lang="en-US" altLang="ko-KR" sz="1400" dirty="0">
+              <a:solidFill>
+                <a:schemeClr val="accent4"/>
+              </a:solidFill>
+            </a:endParaRPr>
+          </a:p>
+        </p:txBody>
+      </p:sp>
     </p:spTree>
     <p:extLst>
       <p:ext uri="{BB962C8B-B14F-4D97-AF65-F5344CB8AC3E}">
@@ -24130,39 +24566,6 @@
           </a:fontRef>
         </p:style>
       </p:cxnSp>
-      <p:sp>
-        <p:nvSpPr>
-          <p:cNvPr id="3" name="TextBox 2"/>
-          <p:cNvSpPr txBox="1"/>
-          <p:nvPr/>
-        </p:nvSpPr>
-        <p:spPr>
-          <a:xfrm>
-            <a:off x="101600" y="158119"/>
-            <a:ext cx="1378904" cy="307777"/>
-          </a:xfrm>
-          <a:prstGeom prst="rect">
-            <a:avLst/>
-          </a:prstGeom>
-          <a:noFill/>
-        </p:spPr>
-        <p:txBody>
-          <a:bodyPr wrap="none" rtlCol="0">
-            <a:spAutoFit/>
-          </a:bodyPr>
-          <a:lstStyle/>
-          <a:p>
-            <a:r>
-              <a:rPr lang="ko-KR" altLang="en-US" sz="1400" spc="-150" dirty="0">
-                <a:solidFill>
-                  <a:schemeClr val="accent4"/>
-                </a:solidFill>
-              </a:rPr>
-              <a:t>새별의 파워포인트</a:t>
-            </a:r>
-          </a:p>
-        </p:txBody>
-      </p:sp>
       <p:sp>
         <p:nvSpPr>
           <p:cNvPr id="4" name="TextBox 3"/>
@@ -24631,6 +25034,45 @@
           </p:txBody>
         </p:sp>
       </p:grpSp>
+      <p:sp>
+        <p:nvSpPr>
+          <p:cNvPr id="18" name="TextBox 17"/>
+          <p:cNvSpPr txBox="1"/>
+          <p:nvPr/>
+        </p:nvSpPr>
+        <p:spPr>
+          <a:xfrm>
+            <a:off x="83938" y="169136"/>
+            <a:ext cx="1189749" cy="307777"/>
+          </a:xfrm>
+          <a:prstGeom prst="rect">
+            <a:avLst/>
+          </a:prstGeom>
+          <a:noFill/>
+        </p:spPr>
+        <p:txBody>
+          <a:bodyPr wrap="none" rtlCol="0">
+            <a:spAutoFit/>
+          </a:bodyPr>
+          <a:lstStyle/>
+          <a:p>
+            <a:pPr algn="dist"/>
+            <a:r>
+              <a:rPr lang="en-US" altLang="ko-KR" sz="1400" dirty="0" smtClean="0">
+                <a:solidFill>
+                  <a:schemeClr val="accent4"/>
+                </a:solidFill>
+              </a:rPr>
+              <a:t>Seating Map</a:t>
+            </a:r>
+            <a:endParaRPr lang="en-US" altLang="ko-KR" sz="1400" dirty="0">
+              <a:solidFill>
+                <a:schemeClr val="accent4"/>
+              </a:solidFill>
+            </a:endParaRPr>
+          </a:p>
+        </p:txBody>
+      </p:sp>
     </p:spTree>
     <p:extLst>
       <p:ext uri="{BB962C8B-B14F-4D97-AF65-F5344CB8AC3E}">
@@ -25236,39 +25678,6 @@
       </p:cxnSp>
       <p:sp>
         <p:nvSpPr>
-          <p:cNvPr id="3" name="TextBox 2"/>
-          <p:cNvSpPr txBox="1"/>
-          <p:nvPr/>
-        </p:nvSpPr>
-        <p:spPr>
-          <a:xfrm>
-            <a:off x="101600" y="158119"/>
-            <a:ext cx="1378904" cy="307777"/>
-          </a:xfrm>
-          <a:prstGeom prst="rect">
-            <a:avLst/>
-          </a:prstGeom>
-          <a:noFill/>
-        </p:spPr>
-        <p:txBody>
-          <a:bodyPr wrap="none" rtlCol="0">
-            <a:spAutoFit/>
-          </a:bodyPr>
-          <a:lstStyle/>
-          <a:p>
-            <a:r>
-              <a:rPr lang="ko-KR" altLang="en-US" sz="1400" spc="-150" dirty="0">
-                <a:solidFill>
-                  <a:schemeClr val="accent4"/>
-                </a:solidFill>
-              </a:rPr>
-              <a:t>새별의 파워포인트</a:t>
-            </a:r>
-          </a:p>
-        </p:txBody>
-      </p:sp>
-      <p:sp>
-        <p:nvSpPr>
           <p:cNvPr id="4" name="TextBox 3"/>
           <p:cNvSpPr txBox="1"/>
           <p:nvPr/>
@@ -25609,6 +26018,45 @@
           </a:fontRef>
         </p:style>
       </p:cxnSp>
+      <p:sp>
+        <p:nvSpPr>
+          <p:cNvPr id="10" name="TextBox 9"/>
+          <p:cNvSpPr txBox="1"/>
+          <p:nvPr/>
+        </p:nvSpPr>
+        <p:spPr>
+          <a:xfrm>
+            <a:off x="83938" y="169136"/>
+            <a:ext cx="1189749" cy="307777"/>
+          </a:xfrm>
+          <a:prstGeom prst="rect">
+            <a:avLst/>
+          </a:prstGeom>
+          <a:noFill/>
+        </p:spPr>
+        <p:txBody>
+          <a:bodyPr wrap="none" rtlCol="0">
+            <a:spAutoFit/>
+          </a:bodyPr>
+          <a:lstStyle/>
+          <a:p>
+            <a:pPr algn="dist"/>
+            <a:r>
+              <a:rPr lang="en-US" altLang="ko-KR" sz="1400" dirty="0" smtClean="0">
+                <a:solidFill>
+                  <a:schemeClr val="accent4"/>
+                </a:solidFill>
+              </a:rPr>
+              <a:t>Seating Map</a:t>
+            </a:r>
+            <a:endParaRPr lang="en-US" altLang="ko-KR" sz="1400" dirty="0">
+              <a:solidFill>
+                <a:schemeClr val="accent4"/>
+              </a:solidFill>
+            </a:endParaRPr>
+          </a:p>
+        </p:txBody>
+      </p:sp>
     </p:spTree>
     <p:extLst>
       <p:ext uri="{BB962C8B-B14F-4D97-AF65-F5344CB8AC3E}">
@@ -26031,39 +26479,6 @@
           </a:fontRef>
         </p:style>
       </p:cxnSp>
-      <p:sp>
-        <p:nvSpPr>
-          <p:cNvPr id="3" name="TextBox 2"/>
-          <p:cNvSpPr txBox="1"/>
-          <p:nvPr/>
-        </p:nvSpPr>
-        <p:spPr>
-          <a:xfrm>
-            <a:off x="101600" y="158119"/>
-            <a:ext cx="1378904" cy="307777"/>
-          </a:xfrm>
-          <a:prstGeom prst="rect">
-            <a:avLst/>
-          </a:prstGeom>
-          <a:noFill/>
-        </p:spPr>
-        <p:txBody>
-          <a:bodyPr wrap="none" rtlCol="0">
-            <a:spAutoFit/>
-          </a:bodyPr>
-          <a:lstStyle/>
-          <a:p>
-            <a:r>
-              <a:rPr lang="ko-KR" altLang="en-US" sz="1400" spc="-150" dirty="0">
-                <a:solidFill>
-                  <a:schemeClr val="accent4"/>
-                </a:solidFill>
-              </a:rPr>
-              <a:t>새별의 파워포인트</a:t>
-            </a:r>
-          </a:p>
-        </p:txBody>
-      </p:sp>
       <p:sp>
         <p:nvSpPr>
           <p:cNvPr id="4" name="TextBox 3"/>
@@ -26518,6 +26933,45 @@
               <a:buChar char="•"/>
             </a:pPr>
             <a:endParaRPr lang="ko-KR" altLang="en-US" b="1" dirty="0">
+              <a:solidFill>
+                <a:schemeClr val="accent4"/>
+              </a:solidFill>
+            </a:endParaRPr>
+          </a:p>
+        </p:txBody>
+      </p:sp>
+      <p:sp>
+        <p:nvSpPr>
+          <p:cNvPr id="11" name="TextBox 10"/>
+          <p:cNvSpPr txBox="1"/>
+          <p:nvPr/>
+        </p:nvSpPr>
+        <p:spPr>
+          <a:xfrm>
+            <a:off x="83938" y="169136"/>
+            <a:ext cx="1189749" cy="307777"/>
+          </a:xfrm>
+          <a:prstGeom prst="rect">
+            <a:avLst/>
+          </a:prstGeom>
+          <a:noFill/>
+        </p:spPr>
+        <p:txBody>
+          <a:bodyPr wrap="none" rtlCol="0">
+            <a:spAutoFit/>
+          </a:bodyPr>
+          <a:lstStyle/>
+          <a:p>
+            <a:pPr algn="dist"/>
+            <a:r>
+              <a:rPr lang="en-US" altLang="ko-KR" sz="1400" dirty="0" smtClean="0">
+                <a:solidFill>
+                  <a:schemeClr val="accent4"/>
+                </a:solidFill>
+              </a:rPr>
+              <a:t>Seating Map</a:t>
+            </a:r>
+            <a:endParaRPr lang="en-US" altLang="ko-KR" sz="1400" dirty="0">
               <a:solidFill>
                 <a:schemeClr val="accent4"/>
               </a:solidFill>
@@ -26773,7 +27227,7 @@
   <a:extraClrSchemeLst/>
   <a:extLst>
     <a:ext uri="{05A4C25C-085E-4340-85A3-A5531E510DB2}">
-      <thm15:themeFamily xmlns:thm15="http://schemas.microsoft.com/office/thememl/2012/main" name="Office Theme" id="{62F939B6-93AF-4DB8-9C6B-D6C7DFDC589F}" vid="{4A3C46E8-61CC-4603-A589-7422A47A8E4A}"/>
+      <thm15:themeFamily xmlns:thm15="http://schemas.microsoft.com/office/thememl/2012/main" xmlns="" name="Office Theme" id="{62F939B6-93AF-4DB8-9C6B-D6C7DFDC589F}" vid="{4A3C46E8-61CC-4603-A589-7422A47A8E4A}"/>
     </a:ext>
   </a:extLst>
 </a:theme>
@@ -27034,7 +27488,7 @@
   <a:extraClrSchemeLst/>
   <a:extLst>
     <a:ext uri="{05A4C25C-085E-4340-85A3-A5531E510DB2}">
-      <thm15:themeFamily xmlns:thm15="http://schemas.microsoft.com/office/thememl/2012/main" name="Office Theme" id="{62F939B6-93AF-4DB8-9C6B-D6C7DFDC589F}" vid="{4A3C46E8-61CC-4603-A589-7422A47A8E4A}"/>
+      <thm15:themeFamily xmlns:thm15="http://schemas.microsoft.com/office/thememl/2012/main" xmlns="" name="Office Theme" id="{62F939B6-93AF-4DB8-9C6B-D6C7DFDC589F}" vid="{4A3C46E8-61CC-4603-A589-7422A47A8E4A}"/>
     </a:ext>
   </a:extLst>
 </a:theme>

--- a/발표/internProject(20191010).pptx
+++ b/발표/internProject(20191010).pptx
@@ -129,7 +129,7 @@
   </p:defaultTextStyle>
   <p:extLst>
     <p:ext uri="{EFAFB233-063F-42B5-8137-9DF3F51BA10A}">
-      <p15:sldGuideLst xmlns:p15="http://schemas.microsoft.com/office/powerpoint/2012/main" xmlns="">
+      <p15:sldGuideLst xmlns:p15="http://schemas.microsoft.com/office/powerpoint/2012/main">
         <p15:guide id="1" orient="horz" pos="2183" userDrawn="1">
           <p15:clr>
             <a:srgbClr val="A4A3A4"/>
@@ -228,7 +228,7 @@
           <a:p>
             <a:fld id="{F90CBB8B-7983-4592-A30B-764ABA0FE4E0}" type="datetimeFigureOut">
               <a:rPr lang="ko-KR" altLang="en-US" smtClean="0"/>
-              <a:t>2019-10-14</a:t>
+              <a:t>2019-10-15</a:t>
             </a:fld>
             <a:endParaRPr lang="ko-KR" altLang="en-US"/>
           </a:p>
@@ -2313,7 +2313,7 @@
           </a:p>
           <a:p>
             <a:r>
-              <a:rPr lang="ko-KR" altLang="en-US" sz="1200" b="0" i="0" kern="1200" dirty="0" smtClean="0">
+              <a:rPr lang="ko-KR" altLang="en-US" sz="1200" b="1" i="0" kern="1200" dirty="0" smtClean="0">
                 <a:solidFill>
                   <a:schemeClr val="tx1"/>
                 </a:solidFill>
@@ -2324,7 +2324,7 @@
               </a:rPr>
               <a:t>유연하고 확장가능한 서비스를 만들기 위해 </a:t>
             </a:r>
-            <a:endParaRPr lang="en-US" altLang="ko-KR" sz="1200" b="0" i="0" kern="1200" dirty="0" smtClean="0">
+            <a:endParaRPr lang="en-US" altLang="ko-KR" sz="1200" b="1" i="0" kern="1200" dirty="0" smtClean="0">
               <a:solidFill>
                 <a:schemeClr val="tx1"/>
               </a:solidFill>
@@ -2336,18 +2336,42 @@
           </a:p>
           <a:p>
             <a:r>
-              <a:rPr lang="ko-KR" altLang="en-US" sz="1200" b="0" i="0" kern="1200" dirty="0" smtClean="0">
-                <a:solidFill>
-                  <a:schemeClr val="tx1"/>
-                </a:solidFill>
-                <a:effectLst/>
-                <a:latin typeface="+mn-lt"/>
-                <a:ea typeface="+mn-ea"/>
-                <a:cs typeface="+mn-cs"/>
-              </a:rPr>
-              <a:t>철처한 계층분리</a:t>
-            </a:r>
-            <a:endParaRPr lang="en-US" altLang="ko-KR" sz="1200" b="0" i="0" kern="1200" dirty="0" smtClean="0">
+              <a:rPr lang="ko-KR" altLang="en-US" sz="1200" b="1" i="0" kern="1200" dirty="0" err="1" smtClean="0">
+                <a:solidFill>
+                  <a:schemeClr val="tx1"/>
+                </a:solidFill>
+                <a:effectLst/>
+                <a:latin typeface="+mn-lt"/>
+                <a:ea typeface="+mn-ea"/>
+                <a:cs typeface="+mn-cs"/>
+              </a:rPr>
+              <a:t>철처한</a:t>
+            </a:r>
+            <a:r>
+              <a:rPr lang="ko-KR" altLang="en-US" sz="1200" b="1" i="0" kern="1200" dirty="0" smtClean="0">
+                <a:solidFill>
+                  <a:schemeClr val="tx1"/>
+                </a:solidFill>
+                <a:effectLst/>
+                <a:latin typeface="+mn-lt"/>
+                <a:ea typeface="+mn-ea"/>
+                <a:cs typeface="+mn-cs"/>
+              </a:rPr>
+              <a:t> </a:t>
+            </a:r>
+            <a:r>
+              <a:rPr lang="ko-KR" altLang="en-US" sz="1200" b="1" i="0" kern="1200" dirty="0" smtClean="0">
+                <a:solidFill>
+                  <a:schemeClr val="tx1"/>
+                </a:solidFill>
+                <a:effectLst/>
+                <a:latin typeface="+mn-lt"/>
+                <a:ea typeface="+mn-ea"/>
+                <a:cs typeface="+mn-cs"/>
+              </a:rPr>
+              <a:t>계층분리 관심사 분리</a:t>
+            </a:r>
+            <a:endParaRPr lang="en-US" altLang="ko-KR" sz="1200" b="1" i="0" kern="1200" dirty="0" smtClean="0">
               <a:solidFill>
                 <a:schemeClr val="tx1"/>
               </a:solidFill>
@@ -3495,31 +3519,7 @@
                 <a:ea typeface="+mn-ea"/>
                 <a:cs typeface="+mn-cs"/>
               </a:rPr>
-              <a:t>하지만 대부분이 초반 코드는 비슷하지만 </a:t>
-            </a:r>
-            <a:r>
-              <a:rPr lang="ko-KR" altLang="en-US" sz="1200" b="0" i="0" kern="1200" baseline="0" dirty="0" smtClean="0">
-                <a:solidFill>
-                  <a:schemeClr val="tx1"/>
-                </a:solidFill>
-                <a:effectLst/>
-                <a:latin typeface="+mn-lt"/>
-                <a:ea typeface="+mn-ea"/>
-                <a:cs typeface="+mn-cs"/>
-              </a:rPr>
-              <a:t>내부 값들이 각 </a:t>
-            </a:r>
-            <a:r>
-              <a:rPr lang="ko-KR" altLang="en-US" sz="1200" b="0" i="0" kern="1200" baseline="0" dirty="0" smtClean="0">
-                <a:solidFill>
-                  <a:schemeClr val="tx1"/>
-                </a:solidFill>
-                <a:effectLst/>
-                <a:latin typeface="+mn-lt"/>
-                <a:ea typeface="+mn-ea"/>
-                <a:cs typeface="+mn-cs"/>
-              </a:rPr>
-              <a:t>다른 이유와 속도로 변경될 여지가 있어 거짓된 중복이라 판단하여 </a:t>
+              <a:t>하지만 대부분이 초반 코드는 비슷하지만 내부 값들이 각 다른 이유와 속도로 변경될 여지가 있어 거짓된 중복이라 판단하여 </a:t>
             </a:r>
             <a:r>
               <a:rPr lang="en-US" altLang="ko-KR" sz="1200" b="0" i="0" kern="1200" baseline="0" dirty="0" err="1" smtClean="0">
@@ -4153,244 +4153,6 @@
               </a:rPr>
               <a:t>.</a:t>
             </a:r>
-          </a:p>
-          <a:p>
-            <a:pPr marL="0" marR="0" indent="0" algn="l" defTabSz="914400" rtl="0" eaLnBrk="1" fontAlgn="auto" latinLnBrk="1" hangingPunct="1">
-              <a:lnSpc>
-                <a:spcPct val="100000"/>
-              </a:lnSpc>
-              <a:spcBef>
-                <a:spcPts val="0"/>
-              </a:spcBef>
-              <a:spcAft>
-                <a:spcPts val="0"/>
-              </a:spcAft>
-              <a:buClrTx/>
-              <a:buSzTx/>
-              <a:buFontTx/>
-              <a:buNone/>
-              <a:tabLst/>
-              <a:defRPr/>
-            </a:pPr>
-            <a:r>
-              <a:rPr lang="ko-KR" altLang="en-US" sz="1200" b="0" i="0" kern="1200" dirty="0" smtClean="0">
-                <a:solidFill>
-                  <a:schemeClr val="tx1"/>
-                </a:solidFill>
-                <a:effectLst/>
-                <a:latin typeface="+mn-lt"/>
-                <a:ea typeface="+mn-ea"/>
-                <a:cs typeface="+mn-cs"/>
-              </a:rPr>
-              <a:t>세션보다는 </a:t>
-            </a:r>
-            <a:r>
-              <a:rPr lang="en-US" altLang="ko-KR" sz="1200" b="0" i="0" kern="1200" dirty="0" err="1" smtClean="0">
-                <a:solidFill>
-                  <a:schemeClr val="tx1"/>
-                </a:solidFill>
-                <a:effectLst/>
-                <a:latin typeface="+mn-lt"/>
-                <a:ea typeface="+mn-ea"/>
-                <a:cs typeface="+mn-cs"/>
-              </a:rPr>
-              <a:t>jwt</a:t>
-            </a:r>
-            <a:r>
-              <a:rPr lang="en-US" altLang="ko-KR" sz="1200" b="0" i="0" kern="1200" baseline="0" dirty="0" smtClean="0">
-                <a:solidFill>
-                  <a:schemeClr val="tx1"/>
-                </a:solidFill>
-                <a:effectLst/>
-                <a:latin typeface="+mn-lt"/>
-                <a:ea typeface="+mn-ea"/>
-                <a:cs typeface="+mn-cs"/>
-              </a:rPr>
-              <a:t> </a:t>
-            </a:r>
-            <a:r>
-              <a:rPr lang="ko-KR" altLang="en-US" sz="1200" b="0" i="0" kern="1200" baseline="0" dirty="0" smtClean="0">
-                <a:solidFill>
-                  <a:schemeClr val="tx1"/>
-                </a:solidFill>
-                <a:effectLst/>
-                <a:latin typeface="+mn-lt"/>
-                <a:ea typeface="+mn-ea"/>
-                <a:cs typeface="+mn-cs"/>
-              </a:rPr>
-              <a:t>사용해 확장성에 세션 유지나 관리없이 편하게 하기위해 </a:t>
-            </a:r>
-            <a:r>
-              <a:rPr lang="en-US" altLang="ko-KR" sz="1200" b="0" i="0" kern="1200" baseline="0" dirty="0" err="1" smtClean="0">
-                <a:solidFill>
-                  <a:schemeClr val="tx1"/>
-                </a:solidFill>
-                <a:effectLst/>
-                <a:latin typeface="+mn-lt"/>
-                <a:ea typeface="+mn-ea"/>
-                <a:cs typeface="+mn-cs"/>
-              </a:rPr>
-              <a:t>jwt</a:t>
-            </a:r>
-            <a:r>
-              <a:rPr lang="en-US" altLang="ko-KR" sz="1200" b="0" i="0" kern="1200" baseline="0" dirty="0" smtClean="0">
-                <a:solidFill>
-                  <a:schemeClr val="tx1"/>
-                </a:solidFill>
-                <a:effectLst/>
-                <a:latin typeface="+mn-lt"/>
-                <a:ea typeface="+mn-ea"/>
-                <a:cs typeface="+mn-cs"/>
-              </a:rPr>
-              <a:t> </a:t>
-            </a:r>
-            <a:r>
-              <a:rPr lang="ko-KR" altLang="en-US" sz="1200" b="0" i="0" kern="1200" baseline="0" dirty="0" smtClean="0">
-                <a:solidFill>
-                  <a:schemeClr val="tx1"/>
-                </a:solidFill>
-                <a:effectLst/>
-                <a:latin typeface="+mn-lt"/>
-                <a:ea typeface="+mn-ea"/>
-                <a:cs typeface="+mn-cs"/>
-              </a:rPr>
-              <a:t>선택</a:t>
-            </a:r>
-            <a:endParaRPr lang="en-US" altLang="ko-KR" sz="1200" b="0" i="0" kern="1200" dirty="0" smtClean="0">
-              <a:solidFill>
-                <a:schemeClr val="tx1"/>
-              </a:solidFill>
-              <a:effectLst/>
-              <a:latin typeface="+mn-lt"/>
-              <a:ea typeface="+mn-ea"/>
-              <a:cs typeface="+mn-cs"/>
-            </a:endParaRPr>
-          </a:p>
-          <a:p>
-            <a:pPr marL="0" marR="0" indent="0" algn="l" defTabSz="914400" rtl="0" eaLnBrk="1" fontAlgn="auto" latinLnBrk="1" hangingPunct="1">
-              <a:lnSpc>
-                <a:spcPct val="100000"/>
-              </a:lnSpc>
-              <a:spcBef>
-                <a:spcPts val="0"/>
-              </a:spcBef>
-              <a:spcAft>
-                <a:spcPts val="0"/>
-              </a:spcAft>
-              <a:buClrTx/>
-              <a:buSzTx/>
-              <a:buFontTx/>
-              <a:buNone/>
-              <a:tabLst/>
-              <a:defRPr/>
-            </a:pPr>
-            <a:r>
-              <a:rPr lang="ko-KR" altLang="en-US" sz="1200" b="0" i="0" kern="1200" dirty="0" smtClean="0">
-                <a:solidFill>
-                  <a:schemeClr val="tx1"/>
-                </a:solidFill>
-                <a:effectLst/>
-                <a:latin typeface="+mn-lt"/>
-                <a:ea typeface="+mn-ea"/>
-                <a:cs typeface="+mn-cs"/>
-              </a:rPr>
-              <a:t>토큰만 가지고 유효성 검사나 사용자 식별까지 할 수 있으므로 서버를 무상태로 유지할 수 있다는 점이다</a:t>
-            </a:r>
-            <a:r>
-              <a:rPr lang="en-US" altLang="ko-KR" sz="1200" b="0" i="0" kern="1200" dirty="0" smtClean="0">
-                <a:solidFill>
-                  <a:schemeClr val="tx1"/>
-                </a:solidFill>
-                <a:effectLst/>
-                <a:latin typeface="+mn-lt"/>
-                <a:ea typeface="+mn-ea"/>
-                <a:cs typeface="+mn-cs"/>
-              </a:rPr>
-              <a:t>.</a:t>
-            </a:r>
-            <a:r>
-              <a:rPr lang="ko-KR" altLang="en-US" sz="1200" b="0" i="0" kern="1200" dirty="0" smtClean="0">
-                <a:solidFill>
-                  <a:schemeClr val="tx1"/>
-                </a:solidFill>
-                <a:effectLst/>
-                <a:latin typeface="+mn-lt"/>
-                <a:ea typeface="+mn-ea"/>
-                <a:cs typeface="+mn-cs"/>
-              </a:rPr>
-              <a:t> 토큰의 사용자 아이디 등이 클레임셋에 담겨있다면 데이터베이스나 캐시를 조회할 필요없이 바로 애플레이케션이서 사용자를 확인하고 정보를 조회할 수 있다</a:t>
-            </a:r>
-            <a:endParaRPr lang="en-US" altLang="ko-KR" sz="1200" b="0" i="0" kern="1200" dirty="0" smtClean="0">
-              <a:solidFill>
-                <a:schemeClr val="tx1"/>
-              </a:solidFill>
-              <a:effectLst/>
-              <a:latin typeface="+mn-lt"/>
-              <a:ea typeface="+mn-ea"/>
-              <a:cs typeface="+mn-cs"/>
-            </a:endParaRPr>
-          </a:p>
-          <a:p>
-            <a:pPr marL="0" marR="0" indent="0" algn="l" defTabSz="914400" rtl="0" eaLnBrk="1" fontAlgn="auto" latinLnBrk="1" hangingPunct="1">
-              <a:lnSpc>
-                <a:spcPct val="100000"/>
-              </a:lnSpc>
-              <a:spcBef>
-                <a:spcPts val="0"/>
-              </a:spcBef>
-              <a:spcAft>
-                <a:spcPts val="0"/>
-              </a:spcAft>
-              <a:buClrTx/>
-              <a:buSzTx/>
-              <a:buFontTx/>
-              <a:buNone/>
-              <a:tabLst/>
-              <a:defRPr/>
-            </a:pPr>
-            <a:r>
-              <a:rPr lang="ko-KR" altLang="en-US" sz="1200" b="0" i="0" kern="1200" baseline="0" dirty="0" smtClean="0">
-                <a:solidFill>
-                  <a:schemeClr val="tx1"/>
-                </a:solidFill>
-                <a:effectLst/>
-                <a:latin typeface="+mn-lt"/>
-                <a:ea typeface="+mn-ea"/>
-                <a:cs typeface="+mn-cs"/>
-              </a:rPr>
-              <a:t>단점 길이가 길다</a:t>
-            </a:r>
-            <a:r>
-              <a:rPr lang="en-US" altLang="ko-KR" sz="1200" b="0" i="0" kern="1200" baseline="0" dirty="0" smtClean="0">
-                <a:solidFill>
-                  <a:schemeClr val="tx1"/>
-                </a:solidFill>
-                <a:effectLst/>
-                <a:latin typeface="+mn-lt"/>
-                <a:ea typeface="+mn-ea"/>
-                <a:cs typeface="+mn-cs"/>
-              </a:rPr>
-              <a:t>.</a:t>
-            </a:r>
-          </a:p>
-          <a:p>
-            <a:pPr marL="0" marR="0" indent="0" algn="l" defTabSz="914400" rtl="0" eaLnBrk="1" fontAlgn="auto" latinLnBrk="1" hangingPunct="1">
-              <a:lnSpc>
-                <a:spcPct val="100000"/>
-              </a:lnSpc>
-              <a:spcBef>
-                <a:spcPts val="0"/>
-              </a:spcBef>
-              <a:spcAft>
-                <a:spcPts val="0"/>
-              </a:spcAft>
-              <a:buClrTx/>
-              <a:buSzTx/>
-              <a:buFontTx/>
-              <a:buNone/>
-              <a:tabLst/>
-              <a:defRPr/>
-            </a:pPr>
             <a:endParaRPr lang="en-US" altLang="ko-KR" sz="1200" b="0" i="0" kern="1200" baseline="0" dirty="0" smtClean="0">
               <a:solidFill>
                 <a:schemeClr val="tx1"/>
@@ -4400,795 +4162,6 @@
               <a:ea typeface="+mn-ea"/>
               <a:cs typeface="+mn-cs"/>
             </a:endParaRPr>
-          </a:p>
-          <a:p>
-            <a:pPr marL="0" marR="0" indent="0" algn="l" defTabSz="914400" rtl="0" eaLnBrk="1" fontAlgn="auto" latinLnBrk="1" hangingPunct="1">
-              <a:lnSpc>
-                <a:spcPct val="100000"/>
-              </a:lnSpc>
-              <a:spcBef>
-                <a:spcPts val="0"/>
-              </a:spcBef>
-              <a:spcAft>
-                <a:spcPts val="0"/>
-              </a:spcAft>
-              <a:buClrTx/>
-              <a:buSzTx/>
-              <a:buFontTx/>
-              <a:buNone/>
-              <a:tabLst/>
-              <a:defRPr/>
-            </a:pPr>
-            <a:endParaRPr lang="en-US" altLang="ko-KR" sz="1200" b="0" i="0" kern="1200" baseline="0" dirty="0" smtClean="0">
-              <a:solidFill>
-                <a:schemeClr val="tx1"/>
-              </a:solidFill>
-              <a:effectLst/>
-              <a:latin typeface="+mn-lt"/>
-              <a:ea typeface="+mn-ea"/>
-              <a:cs typeface="+mn-cs"/>
-            </a:endParaRPr>
-          </a:p>
-          <a:p>
-            <a:pPr marL="0" marR="0" indent="0" algn="l" defTabSz="914400" rtl="0" eaLnBrk="1" fontAlgn="auto" latinLnBrk="1" hangingPunct="1">
-              <a:lnSpc>
-                <a:spcPct val="100000"/>
-              </a:lnSpc>
-              <a:spcBef>
-                <a:spcPts val="0"/>
-              </a:spcBef>
-              <a:spcAft>
-                <a:spcPts val="0"/>
-              </a:spcAft>
-              <a:buClrTx/>
-              <a:buSzTx/>
-              <a:buFontTx/>
-              <a:buNone/>
-              <a:tabLst/>
-              <a:defRPr/>
-            </a:pPr>
-            <a:r>
-              <a:rPr lang="ko-KR" altLang="en-US" sz="1200" b="0" i="0" kern="1200" baseline="0" dirty="0" smtClean="0">
-                <a:solidFill>
-                  <a:schemeClr val="tx1"/>
-                </a:solidFill>
-                <a:effectLst/>
-                <a:latin typeface="+mn-lt"/>
-                <a:ea typeface="+mn-ea"/>
-                <a:cs typeface="+mn-cs"/>
-              </a:rPr>
-              <a:t>이후 </a:t>
-            </a:r>
-            <a:r>
-              <a:rPr lang="en-US" altLang="ko-KR" sz="1200" b="0" i="0" kern="1200" baseline="0" dirty="0" err="1" smtClean="0">
-                <a:solidFill>
-                  <a:schemeClr val="tx1"/>
-                </a:solidFill>
-                <a:effectLst/>
-                <a:latin typeface="+mn-lt"/>
-                <a:ea typeface="+mn-ea"/>
-                <a:cs typeface="+mn-cs"/>
-              </a:rPr>
-              <a:t>jwt</a:t>
-            </a:r>
-            <a:r>
-              <a:rPr lang="en-US" altLang="ko-KR" sz="1200" b="0" i="0" kern="1200" baseline="0" dirty="0" smtClean="0">
-                <a:solidFill>
-                  <a:schemeClr val="tx1"/>
-                </a:solidFill>
-                <a:effectLst/>
-                <a:latin typeface="+mn-lt"/>
-                <a:ea typeface="+mn-ea"/>
-                <a:cs typeface="+mn-cs"/>
-              </a:rPr>
-              <a:t> header </a:t>
-            </a:r>
-            <a:r>
-              <a:rPr lang="ko-KR" altLang="en-US" sz="1200" b="0" i="0" kern="1200" baseline="0" dirty="0" smtClean="0">
-                <a:solidFill>
-                  <a:schemeClr val="tx1"/>
-                </a:solidFill>
-                <a:effectLst/>
-                <a:latin typeface="+mn-lt"/>
-                <a:ea typeface="+mn-ea"/>
-                <a:cs typeface="+mn-cs"/>
-              </a:rPr>
-              <a:t>담을까 </a:t>
-            </a:r>
-            <a:r>
-              <a:rPr lang="en-US" altLang="ko-KR" sz="1200" b="0" i="0" kern="1200" baseline="0" dirty="0" err="1" smtClean="0">
-                <a:solidFill>
-                  <a:schemeClr val="tx1"/>
-                </a:solidFill>
-                <a:effectLst/>
-                <a:latin typeface="+mn-lt"/>
-                <a:ea typeface="+mn-ea"/>
-                <a:cs typeface="+mn-cs"/>
-              </a:rPr>
-              <a:t>cokie</a:t>
-            </a:r>
-            <a:r>
-              <a:rPr lang="en-US" altLang="ko-KR" sz="1200" b="0" i="0" kern="1200" baseline="0" dirty="0" smtClean="0">
-                <a:solidFill>
-                  <a:schemeClr val="tx1"/>
-                </a:solidFill>
-                <a:effectLst/>
-                <a:latin typeface="+mn-lt"/>
-                <a:ea typeface="+mn-ea"/>
-                <a:cs typeface="+mn-cs"/>
-              </a:rPr>
-              <a:t> </a:t>
-            </a:r>
-            <a:r>
-              <a:rPr lang="ko-KR" altLang="en-US" sz="1200" b="0" i="0" kern="1200" baseline="0" dirty="0" smtClean="0">
-                <a:solidFill>
-                  <a:schemeClr val="tx1"/>
-                </a:solidFill>
-                <a:effectLst/>
-                <a:latin typeface="+mn-lt"/>
-                <a:ea typeface="+mn-ea"/>
-                <a:cs typeface="+mn-cs"/>
-              </a:rPr>
-              <a:t>담아서 통신하는 것또한 </a:t>
-            </a:r>
-            <a:r>
-              <a:rPr lang="en-US" altLang="ko-KR" sz="1200" b="0" i="0" kern="1200" baseline="0" dirty="0" err="1" smtClean="0">
-                <a:solidFill>
-                  <a:schemeClr val="tx1"/>
-                </a:solidFill>
-                <a:effectLst/>
-                <a:latin typeface="+mn-lt"/>
-                <a:ea typeface="+mn-ea"/>
-                <a:cs typeface="+mn-cs"/>
-              </a:rPr>
-              <a:t>api</a:t>
-            </a:r>
-            <a:r>
-              <a:rPr lang="en-US" altLang="ko-KR" sz="1200" b="0" i="0" kern="1200" baseline="0" dirty="0" smtClean="0">
-                <a:solidFill>
-                  <a:schemeClr val="tx1"/>
-                </a:solidFill>
-                <a:effectLst/>
-                <a:latin typeface="+mn-lt"/>
-                <a:ea typeface="+mn-ea"/>
-                <a:cs typeface="+mn-cs"/>
-              </a:rPr>
-              <a:t> sever</a:t>
-            </a:r>
-            <a:r>
-              <a:rPr lang="ko-KR" altLang="en-US" sz="1200" b="0" i="0" kern="1200" baseline="0" dirty="0" smtClean="0">
-                <a:solidFill>
-                  <a:schemeClr val="tx1"/>
-                </a:solidFill>
-                <a:effectLst/>
-                <a:latin typeface="+mn-lt"/>
-                <a:ea typeface="+mn-ea"/>
-                <a:cs typeface="+mn-cs"/>
-              </a:rPr>
-              <a:t>에서 </a:t>
-            </a:r>
-            <a:r>
-              <a:rPr lang="en-US" altLang="ko-KR" sz="1200" b="0" i="0" kern="1200" baseline="0" dirty="0" err="1" smtClean="0">
-                <a:solidFill>
-                  <a:schemeClr val="tx1"/>
-                </a:solidFill>
-                <a:effectLst/>
-                <a:latin typeface="+mn-lt"/>
-                <a:ea typeface="+mn-ea"/>
-                <a:cs typeface="+mn-cs"/>
-              </a:rPr>
-              <a:t>fornt</a:t>
-            </a:r>
-            <a:r>
-              <a:rPr lang="en-US" altLang="ko-KR" sz="1200" b="0" i="0" kern="1200" baseline="0" dirty="0" smtClean="0">
-                <a:solidFill>
-                  <a:schemeClr val="tx1"/>
-                </a:solidFill>
-                <a:effectLst/>
-                <a:latin typeface="+mn-lt"/>
-                <a:ea typeface="+mn-ea"/>
-                <a:cs typeface="+mn-cs"/>
-              </a:rPr>
-              <a:t> </a:t>
-            </a:r>
-            <a:r>
-              <a:rPr lang="en-US" altLang="ko-KR" sz="1200" b="0" i="0" kern="1200" baseline="0" dirty="0" err="1" smtClean="0">
-                <a:solidFill>
-                  <a:schemeClr val="tx1"/>
-                </a:solidFill>
-                <a:effectLst/>
-                <a:latin typeface="+mn-lt"/>
-                <a:ea typeface="+mn-ea"/>
-                <a:cs typeface="+mn-cs"/>
-              </a:rPr>
-              <a:t>maint</a:t>
-            </a:r>
-            <a:r>
-              <a:rPr lang="en-US" altLang="ko-KR" sz="1200" b="0" i="0" kern="1200" baseline="0" dirty="0" smtClean="0">
-                <a:solidFill>
-                  <a:schemeClr val="tx1"/>
-                </a:solidFill>
-                <a:effectLst/>
-                <a:latin typeface="+mn-lt"/>
-                <a:ea typeface="+mn-ea"/>
-                <a:cs typeface="+mn-cs"/>
-              </a:rPr>
-              <a:t> page redirect</a:t>
-            </a:r>
-            <a:r>
-              <a:rPr lang="ko-KR" altLang="en-US" sz="1200" b="0" i="0" kern="1200" baseline="0" dirty="0" smtClean="0">
-                <a:solidFill>
-                  <a:schemeClr val="tx1"/>
-                </a:solidFill>
-                <a:effectLst/>
-                <a:latin typeface="+mn-lt"/>
-                <a:ea typeface="+mn-ea"/>
-                <a:cs typeface="+mn-cs"/>
-              </a:rPr>
-              <a:t>와  함께 </a:t>
-            </a:r>
-            <a:r>
-              <a:rPr lang="en-US" altLang="ko-KR" sz="1200" b="0" i="0" kern="1200" baseline="0" dirty="0" err="1" smtClean="0">
-                <a:solidFill>
-                  <a:schemeClr val="tx1"/>
-                </a:solidFill>
-                <a:effectLst/>
-                <a:latin typeface="+mn-lt"/>
-                <a:ea typeface="+mn-ea"/>
-                <a:cs typeface="+mn-cs"/>
-              </a:rPr>
-              <a:t>jwt</a:t>
-            </a:r>
-            <a:r>
-              <a:rPr lang="en-US" altLang="ko-KR" sz="1200" b="0" i="0" kern="1200" baseline="0" dirty="0" smtClean="0">
-                <a:solidFill>
-                  <a:schemeClr val="tx1"/>
-                </a:solidFill>
-                <a:effectLst/>
-                <a:latin typeface="+mn-lt"/>
-                <a:ea typeface="+mn-ea"/>
-                <a:cs typeface="+mn-cs"/>
-              </a:rPr>
-              <a:t> </a:t>
-            </a:r>
-            <a:r>
-              <a:rPr lang="ko-KR" altLang="en-US" sz="1200" b="0" i="0" kern="1200" baseline="0" dirty="0" smtClean="0">
-                <a:solidFill>
-                  <a:schemeClr val="tx1"/>
-                </a:solidFill>
-                <a:effectLst/>
-                <a:latin typeface="+mn-lt"/>
-                <a:ea typeface="+mn-ea"/>
-                <a:cs typeface="+mn-cs"/>
-              </a:rPr>
-              <a:t>전달해야 하기 떄문에 </a:t>
-            </a:r>
-            <a:r>
-              <a:rPr lang="en-US" altLang="ko-KR" sz="1200" b="0" i="0" kern="1200" baseline="0" dirty="0" smtClean="0">
-                <a:solidFill>
-                  <a:schemeClr val="tx1"/>
-                </a:solidFill>
-                <a:effectLst/>
-                <a:latin typeface="+mn-lt"/>
-                <a:ea typeface="+mn-ea"/>
-                <a:cs typeface="+mn-cs"/>
-              </a:rPr>
-              <a:t>cookie </a:t>
-            </a:r>
-            <a:r>
-              <a:rPr lang="ko-KR" altLang="en-US" sz="1200" b="0" i="0" kern="1200" baseline="0" dirty="0" smtClean="0">
-                <a:solidFill>
-                  <a:schemeClr val="tx1"/>
-                </a:solidFill>
-                <a:effectLst/>
-                <a:latin typeface="+mn-lt"/>
-                <a:ea typeface="+mn-ea"/>
-                <a:cs typeface="+mn-cs"/>
-              </a:rPr>
-              <a:t>담기로 했고</a:t>
-            </a:r>
-            <a:endParaRPr lang="en-US" altLang="ko-KR" sz="1200" b="0" i="0" kern="1200" baseline="0" dirty="0" smtClean="0">
-              <a:solidFill>
-                <a:schemeClr val="tx1"/>
-              </a:solidFill>
-              <a:effectLst/>
-              <a:latin typeface="+mn-lt"/>
-              <a:ea typeface="+mn-ea"/>
-              <a:cs typeface="+mn-cs"/>
-            </a:endParaRPr>
-          </a:p>
-          <a:p>
-            <a:pPr marL="0" marR="0" indent="0" algn="l" defTabSz="914400" rtl="0" eaLnBrk="1" fontAlgn="auto" latinLnBrk="1" hangingPunct="1">
-              <a:lnSpc>
-                <a:spcPct val="100000"/>
-              </a:lnSpc>
-              <a:spcBef>
-                <a:spcPts val="0"/>
-              </a:spcBef>
-              <a:spcAft>
-                <a:spcPts val="0"/>
-              </a:spcAft>
-              <a:buClrTx/>
-              <a:buSzTx/>
-              <a:buFontTx/>
-              <a:buNone/>
-              <a:tabLst/>
-              <a:defRPr/>
-            </a:pPr>
-            <a:r>
-              <a:rPr lang="en-US" altLang="ko-KR" sz="1200" b="0" i="0" kern="1200" baseline="0" dirty="0" smtClean="0">
-                <a:solidFill>
-                  <a:schemeClr val="tx1"/>
-                </a:solidFill>
-                <a:effectLst/>
-                <a:latin typeface="+mn-lt"/>
-                <a:ea typeface="+mn-ea"/>
-                <a:cs typeface="+mn-cs"/>
-              </a:rPr>
-              <a:t>Header </a:t>
-            </a:r>
-            <a:r>
-              <a:rPr lang="ko-KR" altLang="en-US" sz="1200" b="0" i="0" kern="1200" baseline="0" dirty="0" smtClean="0">
-                <a:solidFill>
-                  <a:schemeClr val="tx1"/>
-                </a:solidFill>
-                <a:effectLst/>
-                <a:latin typeface="+mn-lt"/>
-                <a:ea typeface="+mn-ea"/>
-                <a:cs typeface="+mn-cs"/>
-              </a:rPr>
-              <a:t>에 담아서 줄경오 </a:t>
-            </a:r>
-            <a:r>
-              <a:rPr lang="en-US" altLang="ko-KR" sz="1200" b="0" i="0" kern="1200" baseline="0" dirty="0" smtClean="0">
-                <a:solidFill>
-                  <a:schemeClr val="tx1"/>
-                </a:solidFill>
-                <a:effectLst/>
-                <a:latin typeface="+mn-lt"/>
-                <a:ea typeface="+mn-ea"/>
-                <a:cs typeface="+mn-cs"/>
-              </a:rPr>
-              <a:t>front </a:t>
-            </a:r>
-            <a:r>
-              <a:rPr lang="ko-KR" altLang="en-US" sz="1200" b="0" i="0" kern="1200" baseline="0" dirty="0" smtClean="0">
-                <a:solidFill>
-                  <a:schemeClr val="tx1"/>
-                </a:solidFill>
-                <a:effectLst/>
-                <a:latin typeface="+mn-lt"/>
-                <a:ea typeface="+mn-ea"/>
-                <a:cs typeface="+mn-cs"/>
-              </a:rPr>
-              <a:t>에서는 별도에 장소에 보관해서 매번 </a:t>
-            </a:r>
-            <a:r>
-              <a:rPr lang="en-US" altLang="ko-KR" sz="1200" b="0" i="0" kern="1200" baseline="0" dirty="0" err="1" smtClean="0">
-                <a:solidFill>
-                  <a:schemeClr val="tx1"/>
-                </a:solidFill>
-                <a:effectLst/>
-                <a:latin typeface="+mn-lt"/>
-                <a:ea typeface="+mn-ea"/>
-                <a:cs typeface="+mn-cs"/>
-              </a:rPr>
-              <a:t>api</a:t>
-            </a:r>
-            <a:r>
-              <a:rPr lang="en-US" altLang="ko-KR" sz="1200" b="0" i="0" kern="1200" baseline="0" dirty="0" smtClean="0">
-                <a:solidFill>
-                  <a:schemeClr val="tx1"/>
-                </a:solidFill>
-                <a:effectLst/>
-                <a:latin typeface="+mn-lt"/>
-                <a:ea typeface="+mn-ea"/>
-                <a:cs typeface="+mn-cs"/>
-              </a:rPr>
-              <a:t> </a:t>
-            </a:r>
-            <a:r>
-              <a:rPr lang="ko-KR" altLang="en-US" sz="1200" b="0" i="0" kern="1200" baseline="0" dirty="0" smtClean="0">
-                <a:solidFill>
-                  <a:schemeClr val="tx1"/>
-                </a:solidFill>
-                <a:effectLst/>
-                <a:latin typeface="+mn-lt"/>
-                <a:ea typeface="+mn-ea"/>
-                <a:cs typeface="+mn-cs"/>
-              </a:rPr>
-              <a:t>요청마다 </a:t>
-            </a:r>
-            <a:r>
-              <a:rPr lang="en-US" altLang="ko-KR" sz="1200" b="0" i="0" kern="1200" baseline="0" dirty="0" smtClean="0">
-                <a:solidFill>
-                  <a:schemeClr val="tx1"/>
-                </a:solidFill>
-                <a:effectLst/>
-                <a:latin typeface="+mn-lt"/>
-                <a:ea typeface="+mn-ea"/>
-                <a:cs typeface="+mn-cs"/>
-              </a:rPr>
-              <a:t>header </a:t>
-            </a:r>
-            <a:r>
-              <a:rPr lang="ko-KR" altLang="en-US" sz="1200" b="0" i="0" kern="1200" baseline="0" dirty="0" smtClean="0">
-                <a:solidFill>
-                  <a:schemeClr val="tx1"/>
-                </a:solidFill>
-                <a:effectLst/>
-                <a:latin typeface="+mn-lt"/>
-                <a:ea typeface="+mn-ea"/>
-                <a:cs typeface="+mn-cs"/>
-              </a:rPr>
-              <a:t>에 붙어야되는데 </a:t>
-            </a:r>
-            <a:r>
-              <a:rPr lang="en-US" altLang="ko-KR" sz="1200" b="0" i="0" kern="1200" baseline="0" dirty="0" err="1" smtClean="0">
-                <a:solidFill>
-                  <a:schemeClr val="tx1"/>
-                </a:solidFill>
-                <a:effectLst/>
-                <a:latin typeface="+mn-lt"/>
-                <a:ea typeface="+mn-ea"/>
-                <a:cs typeface="+mn-cs"/>
-              </a:rPr>
-              <a:t>localstroage</a:t>
-            </a:r>
-            <a:r>
-              <a:rPr lang="ko-KR" altLang="en-US" sz="1200" b="0" i="0" kern="1200" baseline="0" dirty="0" smtClean="0">
-                <a:solidFill>
-                  <a:schemeClr val="tx1"/>
-                </a:solidFill>
-                <a:effectLst/>
-                <a:latin typeface="+mn-lt"/>
-                <a:ea typeface="+mn-ea"/>
-                <a:cs typeface="+mn-cs"/>
-              </a:rPr>
-              <a:t>는 보안에 취약했기떄문에 </a:t>
-            </a:r>
-            <a:r>
-              <a:rPr lang="en-US" altLang="ko-KR" sz="1200" b="0" i="0" kern="1200" baseline="0" dirty="0" smtClean="0">
-                <a:solidFill>
-                  <a:schemeClr val="tx1"/>
-                </a:solidFill>
-                <a:effectLst/>
-                <a:latin typeface="+mn-lt"/>
-                <a:ea typeface="+mn-ea"/>
-                <a:cs typeface="+mn-cs"/>
-              </a:rPr>
-              <a:t>cookie</a:t>
-            </a:r>
-            <a:r>
-              <a:rPr lang="ko-KR" altLang="en-US" sz="1200" b="0" i="0" kern="1200" baseline="0" dirty="0" smtClean="0">
-                <a:solidFill>
-                  <a:schemeClr val="tx1"/>
-                </a:solidFill>
-                <a:effectLst/>
-                <a:latin typeface="+mn-lt"/>
-                <a:ea typeface="+mn-ea"/>
-                <a:cs typeface="+mn-cs"/>
-              </a:rPr>
-              <a:t>에 담기로 결정하였습니다</a:t>
-            </a:r>
-            <a:r>
-              <a:rPr lang="en-US" altLang="ko-KR" sz="1200" b="0" i="0" kern="1200" baseline="0" dirty="0" smtClean="0">
-                <a:solidFill>
-                  <a:schemeClr val="tx1"/>
-                </a:solidFill>
-                <a:effectLst/>
-                <a:latin typeface="+mn-lt"/>
-                <a:ea typeface="+mn-ea"/>
-                <a:cs typeface="+mn-cs"/>
-              </a:rPr>
-              <a:t>.</a:t>
-            </a:r>
-          </a:p>
-          <a:p>
-            <a:pPr marL="0" marR="0" indent="0" algn="l" defTabSz="914400" rtl="0" eaLnBrk="1" fontAlgn="auto" latinLnBrk="1" hangingPunct="1">
-              <a:lnSpc>
-                <a:spcPct val="100000"/>
-              </a:lnSpc>
-              <a:spcBef>
-                <a:spcPts val="0"/>
-              </a:spcBef>
-              <a:spcAft>
-                <a:spcPts val="0"/>
-              </a:spcAft>
-              <a:buClrTx/>
-              <a:buSzTx/>
-              <a:buFontTx/>
-              <a:buNone/>
-              <a:tabLst/>
-              <a:defRPr/>
-            </a:pPr>
-            <a:endParaRPr lang="en-US" altLang="ko-KR" sz="1200" b="0" i="0" kern="1200" baseline="0" dirty="0" smtClean="0">
-              <a:solidFill>
-                <a:schemeClr val="tx1"/>
-              </a:solidFill>
-              <a:effectLst/>
-              <a:latin typeface="+mn-lt"/>
-              <a:ea typeface="+mn-ea"/>
-              <a:cs typeface="+mn-cs"/>
-            </a:endParaRPr>
-          </a:p>
-          <a:p>
-            <a:pPr marL="0" marR="0" indent="0" algn="l" defTabSz="914400" rtl="0" eaLnBrk="1" fontAlgn="auto" latinLnBrk="1" hangingPunct="1">
-              <a:lnSpc>
-                <a:spcPct val="100000"/>
-              </a:lnSpc>
-              <a:spcBef>
-                <a:spcPts val="0"/>
-              </a:spcBef>
-              <a:spcAft>
-                <a:spcPts val="0"/>
-              </a:spcAft>
-              <a:buClrTx/>
-              <a:buSzTx/>
-              <a:buFontTx/>
-              <a:buNone/>
-              <a:tabLst/>
-              <a:defRPr/>
-            </a:pPr>
-            <a:r>
-              <a:rPr lang="ko-KR" altLang="en-US" sz="1200" b="0" i="0" kern="1200" baseline="0" dirty="0" smtClean="0">
-                <a:solidFill>
-                  <a:schemeClr val="tx1"/>
-                </a:solidFill>
-                <a:effectLst/>
-                <a:latin typeface="+mn-lt"/>
-                <a:ea typeface="+mn-ea"/>
-                <a:cs typeface="+mn-cs"/>
-              </a:rPr>
-              <a:t>쿠키를 사용하면서도 보안부분에 있어 </a:t>
-            </a:r>
-            <a:r>
-              <a:rPr lang="en-US" altLang="ko-KR" sz="1200" b="0" i="0" kern="1200" baseline="0" dirty="0" smtClean="0">
-                <a:solidFill>
-                  <a:schemeClr val="tx1"/>
-                </a:solidFill>
-                <a:effectLst/>
-                <a:latin typeface="+mn-lt"/>
-                <a:ea typeface="+mn-ea"/>
-                <a:cs typeface="+mn-cs"/>
-              </a:rPr>
-              <a:t>http only </a:t>
-            </a:r>
-            <a:r>
-              <a:rPr lang="ko-KR" altLang="en-US" sz="1200" b="0" i="0" kern="1200" baseline="0" dirty="0" smtClean="0">
-                <a:solidFill>
-                  <a:schemeClr val="tx1"/>
-                </a:solidFill>
-                <a:effectLst/>
-                <a:latin typeface="+mn-lt"/>
-                <a:ea typeface="+mn-ea"/>
-                <a:cs typeface="+mn-cs"/>
-              </a:rPr>
-              <a:t>속성을 사용해주어서 </a:t>
-            </a:r>
-            <a:r>
-              <a:rPr lang="en-US" altLang="ko-KR" sz="1200" b="0" i="0" kern="1200" baseline="0" dirty="0" err="1" smtClean="0">
-                <a:solidFill>
-                  <a:schemeClr val="tx1"/>
-                </a:solidFill>
-                <a:effectLst/>
-                <a:latin typeface="+mn-lt"/>
-                <a:ea typeface="+mn-ea"/>
-                <a:cs typeface="+mn-cs"/>
-              </a:rPr>
-              <a:t>javascript</a:t>
-            </a:r>
-            <a:r>
-              <a:rPr lang="en-US" altLang="ko-KR" sz="1200" b="0" i="0" kern="1200" baseline="0" dirty="0" smtClean="0">
-                <a:solidFill>
-                  <a:schemeClr val="tx1"/>
-                </a:solidFill>
-                <a:effectLst/>
-                <a:latin typeface="+mn-lt"/>
-                <a:ea typeface="+mn-ea"/>
-                <a:cs typeface="+mn-cs"/>
-              </a:rPr>
-              <a:t> </a:t>
-            </a:r>
-            <a:r>
-              <a:rPr lang="ko-KR" altLang="en-US" sz="1200" b="0" i="0" kern="1200" baseline="0" dirty="0" smtClean="0">
-                <a:solidFill>
-                  <a:schemeClr val="tx1"/>
-                </a:solidFill>
-                <a:effectLst/>
-                <a:latin typeface="+mn-lt"/>
-                <a:ea typeface="+mn-ea"/>
-                <a:cs typeface="+mn-cs"/>
-              </a:rPr>
-              <a:t>로는 접근이 불가능하게 해 조금은 안전하게 쓸수있또록 고료했고</a:t>
-            </a:r>
-            <a:endParaRPr lang="en-US" altLang="ko-KR" sz="1200" b="0" i="0" kern="1200" baseline="0" dirty="0" smtClean="0">
-              <a:solidFill>
-                <a:schemeClr val="tx1"/>
-              </a:solidFill>
-              <a:effectLst/>
-              <a:latin typeface="+mn-lt"/>
-              <a:ea typeface="+mn-ea"/>
-              <a:cs typeface="+mn-cs"/>
-            </a:endParaRPr>
-          </a:p>
-          <a:p>
-            <a:pPr marL="0" marR="0" indent="0" algn="l" defTabSz="914400" rtl="0" eaLnBrk="1" fontAlgn="auto" latinLnBrk="1" hangingPunct="1">
-              <a:lnSpc>
-                <a:spcPct val="100000"/>
-              </a:lnSpc>
-              <a:spcBef>
-                <a:spcPts val="0"/>
-              </a:spcBef>
-              <a:spcAft>
-                <a:spcPts val="0"/>
-              </a:spcAft>
-              <a:buClrTx/>
-              <a:buSzTx/>
-              <a:buFontTx/>
-              <a:buNone/>
-              <a:tabLst/>
-              <a:defRPr/>
-            </a:pPr>
-            <a:r>
-              <a:rPr lang="ko-KR" altLang="en-US" dirty="0" smtClean="0"/>
-              <a:t>향후 </a:t>
-            </a:r>
-            <a:r>
-              <a:rPr lang="en-US" altLang="ko-KR" dirty="0" smtClean="0"/>
-              <a:t>token</a:t>
-            </a:r>
-            <a:r>
-              <a:rPr lang="en-US" altLang="ko-KR" baseline="0" dirty="0" smtClean="0"/>
-              <a:t> </a:t>
-            </a:r>
-            <a:r>
-              <a:rPr lang="ko-KR" altLang="en-US" baseline="0" dirty="0" smtClean="0"/>
-              <a:t>탈취 와 같은 부분을 위해서는 </a:t>
-            </a:r>
-            <a:r>
-              <a:rPr lang="ko-KR" altLang="en-US" dirty="0" smtClean="0"/>
-              <a:t>수명을 줄이고 </a:t>
-            </a:r>
-            <a:r>
-              <a:rPr lang="en-US" altLang="ko-KR" dirty="0" smtClean="0"/>
-              <a:t>refresh token</a:t>
-            </a:r>
-            <a:r>
-              <a:rPr lang="ko-KR" altLang="en-US" dirty="0" smtClean="0"/>
-              <a:t>과 같은거 도입 필요</a:t>
-            </a:r>
-            <a:endParaRPr lang="en-US" altLang="ko-KR" dirty="0" smtClean="0"/>
-          </a:p>
-          <a:p>
-            <a:pPr marL="0" marR="0" indent="0" algn="l" defTabSz="914400" rtl="0" eaLnBrk="1" fontAlgn="auto" latinLnBrk="1" hangingPunct="1">
-              <a:lnSpc>
-                <a:spcPct val="100000"/>
-              </a:lnSpc>
-              <a:spcBef>
-                <a:spcPts val="0"/>
-              </a:spcBef>
-              <a:spcAft>
-                <a:spcPts val="0"/>
-              </a:spcAft>
-              <a:buClrTx/>
-              <a:buSzTx/>
-              <a:buFontTx/>
-              <a:buNone/>
-              <a:tabLst/>
-              <a:defRPr/>
-            </a:pPr>
-            <a:endParaRPr lang="en-US" altLang="ko-KR" sz="1200" b="0" i="0" kern="1200" baseline="0" dirty="0" smtClean="0">
-              <a:solidFill>
-                <a:schemeClr val="tx1"/>
-              </a:solidFill>
-              <a:effectLst/>
-              <a:latin typeface="+mn-lt"/>
-              <a:ea typeface="+mn-ea"/>
-              <a:cs typeface="+mn-cs"/>
-            </a:endParaRPr>
-          </a:p>
-          <a:p>
-            <a:endParaRPr lang="en-US" altLang="ko-KR" baseline="0" dirty="0" smtClean="0"/>
-          </a:p>
-          <a:p>
-            <a:r>
-              <a:rPr lang="en-US" altLang="ko-KR" dirty="0" err="1" smtClean="0"/>
-              <a:t>Xss</a:t>
-            </a:r>
-            <a:r>
-              <a:rPr lang="en-US" altLang="ko-KR" dirty="0" smtClean="0"/>
-              <a:t> </a:t>
-            </a:r>
-            <a:r>
-              <a:rPr lang="ko-KR" altLang="en-US" dirty="0" smtClean="0"/>
-              <a:t>보안 </a:t>
-            </a:r>
-            <a:r>
-              <a:rPr lang="en-US" altLang="ko-KR" dirty="0" smtClean="0"/>
-              <a:t>–</a:t>
-            </a:r>
-            <a:r>
-              <a:rPr lang="ko-KR" altLang="en-US" dirty="0" smtClean="0"/>
-              <a:t>변환해서 들어오냐 그리고 </a:t>
-            </a:r>
-            <a:r>
-              <a:rPr lang="en-US" altLang="ko-KR" dirty="0" smtClean="0"/>
-              <a:t>security </a:t>
-            </a:r>
-            <a:r>
-              <a:rPr lang="ko-KR" altLang="en-US" dirty="0" smtClean="0"/>
-              <a:t>보다 먼저 </a:t>
-            </a:r>
-            <a:r>
-              <a:rPr lang="en-US" altLang="ko-KR" dirty="0" smtClean="0"/>
-              <a:t>filter</a:t>
-            </a:r>
-            <a:r>
-              <a:rPr lang="ko-KR" altLang="en-US" dirty="0" smtClean="0"/>
-              <a:t>에 걸리냐</a:t>
-            </a:r>
-            <a:r>
-              <a:rPr lang="en-US" altLang="ko-KR" dirty="0" smtClean="0"/>
-              <a:t>? </a:t>
-            </a:r>
-            <a:r>
-              <a:rPr lang="ko-KR" altLang="en-US" dirty="0" smtClean="0"/>
-              <a:t>필터가먼저 그후 에 </a:t>
-            </a:r>
-            <a:r>
-              <a:rPr lang="en-US" altLang="ko-KR" dirty="0" err="1" smtClean="0"/>
-              <a:t>covnerter</a:t>
-            </a:r>
-            <a:r>
-              <a:rPr lang="en-US" altLang="ko-KR" dirty="0" smtClean="0"/>
-              <a:t> </a:t>
-            </a:r>
-            <a:r>
-              <a:rPr lang="ko-KR" altLang="en-US" dirty="0" smtClean="0"/>
-              <a:t>현재상황에서는 </a:t>
-            </a:r>
-            <a:r>
-              <a:rPr lang="en-US" altLang="ko-KR" dirty="0" smtClean="0"/>
-              <a:t>response </a:t>
-            </a:r>
-            <a:r>
-              <a:rPr lang="ko-KR" altLang="en-US" dirty="0" smtClean="0"/>
-              <a:t>할떄 </a:t>
-            </a:r>
-            <a:r>
-              <a:rPr lang="en-US" altLang="ko-KR" dirty="0" smtClean="0"/>
-              <a:t>object</a:t>
-            </a:r>
-            <a:r>
-              <a:rPr lang="en-US" altLang="ko-KR" baseline="0" dirty="0" smtClean="0"/>
-              <a:t> </a:t>
-            </a:r>
-            <a:r>
-              <a:rPr lang="ko-KR" altLang="en-US" baseline="0" dirty="0" smtClean="0"/>
-              <a:t>에서 </a:t>
-            </a:r>
-            <a:r>
-              <a:rPr lang="en-US" altLang="ko-KR" baseline="0" dirty="0" err="1" smtClean="0"/>
-              <a:t>json</a:t>
-            </a:r>
-            <a:r>
-              <a:rPr lang="en-US" altLang="ko-KR" baseline="0" dirty="0" smtClean="0"/>
-              <a:t> </a:t>
-            </a:r>
-            <a:r>
-              <a:rPr lang="ko-KR" altLang="en-US" baseline="0" dirty="0" smtClean="0"/>
-              <a:t>변경시에 </a:t>
-            </a:r>
-            <a:r>
-              <a:rPr lang="en-US" altLang="ko-KR" baseline="0" dirty="0" smtClean="0"/>
-              <a:t>converter </a:t>
-            </a:r>
-            <a:r>
-              <a:rPr lang="ko-KR" altLang="en-US" baseline="0" dirty="0" smtClean="0"/>
-              <a:t>적용됨</a:t>
-            </a:r>
-            <a:endParaRPr lang="ko-KR" altLang="en-US" dirty="0"/>
           </a:p>
         </p:txBody>
       </p:sp>
@@ -5342,6 +4315,1290 @@
             </a:r>
             <a:r>
               <a:rPr lang="ko-KR" altLang="en-US" dirty="0" smtClean="0"/>
+              <a:t>에</a:t>
+            </a:r>
+            <a:endParaRPr lang="en-US" altLang="ko-KR" dirty="0" smtClean="0"/>
+          </a:p>
+          <a:p>
+            <a:pPr marL="0" marR="0" indent="0" algn="l" defTabSz="914400" rtl="0" eaLnBrk="1" fontAlgn="auto" latinLnBrk="1" hangingPunct="1">
+              <a:lnSpc>
+                <a:spcPct val="100000"/>
+              </a:lnSpc>
+              <a:spcBef>
+                <a:spcPts val="0"/>
+              </a:spcBef>
+              <a:spcAft>
+                <a:spcPts val="0"/>
+              </a:spcAft>
+              <a:buClrTx/>
+              <a:buSzTx/>
+              <a:buFontTx/>
+              <a:buNone/>
+              <a:tabLst/>
+              <a:defRPr/>
+            </a:pPr>
+            <a:r>
+              <a:rPr lang="ko-KR" altLang="en-US" sz="1200" b="0" i="0" kern="1200" dirty="0" smtClean="0">
+                <a:solidFill>
+                  <a:schemeClr val="tx1"/>
+                </a:solidFill>
+                <a:effectLst/>
+                <a:latin typeface="+mn-lt"/>
+                <a:ea typeface="+mn-ea"/>
+                <a:cs typeface="+mn-cs"/>
+              </a:rPr>
+              <a:t>세션보다는 </a:t>
+            </a:r>
+            <a:r>
+              <a:rPr lang="en-US" altLang="ko-KR" sz="1200" b="0" i="0" kern="1200" dirty="0" err="1" smtClean="0">
+                <a:solidFill>
+                  <a:schemeClr val="tx1"/>
+                </a:solidFill>
+                <a:effectLst/>
+                <a:latin typeface="+mn-lt"/>
+                <a:ea typeface="+mn-ea"/>
+                <a:cs typeface="+mn-cs"/>
+              </a:rPr>
+              <a:t>jwt</a:t>
+            </a:r>
+            <a:r>
+              <a:rPr lang="en-US" altLang="ko-KR" sz="1200" b="0" i="0" kern="1200" baseline="0" dirty="0" smtClean="0">
+                <a:solidFill>
+                  <a:schemeClr val="tx1"/>
+                </a:solidFill>
+                <a:effectLst/>
+                <a:latin typeface="+mn-lt"/>
+                <a:ea typeface="+mn-ea"/>
+                <a:cs typeface="+mn-cs"/>
+              </a:rPr>
+              <a:t> </a:t>
+            </a:r>
+            <a:r>
+              <a:rPr lang="ko-KR" altLang="en-US" sz="1200" b="0" i="0" kern="1200" baseline="0" dirty="0" smtClean="0">
+                <a:solidFill>
+                  <a:schemeClr val="tx1"/>
+                </a:solidFill>
+                <a:effectLst/>
+                <a:latin typeface="+mn-lt"/>
+                <a:ea typeface="+mn-ea"/>
+                <a:cs typeface="+mn-cs"/>
+              </a:rPr>
+              <a:t>사용해 확장성에 세션 유지나 </a:t>
+            </a:r>
+            <a:r>
+              <a:rPr lang="ko-KR" altLang="en-US" sz="1200" b="0" i="0" kern="1200" baseline="0" dirty="0" err="1" smtClean="0">
+                <a:solidFill>
+                  <a:schemeClr val="tx1"/>
+                </a:solidFill>
+                <a:effectLst/>
+                <a:latin typeface="+mn-lt"/>
+                <a:ea typeface="+mn-ea"/>
+                <a:cs typeface="+mn-cs"/>
+              </a:rPr>
+              <a:t>관리없이</a:t>
+            </a:r>
+            <a:r>
+              <a:rPr lang="ko-KR" altLang="en-US" sz="1200" b="0" i="0" kern="1200" baseline="0" dirty="0" smtClean="0">
+                <a:solidFill>
+                  <a:schemeClr val="tx1"/>
+                </a:solidFill>
+                <a:effectLst/>
+                <a:latin typeface="+mn-lt"/>
+                <a:ea typeface="+mn-ea"/>
+                <a:cs typeface="+mn-cs"/>
+              </a:rPr>
+              <a:t> 편하게 </a:t>
+            </a:r>
+            <a:r>
+              <a:rPr lang="ko-KR" altLang="en-US" sz="1200" b="0" i="0" kern="1200" baseline="0" dirty="0" err="1" smtClean="0">
+                <a:solidFill>
+                  <a:schemeClr val="tx1"/>
+                </a:solidFill>
+                <a:effectLst/>
+                <a:latin typeface="+mn-lt"/>
+                <a:ea typeface="+mn-ea"/>
+                <a:cs typeface="+mn-cs"/>
+              </a:rPr>
+              <a:t>하기위해</a:t>
+            </a:r>
+            <a:r>
+              <a:rPr lang="ko-KR" altLang="en-US" sz="1200" b="0" i="0" kern="1200" baseline="0" dirty="0" smtClean="0">
+                <a:solidFill>
+                  <a:schemeClr val="tx1"/>
+                </a:solidFill>
+                <a:effectLst/>
+                <a:latin typeface="+mn-lt"/>
+                <a:ea typeface="+mn-ea"/>
+                <a:cs typeface="+mn-cs"/>
+              </a:rPr>
+              <a:t> </a:t>
+            </a:r>
+            <a:r>
+              <a:rPr lang="en-US" altLang="ko-KR" sz="1200" b="0" i="0" kern="1200" baseline="0" dirty="0" err="1" smtClean="0">
+                <a:solidFill>
+                  <a:schemeClr val="tx1"/>
+                </a:solidFill>
+                <a:effectLst/>
+                <a:latin typeface="+mn-lt"/>
+                <a:ea typeface="+mn-ea"/>
+                <a:cs typeface="+mn-cs"/>
+              </a:rPr>
+              <a:t>jwt</a:t>
+            </a:r>
+            <a:r>
+              <a:rPr lang="en-US" altLang="ko-KR" sz="1200" b="0" i="0" kern="1200" baseline="0" dirty="0" smtClean="0">
+                <a:solidFill>
+                  <a:schemeClr val="tx1"/>
+                </a:solidFill>
+                <a:effectLst/>
+                <a:latin typeface="+mn-lt"/>
+                <a:ea typeface="+mn-ea"/>
+                <a:cs typeface="+mn-cs"/>
+              </a:rPr>
+              <a:t> </a:t>
+            </a:r>
+            <a:r>
+              <a:rPr lang="ko-KR" altLang="en-US" sz="1200" b="0" i="0" kern="1200" baseline="0" dirty="0" smtClean="0">
+                <a:solidFill>
+                  <a:schemeClr val="tx1"/>
+                </a:solidFill>
+                <a:effectLst/>
+                <a:latin typeface="+mn-lt"/>
+                <a:ea typeface="+mn-ea"/>
+                <a:cs typeface="+mn-cs"/>
+              </a:rPr>
+              <a:t>선택</a:t>
+            </a:r>
+            <a:endParaRPr lang="en-US" altLang="ko-KR" sz="1200" b="0" i="0" kern="1200" dirty="0" smtClean="0">
+              <a:solidFill>
+                <a:schemeClr val="tx1"/>
+              </a:solidFill>
+              <a:effectLst/>
+              <a:latin typeface="+mn-lt"/>
+              <a:ea typeface="+mn-ea"/>
+              <a:cs typeface="+mn-cs"/>
+            </a:endParaRPr>
+          </a:p>
+          <a:p>
+            <a:pPr marL="0" marR="0" indent="0" algn="l" defTabSz="914400" rtl="0" eaLnBrk="1" fontAlgn="auto" latinLnBrk="1" hangingPunct="1">
+              <a:lnSpc>
+                <a:spcPct val="100000"/>
+              </a:lnSpc>
+              <a:spcBef>
+                <a:spcPts val="0"/>
+              </a:spcBef>
+              <a:spcAft>
+                <a:spcPts val="0"/>
+              </a:spcAft>
+              <a:buClrTx/>
+              <a:buSzTx/>
+              <a:buFontTx/>
+              <a:buNone/>
+              <a:tabLst/>
+              <a:defRPr/>
+            </a:pPr>
+            <a:r>
+              <a:rPr lang="ko-KR" altLang="en-US" sz="1200" b="0" i="0" kern="1200" dirty="0" smtClean="0">
+                <a:solidFill>
+                  <a:schemeClr val="tx1"/>
+                </a:solidFill>
+                <a:effectLst/>
+                <a:latin typeface="+mn-lt"/>
+                <a:ea typeface="+mn-ea"/>
+                <a:cs typeface="+mn-cs"/>
+              </a:rPr>
+              <a:t>토큰만 가지고 유효성 검사나 사용자 식별까지 할 수 있으므로 서버를 </a:t>
+            </a:r>
+            <a:r>
+              <a:rPr lang="ko-KR" altLang="en-US" sz="1200" b="0" i="0" kern="1200" dirty="0" err="1" smtClean="0">
+                <a:solidFill>
+                  <a:schemeClr val="tx1"/>
+                </a:solidFill>
+                <a:effectLst/>
+                <a:latin typeface="+mn-lt"/>
+                <a:ea typeface="+mn-ea"/>
+                <a:cs typeface="+mn-cs"/>
+              </a:rPr>
+              <a:t>무상태로</a:t>
+            </a:r>
+            <a:r>
+              <a:rPr lang="ko-KR" altLang="en-US" sz="1200" b="0" i="0" kern="1200" dirty="0" smtClean="0">
+                <a:solidFill>
+                  <a:schemeClr val="tx1"/>
+                </a:solidFill>
+                <a:effectLst/>
+                <a:latin typeface="+mn-lt"/>
+                <a:ea typeface="+mn-ea"/>
+                <a:cs typeface="+mn-cs"/>
+              </a:rPr>
+              <a:t> 유지할 수 있다는 점이다</a:t>
+            </a:r>
+            <a:r>
+              <a:rPr lang="en-US" altLang="ko-KR" sz="1200" b="0" i="0" kern="1200" dirty="0" smtClean="0">
+                <a:solidFill>
+                  <a:schemeClr val="tx1"/>
+                </a:solidFill>
+                <a:effectLst/>
+                <a:latin typeface="+mn-lt"/>
+                <a:ea typeface="+mn-ea"/>
+                <a:cs typeface="+mn-cs"/>
+              </a:rPr>
+              <a:t>.</a:t>
+            </a:r>
+            <a:r>
+              <a:rPr lang="ko-KR" altLang="en-US" sz="1200" b="0" i="0" kern="1200" dirty="0" smtClean="0">
+                <a:solidFill>
+                  <a:schemeClr val="tx1"/>
+                </a:solidFill>
+                <a:effectLst/>
+                <a:latin typeface="+mn-lt"/>
+                <a:ea typeface="+mn-ea"/>
+                <a:cs typeface="+mn-cs"/>
+              </a:rPr>
+              <a:t> 토큰의 사용자 아이디 등이 </a:t>
+            </a:r>
+            <a:r>
+              <a:rPr lang="ko-KR" altLang="en-US" sz="1200" b="0" i="0" kern="1200" dirty="0" err="1" smtClean="0">
+                <a:solidFill>
+                  <a:schemeClr val="tx1"/>
+                </a:solidFill>
+                <a:effectLst/>
+                <a:latin typeface="+mn-lt"/>
+                <a:ea typeface="+mn-ea"/>
+                <a:cs typeface="+mn-cs"/>
+              </a:rPr>
+              <a:t>클레임셋에</a:t>
+            </a:r>
+            <a:r>
+              <a:rPr lang="ko-KR" altLang="en-US" sz="1200" b="0" i="0" kern="1200" dirty="0" smtClean="0">
+                <a:solidFill>
+                  <a:schemeClr val="tx1"/>
+                </a:solidFill>
+                <a:effectLst/>
+                <a:latin typeface="+mn-lt"/>
+                <a:ea typeface="+mn-ea"/>
+                <a:cs typeface="+mn-cs"/>
+              </a:rPr>
+              <a:t> 담겨있다면 데이터베이스나 캐시를 조회할 </a:t>
+            </a:r>
+            <a:r>
+              <a:rPr lang="ko-KR" altLang="en-US" sz="1200" b="0" i="0" kern="1200" dirty="0" err="1" smtClean="0">
+                <a:solidFill>
+                  <a:schemeClr val="tx1"/>
+                </a:solidFill>
+                <a:effectLst/>
+                <a:latin typeface="+mn-lt"/>
+                <a:ea typeface="+mn-ea"/>
+                <a:cs typeface="+mn-cs"/>
+              </a:rPr>
+              <a:t>필요없이</a:t>
+            </a:r>
+            <a:r>
+              <a:rPr lang="ko-KR" altLang="en-US" sz="1200" b="0" i="0" kern="1200" dirty="0" smtClean="0">
+                <a:solidFill>
+                  <a:schemeClr val="tx1"/>
+                </a:solidFill>
+                <a:effectLst/>
+                <a:latin typeface="+mn-lt"/>
+                <a:ea typeface="+mn-ea"/>
+                <a:cs typeface="+mn-cs"/>
+              </a:rPr>
+              <a:t> 바로 </a:t>
+            </a:r>
+            <a:r>
+              <a:rPr lang="ko-KR" altLang="en-US" sz="1200" b="0" i="0" kern="1200" dirty="0" err="1" smtClean="0">
+                <a:solidFill>
+                  <a:schemeClr val="tx1"/>
+                </a:solidFill>
+                <a:effectLst/>
+                <a:latin typeface="+mn-lt"/>
+                <a:ea typeface="+mn-ea"/>
+                <a:cs typeface="+mn-cs"/>
+              </a:rPr>
+              <a:t>애플레이케션이서</a:t>
+            </a:r>
+            <a:r>
+              <a:rPr lang="ko-KR" altLang="en-US" sz="1200" b="0" i="0" kern="1200" dirty="0" smtClean="0">
+                <a:solidFill>
+                  <a:schemeClr val="tx1"/>
+                </a:solidFill>
+                <a:effectLst/>
+                <a:latin typeface="+mn-lt"/>
+                <a:ea typeface="+mn-ea"/>
+                <a:cs typeface="+mn-cs"/>
+              </a:rPr>
+              <a:t> 사용자를 확인하고 정보를 조회할 수 있다</a:t>
+            </a:r>
+            <a:endParaRPr lang="en-US" altLang="ko-KR" sz="1200" b="0" i="0" kern="1200" dirty="0" smtClean="0">
+              <a:solidFill>
+                <a:schemeClr val="tx1"/>
+              </a:solidFill>
+              <a:effectLst/>
+              <a:latin typeface="+mn-lt"/>
+              <a:ea typeface="+mn-ea"/>
+              <a:cs typeface="+mn-cs"/>
+            </a:endParaRPr>
+          </a:p>
+          <a:p>
+            <a:pPr marL="0" marR="0" indent="0" algn="l" defTabSz="914400" rtl="0" eaLnBrk="1" fontAlgn="auto" latinLnBrk="1" hangingPunct="1">
+              <a:lnSpc>
+                <a:spcPct val="100000"/>
+              </a:lnSpc>
+              <a:spcBef>
+                <a:spcPts val="0"/>
+              </a:spcBef>
+              <a:spcAft>
+                <a:spcPts val="0"/>
+              </a:spcAft>
+              <a:buClrTx/>
+              <a:buSzTx/>
+              <a:buFontTx/>
+              <a:buNone/>
+              <a:tabLst/>
+              <a:defRPr/>
+            </a:pPr>
+            <a:r>
+              <a:rPr lang="ko-KR" altLang="en-US" sz="1200" b="0" i="0" kern="1200" baseline="0" dirty="0" smtClean="0">
+                <a:solidFill>
+                  <a:schemeClr val="tx1"/>
+                </a:solidFill>
+                <a:effectLst/>
+                <a:latin typeface="+mn-lt"/>
+                <a:ea typeface="+mn-ea"/>
+                <a:cs typeface="+mn-cs"/>
+              </a:rPr>
+              <a:t>단점 길이가 길다</a:t>
+            </a:r>
+            <a:r>
+              <a:rPr lang="en-US" altLang="ko-KR" sz="1200" b="0" i="0" kern="1200" baseline="0" dirty="0" smtClean="0">
+                <a:solidFill>
+                  <a:schemeClr val="tx1"/>
+                </a:solidFill>
+                <a:effectLst/>
+                <a:latin typeface="+mn-lt"/>
+                <a:ea typeface="+mn-ea"/>
+                <a:cs typeface="+mn-cs"/>
+              </a:rPr>
+              <a:t>.</a:t>
+            </a:r>
+          </a:p>
+          <a:p>
+            <a:pPr marL="0" marR="0" indent="0" algn="l" defTabSz="914400" rtl="0" eaLnBrk="1" fontAlgn="auto" latinLnBrk="1" hangingPunct="1">
+              <a:lnSpc>
+                <a:spcPct val="100000"/>
+              </a:lnSpc>
+              <a:spcBef>
+                <a:spcPts val="0"/>
+              </a:spcBef>
+              <a:spcAft>
+                <a:spcPts val="0"/>
+              </a:spcAft>
+              <a:buClrTx/>
+              <a:buSzTx/>
+              <a:buFontTx/>
+              <a:buNone/>
+              <a:tabLst/>
+              <a:defRPr/>
+            </a:pPr>
+            <a:endParaRPr lang="en-US" altLang="ko-KR" sz="1200" b="0" i="0" kern="1200" baseline="0" dirty="0" smtClean="0">
+              <a:solidFill>
+                <a:schemeClr val="tx1"/>
+              </a:solidFill>
+              <a:effectLst/>
+              <a:latin typeface="+mn-lt"/>
+              <a:ea typeface="+mn-ea"/>
+              <a:cs typeface="+mn-cs"/>
+            </a:endParaRPr>
+          </a:p>
+          <a:p>
+            <a:pPr marL="0" marR="0" indent="0" algn="l" defTabSz="914400" rtl="0" eaLnBrk="1" fontAlgn="auto" latinLnBrk="1" hangingPunct="1">
+              <a:lnSpc>
+                <a:spcPct val="100000"/>
+              </a:lnSpc>
+              <a:spcBef>
+                <a:spcPts val="0"/>
+              </a:spcBef>
+              <a:spcAft>
+                <a:spcPts val="0"/>
+              </a:spcAft>
+              <a:buClrTx/>
+              <a:buSzTx/>
+              <a:buFontTx/>
+              <a:buNone/>
+              <a:tabLst/>
+              <a:defRPr/>
+            </a:pPr>
+            <a:endParaRPr lang="en-US" altLang="ko-KR" sz="1200" b="0" i="0" kern="1200" baseline="0" dirty="0" smtClean="0">
+              <a:solidFill>
+                <a:schemeClr val="tx1"/>
+              </a:solidFill>
+              <a:effectLst/>
+              <a:latin typeface="+mn-lt"/>
+              <a:ea typeface="+mn-ea"/>
+              <a:cs typeface="+mn-cs"/>
+            </a:endParaRPr>
+          </a:p>
+          <a:p>
+            <a:pPr marL="0" marR="0" indent="0" algn="l" defTabSz="914400" rtl="0" eaLnBrk="1" fontAlgn="auto" latinLnBrk="1" hangingPunct="1">
+              <a:lnSpc>
+                <a:spcPct val="100000"/>
+              </a:lnSpc>
+              <a:spcBef>
+                <a:spcPts val="0"/>
+              </a:spcBef>
+              <a:spcAft>
+                <a:spcPts val="0"/>
+              </a:spcAft>
+              <a:buClrTx/>
+              <a:buSzTx/>
+              <a:buFontTx/>
+              <a:buNone/>
+              <a:tabLst/>
+              <a:defRPr/>
+            </a:pPr>
+            <a:r>
+              <a:rPr lang="ko-KR" altLang="en-US" sz="1200" b="0" i="0" kern="1200" baseline="0" dirty="0" smtClean="0">
+                <a:solidFill>
+                  <a:schemeClr val="tx1"/>
+                </a:solidFill>
+                <a:effectLst/>
+                <a:latin typeface="+mn-lt"/>
+                <a:ea typeface="+mn-ea"/>
+                <a:cs typeface="+mn-cs"/>
+              </a:rPr>
+              <a:t>이후 </a:t>
+            </a:r>
+            <a:r>
+              <a:rPr lang="en-US" altLang="ko-KR" sz="1200" b="0" i="0" kern="1200" baseline="0" dirty="0" err="1" smtClean="0">
+                <a:solidFill>
+                  <a:schemeClr val="tx1"/>
+                </a:solidFill>
+                <a:effectLst/>
+                <a:latin typeface="+mn-lt"/>
+                <a:ea typeface="+mn-ea"/>
+                <a:cs typeface="+mn-cs"/>
+              </a:rPr>
+              <a:t>jwt</a:t>
+            </a:r>
+            <a:r>
+              <a:rPr lang="en-US" altLang="ko-KR" sz="1200" b="0" i="0" kern="1200" baseline="0" dirty="0" smtClean="0">
+                <a:solidFill>
+                  <a:schemeClr val="tx1"/>
+                </a:solidFill>
+                <a:effectLst/>
+                <a:latin typeface="+mn-lt"/>
+                <a:ea typeface="+mn-ea"/>
+                <a:cs typeface="+mn-cs"/>
+              </a:rPr>
+              <a:t> header </a:t>
+            </a:r>
+            <a:r>
+              <a:rPr lang="ko-KR" altLang="en-US" sz="1200" b="0" i="0" kern="1200" baseline="0" dirty="0" smtClean="0">
+                <a:solidFill>
+                  <a:schemeClr val="tx1"/>
+                </a:solidFill>
+                <a:effectLst/>
+                <a:latin typeface="+mn-lt"/>
+                <a:ea typeface="+mn-ea"/>
+                <a:cs typeface="+mn-cs"/>
+              </a:rPr>
+              <a:t>담을까 </a:t>
+            </a:r>
+            <a:r>
+              <a:rPr lang="en-US" altLang="ko-KR" sz="1200" b="0" i="0" kern="1200" baseline="0" dirty="0" err="1" smtClean="0">
+                <a:solidFill>
+                  <a:schemeClr val="tx1"/>
+                </a:solidFill>
+                <a:effectLst/>
+                <a:latin typeface="+mn-lt"/>
+                <a:ea typeface="+mn-ea"/>
+                <a:cs typeface="+mn-cs"/>
+              </a:rPr>
+              <a:t>cokie</a:t>
+            </a:r>
+            <a:r>
+              <a:rPr lang="en-US" altLang="ko-KR" sz="1200" b="0" i="0" kern="1200" baseline="0" dirty="0" smtClean="0">
+                <a:solidFill>
+                  <a:schemeClr val="tx1"/>
+                </a:solidFill>
+                <a:effectLst/>
+                <a:latin typeface="+mn-lt"/>
+                <a:ea typeface="+mn-ea"/>
+                <a:cs typeface="+mn-cs"/>
+              </a:rPr>
+              <a:t> </a:t>
+            </a:r>
+            <a:r>
+              <a:rPr lang="ko-KR" altLang="en-US" sz="1200" b="0" i="0" kern="1200" baseline="0" dirty="0" smtClean="0">
+                <a:solidFill>
+                  <a:schemeClr val="tx1"/>
+                </a:solidFill>
+                <a:effectLst/>
+                <a:latin typeface="+mn-lt"/>
+                <a:ea typeface="+mn-ea"/>
+                <a:cs typeface="+mn-cs"/>
+              </a:rPr>
+              <a:t>담아서 통신하는 </a:t>
+            </a:r>
+            <a:r>
+              <a:rPr lang="ko-KR" altLang="en-US" sz="1200" b="0" i="0" kern="1200" baseline="0" dirty="0" err="1" smtClean="0">
+                <a:solidFill>
+                  <a:schemeClr val="tx1"/>
+                </a:solidFill>
+                <a:effectLst/>
+                <a:latin typeface="+mn-lt"/>
+                <a:ea typeface="+mn-ea"/>
+                <a:cs typeface="+mn-cs"/>
+              </a:rPr>
+              <a:t>것또한</a:t>
+            </a:r>
+            <a:r>
+              <a:rPr lang="ko-KR" altLang="en-US" sz="1200" b="0" i="0" kern="1200" baseline="0" dirty="0" smtClean="0">
+                <a:solidFill>
+                  <a:schemeClr val="tx1"/>
+                </a:solidFill>
+                <a:effectLst/>
+                <a:latin typeface="+mn-lt"/>
+                <a:ea typeface="+mn-ea"/>
+                <a:cs typeface="+mn-cs"/>
+              </a:rPr>
+              <a:t> </a:t>
+            </a:r>
+            <a:r>
+              <a:rPr lang="en-US" altLang="ko-KR" sz="1200" b="0" i="0" kern="1200" baseline="0" dirty="0" err="1" smtClean="0">
+                <a:solidFill>
+                  <a:schemeClr val="tx1"/>
+                </a:solidFill>
+                <a:effectLst/>
+                <a:latin typeface="+mn-lt"/>
+                <a:ea typeface="+mn-ea"/>
+                <a:cs typeface="+mn-cs"/>
+              </a:rPr>
+              <a:t>api</a:t>
+            </a:r>
+            <a:r>
+              <a:rPr lang="en-US" altLang="ko-KR" sz="1200" b="0" i="0" kern="1200" baseline="0" dirty="0" smtClean="0">
+                <a:solidFill>
+                  <a:schemeClr val="tx1"/>
+                </a:solidFill>
+                <a:effectLst/>
+                <a:latin typeface="+mn-lt"/>
+                <a:ea typeface="+mn-ea"/>
+                <a:cs typeface="+mn-cs"/>
+              </a:rPr>
+              <a:t> sever</a:t>
+            </a:r>
+            <a:r>
+              <a:rPr lang="ko-KR" altLang="en-US" sz="1200" b="0" i="0" kern="1200" baseline="0" dirty="0" smtClean="0">
+                <a:solidFill>
+                  <a:schemeClr val="tx1"/>
+                </a:solidFill>
+                <a:effectLst/>
+                <a:latin typeface="+mn-lt"/>
+                <a:ea typeface="+mn-ea"/>
+                <a:cs typeface="+mn-cs"/>
+              </a:rPr>
+              <a:t>에서 </a:t>
+            </a:r>
+            <a:r>
+              <a:rPr lang="en-US" altLang="ko-KR" sz="1200" b="0" i="0" kern="1200" baseline="0" dirty="0" err="1" smtClean="0">
+                <a:solidFill>
+                  <a:schemeClr val="tx1"/>
+                </a:solidFill>
+                <a:effectLst/>
+                <a:latin typeface="+mn-lt"/>
+                <a:ea typeface="+mn-ea"/>
+                <a:cs typeface="+mn-cs"/>
+              </a:rPr>
+              <a:t>fornt</a:t>
+            </a:r>
+            <a:r>
+              <a:rPr lang="en-US" altLang="ko-KR" sz="1200" b="0" i="0" kern="1200" baseline="0" dirty="0" smtClean="0">
+                <a:solidFill>
+                  <a:schemeClr val="tx1"/>
+                </a:solidFill>
+                <a:effectLst/>
+                <a:latin typeface="+mn-lt"/>
+                <a:ea typeface="+mn-ea"/>
+                <a:cs typeface="+mn-cs"/>
+              </a:rPr>
+              <a:t> </a:t>
+            </a:r>
+            <a:r>
+              <a:rPr lang="en-US" altLang="ko-KR" sz="1200" b="0" i="0" kern="1200" baseline="0" dirty="0" err="1" smtClean="0">
+                <a:solidFill>
+                  <a:schemeClr val="tx1"/>
+                </a:solidFill>
+                <a:effectLst/>
+                <a:latin typeface="+mn-lt"/>
+                <a:ea typeface="+mn-ea"/>
+                <a:cs typeface="+mn-cs"/>
+              </a:rPr>
+              <a:t>maint</a:t>
+            </a:r>
+            <a:r>
+              <a:rPr lang="en-US" altLang="ko-KR" sz="1200" b="0" i="0" kern="1200" baseline="0" dirty="0" smtClean="0">
+                <a:solidFill>
+                  <a:schemeClr val="tx1"/>
+                </a:solidFill>
+                <a:effectLst/>
+                <a:latin typeface="+mn-lt"/>
+                <a:ea typeface="+mn-ea"/>
+                <a:cs typeface="+mn-cs"/>
+              </a:rPr>
+              <a:t> page redirect</a:t>
+            </a:r>
+            <a:r>
+              <a:rPr lang="ko-KR" altLang="en-US" sz="1200" b="0" i="0" kern="1200" baseline="0" dirty="0" smtClean="0">
+                <a:solidFill>
+                  <a:schemeClr val="tx1"/>
+                </a:solidFill>
+                <a:effectLst/>
+                <a:latin typeface="+mn-lt"/>
+                <a:ea typeface="+mn-ea"/>
+                <a:cs typeface="+mn-cs"/>
+              </a:rPr>
+              <a:t>와  함께 </a:t>
+            </a:r>
+            <a:r>
+              <a:rPr lang="en-US" altLang="ko-KR" sz="1200" b="0" i="0" kern="1200" baseline="0" dirty="0" err="1" smtClean="0">
+                <a:solidFill>
+                  <a:schemeClr val="tx1"/>
+                </a:solidFill>
+                <a:effectLst/>
+                <a:latin typeface="+mn-lt"/>
+                <a:ea typeface="+mn-ea"/>
+                <a:cs typeface="+mn-cs"/>
+              </a:rPr>
+              <a:t>jwt</a:t>
+            </a:r>
+            <a:r>
+              <a:rPr lang="en-US" altLang="ko-KR" sz="1200" b="0" i="0" kern="1200" baseline="0" dirty="0" smtClean="0">
+                <a:solidFill>
+                  <a:schemeClr val="tx1"/>
+                </a:solidFill>
+                <a:effectLst/>
+                <a:latin typeface="+mn-lt"/>
+                <a:ea typeface="+mn-ea"/>
+                <a:cs typeface="+mn-cs"/>
+              </a:rPr>
+              <a:t> </a:t>
+            </a:r>
+            <a:r>
+              <a:rPr lang="ko-KR" altLang="en-US" sz="1200" b="0" i="0" kern="1200" baseline="0" dirty="0" smtClean="0">
+                <a:solidFill>
+                  <a:schemeClr val="tx1"/>
+                </a:solidFill>
+                <a:effectLst/>
+                <a:latin typeface="+mn-lt"/>
+                <a:ea typeface="+mn-ea"/>
+                <a:cs typeface="+mn-cs"/>
+              </a:rPr>
+              <a:t>전달해야 하기 </a:t>
+            </a:r>
+            <a:r>
+              <a:rPr lang="ko-KR" altLang="en-US" sz="1200" b="0" i="0" kern="1200" baseline="0" dirty="0" err="1" smtClean="0">
+                <a:solidFill>
+                  <a:schemeClr val="tx1"/>
+                </a:solidFill>
+                <a:effectLst/>
+                <a:latin typeface="+mn-lt"/>
+                <a:ea typeface="+mn-ea"/>
+                <a:cs typeface="+mn-cs"/>
+              </a:rPr>
+              <a:t>떄문에</a:t>
+            </a:r>
+            <a:r>
+              <a:rPr lang="ko-KR" altLang="en-US" sz="1200" b="0" i="0" kern="1200" baseline="0" dirty="0" smtClean="0">
+                <a:solidFill>
+                  <a:schemeClr val="tx1"/>
+                </a:solidFill>
+                <a:effectLst/>
+                <a:latin typeface="+mn-lt"/>
+                <a:ea typeface="+mn-ea"/>
+                <a:cs typeface="+mn-cs"/>
+              </a:rPr>
+              <a:t> </a:t>
+            </a:r>
+            <a:r>
+              <a:rPr lang="en-US" altLang="ko-KR" sz="1200" b="0" i="0" kern="1200" baseline="0" dirty="0" smtClean="0">
+                <a:solidFill>
+                  <a:schemeClr val="tx1"/>
+                </a:solidFill>
+                <a:effectLst/>
+                <a:latin typeface="+mn-lt"/>
+                <a:ea typeface="+mn-ea"/>
+                <a:cs typeface="+mn-cs"/>
+              </a:rPr>
+              <a:t>cookie </a:t>
+            </a:r>
+            <a:r>
+              <a:rPr lang="ko-KR" altLang="en-US" sz="1200" b="0" i="0" kern="1200" baseline="0" dirty="0" smtClean="0">
+                <a:solidFill>
+                  <a:schemeClr val="tx1"/>
+                </a:solidFill>
+                <a:effectLst/>
+                <a:latin typeface="+mn-lt"/>
+                <a:ea typeface="+mn-ea"/>
+                <a:cs typeface="+mn-cs"/>
+              </a:rPr>
+              <a:t>담기로 했고</a:t>
+            </a:r>
+            <a:endParaRPr lang="en-US" altLang="ko-KR" sz="1200" b="0" i="0" kern="1200" baseline="0" dirty="0" smtClean="0">
+              <a:solidFill>
+                <a:schemeClr val="tx1"/>
+              </a:solidFill>
+              <a:effectLst/>
+              <a:latin typeface="+mn-lt"/>
+              <a:ea typeface="+mn-ea"/>
+              <a:cs typeface="+mn-cs"/>
+            </a:endParaRPr>
+          </a:p>
+          <a:p>
+            <a:pPr marL="0" marR="0" indent="0" algn="l" defTabSz="914400" rtl="0" eaLnBrk="1" fontAlgn="auto" latinLnBrk="1" hangingPunct="1">
+              <a:lnSpc>
+                <a:spcPct val="100000"/>
+              </a:lnSpc>
+              <a:spcBef>
+                <a:spcPts val="0"/>
+              </a:spcBef>
+              <a:spcAft>
+                <a:spcPts val="0"/>
+              </a:spcAft>
+              <a:buClrTx/>
+              <a:buSzTx/>
+              <a:buFontTx/>
+              <a:buNone/>
+              <a:tabLst/>
+              <a:defRPr/>
+            </a:pPr>
+            <a:r>
+              <a:rPr lang="en-US" altLang="ko-KR" sz="1200" b="0" i="0" kern="1200" baseline="0" dirty="0" smtClean="0">
+                <a:solidFill>
+                  <a:schemeClr val="tx1"/>
+                </a:solidFill>
+                <a:effectLst/>
+                <a:latin typeface="+mn-lt"/>
+                <a:ea typeface="+mn-ea"/>
+                <a:cs typeface="+mn-cs"/>
+              </a:rPr>
+              <a:t>Header </a:t>
+            </a:r>
+            <a:r>
+              <a:rPr lang="ko-KR" altLang="en-US" sz="1200" b="0" i="0" kern="1200" baseline="0" dirty="0" smtClean="0">
+                <a:solidFill>
+                  <a:schemeClr val="tx1"/>
+                </a:solidFill>
+                <a:effectLst/>
+                <a:latin typeface="+mn-lt"/>
+                <a:ea typeface="+mn-ea"/>
+                <a:cs typeface="+mn-cs"/>
+              </a:rPr>
+              <a:t>에 담아서 </a:t>
+            </a:r>
+            <a:r>
+              <a:rPr lang="ko-KR" altLang="en-US" sz="1200" b="0" i="0" kern="1200" baseline="0" dirty="0" err="1" smtClean="0">
+                <a:solidFill>
+                  <a:schemeClr val="tx1"/>
+                </a:solidFill>
+                <a:effectLst/>
+                <a:latin typeface="+mn-lt"/>
+                <a:ea typeface="+mn-ea"/>
+                <a:cs typeface="+mn-cs"/>
+              </a:rPr>
+              <a:t>줄경오</a:t>
+            </a:r>
+            <a:r>
+              <a:rPr lang="ko-KR" altLang="en-US" sz="1200" b="0" i="0" kern="1200" baseline="0" dirty="0" smtClean="0">
+                <a:solidFill>
+                  <a:schemeClr val="tx1"/>
+                </a:solidFill>
+                <a:effectLst/>
+                <a:latin typeface="+mn-lt"/>
+                <a:ea typeface="+mn-ea"/>
+                <a:cs typeface="+mn-cs"/>
+              </a:rPr>
+              <a:t> </a:t>
+            </a:r>
+            <a:r>
+              <a:rPr lang="en-US" altLang="ko-KR" sz="1200" b="0" i="0" kern="1200" baseline="0" dirty="0" smtClean="0">
+                <a:solidFill>
+                  <a:schemeClr val="tx1"/>
+                </a:solidFill>
+                <a:effectLst/>
+                <a:latin typeface="+mn-lt"/>
+                <a:ea typeface="+mn-ea"/>
+                <a:cs typeface="+mn-cs"/>
+              </a:rPr>
+              <a:t>front </a:t>
+            </a:r>
+            <a:r>
+              <a:rPr lang="ko-KR" altLang="en-US" sz="1200" b="0" i="0" kern="1200" baseline="0" dirty="0" smtClean="0">
+                <a:solidFill>
+                  <a:schemeClr val="tx1"/>
+                </a:solidFill>
+                <a:effectLst/>
+                <a:latin typeface="+mn-lt"/>
+                <a:ea typeface="+mn-ea"/>
+                <a:cs typeface="+mn-cs"/>
+              </a:rPr>
+              <a:t>에서는 별도에 장소에 보관해서 매번 </a:t>
+            </a:r>
+            <a:r>
+              <a:rPr lang="en-US" altLang="ko-KR" sz="1200" b="0" i="0" kern="1200" baseline="0" dirty="0" err="1" smtClean="0">
+                <a:solidFill>
+                  <a:schemeClr val="tx1"/>
+                </a:solidFill>
+                <a:effectLst/>
+                <a:latin typeface="+mn-lt"/>
+                <a:ea typeface="+mn-ea"/>
+                <a:cs typeface="+mn-cs"/>
+              </a:rPr>
+              <a:t>api</a:t>
+            </a:r>
+            <a:r>
+              <a:rPr lang="en-US" altLang="ko-KR" sz="1200" b="0" i="0" kern="1200" baseline="0" dirty="0" smtClean="0">
+                <a:solidFill>
+                  <a:schemeClr val="tx1"/>
+                </a:solidFill>
+                <a:effectLst/>
+                <a:latin typeface="+mn-lt"/>
+                <a:ea typeface="+mn-ea"/>
+                <a:cs typeface="+mn-cs"/>
+              </a:rPr>
+              <a:t> </a:t>
+            </a:r>
+            <a:r>
+              <a:rPr lang="ko-KR" altLang="en-US" sz="1200" b="0" i="0" kern="1200" baseline="0" dirty="0" smtClean="0">
+                <a:solidFill>
+                  <a:schemeClr val="tx1"/>
+                </a:solidFill>
+                <a:effectLst/>
+                <a:latin typeface="+mn-lt"/>
+                <a:ea typeface="+mn-ea"/>
+                <a:cs typeface="+mn-cs"/>
+              </a:rPr>
+              <a:t>요청마다 </a:t>
+            </a:r>
+            <a:r>
+              <a:rPr lang="en-US" altLang="ko-KR" sz="1200" b="0" i="0" kern="1200" baseline="0" dirty="0" smtClean="0">
+                <a:solidFill>
+                  <a:schemeClr val="tx1"/>
+                </a:solidFill>
+                <a:effectLst/>
+                <a:latin typeface="+mn-lt"/>
+                <a:ea typeface="+mn-ea"/>
+                <a:cs typeface="+mn-cs"/>
+              </a:rPr>
+              <a:t>header </a:t>
+            </a:r>
+            <a:r>
+              <a:rPr lang="ko-KR" altLang="en-US" sz="1200" b="0" i="0" kern="1200" baseline="0" dirty="0" smtClean="0">
+                <a:solidFill>
+                  <a:schemeClr val="tx1"/>
+                </a:solidFill>
+                <a:effectLst/>
+                <a:latin typeface="+mn-lt"/>
+                <a:ea typeface="+mn-ea"/>
+                <a:cs typeface="+mn-cs"/>
+              </a:rPr>
+              <a:t>에 </a:t>
+            </a:r>
+            <a:r>
+              <a:rPr lang="ko-KR" altLang="en-US" sz="1200" b="0" i="0" kern="1200" baseline="0" dirty="0" err="1" smtClean="0">
+                <a:solidFill>
+                  <a:schemeClr val="tx1"/>
+                </a:solidFill>
+                <a:effectLst/>
+                <a:latin typeface="+mn-lt"/>
+                <a:ea typeface="+mn-ea"/>
+                <a:cs typeface="+mn-cs"/>
+              </a:rPr>
+              <a:t>붙어야되는데</a:t>
+            </a:r>
+            <a:r>
+              <a:rPr lang="ko-KR" altLang="en-US" sz="1200" b="0" i="0" kern="1200" baseline="0" dirty="0" smtClean="0">
+                <a:solidFill>
+                  <a:schemeClr val="tx1"/>
+                </a:solidFill>
+                <a:effectLst/>
+                <a:latin typeface="+mn-lt"/>
+                <a:ea typeface="+mn-ea"/>
+                <a:cs typeface="+mn-cs"/>
+              </a:rPr>
+              <a:t> </a:t>
+            </a:r>
+            <a:r>
+              <a:rPr lang="en-US" altLang="ko-KR" sz="1200" b="0" i="0" kern="1200" baseline="0" dirty="0" err="1" smtClean="0">
+                <a:solidFill>
+                  <a:schemeClr val="tx1"/>
+                </a:solidFill>
+                <a:effectLst/>
+                <a:latin typeface="+mn-lt"/>
+                <a:ea typeface="+mn-ea"/>
+                <a:cs typeface="+mn-cs"/>
+              </a:rPr>
+              <a:t>localstroage</a:t>
+            </a:r>
+            <a:r>
+              <a:rPr lang="ko-KR" altLang="en-US" sz="1200" b="0" i="0" kern="1200" baseline="0" dirty="0" smtClean="0">
+                <a:solidFill>
+                  <a:schemeClr val="tx1"/>
+                </a:solidFill>
+                <a:effectLst/>
+                <a:latin typeface="+mn-lt"/>
+                <a:ea typeface="+mn-ea"/>
+                <a:cs typeface="+mn-cs"/>
+              </a:rPr>
+              <a:t>는 보안에 </a:t>
+            </a:r>
+            <a:r>
+              <a:rPr lang="ko-KR" altLang="en-US" sz="1200" b="0" i="0" kern="1200" baseline="0" dirty="0" err="1" smtClean="0">
+                <a:solidFill>
+                  <a:schemeClr val="tx1"/>
+                </a:solidFill>
+                <a:effectLst/>
+                <a:latin typeface="+mn-lt"/>
+                <a:ea typeface="+mn-ea"/>
+                <a:cs typeface="+mn-cs"/>
+              </a:rPr>
+              <a:t>취약했기떄문에</a:t>
+            </a:r>
+            <a:r>
+              <a:rPr lang="ko-KR" altLang="en-US" sz="1200" b="0" i="0" kern="1200" baseline="0" dirty="0" smtClean="0">
+                <a:solidFill>
+                  <a:schemeClr val="tx1"/>
+                </a:solidFill>
+                <a:effectLst/>
+                <a:latin typeface="+mn-lt"/>
+                <a:ea typeface="+mn-ea"/>
+                <a:cs typeface="+mn-cs"/>
+              </a:rPr>
+              <a:t> </a:t>
+            </a:r>
+            <a:r>
+              <a:rPr lang="en-US" altLang="ko-KR" sz="1200" b="0" i="0" kern="1200" baseline="0" dirty="0" smtClean="0">
+                <a:solidFill>
+                  <a:schemeClr val="tx1"/>
+                </a:solidFill>
+                <a:effectLst/>
+                <a:latin typeface="+mn-lt"/>
+                <a:ea typeface="+mn-ea"/>
+                <a:cs typeface="+mn-cs"/>
+              </a:rPr>
+              <a:t>cookie</a:t>
+            </a:r>
+            <a:r>
+              <a:rPr lang="ko-KR" altLang="en-US" sz="1200" b="0" i="0" kern="1200" baseline="0" dirty="0" smtClean="0">
+                <a:solidFill>
+                  <a:schemeClr val="tx1"/>
+                </a:solidFill>
+                <a:effectLst/>
+                <a:latin typeface="+mn-lt"/>
+                <a:ea typeface="+mn-ea"/>
+                <a:cs typeface="+mn-cs"/>
+              </a:rPr>
+              <a:t>에 담기로 결정하였습니다</a:t>
+            </a:r>
+            <a:r>
+              <a:rPr lang="en-US" altLang="ko-KR" sz="1200" b="0" i="0" kern="1200" baseline="0" dirty="0" smtClean="0">
+                <a:solidFill>
+                  <a:schemeClr val="tx1"/>
+                </a:solidFill>
+                <a:effectLst/>
+                <a:latin typeface="+mn-lt"/>
+                <a:ea typeface="+mn-ea"/>
+                <a:cs typeface="+mn-cs"/>
+              </a:rPr>
+              <a:t>.</a:t>
+            </a:r>
+          </a:p>
+          <a:p>
+            <a:pPr marL="0" marR="0" indent="0" algn="l" defTabSz="914400" rtl="0" eaLnBrk="1" fontAlgn="auto" latinLnBrk="1" hangingPunct="1">
+              <a:lnSpc>
+                <a:spcPct val="100000"/>
+              </a:lnSpc>
+              <a:spcBef>
+                <a:spcPts val="0"/>
+              </a:spcBef>
+              <a:spcAft>
+                <a:spcPts val="0"/>
+              </a:spcAft>
+              <a:buClrTx/>
+              <a:buSzTx/>
+              <a:buFontTx/>
+              <a:buNone/>
+              <a:tabLst/>
+              <a:defRPr/>
+            </a:pPr>
+            <a:endParaRPr lang="en-US" altLang="ko-KR" sz="1200" b="0" i="0" kern="1200" baseline="0" dirty="0" smtClean="0">
+              <a:solidFill>
+                <a:schemeClr val="tx1"/>
+              </a:solidFill>
+              <a:effectLst/>
+              <a:latin typeface="+mn-lt"/>
+              <a:ea typeface="+mn-ea"/>
+              <a:cs typeface="+mn-cs"/>
+            </a:endParaRPr>
+          </a:p>
+          <a:p>
+            <a:pPr marL="0" marR="0" indent="0" algn="l" defTabSz="914400" rtl="0" eaLnBrk="1" fontAlgn="auto" latinLnBrk="1" hangingPunct="1">
+              <a:lnSpc>
+                <a:spcPct val="100000"/>
+              </a:lnSpc>
+              <a:spcBef>
+                <a:spcPts val="0"/>
+              </a:spcBef>
+              <a:spcAft>
+                <a:spcPts val="0"/>
+              </a:spcAft>
+              <a:buClrTx/>
+              <a:buSzTx/>
+              <a:buFontTx/>
+              <a:buNone/>
+              <a:tabLst/>
+              <a:defRPr/>
+            </a:pPr>
+            <a:r>
+              <a:rPr lang="ko-KR" altLang="en-US" sz="1200" b="0" i="0" kern="1200" baseline="0" dirty="0" smtClean="0">
+                <a:solidFill>
+                  <a:schemeClr val="tx1"/>
+                </a:solidFill>
+                <a:effectLst/>
+                <a:latin typeface="+mn-lt"/>
+                <a:ea typeface="+mn-ea"/>
+                <a:cs typeface="+mn-cs"/>
+              </a:rPr>
+              <a:t>쿠키를 사용하면서도 보안부분에 있어 </a:t>
+            </a:r>
+            <a:r>
+              <a:rPr lang="en-US" altLang="ko-KR" sz="1200" b="0" i="0" kern="1200" baseline="0" dirty="0" smtClean="0">
+                <a:solidFill>
+                  <a:schemeClr val="tx1"/>
+                </a:solidFill>
+                <a:effectLst/>
+                <a:latin typeface="+mn-lt"/>
+                <a:ea typeface="+mn-ea"/>
+                <a:cs typeface="+mn-cs"/>
+              </a:rPr>
+              <a:t>http only </a:t>
+            </a:r>
+            <a:r>
+              <a:rPr lang="ko-KR" altLang="en-US" sz="1200" b="0" i="0" kern="1200" baseline="0" dirty="0" smtClean="0">
+                <a:solidFill>
+                  <a:schemeClr val="tx1"/>
+                </a:solidFill>
+                <a:effectLst/>
+                <a:latin typeface="+mn-lt"/>
+                <a:ea typeface="+mn-ea"/>
+                <a:cs typeface="+mn-cs"/>
+              </a:rPr>
+              <a:t>속성을 사용해주어서 </a:t>
+            </a:r>
+            <a:r>
+              <a:rPr lang="en-US" altLang="ko-KR" sz="1200" b="0" i="0" kern="1200" baseline="0" dirty="0" err="1" smtClean="0">
+                <a:solidFill>
+                  <a:schemeClr val="tx1"/>
+                </a:solidFill>
+                <a:effectLst/>
+                <a:latin typeface="+mn-lt"/>
+                <a:ea typeface="+mn-ea"/>
+                <a:cs typeface="+mn-cs"/>
+              </a:rPr>
+              <a:t>javascript</a:t>
+            </a:r>
+            <a:r>
+              <a:rPr lang="en-US" altLang="ko-KR" sz="1200" b="0" i="0" kern="1200" baseline="0" dirty="0" smtClean="0">
+                <a:solidFill>
+                  <a:schemeClr val="tx1"/>
+                </a:solidFill>
+                <a:effectLst/>
+                <a:latin typeface="+mn-lt"/>
+                <a:ea typeface="+mn-ea"/>
+                <a:cs typeface="+mn-cs"/>
+              </a:rPr>
+              <a:t> </a:t>
+            </a:r>
+            <a:r>
+              <a:rPr lang="ko-KR" altLang="en-US" sz="1200" b="0" i="0" kern="1200" baseline="0" dirty="0" smtClean="0">
+                <a:solidFill>
+                  <a:schemeClr val="tx1"/>
+                </a:solidFill>
+                <a:effectLst/>
+                <a:latin typeface="+mn-lt"/>
+                <a:ea typeface="+mn-ea"/>
+                <a:cs typeface="+mn-cs"/>
+              </a:rPr>
+              <a:t>로는 접근이 불가능하게 해 조금은 안전하게 </a:t>
+            </a:r>
+            <a:r>
+              <a:rPr lang="ko-KR" altLang="en-US" sz="1200" b="0" i="0" kern="1200" baseline="0" dirty="0" err="1" smtClean="0">
+                <a:solidFill>
+                  <a:schemeClr val="tx1"/>
+                </a:solidFill>
+                <a:effectLst/>
+                <a:latin typeface="+mn-lt"/>
+                <a:ea typeface="+mn-ea"/>
+                <a:cs typeface="+mn-cs"/>
+              </a:rPr>
+              <a:t>쓸수있또록</a:t>
+            </a:r>
+            <a:r>
+              <a:rPr lang="ko-KR" altLang="en-US" sz="1200" b="0" i="0" kern="1200" baseline="0" dirty="0" smtClean="0">
+                <a:solidFill>
+                  <a:schemeClr val="tx1"/>
+                </a:solidFill>
+                <a:effectLst/>
+                <a:latin typeface="+mn-lt"/>
+                <a:ea typeface="+mn-ea"/>
+                <a:cs typeface="+mn-cs"/>
+              </a:rPr>
+              <a:t> </a:t>
+            </a:r>
+            <a:r>
+              <a:rPr lang="ko-KR" altLang="en-US" sz="1200" b="0" i="0" kern="1200" baseline="0" dirty="0" err="1" smtClean="0">
+                <a:solidFill>
+                  <a:schemeClr val="tx1"/>
+                </a:solidFill>
+                <a:effectLst/>
+                <a:latin typeface="+mn-lt"/>
+                <a:ea typeface="+mn-ea"/>
+                <a:cs typeface="+mn-cs"/>
+              </a:rPr>
+              <a:t>고료했고</a:t>
+            </a:r>
+            <a:endParaRPr lang="en-US" altLang="ko-KR" sz="1200" b="0" i="0" kern="1200" baseline="0" dirty="0" smtClean="0">
+              <a:solidFill>
+                <a:schemeClr val="tx1"/>
+              </a:solidFill>
+              <a:effectLst/>
+              <a:latin typeface="+mn-lt"/>
+              <a:ea typeface="+mn-ea"/>
+              <a:cs typeface="+mn-cs"/>
+            </a:endParaRPr>
+          </a:p>
+          <a:p>
+            <a:pPr marL="0" marR="0" indent="0" algn="l" defTabSz="914400" rtl="0" eaLnBrk="1" fontAlgn="auto" latinLnBrk="1" hangingPunct="1">
+              <a:lnSpc>
+                <a:spcPct val="100000"/>
+              </a:lnSpc>
+              <a:spcBef>
+                <a:spcPts val="0"/>
+              </a:spcBef>
+              <a:spcAft>
+                <a:spcPts val="0"/>
+              </a:spcAft>
+              <a:buClrTx/>
+              <a:buSzTx/>
+              <a:buFontTx/>
+              <a:buNone/>
+              <a:tabLst/>
+              <a:defRPr/>
+            </a:pPr>
+            <a:r>
+              <a:rPr lang="ko-KR" altLang="en-US" dirty="0" smtClean="0"/>
+              <a:t>향후 </a:t>
+            </a:r>
+            <a:r>
+              <a:rPr lang="en-US" altLang="ko-KR" dirty="0" smtClean="0"/>
+              <a:t>token</a:t>
+            </a:r>
+            <a:r>
+              <a:rPr lang="en-US" altLang="ko-KR" baseline="0" dirty="0" smtClean="0"/>
+              <a:t> </a:t>
+            </a:r>
+            <a:r>
+              <a:rPr lang="ko-KR" altLang="en-US" baseline="0" dirty="0" smtClean="0"/>
+              <a:t>탈취 와 같은 부분을 위해서는 </a:t>
+            </a:r>
+            <a:r>
+              <a:rPr lang="ko-KR" altLang="en-US" dirty="0" smtClean="0"/>
+              <a:t>수명을 줄이고 </a:t>
+            </a:r>
+            <a:r>
+              <a:rPr lang="en-US" altLang="ko-KR" dirty="0" smtClean="0"/>
+              <a:t>refresh token</a:t>
+            </a:r>
+            <a:r>
+              <a:rPr lang="ko-KR" altLang="en-US" dirty="0" smtClean="0"/>
+              <a:t>과 </a:t>
+            </a:r>
+            <a:r>
+              <a:rPr lang="ko-KR" altLang="en-US" dirty="0" err="1" smtClean="0"/>
+              <a:t>같은거</a:t>
+            </a:r>
+            <a:r>
+              <a:rPr lang="ko-KR" altLang="en-US" dirty="0" smtClean="0"/>
+              <a:t> 도입 필요</a:t>
+            </a:r>
+            <a:endParaRPr lang="en-US" altLang="ko-KR" dirty="0" smtClean="0"/>
+          </a:p>
+          <a:p>
+            <a:pPr marL="0" marR="0" indent="0" algn="l" defTabSz="914400" rtl="0" eaLnBrk="1" fontAlgn="auto" latinLnBrk="1" hangingPunct="1">
+              <a:lnSpc>
+                <a:spcPct val="100000"/>
+              </a:lnSpc>
+              <a:spcBef>
+                <a:spcPts val="0"/>
+              </a:spcBef>
+              <a:spcAft>
+                <a:spcPts val="0"/>
+              </a:spcAft>
+              <a:buClrTx/>
+              <a:buSzTx/>
+              <a:buFontTx/>
+              <a:buNone/>
+              <a:tabLst/>
+              <a:defRPr/>
+            </a:pPr>
+            <a:endParaRPr lang="en-US" altLang="ko-KR" sz="1200" b="0" i="0" kern="1200" baseline="0" dirty="0" smtClean="0">
+              <a:solidFill>
+                <a:schemeClr val="tx1"/>
+              </a:solidFill>
+              <a:effectLst/>
+              <a:latin typeface="+mn-lt"/>
+              <a:ea typeface="+mn-ea"/>
+              <a:cs typeface="+mn-cs"/>
+            </a:endParaRPr>
+          </a:p>
+          <a:p>
+            <a:endParaRPr lang="en-US" altLang="ko-KR" baseline="0" dirty="0" smtClean="0"/>
+          </a:p>
+          <a:p>
+            <a:r>
+              <a:rPr lang="en-US" altLang="ko-KR" dirty="0" err="1" smtClean="0"/>
+              <a:t>Xss</a:t>
+            </a:r>
+            <a:r>
+              <a:rPr lang="en-US" altLang="ko-KR" dirty="0" smtClean="0"/>
+              <a:t> </a:t>
+            </a:r>
+            <a:r>
+              <a:rPr lang="ko-KR" altLang="en-US" dirty="0" smtClean="0"/>
+              <a:t>보안 </a:t>
+            </a:r>
+            <a:r>
+              <a:rPr lang="en-US" altLang="ko-KR" dirty="0" smtClean="0"/>
+              <a:t>–</a:t>
+            </a:r>
+            <a:r>
+              <a:rPr lang="ko-KR" altLang="en-US" dirty="0" smtClean="0"/>
+              <a:t>변환해서 들어오냐 그리고 </a:t>
+            </a:r>
+            <a:r>
+              <a:rPr lang="en-US" altLang="ko-KR" dirty="0" smtClean="0"/>
+              <a:t>security </a:t>
+            </a:r>
+            <a:r>
+              <a:rPr lang="ko-KR" altLang="en-US" dirty="0" smtClean="0"/>
+              <a:t>보다 먼저 </a:t>
+            </a:r>
+            <a:r>
+              <a:rPr lang="en-US" altLang="ko-KR" dirty="0" smtClean="0"/>
+              <a:t>filter</a:t>
+            </a:r>
+            <a:r>
+              <a:rPr lang="ko-KR" altLang="en-US" dirty="0" smtClean="0"/>
               <a:t>에 걸리냐</a:t>
             </a:r>
             <a:r>
@@ -5349,6 +5606,97 @@
               <a:t>? </a:t>
             </a:r>
             <a:r>
+              <a:rPr lang="ko-KR" altLang="en-US" dirty="0" err="1" smtClean="0"/>
+              <a:t>필터가먼저</a:t>
+            </a:r>
+            <a:r>
+              <a:rPr lang="ko-KR" altLang="en-US" dirty="0" smtClean="0"/>
+              <a:t> </a:t>
+            </a:r>
+            <a:r>
+              <a:rPr lang="ko-KR" altLang="en-US" dirty="0" err="1" smtClean="0"/>
+              <a:t>그후</a:t>
+            </a:r>
+            <a:r>
+              <a:rPr lang="ko-KR" altLang="en-US" dirty="0" smtClean="0"/>
+              <a:t> 에 </a:t>
+            </a:r>
+            <a:r>
+              <a:rPr lang="en-US" altLang="ko-KR" dirty="0" err="1" smtClean="0"/>
+              <a:t>covnerter</a:t>
+            </a:r>
+            <a:r>
+              <a:rPr lang="en-US" altLang="ko-KR" dirty="0" smtClean="0"/>
+              <a:t> </a:t>
+            </a:r>
+            <a:r>
+              <a:rPr lang="ko-KR" altLang="en-US" dirty="0" smtClean="0"/>
+              <a:t>현재상황에서는 </a:t>
+            </a:r>
+            <a:r>
+              <a:rPr lang="en-US" altLang="ko-KR" dirty="0" smtClean="0"/>
+              <a:t>response </a:t>
+            </a:r>
+            <a:r>
+              <a:rPr lang="ko-KR" altLang="en-US" dirty="0" err="1" smtClean="0"/>
+              <a:t>할떄</a:t>
+            </a:r>
+            <a:r>
+              <a:rPr lang="ko-KR" altLang="en-US" dirty="0" smtClean="0"/>
+              <a:t> </a:t>
+            </a:r>
+            <a:r>
+              <a:rPr lang="en-US" altLang="ko-KR" dirty="0" smtClean="0"/>
+              <a:t>object</a:t>
+            </a:r>
+            <a:r>
+              <a:rPr lang="en-US" altLang="ko-KR" baseline="0" dirty="0" smtClean="0"/>
+              <a:t> </a:t>
+            </a:r>
+            <a:r>
+              <a:rPr lang="ko-KR" altLang="en-US" baseline="0" dirty="0" smtClean="0"/>
+              <a:t>에서 </a:t>
+            </a:r>
+            <a:r>
+              <a:rPr lang="en-US" altLang="ko-KR" baseline="0" dirty="0" err="1" smtClean="0"/>
+              <a:t>json</a:t>
+            </a:r>
+            <a:r>
+              <a:rPr lang="en-US" altLang="ko-KR" baseline="0" dirty="0" smtClean="0"/>
+              <a:t> </a:t>
+            </a:r>
+            <a:r>
+              <a:rPr lang="ko-KR" altLang="en-US" baseline="0" dirty="0" err="1" smtClean="0"/>
+              <a:t>변경시에</a:t>
+            </a:r>
+            <a:r>
+              <a:rPr lang="ko-KR" altLang="en-US" baseline="0" dirty="0" smtClean="0"/>
+              <a:t> </a:t>
+            </a:r>
+            <a:r>
+              <a:rPr lang="en-US" altLang="ko-KR" baseline="0" dirty="0" smtClean="0"/>
+              <a:t>converter </a:t>
+            </a:r>
+            <a:r>
+              <a:rPr lang="ko-KR" altLang="en-US" baseline="0" dirty="0" smtClean="0"/>
+              <a:t>적용됨</a:t>
+            </a:r>
+            <a:endParaRPr lang="ko-KR" altLang="en-US" dirty="0" smtClean="0"/>
+          </a:p>
+          <a:p>
+            <a:r>
+              <a:rPr lang="ko-KR" altLang="en-US" dirty="0" smtClean="0"/>
+              <a:t> </a:t>
+            </a:r>
+            <a:r>
+              <a:rPr lang="ko-KR" altLang="en-US" dirty="0" smtClean="0"/>
+              <a:t>걸리냐</a:t>
+            </a:r>
+            <a:r>
+              <a:rPr lang="en-US" altLang="ko-KR" dirty="0" smtClean="0"/>
+              <a:t>? </a:t>
+            </a:r>
+            <a:r>
               <a:rPr lang="ko-KR" altLang="en-US" dirty="0" smtClean="0"/>
               <a:t>필터가먼저 그후 에 </a:t>
             </a:r>
@@ -5408,7 +5756,276 @@
               <a:rPr lang="ko-KR" altLang="en-US" baseline="0" dirty="0" smtClean="0"/>
               <a:t>적용됨</a:t>
             </a:r>
-            <a:endParaRPr lang="ko-KR" altLang="en-US" dirty="0"/>
+            <a:endParaRPr lang="en-US" altLang="ko-KR" baseline="0" dirty="0" smtClean="0"/>
+          </a:p>
+          <a:p>
+            <a:endParaRPr lang="en-US" altLang="ko-KR" baseline="0" dirty="0" smtClean="0"/>
+          </a:p>
+          <a:p>
+            <a:r>
+              <a:rPr lang="ko-KR" altLang="en-US" baseline="0" dirty="0" smtClean="0"/>
+              <a:t>하지만 </a:t>
+            </a:r>
+            <a:r>
+              <a:rPr lang="en-US" altLang="ko-KR" baseline="0" dirty="0" smtClean="0"/>
+              <a:t>parameter </a:t>
+            </a:r>
+            <a:r>
+              <a:rPr lang="ko-KR" altLang="en-US" baseline="0" dirty="0" err="1" smtClean="0"/>
+              <a:t>넘오오느</a:t>
+            </a:r>
+            <a:r>
+              <a:rPr lang="ko-KR" altLang="en-US" baseline="0" dirty="0" smtClean="0"/>
+              <a:t> </a:t>
+            </a:r>
+            <a:r>
+              <a:rPr lang="ko-KR" altLang="en-US" baseline="0" dirty="0" err="1" smtClean="0"/>
+              <a:t>값에대한</a:t>
+            </a:r>
+            <a:r>
+              <a:rPr lang="ko-KR" altLang="en-US" baseline="0" dirty="0" smtClean="0"/>
+              <a:t> 대비는 아직 </a:t>
+            </a:r>
+            <a:r>
+              <a:rPr lang="ko-KR" altLang="en-US" baseline="0" dirty="0" err="1" smtClean="0"/>
+              <a:t>없기떄문에</a:t>
+            </a:r>
+            <a:r>
+              <a:rPr lang="ko-KR" altLang="en-US" baseline="0" dirty="0" smtClean="0"/>
+              <a:t> </a:t>
+            </a:r>
+            <a:r>
+              <a:rPr lang="ko-KR" altLang="en-US" baseline="0" dirty="0" err="1" smtClean="0"/>
+              <a:t>아짂가지는</a:t>
+            </a:r>
+            <a:r>
+              <a:rPr lang="ko-KR" altLang="en-US" baseline="0" dirty="0" smtClean="0"/>
+              <a:t> </a:t>
+            </a:r>
+            <a:r>
+              <a:rPr lang="en-US" altLang="ko-KR" baseline="0" dirty="0" err="1" smtClean="0"/>
+              <a:t>json</a:t>
+            </a:r>
+            <a:r>
+              <a:rPr lang="en-US" altLang="ko-KR" baseline="0" dirty="0" smtClean="0"/>
+              <a:t> </a:t>
+            </a:r>
+            <a:r>
+              <a:rPr lang="ko-KR" altLang="en-US" baseline="0" dirty="0" smtClean="0"/>
+              <a:t>으로 </a:t>
+            </a:r>
+            <a:r>
+              <a:rPr lang="ko-KR" altLang="en-US" baseline="0" dirty="0" err="1" smtClean="0"/>
+              <a:t>욧ㅇ청</a:t>
+            </a:r>
+            <a:r>
+              <a:rPr lang="ko-KR" altLang="en-US" baseline="0" dirty="0" smtClean="0"/>
+              <a:t> 하고 응답하는 </a:t>
+            </a:r>
+            <a:r>
+              <a:rPr lang="ko-KR" altLang="en-US" baseline="0" dirty="0" err="1" smtClean="0"/>
+              <a:t>중심이었기떄문에</a:t>
+            </a:r>
+            <a:r>
+              <a:rPr lang="ko-KR" altLang="en-US" baseline="0" dirty="0" smtClean="0"/>
+              <a:t> 적용을 </a:t>
+            </a:r>
+            <a:r>
+              <a:rPr lang="ko-KR" altLang="en-US" baseline="0" dirty="0" err="1" smtClean="0"/>
+              <a:t>안해지만</a:t>
+            </a:r>
+            <a:endParaRPr lang="en-US" altLang="ko-KR" baseline="0" dirty="0" smtClean="0"/>
+          </a:p>
+          <a:p>
+            <a:r>
+              <a:rPr lang="ko-KR" altLang="en-US" baseline="0" dirty="0" err="1" smtClean="0"/>
+              <a:t>네이버</a:t>
+            </a:r>
+            <a:r>
+              <a:rPr lang="ko-KR" altLang="en-US" baseline="0" dirty="0" smtClean="0"/>
+              <a:t> 에서 만든</a:t>
+            </a:r>
+            <a:r>
+              <a:rPr lang="en-US" altLang="ko-KR" sz="1200" b="0" i="0" kern="1200" dirty="0" smtClean="0">
+                <a:solidFill>
+                  <a:schemeClr val="tx1"/>
+                </a:solidFill>
+                <a:effectLst/>
+                <a:latin typeface="+mn-lt"/>
+                <a:ea typeface="+mn-ea"/>
+                <a:cs typeface="+mn-cs"/>
+              </a:rPr>
+              <a:t>Lucy-</a:t>
+            </a:r>
+            <a:r>
+              <a:rPr lang="en-US" altLang="ko-KR" sz="1200" b="0" i="0" kern="1200" dirty="0" err="1" smtClean="0">
+                <a:solidFill>
+                  <a:schemeClr val="tx1"/>
+                </a:solidFill>
+                <a:effectLst/>
+                <a:latin typeface="+mn-lt"/>
+                <a:ea typeface="+mn-ea"/>
+                <a:cs typeface="+mn-cs"/>
+              </a:rPr>
+              <a:t>Xss</a:t>
+            </a:r>
+            <a:r>
+              <a:rPr lang="en-US" altLang="ko-KR" sz="1200" b="0" i="0" kern="1200" dirty="0" smtClean="0">
+                <a:solidFill>
+                  <a:schemeClr val="tx1"/>
+                </a:solidFill>
+                <a:effectLst/>
+                <a:latin typeface="+mn-lt"/>
+                <a:ea typeface="+mn-ea"/>
+                <a:cs typeface="+mn-cs"/>
+              </a:rPr>
+              <a:t>-Servlet-Filter</a:t>
+            </a:r>
+            <a:r>
+              <a:rPr lang="ko-KR" altLang="en-US" sz="1200" b="0" i="0" kern="1200" dirty="0" smtClean="0">
+                <a:solidFill>
+                  <a:schemeClr val="tx1"/>
+                </a:solidFill>
+                <a:effectLst/>
+                <a:latin typeface="+mn-lt"/>
+                <a:ea typeface="+mn-ea"/>
+                <a:cs typeface="+mn-cs"/>
+              </a:rPr>
+              <a:t>는 </a:t>
+            </a:r>
+            <a:r>
+              <a:rPr lang="ko-KR" altLang="en-US" sz="1200" b="0" i="0" kern="1200" dirty="0" err="1" smtClean="0">
+                <a:solidFill>
+                  <a:schemeClr val="tx1"/>
+                </a:solidFill>
+                <a:effectLst/>
+                <a:latin typeface="+mn-lt"/>
+                <a:ea typeface="+mn-ea"/>
+                <a:cs typeface="+mn-cs"/>
+              </a:rPr>
+              <a:t>웹어플리케이션으로</a:t>
+            </a:r>
+            <a:r>
+              <a:rPr lang="ko-KR" altLang="en-US" sz="1200" b="0" i="0" kern="1200" dirty="0" smtClean="0">
+                <a:solidFill>
+                  <a:schemeClr val="tx1"/>
+                </a:solidFill>
+                <a:effectLst/>
+                <a:latin typeface="+mn-lt"/>
+                <a:ea typeface="+mn-ea"/>
+                <a:cs typeface="+mn-cs"/>
+              </a:rPr>
+              <a:t> 들어오는 모든 요청 </a:t>
+            </a:r>
+            <a:r>
+              <a:rPr lang="ko-KR" altLang="en-US" sz="1200" b="0" i="0" kern="1200" dirty="0" err="1" smtClean="0">
+                <a:solidFill>
+                  <a:schemeClr val="tx1"/>
+                </a:solidFill>
+                <a:effectLst/>
+                <a:latin typeface="+mn-lt"/>
+                <a:ea typeface="+mn-ea"/>
+                <a:cs typeface="+mn-cs"/>
+              </a:rPr>
+              <a:t>파라메터에</a:t>
+            </a:r>
+            <a:r>
+              <a:rPr lang="ko-KR" altLang="en-US" sz="1200" b="0" i="0" kern="1200" dirty="0" smtClean="0">
+                <a:solidFill>
+                  <a:schemeClr val="tx1"/>
+                </a:solidFill>
+                <a:effectLst/>
+                <a:latin typeface="+mn-lt"/>
+                <a:ea typeface="+mn-ea"/>
+                <a:cs typeface="+mn-cs"/>
+              </a:rPr>
+              <a:t> 대해 기본적으로 </a:t>
+            </a:r>
+            <a:r>
+              <a:rPr lang="en-US" altLang="ko-KR" sz="1200" b="0" i="0" kern="1200" dirty="0" smtClean="0">
+                <a:solidFill>
+                  <a:schemeClr val="tx1"/>
+                </a:solidFill>
+                <a:effectLst/>
+                <a:latin typeface="+mn-lt"/>
+                <a:ea typeface="+mn-ea"/>
+                <a:cs typeface="+mn-cs"/>
+              </a:rPr>
+              <a:t>XSS </a:t>
+            </a:r>
+            <a:r>
+              <a:rPr lang="ko-KR" altLang="en-US" sz="1200" b="0" i="0" kern="1200" dirty="0" smtClean="0">
+                <a:solidFill>
+                  <a:schemeClr val="tx1"/>
+                </a:solidFill>
+                <a:effectLst/>
+                <a:latin typeface="+mn-lt"/>
+                <a:ea typeface="+mn-ea"/>
+                <a:cs typeface="+mn-cs"/>
+              </a:rPr>
+              <a:t>방어 </a:t>
+            </a:r>
+            <a:r>
+              <a:rPr lang="ko-KR" altLang="en-US" sz="1200" b="0" i="0" kern="1200" dirty="0" err="1" smtClean="0">
+                <a:solidFill>
+                  <a:schemeClr val="tx1"/>
+                </a:solidFill>
+                <a:effectLst/>
+                <a:latin typeface="+mn-lt"/>
+                <a:ea typeface="+mn-ea"/>
+                <a:cs typeface="+mn-cs"/>
+              </a:rPr>
+              <a:t>필터링을</a:t>
+            </a:r>
+            <a:r>
+              <a:rPr lang="ko-KR" altLang="en-US" sz="1200" b="0" i="0" kern="1200" dirty="0" smtClean="0">
+                <a:solidFill>
+                  <a:schemeClr val="tx1"/>
+                </a:solidFill>
+                <a:effectLst/>
+                <a:latin typeface="+mn-lt"/>
+                <a:ea typeface="+mn-ea"/>
+                <a:cs typeface="+mn-cs"/>
+              </a:rPr>
+              <a:t> </a:t>
+            </a:r>
+            <a:r>
+              <a:rPr lang="ko-KR" altLang="en-US" sz="1200" b="0" i="0" kern="1200" dirty="0" err="1" smtClean="0">
+                <a:solidFill>
+                  <a:schemeClr val="tx1"/>
+                </a:solidFill>
+                <a:effectLst/>
+                <a:latin typeface="+mn-lt"/>
+                <a:ea typeface="+mn-ea"/>
+                <a:cs typeface="+mn-cs"/>
+              </a:rPr>
+              <a:t>수행할계획</a:t>
+            </a:r>
+            <a:r>
+              <a:rPr lang="ko-KR" altLang="en-US" sz="1200" b="0" i="0" kern="1200" dirty="0" smtClean="0">
+                <a:solidFill>
+                  <a:schemeClr val="tx1"/>
+                </a:solidFill>
+                <a:effectLst/>
+                <a:latin typeface="+mn-lt"/>
+                <a:ea typeface="+mn-ea"/>
+                <a:cs typeface="+mn-cs"/>
+              </a:rPr>
+              <a:t>  입니다</a:t>
+            </a:r>
+            <a:r>
+              <a:rPr lang="en-US" altLang="ko-KR" sz="1200" b="0" i="0" kern="1200" dirty="0" smtClean="0">
+                <a:solidFill>
+                  <a:schemeClr val="tx1"/>
+                </a:solidFill>
+                <a:effectLst/>
+                <a:latin typeface="+mn-lt"/>
+                <a:ea typeface="+mn-ea"/>
+                <a:cs typeface="+mn-cs"/>
+              </a:rPr>
+              <a:t>.</a:t>
+            </a:r>
+            <a:endParaRPr lang="en-US" altLang="ko-KR" baseline="0" dirty="0" smtClean="0"/>
           </a:p>
         </p:txBody>
       </p:sp>
@@ -5650,7 +6267,46 @@
           <a:p>
             <a:r>
               <a:rPr lang="ko-KR" altLang="en-US" dirty="0" smtClean="0"/>
-              <a:t>가장 좋았던거 혼자 만 하다가 리뷰를 통해 내가 생각 조차 하지못했던 아님 잘못 생각했던걸 바로잡고 놓치고 간게 잇느지 생가해봣는데 다시 생각할수있는 좋은 기회 였습니다</a:t>
+              <a:t>가장 좋았던거 혼자 만 하다가 리뷰를 통해 내가 생각 조차 하지못했던 아님 잘못 생각했던걸 바로잡고 놓치고 간게 </a:t>
+            </a:r>
+            <a:r>
+              <a:rPr lang="ko-KR" altLang="en-US" dirty="0" err="1" smtClean="0"/>
+              <a:t>잇느지</a:t>
+            </a:r>
+            <a:r>
+              <a:rPr lang="ko-KR" altLang="en-US" dirty="0" smtClean="0"/>
+              <a:t> </a:t>
+            </a:r>
+            <a:endParaRPr lang="en-US" altLang="ko-KR" dirty="0" smtClean="0"/>
+          </a:p>
+          <a:p>
+            <a:r>
+              <a:rPr lang="ko-KR" altLang="en-US" dirty="0" err="1" smtClean="0"/>
+              <a:t>멘토님들의질문을</a:t>
+            </a:r>
+            <a:r>
+              <a:rPr lang="ko-KR" altLang="en-US" dirty="0" smtClean="0"/>
+              <a:t> 통해서 평소에 </a:t>
+            </a:r>
+            <a:r>
+              <a:rPr lang="ko-KR" altLang="en-US" dirty="0" err="1" smtClean="0"/>
+              <a:t>맞다고</a:t>
+            </a:r>
+            <a:r>
+              <a:rPr lang="ko-KR" altLang="en-US" dirty="0" smtClean="0"/>
+              <a:t> </a:t>
+            </a:r>
+            <a:r>
+              <a:rPr lang="ko-KR" altLang="en-US" dirty="0" err="1" smtClean="0"/>
+              <a:t>생각햇던</a:t>
+            </a:r>
+            <a:r>
+              <a:rPr lang="ko-KR" altLang="en-US" dirty="0" smtClean="0"/>
+              <a:t> 부분도 다시 </a:t>
+            </a:r>
+            <a:r>
+              <a:rPr lang="ko-KR" altLang="en-US" dirty="0" smtClean="0"/>
+              <a:t>생각할수있는 좋은 기회 였습니다</a:t>
             </a:r>
             <a:r>
               <a:rPr lang="en-US" altLang="ko-KR" dirty="0" smtClean="0"/>
@@ -5677,7 +6333,82 @@
           <a:p>
             <a:r>
               <a:rPr lang="ko-KR" altLang="en-US" dirty="0" smtClean="0"/>
-              <a:t>설계 부터 어려웠다 프론트는 비록 </a:t>
+              <a:t>설계 부터 어려웠다 </a:t>
+            </a:r>
+            <a:endParaRPr lang="en-US" altLang="ko-KR" dirty="0" smtClean="0"/>
+          </a:p>
+          <a:p>
+            <a:r>
+              <a:rPr lang="ko-KR" altLang="en-US" dirty="0" smtClean="0"/>
+              <a:t>단순히 </a:t>
+            </a:r>
+            <a:r>
+              <a:rPr lang="ko-KR" altLang="en-US" dirty="0" err="1" smtClean="0"/>
+              <a:t>트거정</a:t>
+            </a:r>
+            <a:r>
+              <a:rPr lang="ko-KR" altLang="en-US" dirty="0" smtClean="0"/>
+              <a:t> 기능을 </a:t>
+            </a:r>
+            <a:r>
+              <a:rPr lang="ko-KR" altLang="en-US" dirty="0" err="1" smtClean="0"/>
+              <a:t>만드는게</a:t>
+            </a:r>
+            <a:r>
+              <a:rPr lang="ko-KR" altLang="en-US" dirty="0" smtClean="0"/>
+              <a:t> 개발자가 하는 일이 </a:t>
+            </a:r>
+            <a:r>
+              <a:rPr lang="ko-KR" altLang="en-US" dirty="0" err="1" smtClean="0"/>
+              <a:t>다가아니구나</a:t>
+            </a:r>
+            <a:r>
+              <a:rPr lang="ko-KR" altLang="en-US" dirty="0" smtClean="0"/>
+              <a:t> </a:t>
+            </a:r>
+            <a:r>
+              <a:rPr lang="ko-KR" altLang="en-US" dirty="0" err="1" smtClean="0"/>
+              <a:t>더큰그림을</a:t>
+            </a:r>
+            <a:r>
+              <a:rPr lang="ko-KR" altLang="en-US" dirty="0" smtClean="0"/>
+              <a:t> 보고 </a:t>
+            </a:r>
+            <a:r>
+              <a:rPr lang="ko-KR" altLang="en-US" dirty="0" err="1" smtClean="0"/>
+              <a:t>생가가하고</a:t>
+            </a:r>
+            <a:r>
+              <a:rPr lang="ko-KR" altLang="en-US" dirty="0" smtClean="0"/>
+              <a:t> 코딩을 </a:t>
+            </a:r>
+            <a:r>
+              <a:rPr lang="ko-KR" altLang="en-US" dirty="0" err="1" smtClean="0"/>
+              <a:t>해야겠다라고</a:t>
+            </a:r>
+            <a:r>
+              <a:rPr lang="ko-KR" altLang="en-US" dirty="0" smtClean="0"/>
+              <a:t> </a:t>
+            </a:r>
+            <a:r>
+              <a:rPr lang="ko-KR" altLang="en-US" dirty="0" err="1" smtClean="0"/>
+              <a:t>생각하엿씁니다</a:t>
+            </a:r>
+            <a:r>
+              <a:rPr lang="en-US" altLang="ko-KR" dirty="0" smtClean="0"/>
+              <a:t>.</a:t>
+            </a:r>
+            <a:r>
+              <a:rPr lang="ko-KR" altLang="en-US" dirty="0" err="1" smtClean="0"/>
+              <a:t>프론트는</a:t>
+            </a:r>
+            <a:r>
+              <a:rPr lang="ko-KR" altLang="en-US" dirty="0" smtClean="0"/>
+              <a:t> </a:t>
+            </a:r>
+            <a:r>
+              <a:rPr lang="ko-KR" altLang="en-US" dirty="0" smtClean="0"/>
+              <a:t>비록 </a:t>
             </a:r>
             <a:r>
               <a:rPr lang="en-US" altLang="ko-KR" dirty="0" smtClean="0"/>
@@ -7655,8 +8386,19 @@
             </a:r>
             <a:r>
               <a:rPr lang="ko-KR" altLang="en-US" baseline="0" dirty="0" smtClean="0"/>
-              <a:t>부터는 지원함으로 사용은 가능할듯</a:t>
-            </a:r>
+              <a:t>부터는 지원함으로 사용은 </a:t>
+            </a:r>
+            <a:r>
+              <a:rPr lang="ko-KR" altLang="en-US" baseline="0" dirty="0" err="1" smtClean="0"/>
+              <a:t>가능할듯</a:t>
+            </a:r>
+            <a:endParaRPr lang="en-US" altLang="ko-KR" baseline="0" dirty="0" smtClean="0"/>
+          </a:p>
+          <a:p>
+            <a:pPr marL="0" indent="0">
+              <a:buFontTx/>
+              <a:buNone/>
+            </a:pPr>
             <a:endParaRPr lang="en-US" altLang="ko-KR" baseline="0" dirty="0" smtClean="0"/>
           </a:p>
           <a:p>
@@ -7702,7 +8444,230 @@
             </a:r>
             <a:r>
               <a:rPr lang="ko-KR" altLang="en-US" baseline="0" dirty="0" smtClean="0"/>
-              <a:t>버젼으로 교체후 그냥 진행하엿다</a:t>
+              <a:t>버젼으로 교체후 그냥 </a:t>
+            </a:r>
+            <a:r>
+              <a:rPr lang="ko-KR" altLang="en-US" baseline="0" dirty="0" err="1" smtClean="0"/>
+              <a:t>진행하엿다</a:t>
+            </a:r>
+            <a:r>
+              <a:rPr lang="en-US" altLang="ko-KR" baseline="0" dirty="0" smtClean="0"/>
+              <a:t>. </a:t>
+            </a:r>
+            <a:r>
+              <a:rPr lang="ko-KR" altLang="en-US" baseline="0" dirty="0" smtClean="0"/>
+              <a:t>하지만 </a:t>
+            </a:r>
+            <a:r>
+              <a:rPr lang="ko-KR" altLang="en-US" baseline="0" dirty="0" err="1" smtClean="0"/>
+              <a:t>구글</a:t>
+            </a:r>
+            <a:r>
+              <a:rPr lang="ko-KR" altLang="en-US" baseline="0" dirty="0" smtClean="0"/>
+              <a:t> </a:t>
+            </a:r>
+            <a:r>
+              <a:rPr lang="ko-KR" altLang="en-US" baseline="0" dirty="0" err="1" smtClean="0"/>
+              <a:t>소셜</a:t>
+            </a:r>
+            <a:r>
+              <a:rPr lang="ko-KR" altLang="en-US" baseline="0" dirty="0" smtClean="0"/>
+              <a:t> 로그인 구현하는 과정에서 </a:t>
+            </a:r>
+            <a:endParaRPr lang="en-US" altLang="ko-KR" baseline="0" dirty="0" smtClean="0"/>
+          </a:p>
+          <a:p>
+            <a:pPr marL="171450" indent="-171450">
+              <a:buFontTx/>
+              <a:buChar char="-"/>
+            </a:pPr>
+            <a:r>
+              <a:rPr lang="en-US" altLang="ko-KR" sz="1200" b="0" i="0" kern="1200" dirty="0" err="1" smtClean="0">
+                <a:solidFill>
+                  <a:schemeClr val="tx1"/>
+                </a:solidFill>
+                <a:effectLst/>
+                <a:latin typeface="+mn-lt"/>
+                <a:ea typeface="+mn-ea"/>
+                <a:cs typeface="+mn-cs"/>
+              </a:rPr>
+              <a:t>SSLHandshakeException</a:t>
+            </a:r>
+            <a:r>
+              <a:rPr lang="en-US" altLang="ko-KR" sz="1200" b="0" i="0" kern="1200" dirty="0" smtClean="0">
+                <a:solidFill>
+                  <a:schemeClr val="tx1"/>
+                </a:solidFill>
+                <a:effectLst/>
+                <a:latin typeface="+mn-lt"/>
+                <a:ea typeface="+mn-ea"/>
+                <a:cs typeface="+mn-cs"/>
+              </a:rPr>
+              <a:t> </a:t>
+            </a:r>
+            <a:r>
+              <a:rPr lang="ko-KR" altLang="en-US" baseline="0" dirty="0" smtClean="0"/>
+              <a:t>오류가 계속 </a:t>
+            </a:r>
+            <a:r>
+              <a:rPr lang="ko-KR" altLang="en-US" baseline="0" dirty="0" err="1" smtClean="0"/>
+              <a:t>지속되엇고</a:t>
+            </a:r>
+            <a:r>
+              <a:rPr lang="ko-KR" altLang="en-US" baseline="0" dirty="0" smtClean="0"/>
+              <a:t> </a:t>
+            </a:r>
+            <a:r>
+              <a:rPr lang="en-US" altLang="ko-KR" baseline="0" dirty="0" err="1" smtClean="0"/>
+              <a:t>Jdk</a:t>
+            </a:r>
+            <a:r>
+              <a:rPr lang="en-US" altLang="ko-KR" baseline="0" dirty="0" smtClean="0"/>
+              <a:t> 10 </a:t>
+            </a:r>
+            <a:r>
+              <a:rPr lang="ko-KR" altLang="en-US" baseline="0" dirty="0" smtClean="0"/>
+              <a:t>버전에서 </a:t>
+            </a:r>
+            <a:r>
+              <a:rPr lang="ko-KR" altLang="en-US" baseline="0" dirty="0" err="1" smtClean="0"/>
+              <a:t>요청시에</a:t>
+            </a:r>
+            <a:r>
+              <a:rPr lang="ko-KR" altLang="en-US" baseline="0" dirty="0" smtClean="0"/>
+              <a:t> </a:t>
+            </a:r>
+            <a:r>
+              <a:rPr lang="ko-KR" altLang="en-US" baseline="0" dirty="0" err="1" smtClean="0"/>
+              <a:t>구글이나</a:t>
+            </a:r>
+            <a:r>
+              <a:rPr lang="ko-KR" altLang="en-US" baseline="0" dirty="0" smtClean="0"/>
+              <a:t> </a:t>
+            </a:r>
+            <a:r>
+              <a:rPr lang="ko-KR" altLang="en-US" baseline="0" dirty="0" err="1" smtClean="0"/>
+              <a:t>하이워스</a:t>
+            </a:r>
+            <a:r>
+              <a:rPr lang="ko-KR" altLang="en-US" baseline="0" dirty="0" smtClean="0"/>
+              <a:t> </a:t>
+            </a:r>
+            <a:r>
+              <a:rPr lang="en-US" altLang="ko-KR" baseline="0" dirty="0" err="1" smtClean="0"/>
+              <a:t>api</a:t>
+            </a:r>
+            <a:r>
+              <a:rPr lang="en-US" altLang="ko-KR" baseline="0" dirty="0" smtClean="0"/>
+              <a:t> </a:t>
+            </a:r>
+            <a:r>
+              <a:rPr lang="ko-KR" altLang="en-US" baseline="0" dirty="0" smtClean="0"/>
+              <a:t>사이트 </a:t>
+            </a:r>
+            <a:r>
+              <a:rPr lang="ko-KR" altLang="en-US" baseline="0" dirty="0" err="1" smtClean="0"/>
+              <a:t>읹으서가</a:t>
+            </a:r>
+            <a:r>
+              <a:rPr lang="ko-KR" altLang="en-US" baseline="0" dirty="0" smtClean="0"/>
+              <a:t> </a:t>
+            </a:r>
+            <a:r>
+              <a:rPr lang="en-US" altLang="ko-KR" baseline="0" dirty="0" err="1" smtClean="0"/>
+              <a:t>jdk</a:t>
+            </a:r>
+            <a:r>
+              <a:rPr lang="en-US" altLang="ko-KR" baseline="0" dirty="0" smtClean="0"/>
+              <a:t> </a:t>
+            </a:r>
+            <a:r>
+              <a:rPr lang="en-US" altLang="ko-KR" baseline="0" dirty="0" err="1" smtClean="0"/>
+              <a:t>keystore</a:t>
+            </a:r>
+            <a:r>
+              <a:rPr lang="en-US" altLang="ko-KR" baseline="0" dirty="0" smtClean="0"/>
+              <a:t> </a:t>
+            </a:r>
+            <a:r>
+              <a:rPr lang="ko-KR" altLang="en-US" baseline="0" dirty="0" smtClean="0"/>
+              <a:t>내부에 </a:t>
+            </a:r>
+            <a:r>
+              <a:rPr lang="ko-KR" altLang="en-US" baseline="0" dirty="0" err="1" smtClean="0"/>
+              <a:t>존재하지안</a:t>
+            </a:r>
+            <a:r>
+              <a:rPr lang="ko-KR" altLang="en-US" baseline="0" dirty="0" smtClean="0"/>
+              <a:t> 아서 오류가 지속되는 것으로 판단해 직접 인증서를 넣어줌 </a:t>
+            </a:r>
+            <a:r>
+              <a:rPr lang="ko-KR" altLang="en-US" baseline="0" dirty="0" err="1" smtClean="0"/>
+              <a:t>그후</a:t>
+            </a:r>
+            <a:r>
+              <a:rPr lang="ko-KR" altLang="en-US" baseline="0" dirty="0" smtClean="0"/>
+              <a:t> 정상적으로 </a:t>
+            </a:r>
+            <a:r>
+              <a:rPr lang="ko-KR" altLang="en-US" baseline="0" dirty="0" err="1" smtClean="0"/>
+              <a:t>구동되었은나</a:t>
+            </a:r>
+            <a:r>
+              <a:rPr lang="ko-KR" altLang="en-US" baseline="0" dirty="0" smtClean="0"/>
+              <a:t> </a:t>
+            </a:r>
+            <a:r>
+              <a:rPr lang="ko-KR" altLang="en-US" baseline="0" dirty="0" err="1" smtClean="0"/>
+              <a:t>구글은</a:t>
+            </a:r>
+            <a:r>
+              <a:rPr lang="ko-KR" altLang="en-US" baseline="0" dirty="0" smtClean="0"/>
+              <a:t> </a:t>
+            </a:r>
+            <a:r>
+              <a:rPr lang="ko-KR" altLang="en-US" baseline="0" dirty="0" err="1" smtClean="0"/>
+              <a:t>간혈적으로</a:t>
+            </a:r>
+            <a:r>
+              <a:rPr lang="ko-KR" altLang="en-US" baseline="0" dirty="0" smtClean="0"/>
+              <a:t> 인증서오류가 </a:t>
+            </a:r>
+            <a:r>
+              <a:rPr lang="ko-KR" altLang="en-US" baseline="0" dirty="0" err="1" smtClean="0"/>
+              <a:t>지속적으</a:t>
+            </a:r>
+            <a:r>
+              <a:rPr lang="ko-KR" altLang="en-US" baseline="0" dirty="0" smtClean="0"/>
+              <a:t> </a:t>
+            </a:r>
+            <a:r>
+              <a:rPr lang="ko-KR" altLang="en-US" baseline="0" dirty="0" err="1" smtClean="0"/>
+              <a:t>ㅗ발생해서</a:t>
+            </a:r>
+            <a:r>
+              <a:rPr lang="ko-KR" altLang="en-US" baseline="0" dirty="0" smtClean="0"/>
+              <a:t> </a:t>
+            </a:r>
+            <a:r>
+              <a:rPr lang="en-US" altLang="ko-KR" baseline="0" dirty="0" err="1" smtClean="0"/>
+              <a:t>jdk</a:t>
+            </a:r>
+            <a:r>
+              <a:rPr lang="en-US" altLang="ko-KR" baseline="0" dirty="0" smtClean="0"/>
+              <a:t> </a:t>
+            </a:r>
+            <a:r>
+              <a:rPr lang="ko-KR" altLang="en-US" baseline="0" dirty="0" err="1" smtClean="0"/>
+              <a:t>젼을</a:t>
+            </a:r>
+            <a:r>
+              <a:rPr lang="ko-KR" altLang="en-US" baseline="0" dirty="0" smtClean="0"/>
+              <a:t> </a:t>
+            </a:r>
+            <a:r>
+              <a:rPr lang="ko-KR" altLang="en-US" baseline="0" dirty="0" err="1" smtClean="0"/>
+              <a:t>변경하엿다</a:t>
             </a:r>
             <a:r>
               <a:rPr lang="en-US" altLang="ko-KR" baseline="0" dirty="0" smtClean="0"/>
@@ -9086,7 +10051,7 @@
           <a:p>
             <a:fld id="{3AC7D0C1-D5FE-48CB-AEB6-E9E3D1C2E343}" type="datetimeFigureOut">
               <a:rPr lang="ko-KR" altLang="en-US" smtClean="0"/>
-              <a:t>2019-10-14</a:t>
+              <a:t>2019-10-15</a:t>
             </a:fld>
             <a:endParaRPr lang="ko-KR" altLang="en-US"/>
           </a:p>
@@ -9254,7 +10219,7 @@
           <a:p>
             <a:fld id="{3AC7D0C1-D5FE-48CB-AEB6-E9E3D1C2E343}" type="datetimeFigureOut">
               <a:rPr lang="ko-KR" altLang="en-US" smtClean="0"/>
-              <a:t>2019-10-14</a:t>
+              <a:t>2019-10-15</a:t>
             </a:fld>
             <a:endParaRPr lang="ko-KR" altLang="en-US"/>
           </a:p>
@@ -9432,7 +10397,7 @@
           <a:p>
             <a:fld id="{3AC7D0C1-D5FE-48CB-AEB6-E9E3D1C2E343}" type="datetimeFigureOut">
               <a:rPr lang="ko-KR" altLang="en-US" smtClean="0"/>
-              <a:t>2019-10-14</a:t>
+              <a:t>2019-10-15</a:t>
             </a:fld>
             <a:endParaRPr lang="ko-KR" altLang="en-US"/>
           </a:p>
@@ -9600,7 +10565,7 @@
           <a:p>
             <a:fld id="{3AC7D0C1-D5FE-48CB-AEB6-E9E3D1C2E343}" type="datetimeFigureOut">
               <a:rPr lang="ko-KR" altLang="en-US" smtClean="0"/>
-              <a:t>2019-10-14</a:t>
+              <a:t>2019-10-15</a:t>
             </a:fld>
             <a:endParaRPr lang="ko-KR" altLang="en-US"/>
           </a:p>
@@ -9845,7 +10810,7 @@
           <a:p>
             <a:fld id="{3AC7D0C1-D5FE-48CB-AEB6-E9E3D1C2E343}" type="datetimeFigureOut">
               <a:rPr lang="ko-KR" altLang="en-US" smtClean="0"/>
-              <a:t>2019-10-14</a:t>
+              <a:t>2019-10-15</a:t>
             </a:fld>
             <a:endParaRPr lang="ko-KR" altLang="en-US"/>
           </a:p>
@@ -10074,7 +11039,7 @@
           <a:p>
             <a:fld id="{3AC7D0C1-D5FE-48CB-AEB6-E9E3D1C2E343}" type="datetimeFigureOut">
               <a:rPr lang="ko-KR" altLang="en-US" smtClean="0"/>
-              <a:t>2019-10-14</a:t>
+              <a:t>2019-10-15</a:t>
             </a:fld>
             <a:endParaRPr lang="ko-KR" altLang="en-US"/>
           </a:p>
@@ -10438,7 +11403,7 @@
           <a:p>
             <a:fld id="{3AC7D0C1-D5FE-48CB-AEB6-E9E3D1C2E343}" type="datetimeFigureOut">
               <a:rPr lang="ko-KR" altLang="en-US" smtClean="0"/>
-              <a:t>2019-10-14</a:t>
+              <a:t>2019-10-15</a:t>
             </a:fld>
             <a:endParaRPr lang="ko-KR" altLang="en-US"/>
           </a:p>
@@ -10555,7 +11520,7 @@
           <a:p>
             <a:fld id="{3AC7D0C1-D5FE-48CB-AEB6-E9E3D1C2E343}" type="datetimeFigureOut">
               <a:rPr lang="ko-KR" altLang="en-US" smtClean="0"/>
-              <a:t>2019-10-14</a:t>
+              <a:t>2019-10-15</a:t>
             </a:fld>
             <a:endParaRPr lang="ko-KR" altLang="en-US"/>
           </a:p>
@@ -10650,7 +11615,7 @@
           <a:p>
             <a:fld id="{3AC7D0C1-D5FE-48CB-AEB6-E9E3D1C2E343}" type="datetimeFigureOut">
               <a:rPr lang="ko-KR" altLang="en-US" smtClean="0"/>
-              <a:t>2019-10-14</a:t>
+              <a:t>2019-10-15</a:t>
             </a:fld>
             <a:endParaRPr lang="ko-KR" altLang="en-US"/>
           </a:p>
@@ -10925,7 +11890,7 @@
           <a:p>
             <a:fld id="{3AC7D0C1-D5FE-48CB-AEB6-E9E3D1C2E343}" type="datetimeFigureOut">
               <a:rPr lang="ko-KR" altLang="en-US" smtClean="0"/>
-              <a:t>2019-10-14</a:t>
+              <a:t>2019-10-15</a:t>
             </a:fld>
             <a:endParaRPr lang="ko-KR" altLang="en-US"/>
           </a:p>
@@ -11177,7 +12142,7 @@
           <a:p>
             <a:fld id="{3AC7D0C1-D5FE-48CB-AEB6-E9E3D1C2E343}" type="datetimeFigureOut">
               <a:rPr lang="ko-KR" altLang="en-US" smtClean="0"/>
-              <a:t>2019-10-14</a:t>
+              <a:t>2019-10-15</a:t>
             </a:fld>
             <a:endParaRPr lang="ko-KR" altLang="en-US"/>
           </a:p>
@@ -11388,7 +12353,7 @@
           <a:p>
             <a:fld id="{3AC7D0C1-D5FE-48CB-AEB6-E9E3D1C2E343}" type="datetimeFigureOut">
               <a:rPr lang="ko-KR" altLang="en-US" smtClean="0"/>
-              <a:t>2019-10-14</a:t>
+              <a:t>2019-10-15</a:t>
             </a:fld>
             <a:endParaRPr lang="ko-KR" altLang="en-US"/>
           </a:p>
@@ -11477,7 +12442,7 @@
           <p:cNvPr id="7" name="TextBox 6">
             <a:extLst>
               <a:ext uri="{FF2B5EF4-FFF2-40B4-BE49-F238E27FC236}">
-                <a16:creationId xmlns="" xmlns:a16="http://schemas.microsoft.com/office/drawing/2014/main" id="{691811B0-B48E-441A-87FD-055ECECA2FB0}"/>
+                <a16:creationId xmlns:a16="http://schemas.microsoft.com/office/drawing/2014/main" xmlns="" id="{691811B0-B48E-441A-87FD-055ECECA2FB0}"/>
               </a:ext>
             </a:extLst>
           </p:cNvPr>
@@ -12070,44 +13035,6 @@
       </p:cxnSp>
       <p:sp>
         <p:nvSpPr>
-          <p:cNvPr id="8" name="TextBox 7"/>
-          <p:cNvSpPr txBox="1"/>
-          <p:nvPr/>
-        </p:nvSpPr>
-        <p:spPr>
-          <a:xfrm>
-            <a:off x="10985500" y="6267420"/>
-            <a:ext cx="1079142" cy="307777"/>
-          </a:xfrm>
-          <a:prstGeom prst="rect">
-            <a:avLst/>
-          </a:prstGeom>
-          <a:noFill/>
-        </p:spPr>
-        <p:txBody>
-          <a:bodyPr wrap="none" rtlCol="0">
-            <a:spAutoFit/>
-          </a:bodyPr>
-          <a:lstStyle/>
-          <a:p>
-            <a:r>
-              <a:rPr lang="en-US" altLang="ko-KR" sz="1400" dirty="0" smtClean="0">
-                <a:solidFill>
-                  <a:schemeClr val="bg1"/>
-                </a:solidFill>
-              </a:rPr>
-              <a:t>2019.10.17</a:t>
-            </a:r>
-            <a:endParaRPr lang="ko-KR" altLang="en-US" sz="1400" dirty="0">
-              <a:solidFill>
-                <a:schemeClr val="bg1"/>
-              </a:solidFill>
-            </a:endParaRPr>
-          </a:p>
-        </p:txBody>
-      </p:sp>
-      <p:sp>
-        <p:nvSpPr>
           <p:cNvPr id="9" name="TextBox 8"/>
           <p:cNvSpPr txBox="1"/>
           <p:nvPr/>
@@ -19577,15 +20504,7 @@
                   <a:schemeClr val="accent4"/>
                 </a:solidFill>
               </a:rPr>
-              <a:t>Library </a:t>
-            </a:r>
-            <a:r>
-              <a:rPr lang="en-US" altLang="ko-KR" b="1" dirty="0" smtClean="0">
-                <a:solidFill>
-                  <a:schemeClr val="accent4"/>
-                </a:solidFill>
-              </a:rPr>
-              <a:t>interface </a:t>
+              <a:t>Library interface </a:t>
             </a:r>
             <a:r>
               <a:rPr lang="ko-KR" altLang="en-US" b="1" dirty="0" smtClean="0">
@@ -19708,13 +20627,6 @@
               </a:rPr>
               <a:t>끝맺음</a:t>
             </a:r>
-            <a:endParaRPr lang="ko-KR" altLang="en-US" sz="3000" spc="-150" dirty="0">
-              <a:solidFill>
-                <a:schemeClr val="accent4"/>
-              </a:solidFill>
-              <a:latin typeface="+mj-ea"/>
-              <a:ea typeface="+mj-ea"/>
-            </a:endParaRPr>
           </a:p>
         </p:txBody>
       </p:sp>
@@ -20224,11 +21136,6 @@
               </a:rPr>
               <a:t>끝맺음</a:t>
             </a:r>
-            <a:endParaRPr lang="ko-KR" altLang="en-US" spc="-150" dirty="0">
-              <a:solidFill>
-                <a:schemeClr val="bg1"/>
-              </a:solidFill>
-            </a:endParaRPr>
           </a:p>
         </p:txBody>
       </p:sp>
@@ -20950,15 +21857,7 @@
                   <a:schemeClr val="accent4"/>
                 </a:solidFill>
               </a:rPr>
-              <a:t>다양한 </a:t>
-            </a:r>
-            <a:r>
-              <a:rPr lang="ko-KR" altLang="en-US" b="1" dirty="0" smtClean="0">
-                <a:solidFill>
-                  <a:schemeClr val="accent4"/>
-                </a:solidFill>
-              </a:rPr>
-              <a:t>기</a:t>
+              <a:t>다양한 기</a:t>
             </a:r>
             <a:r>
               <a:rPr lang="ko-KR" altLang="en-US" b="1" dirty="0">
@@ -21162,12 +22061,6 @@
               </a:rPr>
               <a:t>끝맺음</a:t>
             </a:r>
-            <a:endParaRPr lang="ko-KR" altLang="en-US" sz="3000" spc="-150" dirty="0">
-              <a:solidFill>
-                <a:schemeClr val="accent4"/>
-              </a:solidFill>
-              <a:latin typeface="+mj-ea"/>
-            </a:endParaRPr>
           </a:p>
         </p:txBody>
       </p:sp>
@@ -26752,8 +27645,21 @@
                   <a:schemeClr val="accent4"/>
                 </a:solidFill>
               </a:rPr>
-              <a:t>Open JDK 10.0.2</a:t>
-            </a:r>
+              <a:t>Open JDK </a:t>
+            </a:r>
+            <a:r>
+              <a:rPr lang="en-US" altLang="ko-KR" b="1" dirty="0" smtClean="0">
+                <a:solidFill>
+                  <a:schemeClr val="accent4"/>
+                </a:solidFill>
+              </a:rPr>
+              <a:t>11.0.2</a:t>
+            </a:r>
+            <a:endParaRPr lang="en-US" altLang="ko-KR" b="1" dirty="0" smtClean="0">
+              <a:solidFill>
+                <a:schemeClr val="accent4"/>
+              </a:solidFill>
+            </a:endParaRPr>
           </a:p>
           <a:p>
             <a:pPr marL="742950" lvl="1" indent="-285750">
@@ -27227,7 +28133,7 @@
   <a:extraClrSchemeLst/>
   <a:extLst>
     <a:ext uri="{05A4C25C-085E-4340-85A3-A5531E510DB2}">
-      <thm15:themeFamily xmlns:thm15="http://schemas.microsoft.com/office/thememl/2012/main" xmlns="" name="Office Theme" id="{62F939B6-93AF-4DB8-9C6B-D6C7DFDC589F}" vid="{4A3C46E8-61CC-4603-A589-7422A47A8E4A}"/>
+      <thm15:themeFamily xmlns:thm15="http://schemas.microsoft.com/office/thememl/2012/main" name="Office Theme" id="{62F939B6-93AF-4DB8-9C6B-D6C7DFDC589F}" vid="{4A3C46E8-61CC-4603-A589-7422A47A8E4A}"/>
     </a:ext>
   </a:extLst>
 </a:theme>
@@ -27488,7 +28394,7 @@
   <a:extraClrSchemeLst/>
   <a:extLst>
     <a:ext uri="{05A4C25C-085E-4340-85A3-A5531E510DB2}">
-      <thm15:themeFamily xmlns:thm15="http://schemas.microsoft.com/office/thememl/2012/main" xmlns="" name="Office Theme" id="{62F939B6-93AF-4DB8-9C6B-D6C7DFDC589F}" vid="{4A3C46E8-61CC-4603-A589-7422A47A8E4A}"/>
+      <thm15:themeFamily xmlns:thm15="http://schemas.microsoft.com/office/thememl/2012/main" name="Office Theme" id="{62F939B6-93AF-4DB8-9C6B-D6C7DFDC589F}" vid="{4A3C46E8-61CC-4603-A589-7422A47A8E4A}"/>
     </a:ext>
   </a:extLst>
 </a:theme>
